--- a/Seismic Drones/CASE-2016/pictures/exp_2_ellipse.pptx
+++ b/Seismic Drones/CASE-2016/pictures/exp_2_ellipse.pptx
@@ -2,7 +2,7 @@
 <file path=ppt/presentation.xml><?xml version="1.0" encoding="utf-8"?>
 <p:presentation xmlns:a="http://schemas.openxmlformats.org/drawingml/2006/main" xmlns:r="http://schemas.openxmlformats.org/officeDocument/2006/relationships" xmlns:p="http://schemas.openxmlformats.org/presentationml/2006/main" saveSubsetFonts="1">
   <p:sldMasterIdLst>
-    <p:sldMasterId id="2147483936" r:id="rId1"/>
+    <p:sldMasterId id="2147483996" r:id="rId1"/>
   </p:sldMasterIdLst>
   <p:notesMasterIdLst>
     <p:notesMasterId r:id="rId3"/>
@@ -10,14 +10,14 @@
   <p:sldIdLst>
     <p:sldId id="257" r:id="rId2"/>
   </p:sldIdLst>
-  <p:sldSz cx="5943600" cy="8961438"/>
+  <p:sldSz cx="5121275" cy="2743200"/>
   <p:notesSz cx="6858000" cy="9144000"/>
   <p:defaultTextStyle>
     <a:defPPr>
       <a:defRPr lang="en-US"/>
     </a:defPPr>
-    <a:lvl1pPr marL="0" algn="l" defTabSz="772726" rtl="0" eaLnBrk="1" latinLnBrk="0" hangingPunct="1">
-      <a:defRPr sz="1520" kern="1200">
+    <a:lvl1pPr marL="0" algn="l" defTabSz="412417" rtl="0" eaLnBrk="1" latinLnBrk="0" hangingPunct="1">
+      <a:defRPr sz="811" kern="1200">
         <a:solidFill>
           <a:schemeClr val="tx1"/>
         </a:solidFill>
@@ -26,8 +26,8 @@
         <a:cs typeface="+mn-cs"/>
       </a:defRPr>
     </a:lvl1pPr>
-    <a:lvl2pPr marL="386361" algn="l" defTabSz="772726" rtl="0" eaLnBrk="1" latinLnBrk="0" hangingPunct="1">
-      <a:defRPr sz="1520" kern="1200">
+    <a:lvl2pPr marL="206208" algn="l" defTabSz="412417" rtl="0" eaLnBrk="1" latinLnBrk="0" hangingPunct="1">
+      <a:defRPr sz="811" kern="1200">
         <a:solidFill>
           <a:schemeClr val="tx1"/>
         </a:solidFill>
@@ -36,8 +36,8 @@
         <a:cs typeface="+mn-cs"/>
       </a:defRPr>
     </a:lvl2pPr>
-    <a:lvl3pPr marL="772726" algn="l" defTabSz="772726" rtl="0" eaLnBrk="1" latinLnBrk="0" hangingPunct="1">
-      <a:defRPr sz="1520" kern="1200">
+    <a:lvl3pPr marL="412417" algn="l" defTabSz="412417" rtl="0" eaLnBrk="1" latinLnBrk="0" hangingPunct="1">
+      <a:defRPr sz="811" kern="1200">
         <a:solidFill>
           <a:schemeClr val="tx1"/>
         </a:solidFill>
@@ -46,8 +46,8 @@
         <a:cs typeface="+mn-cs"/>
       </a:defRPr>
     </a:lvl3pPr>
-    <a:lvl4pPr marL="1159086" algn="l" defTabSz="772726" rtl="0" eaLnBrk="1" latinLnBrk="0" hangingPunct="1">
-      <a:defRPr sz="1520" kern="1200">
+    <a:lvl4pPr marL="618625" algn="l" defTabSz="412417" rtl="0" eaLnBrk="1" latinLnBrk="0" hangingPunct="1">
+      <a:defRPr sz="811" kern="1200">
         <a:solidFill>
           <a:schemeClr val="tx1"/>
         </a:solidFill>
@@ -56,8 +56,8 @@
         <a:cs typeface="+mn-cs"/>
       </a:defRPr>
     </a:lvl4pPr>
-    <a:lvl5pPr marL="1545447" algn="l" defTabSz="772726" rtl="0" eaLnBrk="1" latinLnBrk="0" hangingPunct="1">
-      <a:defRPr sz="1520" kern="1200">
+    <a:lvl5pPr marL="824831" algn="l" defTabSz="412417" rtl="0" eaLnBrk="1" latinLnBrk="0" hangingPunct="1">
+      <a:defRPr sz="811" kern="1200">
         <a:solidFill>
           <a:schemeClr val="tx1"/>
         </a:solidFill>
@@ -66,8 +66,8 @@
         <a:cs typeface="+mn-cs"/>
       </a:defRPr>
     </a:lvl5pPr>
-    <a:lvl6pPr marL="1931813" algn="l" defTabSz="772726" rtl="0" eaLnBrk="1" latinLnBrk="0" hangingPunct="1">
-      <a:defRPr sz="1520" kern="1200">
+    <a:lvl6pPr marL="1031043" algn="l" defTabSz="412417" rtl="0" eaLnBrk="1" latinLnBrk="0" hangingPunct="1">
+      <a:defRPr sz="811" kern="1200">
         <a:solidFill>
           <a:schemeClr val="tx1"/>
         </a:solidFill>
@@ -76,8 +76,8 @@
         <a:cs typeface="+mn-cs"/>
       </a:defRPr>
     </a:lvl6pPr>
-    <a:lvl7pPr marL="2318172" algn="l" defTabSz="772726" rtl="0" eaLnBrk="1" latinLnBrk="0" hangingPunct="1">
-      <a:defRPr sz="1520" kern="1200">
+    <a:lvl7pPr marL="1237249" algn="l" defTabSz="412417" rtl="0" eaLnBrk="1" latinLnBrk="0" hangingPunct="1">
+      <a:defRPr sz="811" kern="1200">
         <a:solidFill>
           <a:schemeClr val="tx1"/>
         </a:solidFill>
@@ -86,8 +86,8 @@
         <a:cs typeface="+mn-cs"/>
       </a:defRPr>
     </a:lvl7pPr>
-    <a:lvl8pPr marL="2704533" algn="l" defTabSz="772726" rtl="0" eaLnBrk="1" latinLnBrk="0" hangingPunct="1">
-      <a:defRPr sz="1520" kern="1200">
+    <a:lvl8pPr marL="1443457" algn="l" defTabSz="412417" rtl="0" eaLnBrk="1" latinLnBrk="0" hangingPunct="1">
+      <a:defRPr sz="811" kern="1200">
         <a:solidFill>
           <a:schemeClr val="tx1"/>
         </a:solidFill>
@@ -96,8 +96,8 @@
         <a:cs typeface="+mn-cs"/>
       </a:defRPr>
     </a:lvl8pPr>
-    <a:lvl9pPr marL="3090902" algn="l" defTabSz="772726" rtl="0" eaLnBrk="1" latinLnBrk="0" hangingPunct="1">
-      <a:defRPr sz="1520" kern="1200">
+    <a:lvl9pPr marL="1649668" algn="l" defTabSz="412417" rtl="0" eaLnBrk="1" latinLnBrk="0" hangingPunct="1">
+      <a:defRPr sz="811" kern="1200">
         <a:solidFill>
           <a:schemeClr val="tx1"/>
         </a:solidFill>
@@ -197,7 +197,7 @@
           <a:p>
             <a:fld id="{AA1C6256-7E50-4653-8D7D-F1FCAAC977E8}" type="datetimeFigureOut">
               <a:rPr lang="en-US" smtClean="0"/>
-              <a:t>3/5/2016</a:t>
+              <a:t>3/8/2016</a:t>
             </a:fld>
             <a:endParaRPr lang="en-US"/>
           </a:p>
@@ -215,8 +215,8 @@
         </p:nvSpPr>
         <p:spPr>
           <a:xfrm>
-            <a:off x="2405063" y="1143000"/>
-            <a:ext cx="2047875" cy="3086100"/>
+            <a:off x="549275" y="1143000"/>
+            <a:ext cx="5759450" cy="3086100"/>
           </a:xfrm>
           <a:prstGeom prst="rect">
             <a:avLst/>
@@ -371,8 +371,8 @@
   </p:cSld>
   <p:clrMap bg1="lt1" tx1="dk1" bg2="lt2" tx2="dk2" accent1="accent1" accent2="accent2" accent3="accent3" accent4="accent4" accent5="accent5" accent6="accent6" hlink="hlink" folHlink="folHlink"/>
   <p:notesStyle>
-    <a:lvl1pPr marL="0" algn="l" defTabSz="772726" rtl="0" eaLnBrk="1" latinLnBrk="0" hangingPunct="1">
-      <a:defRPr sz="1015" kern="1200">
+    <a:lvl1pPr marL="0" algn="l" defTabSz="412417" rtl="0" eaLnBrk="1" latinLnBrk="0" hangingPunct="1">
+      <a:defRPr sz="542" kern="1200">
         <a:solidFill>
           <a:schemeClr val="tx1"/>
         </a:solidFill>
@@ -381,8 +381,8 @@
         <a:cs typeface="+mn-cs"/>
       </a:defRPr>
     </a:lvl1pPr>
-    <a:lvl2pPr marL="386361" algn="l" defTabSz="772726" rtl="0" eaLnBrk="1" latinLnBrk="0" hangingPunct="1">
-      <a:defRPr sz="1015" kern="1200">
+    <a:lvl2pPr marL="206208" algn="l" defTabSz="412417" rtl="0" eaLnBrk="1" latinLnBrk="0" hangingPunct="1">
+      <a:defRPr sz="542" kern="1200">
         <a:solidFill>
           <a:schemeClr val="tx1"/>
         </a:solidFill>
@@ -391,8 +391,8 @@
         <a:cs typeface="+mn-cs"/>
       </a:defRPr>
     </a:lvl2pPr>
-    <a:lvl3pPr marL="772726" algn="l" defTabSz="772726" rtl="0" eaLnBrk="1" latinLnBrk="0" hangingPunct="1">
-      <a:defRPr sz="1015" kern="1200">
+    <a:lvl3pPr marL="412417" algn="l" defTabSz="412417" rtl="0" eaLnBrk="1" latinLnBrk="0" hangingPunct="1">
+      <a:defRPr sz="542" kern="1200">
         <a:solidFill>
           <a:schemeClr val="tx1"/>
         </a:solidFill>
@@ -401,8 +401,8 @@
         <a:cs typeface="+mn-cs"/>
       </a:defRPr>
     </a:lvl3pPr>
-    <a:lvl4pPr marL="1159086" algn="l" defTabSz="772726" rtl="0" eaLnBrk="1" latinLnBrk="0" hangingPunct="1">
-      <a:defRPr sz="1015" kern="1200">
+    <a:lvl4pPr marL="618625" algn="l" defTabSz="412417" rtl="0" eaLnBrk="1" latinLnBrk="0" hangingPunct="1">
+      <a:defRPr sz="542" kern="1200">
         <a:solidFill>
           <a:schemeClr val="tx1"/>
         </a:solidFill>
@@ -411,8 +411,8 @@
         <a:cs typeface="+mn-cs"/>
       </a:defRPr>
     </a:lvl4pPr>
-    <a:lvl5pPr marL="1545447" algn="l" defTabSz="772726" rtl="0" eaLnBrk="1" latinLnBrk="0" hangingPunct="1">
-      <a:defRPr sz="1015" kern="1200">
+    <a:lvl5pPr marL="824831" algn="l" defTabSz="412417" rtl="0" eaLnBrk="1" latinLnBrk="0" hangingPunct="1">
+      <a:defRPr sz="542" kern="1200">
         <a:solidFill>
           <a:schemeClr val="tx1"/>
         </a:solidFill>
@@ -421,8 +421,8 @@
         <a:cs typeface="+mn-cs"/>
       </a:defRPr>
     </a:lvl5pPr>
-    <a:lvl6pPr marL="1931813" algn="l" defTabSz="772726" rtl="0" eaLnBrk="1" latinLnBrk="0" hangingPunct="1">
-      <a:defRPr sz="1015" kern="1200">
+    <a:lvl6pPr marL="1031043" algn="l" defTabSz="412417" rtl="0" eaLnBrk="1" latinLnBrk="0" hangingPunct="1">
+      <a:defRPr sz="542" kern="1200">
         <a:solidFill>
           <a:schemeClr val="tx1"/>
         </a:solidFill>
@@ -431,8 +431,8 @@
         <a:cs typeface="+mn-cs"/>
       </a:defRPr>
     </a:lvl6pPr>
-    <a:lvl7pPr marL="2318172" algn="l" defTabSz="772726" rtl="0" eaLnBrk="1" latinLnBrk="0" hangingPunct="1">
-      <a:defRPr sz="1015" kern="1200">
+    <a:lvl7pPr marL="1237249" algn="l" defTabSz="412417" rtl="0" eaLnBrk="1" latinLnBrk="0" hangingPunct="1">
+      <a:defRPr sz="542" kern="1200">
         <a:solidFill>
           <a:schemeClr val="tx1"/>
         </a:solidFill>
@@ -441,8 +441,8 @@
         <a:cs typeface="+mn-cs"/>
       </a:defRPr>
     </a:lvl7pPr>
-    <a:lvl8pPr marL="2704533" algn="l" defTabSz="772726" rtl="0" eaLnBrk="1" latinLnBrk="0" hangingPunct="1">
-      <a:defRPr sz="1015" kern="1200">
+    <a:lvl8pPr marL="1443457" algn="l" defTabSz="412417" rtl="0" eaLnBrk="1" latinLnBrk="0" hangingPunct="1">
+      <a:defRPr sz="542" kern="1200">
         <a:solidFill>
           <a:schemeClr val="tx1"/>
         </a:solidFill>
@@ -451,8 +451,8 @@
         <a:cs typeface="+mn-cs"/>
       </a:defRPr>
     </a:lvl8pPr>
-    <a:lvl9pPr marL="3090902" algn="l" defTabSz="772726" rtl="0" eaLnBrk="1" latinLnBrk="0" hangingPunct="1">
-      <a:defRPr sz="1015" kern="1200">
+    <a:lvl9pPr marL="1649668" algn="l" defTabSz="412417" rtl="0" eaLnBrk="1" latinLnBrk="0" hangingPunct="1">
+      <a:defRPr sz="542" kern="1200">
         <a:solidFill>
           <a:schemeClr val="tx1"/>
         </a:solidFill>
@@ -494,8 +494,8 @@
         </p:nvSpPr>
         <p:spPr>
           <a:xfrm>
-            <a:off x="2405063" y="1143000"/>
-            <a:ext cx="2047875" cy="3086100"/>
+            <a:off x="549275" y="1143000"/>
+            <a:ext cx="5759450" cy="3086100"/>
           </a:xfrm>
         </p:spPr>
       </p:sp>
@@ -583,15 +583,15 @@
         </p:nvSpPr>
         <p:spPr>
           <a:xfrm>
-            <a:off x="445770" y="1466606"/>
-            <a:ext cx="5052060" cy="3119908"/>
+            <a:off x="640160" y="448945"/>
+            <a:ext cx="3840956" cy="955040"/>
           </a:xfrm>
         </p:spPr>
         <p:txBody>
           <a:bodyPr anchor="b"/>
           <a:lstStyle>
             <a:lvl1pPr algn="ctr">
-              <a:defRPr sz="3900"/>
+              <a:defRPr sz="2400"/>
             </a:lvl1pPr>
           </a:lstStyle>
           <a:p>
@@ -615,8 +615,8 @@
         </p:nvSpPr>
         <p:spPr>
           <a:xfrm>
-            <a:off x="742950" y="4706830"/>
-            <a:ext cx="4457700" cy="2163606"/>
+            <a:off x="640160" y="1440815"/>
+            <a:ext cx="3840956" cy="662305"/>
           </a:xfrm>
         </p:spPr>
         <p:txBody>
@@ -624,39 +624,39 @@
           <a:lstStyle>
             <a:lvl1pPr marL="0" indent="0" algn="ctr">
               <a:buNone/>
-              <a:defRPr sz="1560"/>
+              <a:defRPr sz="960"/>
             </a:lvl1pPr>
-            <a:lvl2pPr marL="297180" indent="0" algn="ctr">
-              <a:buNone/>
-              <a:defRPr sz="1300"/>
+            <a:lvl2pPr marL="182880" indent="0" algn="ctr">
+              <a:buNone/>
+              <a:defRPr sz="800"/>
             </a:lvl2pPr>
-            <a:lvl3pPr marL="594360" indent="0" algn="ctr">
-              <a:buNone/>
-              <a:defRPr sz="1170"/>
+            <a:lvl3pPr marL="365760" indent="0" algn="ctr">
+              <a:buNone/>
+              <a:defRPr sz="720"/>
             </a:lvl3pPr>
-            <a:lvl4pPr marL="891540" indent="0" algn="ctr">
-              <a:buNone/>
-              <a:defRPr sz="1040"/>
+            <a:lvl4pPr marL="548640" indent="0" algn="ctr">
+              <a:buNone/>
+              <a:defRPr sz="640"/>
             </a:lvl4pPr>
-            <a:lvl5pPr marL="1188720" indent="0" algn="ctr">
-              <a:buNone/>
-              <a:defRPr sz="1040"/>
+            <a:lvl5pPr marL="731520" indent="0" algn="ctr">
+              <a:buNone/>
+              <a:defRPr sz="640"/>
             </a:lvl5pPr>
-            <a:lvl6pPr marL="1485900" indent="0" algn="ctr">
-              <a:buNone/>
-              <a:defRPr sz="1040"/>
+            <a:lvl6pPr marL="914400" indent="0" algn="ctr">
+              <a:buNone/>
+              <a:defRPr sz="640"/>
             </a:lvl6pPr>
-            <a:lvl7pPr marL="1783080" indent="0" algn="ctr">
-              <a:buNone/>
-              <a:defRPr sz="1040"/>
+            <a:lvl7pPr marL="1097280" indent="0" algn="ctr">
+              <a:buNone/>
+              <a:defRPr sz="640"/>
             </a:lvl7pPr>
-            <a:lvl8pPr marL="2080260" indent="0" algn="ctr">
-              <a:buNone/>
-              <a:defRPr sz="1040"/>
+            <a:lvl8pPr marL="1280160" indent="0" algn="ctr">
+              <a:buNone/>
+              <a:defRPr sz="640"/>
             </a:lvl8pPr>
-            <a:lvl9pPr marL="2377440" indent="0" algn="ctr">
-              <a:buNone/>
-              <a:defRPr sz="1040"/>
+            <a:lvl9pPr marL="1463040" indent="0" algn="ctr">
+              <a:buNone/>
+              <a:defRPr sz="640"/>
             </a:lvl9pPr>
           </a:lstStyle>
           <a:p>
@@ -685,7 +685,7 @@
           <a:p>
             <a:fld id="{EF27D29F-6681-4284-A19E-BDF58AC0366A}" type="datetimeFigureOut">
               <a:rPr lang="en-US" smtClean="0"/>
-              <a:t>3/5/2016</a:t>
+              <a:t>3/8/2016</a:t>
             </a:fld>
             <a:endParaRPr lang="en-US"/>
           </a:p>
@@ -736,7 +736,7 @@
     </p:spTree>
     <p:extLst>
       <p:ext uri="{BB962C8B-B14F-4D97-AF65-F5344CB8AC3E}">
-        <p14:creationId xmlns:p14="http://schemas.microsoft.com/office/powerpoint/2010/main" val="2646314506"/>
+        <p14:creationId xmlns:p14="http://schemas.microsoft.com/office/powerpoint/2010/main" val="2160231694"/>
       </p:ext>
     </p:extLst>
   </p:cSld>
@@ -855,7 +855,7 @@
           <a:p>
             <a:fld id="{EF27D29F-6681-4284-A19E-BDF58AC0366A}" type="datetimeFigureOut">
               <a:rPr lang="en-US" smtClean="0"/>
-              <a:t>3/5/2016</a:t>
+              <a:t>3/8/2016</a:t>
             </a:fld>
             <a:endParaRPr lang="en-US"/>
           </a:p>
@@ -906,7 +906,7 @@
     </p:spTree>
     <p:extLst>
       <p:ext uri="{BB962C8B-B14F-4D97-AF65-F5344CB8AC3E}">
-        <p14:creationId xmlns:p14="http://schemas.microsoft.com/office/powerpoint/2010/main" val="2541734120"/>
+        <p14:creationId xmlns:p14="http://schemas.microsoft.com/office/powerpoint/2010/main" val="2873834509"/>
       </p:ext>
     </p:extLst>
   </p:cSld>
@@ -945,8 +945,8 @@
         </p:nvSpPr>
         <p:spPr>
           <a:xfrm>
-            <a:off x="4253389" y="477114"/>
-            <a:ext cx="1281589" cy="7594404"/>
+            <a:off x="3664912" y="146050"/>
+            <a:ext cx="1104275" cy="2324735"/>
           </a:xfrm>
         </p:spPr>
         <p:txBody>
@@ -973,8 +973,8 @@
         </p:nvSpPr>
         <p:spPr>
           <a:xfrm>
-            <a:off x="408623" y="477114"/>
-            <a:ext cx="3770471" cy="7594404"/>
+            <a:off x="352088" y="146050"/>
+            <a:ext cx="3248809" cy="2324735"/>
           </a:xfrm>
         </p:spPr>
         <p:txBody>
@@ -1035,7 +1035,7 @@
           <a:p>
             <a:fld id="{EF27D29F-6681-4284-A19E-BDF58AC0366A}" type="datetimeFigureOut">
               <a:rPr lang="en-US" smtClean="0"/>
-              <a:t>3/5/2016</a:t>
+              <a:t>3/8/2016</a:t>
             </a:fld>
             <a:endParaRPr lang="en-US"/>
           </a:p>
@@ -1086,7 +1086,7 @@
     </p:spTree>
     <p:extLst>
       <p:ext uri="{BB962C8B-B14F-4D97-AF65-F5344CB8AC3E}">
-        <p14:creationId xmlns:p14="http://schemas.microsoft.com/office/powerpoint/2010/main" val="214510486"/>
+        <p14:creationId xmlns:p14="http://schemas.microsoft.com/office/powerpoint/2010/main" val="2921562276"/>
       </p:ext>
     </p:extLst>
   </p:cSld>
@@ -1205,7 +1205,7 @@
           <a:p>
             <a:fld id="{EF27D29F-6681-4284-A19E-BDF58AC0366A}" type="datetimeFigureOut">
               <a:rPr lang="en-US" smtClean="0"/>
-              <a:t>3/5/2016</a:t>
+              <a:t>3/8/2016</a:t>
             </a:fld>
             <a:endParaRPr lang="en-US"/>
           </a:p>
@@ -1256,7 +1256,7 @@
     </p:spTree>
     <p:extLst>
       <p:ext uri="{BB962C8B-B14F-4D97-AF65-F5344CB8AC3E}">
-        <p14:creationId xmlns:p14="http://schemas.microsoft.com/office/powerpoint/2010/main" val="2209685566"/>
+        <p14:creationId xmlns:p14="http://schemas.microsoft.com/office/powerpoint/2010/main" val="2621338259"/>
       </p:ext>
     </p:extLst>
   </p:cSld>
@@ -1295,15 +1295,15 @@
         </p:nvSpPr>
         <p:spPr>
           <a:xfrm>
-            <a:off x="405527" y="2234139"/>
-            <a:ext cx="5126355" cy="3727709"/>
+            <a:off x="349420" y="683895"/>
+            <a:ext cx="4417100" cy="1141095"/>
           </a:xfrm>
         </p:spPr>
         <p:txBody>
           <a:bodyPr anchor="b"/>
           <a:lstStyle>
             <a:lvl1pPr>
-              <a:defRPr sz="3900"/>
+              <a:defRPr sz="2400"/>
             </a:lvl1pPr>
           </a:lstStyle>
           <a:p>
@@ -1327,8 +1327,8 @@
         </p:nvSpPr>
         <p:spPr>
           <a:xfrm>
-            <a:off x="405527" y="5997113"/>
-            <a:ext cx="5126355" cy="1960314"/>
+            <a:off x="349420" y="1835785"/>
+            <a:ext cx="4417100" cy="600075"/>
           </a:xfrm>
         </p:spPr>
         <p:txBody>
@@ -1336,15 +1336,17 @@
           <a:lstStyle>
             <a:lvl1pPr marL="0" indent="0">
               <a:buNone/>
-              <a:defRPr sz="1560">
+              <a:defRPr sz="960">
                 <a:solidFill>
-                  <a:schemeClr val="tx1"/>
+                  <a:schemeClr val="tx1">
+                    <a:tint val="75000"/>
+                  </a:schemeClr>
                 </a:solidFill>
               </a:defRPr>
             </a:lvl1pPr>
-            <a:lvl2pPr marL="297180" indent="0">
-              <a:buNone/>
-              <a:defRPr sz="1300">
+            <a:lvl2pPr marL="182880" indent="0">
+              <a:buNone/>
+              <a:defRPr sz="800">
                 <a:solidFill>
                   <a:schemeClr val="tx1">
                     <a:tint val="75000"/>
@@ -1352,9 +1354,9 @@
                 </a:solidFill>
               </a:defRPr>
             </a:lvl2pPr>
-            <a:lvl3pPr marL="594360" indent="0">
-              <a:buNone/>
-              <a:defRPr sz="1170">
+            <a:lvl3pPr marL="365760" indent="0">
+              <a:buNone/>
+              <a:defRPr sz="720">
                 <a:solidFill>
                   <a:schemeClr val="tx1">
                     <a:tint val="75000"/>
@@ -1362,9 +1364,9 @@
                 </a:solidFill>
               </a:defRPr>
             </a:lvl3pPr>
-            <a:lvl4pPr marL="891540" indent="0">
-              <a:buNone/>
-              <a:defRPr sz="1040">
+            <a:lvl4pPr marL="548640" indent="0">
+              <a:buNone/>
+              <a:defRPr sz="640">
                 <a:solidFill>
                   <a:schemeClr val="tx1">
                     <a:tint val="75000"/>
@@ -1372,9 +1374,9 @@
                 </a:solidFill>
               </a:defRPr>
             </a:lvl4pPr>
-            <a:lvl5pPr marL="1188720" indent="0">
-              <a:buNone/>
-              <a:defRPr sz="1040">
+            <a:lvl5pPr marL="731520" indent="0">
+              <a:buNone/>
+              <a:defRPr sz="640">
                 <a:solidFill>
                   <a:schemeClr val="tx1">
                     <a:tint val="75000"/>
@@ -1382,9 +1384,9 @@
                 </a:solidFill>
               </a:defRPr>
             </a:lvl5pPr>
-            <a:lvl6pPr marL="1485900" indent="0">
-              <a:buNone/>
-              <a:defRPr sz="1040">
+            <a:lvl6pPr marL="914400" indent="0">
+              <a:buNone/>
+              <a:defRPr sz="640">
                 <a:solidFill>
                   <a:schemeClr val="tx1">
                     <a:tint val="75000"/>
@@ -1392,9 +1394,9 @@
                 </a:solidFill>
               </a:defRPr>
             </a:lvl6pPr>
-            <a:lvl7pPr marL="1783080" indent="0">
-              <a:buNone/>
-              <a:defRPr sz="1040">
+            <a:lvl7pPr marL="1097280" indent="0">
+              <a:buNone/>
+              <a:defRPr sz="640">
                 <a:solidFill>
                   <a:schemeClr val="tx1">
                     <a:tint val="75000"/>
@@ -1402,9 +1404,9 @@
                 </a:solidFill>
               </a:defRPr>
             </a:lvl7pPr>
-            <a:lvl8pPr marL="2080260" indent="0">
-              <a:buNone/>
-              <a:defRPr sz="1040">
+            <a:lvl8pPr marL="1280160" indent="0">
+              <a:buNone/>
+              <a:defRPr sz="640">
                 <a:solidFill>
                   <a:schemeClr val="tx1">
                     <a:tint val="75000"/>
@@ -1412,9 +1414,9 @@
                 </a:solidFill>
               </a:defRPr>
             </a:lvl8pPr>
-            <a:lvl9pPr marL="2377440" indent="0">
-              <a:buNone/>
-              <a:defRPr sz="1040">
+            <a:lvl9pPr marL="1463040" indent="0">
+              <a:buNone/>
+              <a:defRPr sz="640">
                 <a:solidFill>
                   <a:schemeClr val="tx1">
                     <a:tint val="75000"/>
@@ -1449,7 +1451,7 @@
           <a:p>
             <a:fld id="{EF27D29F-6681-4284-A19E-BDF58AC0366A}" type="datetimeFigureOut">
               <a:rPr lang="en-US" smtClean="0"/>
-              <a:t>3/5/2016</a:t>
+              <a:t>3/8/2016</a:t>
             </a:fld>
             <a:endParaRPr lang="en-US"/>
           </a:p>
@@ -1500,7 +1502,7 @@
     </p:spTree>
     <p:extLst>
       <p:ext uri="{BB962C8B-B14F-4D97-AF65-F5344CB8AC3E}">
-        <p14:creationId xmlns:p14="http://schemas.microsoft.com/office/powerpoint/2010/main" val="3957989626"/>
+        <p14:creationId xmlns:p14="http://schemas.microsoft.com/office/powerpoint/2010/main" val="3509647527"/>
       </p:ext>
     </p:extLst>
   </p:cSld>
@@ -1562,8 +1564,8 @@
         </p:nvSpPr>
         <p:spPr>
           <a:xfrm>
-            <a:off x="408623" y="2385568"/>
-            <a:ext cx="2526030" cy="5685950"/>
+            <a:off x="352088" y="730250"/>
+            <a:ext cx="2176542" cy="1740535"/>
           </a:xfrm>
         </p:spPr>
         <p:txBody>
@@ -1619,8 +1621,8 @@
         </p:nvSpPr>
         <p:spPr>
           <a:xfrm>
-            <a:off x="3008948" y="2385568"/>
-            <a:ext cx="2526030" cy="5685950"/>
+            <a:off x="2592645" y="730250"/>
+            <a:ext cx="2176542" cy="1740535"/>
           </a:xfrm>
         </p:spPr>
         <p:txBody>
@@ -1681,7 +1683,7 @@
           <a:p>
             <a:fld id="{EF27D29F-6681-4284-A19E-BDF58AC0366A}" type="datetimeFigureOut">
               <a:rPr lang="en-US" smtClean="0"/>
-              <a:t>3/5/2016</a:t>
+              <a:t>3/8/2016</a:t>
             </a:fld>
             <a:endParaRPr lang="en-US"/>
           </a:p>
@@ -1732,7 +1734,7 @@
     </p:spTree>
     <p:extLst>
       <p:ext uri="{BB962C8B-B14F-4D97-AF65-F5344CB8AC3E}">
-        <p14:creationId xmlns:p14="http://schemas.microsoft.com/office/powerpoint/2010/main" val="2470136036"/>
+        <p14:creationId xmlns:p14="http://schemas.microsoft.com/office/powerpoint/2010/main" val="469163129"/>
       </p:ext>
     </p:extLst>
   </p:cSld>
@@ -1771,8 +1773,8 @@
         </p:nvSpPr>
         <p:spPr>
           <a:xfrm>
-            <a:off x="409397" y="477116"/>
-            <a:ext cx="5126355" cy="1732130"/>
+            <a:off x="352755" y="146050"/>
+            <a:ext cx="4417100" cy="530225"/>
           </a:xfrm>
         </p:spPr>
         <p:txBody>
@@ -1799,8 +1801,8 @@
         </p:nvSpPr>
         <p:spPr>
           <a:xfrm>
-            <a:off x="409397" y="2196797"/>
-            <a:ext cx="2514421" cy="1076617"/>
+            <a:off x="352755" y="672465"/>
+            <a:ext cx="2166539" cy="329565"/>
           </a:xfrm>
         </p:spPr>
         <p:txBody>
@@ -1808,39 +1810,39 @@
           <a:lstStyle>
             <a:lvl1pPr marL="0" indent="0">
               <a:buNone/>
-              <a:defRPr sz="1560" b="1"/>
+              <a:defRPr sz="960" b="1"/>
             </a:lvl1pPr>
-            <a:lvl2pPr marL="297180" indent="0">
-              <a:buNone/>
-              <a:defRPr sz="1300" b="1"/>
+            <a:lvl2pPr marL="182880" indent="0">
+              <a:buNone/>
+              <a:defRPr sz="800" b="1"/>
             </a:lvl2pPr>
-            <a:lvl3pPr marL="594360" indent="0">
-              <a:buNone/>
-              <a:defRPr sz="1170" b="1"/>
+            <a:lvl3pPr marL="365760" indent="0">
+              <a:buNone/>
+              <a:defRPr sz="720" b="1"/>
             </a:lvl3pPr>
-            <a:lvl4pPr marL="891540" indent="0">
-              <a:buNone/>
-              <a:defRPr sz="1040" b="1"/>
+            <a:lvl4pPr marL="548640" indent="0">
+              <a:buNone/>
+              <a:defRPr sz="640" b="1"/>
             </a:lvl4pPr>
-            <a:lvl5pPr marL="1188720" indent="0">
-              <a:buNone/>
-              <a:defRPr sz="1040" b="1"/>
+            <a:lvl5pPr marL="731520" indent="0">
+              <a:buNone/>
+              <a:defRPr sz="640" b="1"/>
             </a:lvl5pPr>
-            <a:lvl6pPr marL="1485900" indent="0">
-              <a:buNone/>
-              <a:defRPr sz="1040" b="1"/>
+            <a:lvl6pPr marL="914400" indent="0">
+              <a:buNone/>
+              <a:defRPr sz="640" b="1"/>
             </a:lvl6pPr>
-            <a:lvl7pPr marL="1783080" indent="0">
-              <a:buNone/>
-              <a:defRPr sz="1040" b="1"/>
+            <a:lvl7pPr marL="1097280" indent="0">
+              <a:buNone/>
+              <a:defRPr sz="640" b="1"/>
             </a:lvl7pPr>
-            <a:lvl8pPr marL="2080260" indent="0">
-              <a:buNone/>
-              <a:defRPr sz="1040" b="1"/>
+            <a:lvl8pPr marL="1280160" indent="0">
+              <a:buNone/>
+              <a:defRPr sz="640" b="1"/>
             </a:lvl8pPr>
-            <a:lvl9pPr marL="2377440" indent="0">
-              <a:buNone/>
-              <a:defRPr sz="1040" b="1"/>
+            <a:lvl9pPr marL="1463040" indent="0">
+              <a:buNone/>
+              <a:defRPr sz="640" b="1"/>
             </a:lvl9pPr>
           </a:lstStyle>
           <a:p>
@@ -1864,8 +1866,8 @@
         </p:nvSpPr>
         <p:spPr>
           <a:xfrm>
-            <a:off x="409397" y="3273414"/>
-            <a:ext cx="2514421" cy="4814699"/>
+            <a:off x="352755" y="1002030"/>
+            <a:ext cx="2166539" cy="1473835"/>
           </a:xfrm>
         </p:spPr>
         <p:txBody>
@@ -1921,8 +1923,8 @@
         </p:nvSpPr>
         <p:spPr>
           <a:xfrm>
-            <a:off x="3008948" y="2196797"/>
-            <a:ext cx="2526804" cy="1076617"/>
+            <a:off x="2592645" y="672465"/>
+            <a:ext cx="2177209" cy="329565"/>
           </a:xfrm>
         </p:spPr>
         <p:txBody>
@@ -1930,39 +1932,39 @@
           <a:lstStyle>
             <a:lvl1pPr marL="0" indent="0">
               <a:buNone/>
-              <a:defRPr sz="1560" b="1"/>
+              <a:defRPr sz="960" b="1"/>
             </a:lvl1pPr>
-            <a:lvl2pPr marL="297180" indent="0">
-              <a:buNone/>
-              <a:defRPr sz="1300" b="1"/>
+            <a:lvl2pPr marL="182880" indent="0">
+              <a:buNone/>
+              <a:defRPr sz="800" b="1"/>
             </a:lvl2pPr>
-            <a:lvl3pPr marL="594360" indent="0">
-              <a:buNone/>
-              <a:defRPr sz="1170" b="1"/>
+            <a:lvl3pPr marL="365760" indent="0">
+              <a:buNone/>
+              <a:defRPr sz="720" b="1"/>
             </a:lvl3pPr>
-            <a:lvl4pPr marL="891540" indent="0">
-              <a:buNone/>
-              <a:defRPr sz="1040" b="1"/>
+            <a:lvl4pPr marL="548640" indent="0">
+              <a:buNone/>
+              <a:defRPr sz="640" b="1"/>
             </a:lvl4pPr>
-            <a:lvl5pPr marL="1188720" indent="0">
-              <a:buNone/>
-              <a:defRPr sz="1040" b="1"/>
+            <a:lvl5pPr marL="731520" indent="0">
+              <a:buNone/>
+              <a:defRPr sz="640" b="1"/>
             </a:lvl5pPr>
-            <a:lvl6pPr marL="1485900" indent="0">
-              <a:buNone/>
-              <a:defRPr sz="1040" b="1"/>
+            <a:lvl6pPr marL="914400" indent="0">
+              <a:buNone/>
+              <a:defRPr sz="640" b="1"/>
             </a:lvl6pPr>
-            <a:lvl7pPr marL="1783080" indent="0">
-              <a:buNone/>
-              <a:defRPr sz="1040" b="1"/>
+            <a:lvl7pPr marL="1097280" indent="0">
+              <a:buNone/>
+              <a:defRPr sz="640" b="1"/>
             </a:lvl7pPr>
-            <a:lvl8pPr marL="2080260" indent="0">
-              <a:buNone/>
-              <a:defRPr sz="1040" b="1"/>
+            <a:lvl8pPr marL="1280160" indent="0">
+              <a:buNone/>
+              <a:defRPr sz="640" b="1"/>
             </a:lvl8pPr>
-            <a:lvl9pPr marL="2377440" indent="0">
-              <a:buNone/>
-              <a:defRPr sz="1040" b="1"/>
+            <a:lvl9pPr marL="1463040" indent="0">
+              <a:buNone/>
+              <a:defRPr sz="640" b="1"/>
             </a:lvl9pPr>
           </a:lstStyle>
           <a:p>
@@ -1986,8 +1988,8 @@
         </p:nvSpPr>
         <p:spPr>
           <a:xfrm>
-            <a:off x="3008948" y="3273414"/>
-            <a:ext cx="2526804" cy="4814699"/>
+            <a:off x="2592645" y="1002030"/>
+            <a:ext cx="2177209" cy="1473835"/>
           </a:xfrm>
         </p:spPr>
         <p:txBody>
@@ -2048,7 +2050,7 @@
           <a:p>
             <a:fld id="{EF27D29F-6681-4284-A19E-BDF58AC0366A}" type="datetimeFigureOut">
               <a:rPr lang="en-US" smtClean="0"/>
-              <a:t>3/5/2016</a:t>
+              <a:t>3/8/2016</a:t>
             </a:fld>
             <a:endParaRPr lang="en-US"/>
           </a:p>
@@ -2099,7 +2101,7 @@
     </p:spTree>
     <p:extLst>
       <p:ext uri="{BB962C8B-B14F-4D97-AF65-F5344CB8AC3E}">
-        <p14:creationId xmlns:p14="http://schemas.microsoft.com/office/powerpoint/2010/main" val="3579474576"/>
+        <p14:creationId xmlns:p14="http://schemas.microsoft.com/office/powerpoint/2010/main" val="1539386410"/>
       </p:ext>
     </p:extLst>
   </p:cSld>
@@ -2166,7 +2168,7 @@
           <a:p>
             <a:fld id="{EF27D29F-6681-4284-A19E-BDF58AC0366A}" type="datetimeFigureOut">
               <a:rPr lang="en-US" smtClean="0"/>
-              <a:t>3/5/2016</a:t>
+              <a:t>3/8/2016</a:t>
             </a:fld>
             <a:endParaRPr lang="en-US"/>
           </a:p>
@@ -2217,7 +2219,7 @@
     </p:spTree>
     <p:extLst>
       <p:ext uri="{BB962C8B-B14F-4D97-AF65-F5344CB8AC3E}">
-        <p14:creationId xmlns:p14="http://schemas.microsoft.com/office/powerpoint/2010/main" val="4096407128"/>
+        <p14:creationId xmlns:p14="http://schemas.microsoft.com/office/powerpoint/2010/main" val="3443514365"/>
       </p:ext>
     </p:extLst>
   </p:cSld>
@@ -2261,7 +2263,7 @@
           <a:p>
             <a:fld id="{EF27D29F-6681-4284-A19E-BDF58AC0366A}" type="datetimeFigureOut">
               <a:rPr lang="en-US" smtClean="0"/>
-              <a:t>3/5/2016</a:t>
+              <a:t>3/8/2016</a:t>
             </a:fld>
             <a:endParaRPr lang="en-US"/>
           </a:p>
@@ -2312,7 +2314,7 @@
     </p:spTree>
     <p:extLst>
       <p:ext uri="{BB962C8B-B14F-4D97-AF65-F5344CB8AC3E}">
-        <p14:creationId xmlns:p14="http://schemas.microsoft.com/office/powerpoint/2010/main" val="4198023606"/>
+        <p14:creationId xmlns:p14="http://schemas.microsoft.com/office/powerpoint/2010/main" val="5935805"/>
       </p:ext>
     </p:extLst>
   </p:cSld>
@@ -2351,15 +2353,15 @@
         </p:nvSpPr>
         <p:spPr>
           <a:xfrm>
-            <a:off x="409397" y="597429"/>
-            <a:ext cx="1916966" cy="2091002"/>
+            <a:off x="352755" y="182880"/>
+            <a:ext cx="1651744" cy="640080"/>
           </a:xfrm>
         </p:spPr>
         <p:txBody>
           <a:bodyPr anchor="b"/>
           <a:lstStyle>
             <a:lvl1pPr>
-              <a:defRPr sz="2080"/>
+              <a:defRPr sz="1280"/>
             </a:lvl1pPr>
           </a:lstStyle>
           <a:p>
@@ -2383,39 +2385,39 @@
         </p:nvSpPr>
         <p:spPr>
           <a:xfrm>
-            <a:off x="2526804" y="1290283"/>
-            <a:ext cx="3008948" cy="6368429"/>
+            <a:off x="2177209" y="394970"/>
+            <a:ext cx="2592645" cy="1949450"/>
           </a:xfrm>
         </p:spPr>
         <p:txBody>
           <a:bodyPr/>
           <a:lstStyle>
             <a:lvl1pPr>
-              <a:defRPr sz="2080"/>
+              <a:defRPr sz="1280"/>
             </a:lvl1pPr>
             <a:lvl2pPr>
-              <a:defRPr sz="1820"/>
+              <a:defRPr sz="1120"/>
             </a:lvl2pPr>
             <a:lvl3pPr>
-              <a:defRPr sz="1560"/>
+              <a:defRPr sz="960"/>
             </a:lvl3pPr>
             <a:lvl4pPr>
-              <a:defRPr sz="1300"/>
+              <a:defRPr sz="800"/>
             </a:lvl4pPr>
             <a:lvl5pPr>
-              <a:defRPr sz="1300"/>
+              <a:defRPr sz="800"/>
             </a:lvl5pPr>
             <a:lvl6pPr>
-              <a:defRPr sz="1300"/>
+              <a:defRPr sz="800"/>
             </a:lvl6pPr>
             <a:lvl7pPr>
-              <a:defRPr sz="1300"/>
+              <a:defRPr sz="800"/>
             </a:lvl7pPr>
             <a:lvl8pPr>
-              <a:defRPr sz="1300"/>
+              <a:defRPr sz="800"/>
             </a:lvl8pPr>
             <a:lvl9pPr>
-              <a:defRPr sz="1300"/>
+              <a:defRPr sz="800"/>
             </a:lvl9pPr>
           </a:lstStyle>
           <a:p>
@@ -2468,8 +2470,8 @@
         </p:nvSpPr>
         <p:spPr>
           <a:xfrm>
-            <a:off x="409397" y="2688431"/>
-            <a:ext cx="1916966" cy="4980652"/>
+            <a:off x="352755" y="822960"/>
+            <a:ext cx="1651744" cy="1524635"/>
           </a:xfrm>
         </p:spPr>
         <p:txBody>
@@ -2477,39 +2479,39 @@
           <a:lstStyle>
             <a:lvl1pPr marL="0" indent="0">
               <a:buNone/>
-              <a:defRPr sz="1040"/>
+              <a:defRPr sz="640"/>
             </a:lvl1pPr>
-            <a:lvl2pPr marL="297180" indent="0">
-              <a:buNone/>
-              <a:defRPr sz="910"/>
+            <a:lvl2pPr marL="182880" indent="0">
+              <a:buNone/>
+              <a:defRPr sz="560"/>
             </a:lvl2pPr>
-            <a:lvl3pPr marL="594360" indent="0">
-              <a:buNone/>
-              <a:defRPr sz="780"/>
+            <a:lvl3pPr marL="365760" indent="0">
+              <a:buNone/>
+              <a:defRPr sz="480"/>
             </a:lvl3pPr>
-            <a:lvl4pPr marL="891540" indent="0">
-              <a:buNone/>
-              <a:defRPr sz="650"/>
+            <a:lvl4pPr marL="548640" indent="0">
+              <a:buNone/>
+              <a:defRPr sz="400"/>
             </a:lvl4pPr>
-            <a:lvl5pPr marL="1188720" indent="0">
-              <a:buNone/>
-              <a:defRPr sz="650"/>
+            <a:lvl5pPr marL="731520" indent="0">
+              <a:buNone/>
+              <a:defRPr sz="400"/>
             </a:lvl5pPr>
-            <a:lvl6pPr marL="1485900" indent="0">
-              <a:buNone/>
-              <a:defRPr sz="650"/>
+            <a:lvl6pPr marL="914400" indent="0">
+              <a:buNone/>
+              <a:defRPr sz="400"/>
             </a:lvl6pPr>
-            <a:lvl7pPr marL="1783080" indent="0">
-              <a:buNone/>
-              <a:defRPr sz="650"/>
+            <a:lvl7pPr marL="1097280" indent="0">
+              <a:buNone/>
+              <a:defRPr sz="400"/>
             </a:lvl7pPr>
-            <a:lvl8pPr marL="2080260" indent="0">
-              <a:buNone/>
-              <a:defRPr sz="650"/>
+            <a:lvl8pPr marL="1280160" indent="0">
+              <a:buNone/>
+              <a:defRPr sz="400"/>
             </a:lvl8pPr>
-            <a:lvl9pPr marL="2377440" indent="0">
-              <a:buNone/>
-              <a:defRPr sz="650"/>
+            <a:lvl9pPr marL="1463040" indent="0">
+              <a:buNone/>
+              <a:defRPr sz="400"/>
             </a:lvl9pPr>
           </a:lstStyle>
           <a:p>
@@ -2538,7 +2540,7 @@
           <a:p>
             <a:fld id="{EF27D29F-6681-4284-A19E-BDF58AC0366A}" type="datetimeFigureOut">
               <a:rPr lang="en-US" smtClean="0"/>
-              <a:t>3/5/2016</a:t>
+              <a:t>3/8/2016</a:t>
             </a:fld>
             <a:endParaRPr lang="en-US"/>
           </a:p>
@@ -2589,7 +2591,7 @@
     </p:spTree>
     <p:extLst>
       <p:ext uri="{BB962C8B-B14F-4D97-AF65-F5344CB8AC3E}">
-        <p14:creationId xmlns:p14="http://schemas.microsoft.com/office/powerpoint/2010/main" val="566178127"/>
+        <p14:creationId xmlns:p14="http://schemas.microsoft.com/office/powerpoint/2010/main" val="2208008152"/>
       </p:ext>
     </p:extLst>
   </p:cSld>
@@ -2628,15 +2630,15 @@
         </p:nvSpPr>
         <p:spPr>
           <a:xfrm>
-            <a:off x="409397" y="597429"/>
-            <a:ext cx="1916966" cy="2091002"/>
+            <a:off x="352755" y="182880"/>
+            <a:ext cx="1651744" cy="640080"/>
           </a:xfrm>
         </p:spPr>
         <p:txBody>
           <a:bodyPr anchor="b"/>
           <a:lstStyle>
             <a:lvl1pPr>
-              <a:defRPr sz="2080"/>
+              <a:defRPr sz="1280"/>
             </a:lvl1pPr>
           </a:lstStyle>
           <a:p>
@@ -2660,8 +2662,8 @@
         </p:nvSpPr>
         <p:spPr>
           <a:xfrm>
-            <a:off x="2526804" y="1290283"/>
-            <a:ext cx="3008948" cy="6368429"/>
+            <a:off x="2177209" y="394970"/>
+            <a:ext cx="2592645" cy="1949450"/>
           </a:xfrm>
         </p:spPr>
         <p:txBody>
@@ -2669,39 +2671,39 @@
           <a:lstStyle>
             <a:lvl1pPr marL="0" indent="0">
               <a:buNone/>
-              <a:defRPr sz="2080"/>
+              <a:defRPr sz="1280"/>
             </a:lvl1pPr>
-            <a:lvl2pPr marL="297180" indent="0">
-              <a:buNone/>
-              <a:defRPr sz="1820"/>
+            <a:lvl2pPr marL="182880" indent="0">
+              <a:buNone/>
+              <a:defRPr sz="1120"/>
             </a:lvl2pPr>
-            <a:lvl3pPr marL="594360" indent="0">
-              <a:buNone/>
-              <a:defRPr sz="1560"/>
+            <a:lvl3pPr marL="365760" indent="0">
+              <a:buNone/>
+              <a:defRPr sz="960"/>
             </a:lvl3pPr>
-            <a:lvl4pPr marL="891540" indent="0">
-              <a:buNone/>
-              <a:defRPr sz="1300"/>
+            <a:lvl4pPr marL="548640" indent="0">
+              <a:buNone/>
+              <a:defRPr sz="800"/>
             </a:lvl4pPr>
-            <a:lvl5pPr marL="1188720" indent="0">
-              <a:buNone/>
-              <a:defRPr sz="1300"/>
+            <a:lvl5pPr marL="731520" indent="0">
+              <a:buNone/>
+              <a:defRPr sz="800"/>
             </a:lvl5pPr>
-            <a:lvl6pPr marL="1485900" indent="0">
-              <a:buNone/>
-              <a:defRPr sz="1300"/>
+            <a:lvl6pPr marL="914400" indent="0">
+              <a:buNone/>
+              <a:defRPr sz="800"/>
             </a:lvl6pPr>
-            <a:lvl7pPr marL="1783080" indent="0">
-              <a:buNone/>
-              <a:defRPr sz="1300"/>
+            <a:lvl7pPr marL="1097280" indent="0">
+              <a:buNone/>
+              <a:defRPr sz="800"/>
             </a:lvl7pPr>
-            <a:lvl8pPr marL="2080260" indent="0">
-              <a:buNone/>
-              <a:defRPr sz="1300"/>
+            <a:lvl8pPr marL="1280160" indent="0">
+              <a:buNone/>
+              <a:defRPr sz="800"/>
             </a:lvl8pPr>
-            <a:lvl9pPr marL="2377440" indent="0">
-              <a:buNone/>
-              <a:defRPr sz="1300"/>
+            <a:lvl9pPr marL="1463040" indent="0">
+              <a:buNone/>
+              <a:defRPr sz="800"/>
             </a:lvl9pPr>
           </a:lstStyle>
           <a:p>
@@ -2725,8 +2727,8 @@
         </p:nvSpPr>
         <p:spPr>
           <a:xfrm>
-            <a:off x="409397" y="2688431"/>
-            <a:ext cx="1916966" cy="4980652"/>
+            <a:off x="352755" y="822960"/>
+            <a:ext cx="1651744" cy="1524635"/>
           </a:xfrm>
         </p:spPr>
         <p:txBody>
@@ -2734,39 +2736,39 @@
           <a:lstStyle>
             <a:lvl1pPr marL="0" indent="0">
               <a:buNone/>
-              <a:defRPr sz="1040"/>
+              <a:defRPr sz="640"/>
             </a:lvl1pPr>
-            <a:lvl2pPr marL="297180" indent="0">
-              <a:buNone/>
-              <a:defRPr sz="910"/>
+            <a:lvl2pPr marL="182880" indent="0">
+              <a:buNone/>
+              <a:defRPr sz="560"/>
             </a:lvl2pPr>
-            <a:lvl3pPr marL="594360" indent="0">
-              <a:buNone/>
-              <a:defRPr sz="780"/>
+            <a:lvl3pPr marL="365760" indent="0">
+              <a:buNone/>
+              <a:defRPr sz="480"/>
             </a:lvl3pPr>
-            <a:lvl4pPr marL="891540" indent="0">
-              <a:buNone/>
-              <a:defRPr sz="650"/>
+            <a:lvl4pPr marL="548640" indent="0">
+              <a:buNone/>
+              <a:defRPr sz="400"/>
             </a:lvl4pPr>
-            <a:lvl5pPr marL="1188720" indent="0">
-              <a:buNone/>
-              <a:defRPr sz="650"/>
+            <a:lvl5pPr marL="731520" indent="0">
+              <a:buNone/>
+              <a:defRPr sz="400"/>
             </a:lvl5pPr>
-            <a:lvl6pPr marL="1485900" indent="0">
-              <a:buNone/>
-              <a:defRPr sz="650"/>
+            <a:lvl6pPr marL="914400" indent="0">
+              <a:buNone/>
+              <a:defRPr sz="400"/>
             </a:lvl6pPr>
-            <a:lvl7pPr marL="1783080" indent="0">
-              <a:buNone/>
-              <a:defRPr sz="650"/>
+            <a:lvl7pPr marL="1097280" indent="0">
+              <a:buNone/>
+              <a:defRPr sz="400"/>
             </a:lvl7pPr>
-            <a:lvl8pPr marL="2080260" indent="0">
-              <a:buNone/>
-              <a:defRPr sz="650"/>
+            <a:lvl8pPr marL="1280160" indent="0">
+              <a:buNone/>
+              <a:defRPr sz="400"/>
             </a:lvl8pPr>
-            <a:lvl9pPr marL="2377440" indent="0">
-              <a:buNone/>
-              <a:defRPr sz="650"/>
+            <a:lvl9pPr marL="1463040" indent="0">
+              <a:buNone/>
+              <a:defRPr sz="400"/>
             </a:lvl9pPr>
           </a:lstStyle>
           <a:p>
@@ -2795,7 +2797,7 @@
           <a:p>
             <a:fld id="{EF27D29F-6681-4284-A19E-BDF58AC0366A}" type="datetimeFigureOut">
               <a:rPr lang="en-US" smtClean="0"/>
-              <a:t>3/5/2016</a:t>
+              <a:t>3/8/2016</a:t>
             </a:fld>
             <a:endParaRPr lang="en-US"/>
           </a:p>
@@ -2846,7 +2848,7 @@
     </p:spTree>
     <p:extLst>
       <p:ext uri="{BB962C8B-B14F-4D97-AF65-F5344CB8AC3E}">
-        <p14:creationId xmlns:p14="http://schemas.microsoft.com/office/powerpoint/2010/main" val="4225110420"/>
+        <p14:creationId xmlns:p14="http://schemas.microsoft.com/office/powerpoint/2010/main" val="1264388479"/>
       </p:ext>
     </p:extLst>
   </p:cSld>
@@ -2890,8 +2892,8 @@
         </p:nvSpPr>
         <p:spPr>
           <a:xfrm>
-            <a:off x="408623" y="477116"/>
-            <a:ext cx="5126355" cy="1732130"/>
+            <a:off x="352088" y="146050"/>
+            <a:ext cx="4417100" cy="530225"/>
           </a:xfrm>
           <a:prstGeom prst="rect">
             <a:avLst/>
@@ -2923,8 +2925,8 @@
         </p:nvSpPr>
         <p:spPr>
           <a:xfrm>
-            <a:off x="408623" y="2385568"/>
-            <a:ext cx="5126355" cy="5685950"/>
+            <a:off x="352088" y="730250"/>
+            <a:ext cx="4417100" cy="1740535"/>
           </a:xfrm>
           <a:prstGeom prst="rect">
             <a:avLst/>
@@ -2985,8 +2987,8 @@
         </p:nvSpPr>
         <p:spPr>
           <a:xfrm>
-            <a:off x="408623" y="8305927"/>
-            <a:ext cx="1337310" cy="477114"/>
+            <a:off x="352088" y="2542540"/>
+            <a:ext cx="1152287" cy="146050"/>
           </a:xfrm>
           <a:prstGeom prst="rect">
             <a:avLst/>
@@ -2996,7 +2998,7 @@
           <a:bodyPr vert="horz" lIns="91440" tIns="45720" rIns="91440" bIns="45720" rtlCol="0" anchor="ctr"/>
           <a:lstStyle>
             <a:lvl1pPr algn="l">
-              <a:defRPr sz="780">
+              <a:defRPr sz="480">
                 <a:solidFill>
                   <a:schemeClr val="tx1">
                     <a:tint val="75000"/>
@@ -3008,7 +3010,7 @@
           <a:p>
             <a:fld id="{EF27D29F-6681-4284-A19E-BDF58AC0366A}" type="datetimeFigureOut">
               <a:rPr lang="en-US" smtClean="0"/>
-              <a:t>3/5/2016</a:t>
+              <a:t>3/8/2016</a:t>
             </a:fld>
             <a:endParaRPr lang="en-US"/>
           </a:p>
@@ -3026,8 +3028,8 @@
         </p:nvSpPr>
         <p:spPr>
           <a:xfrm>
-            <a:off x="1968818" y="8305927"/>
-            <a:ext cx="2005965" cy="477114"/>
+            <a:off x="1696423" y="2542540"/>
+            <a:ext cx="1728430" cy="146050"/>
           </a:xfrm>
           <a:prstGeom prst="rect">
             <a:avLst/>
@@ -3037,7 +3039,7 @@
           <a:bodyPr vert="horz" lIns="91440" tIns="45720" rIns="91440" bIns="45720" rtlCol="0" anchor="ctr"/>
           <a:lstStyle>
             <a:lvl1pPr algn="ctr">
-              <a:defRPr sz="780">
+              <a:defRPr sz="480">
                 <a:solidFill>
                   <a:schemeClr val="tx1">
                     <a:tint val="75000"/>
@@ -3063,8 +3065,8 @@
         </p:nvSpPr>
         <p:spPr>
           <a:xfrm>
-            <a:off x="4197668" y="8305927"/>
-            <a:ext cx="1337310" cy="477114"/>
+            <a:off x="3616900" y="2542540"/>
+            <a:ext cx="1152287" cy="146050"/>
           </a:xfrm>
           <a:prstGeom prst="rect">
             <a:avLst/>
@@ -3074,7 +3076,7 @@
           <a:bodyPr vert="horz" lIns="91440" tIns="45720" rIns="91440" bIns="45720" rtlCol="0" anchor="ctr"/>
           <a:lstStyle>
             <a:lvl1pPr algn="r">
-              <a:defRPr sz="780">
+              <a:defRPr sz="480">
                 <a:solidFill>
                   <a:schemeClr val="tx1">
                     <a:tint val="75000"/>
@@ -3095,27 +3097,27 @@
     </p:spTree>
     <p:extLst>
       <p:ext uri="{BB962C8B-B14F-4D97-AF65-F5344CB8AC3E}">
-        <p14:creationId xmlns:p14="http://schemas.microsoft.com/office/powerpoint/2010/main" val="3110938967"/>
+        <p14:creationId xmlns:p14="http://schemas.microsoft.com/office/powerpoint/2010/main" val="1468200401"/>
       </p:ext>
     </p:extLst>
   </p:cSld>
   <p:clrMap bg1="lt1" tx1="dk1" bg2="lt2" tx2="dk2" accent1="accent1" accent2="accent2" accent3="accent3" accent4="accent4" accent5="accent5" accent6="accent6" hlink="hlink" folHlink="folHlink"/>
   <p:sldLayoutIdLst>
-    <p:sldLayoutId id="2147483937" r:id="rId1"/>
-    <p:sldLayoutId id="2147483938" r:id="rId2"/>
-    <p:sldLayoutId id="2147483939" r:id="rId3"/>
-    <p:sldLayoutId id="2147483940" r:id="rId4"/>
-    <p:sldLayoutId id="2147483941" r:id="rId5"/>
-    <p:sldLayoutId id="2147483942" r:id="rId6"/>
-    <p:sldLayoutId id="2147483943" r:id="rId7"/>
-    <p:sldLayoutId id="2147483944" r:id="rId8"/>
-    <p:sldLayoutId id="2147483945" r:id="rId9"/>
-    <p:sldLayoutId id="2147483946" r:id="rId10"/>
-    <p:sldLayoutId id="2147483947" r:id="rId11"/>
+    <p:sldLayoutId id="2147483997" r:id="rId1"/>
+    <p:sldLayoutId id="2147483998" r:id="rId2"/>
+    <p:sldLayoutId id="2147483999" r:id="rId3"/>
+    <p:sldLayoutId id="2147484000" r:id="rId4"/>
+    <p:sldLayoutId id="2147484001" r:id="rId5"/>
+    <p:sldLayoutId id="2147484002" r:id="rId6"/>
+    <p:sldLayoutId id="2147484003" r:id="rId7"/>
+    <p:sldLayoutId id="2147484004" r:id="rId8"/>
+    <p:sldLayoutId id="2147484005" r:id="rId9"/>
+    <p:sldLayoutId id="2147484006" r:id="rId10"/>
+    <p:sldLayoutId id="2147484007" r:id="rId11"/>
   </p:sldLayoutIdLst>
   <p:txStyles>
     <p:titleStyle>
-      <a:lvl1pPr algn="l" defTabSz="594360" rtl="0" eaLnBrk="1" latinLnBrk="0" hangingPunct="1">
+      <a:lvl1pPr algn="l" defTabSz="365760" rtl="0" eaLnBrk="1" latinLnBrk="0" hangingPunct="1">
         <a:lnSpc>
           <a:spcPct val="90000"/>
         </a:lnSpc>
@@ -3123,7 +3125,7 @@
           <a:spcPct val="0"/>
         </a:spcBef>
         <a:buNone/>
-        <a:defRPr sz="2860" kern="1200">
+        <a:defRPr sz="1760" kern="1200">
           <a:solidFill>
             <a:schemeClr val="tx1"/>
           </a:solidFill>
@@ -3134,16 +3136,16 @@
       </a:lvl1pPr>
     </p:titleStyle>
     <p:bodyStyle>
-      <a:lvl1pPr marL="148590" indent="-148590" algn="l" defTabSz="594360" rtl="0" eaLnBrk="1" latinLnBrk="0" hangingPunct="1">
+      <a:lvl1pPr marL="91440" indent="-91440" algn="l" defTabSz="365760" rtl="0" eaLnBrk="1" latinLnBrk="0" hangingPunct="1">
         <a:lnSpc>
           <a:spcPct val="90000"/>
         </a:lnSpc>
         <a:spcBef>
-          <a:spcPts val="650"/>
+          <a:spcPts val="400"/>
         </a:spcBef>
         <a:buFont typeface="Arial" panose="020B0604020202020204" pitchFamily="34" charset="0"/>
         <a:buChar char="•"/>
-        <a:defRPr sz="1820" kern="1200">
+        <a:defRPr sz="1120" kern="1200">
           <a:solidFill>
             <a:schemeClr val="tx1"/>
           </a:solidFill>
@@ -3152,16 +3154,16 @@
           <a:cs typeface="+mn-cs"/>
         </a:defRPr>
       </a:lvl1pPr>
-      <a:lvl2pPr marL="445770" indent="-148590" algn="l" defTabSz="594360" rtl="0" eaLnBrk="1" latinLnBrk="0" hangingPunct="1">
+      <a:lvl2pPr marL="274320" indent="-91440" algn="l" defTabSz="365760" rtl="0" eaLnBrk="1" latinLnBrk="0" hangingPunct="1">
         <a:lnSpc>
           <a:spcPct val="90000"/>
         </a:lnSpc>
         <a:spcBef>
-          <a:spcPts val="325"/>
+          <a:spcPts val="200"/>
         </a:spcBef>
         <a:buFont typeface="Arial" panose="020B0604020202020204" pitchFamily="34" charset="0"/>
         <a:buChar char="•"/>
-        <a:defRPr sz="1560" kern="1200">
+        <a:defRPr sz="960" kern="1200">
           <a:solidFill>
             <a:schemeClr val="tx1"/>
           </a:solidFill>
@@ -3170,16 +3172,16 @@
           <a:cs typeface="+mn-cs"/>
         </a:defRPr>
       </a:lvl2pPr>
-      <a:lvl3pPr marL="742950" indent="-148590" algn="l" defTabSz="594360" rtl="0" eaLnBrk="1" latinLnBrk="0" hangingPunct="1">
+      <a:lvl3pPr marL="457200" indent="-91440" algn="l" defTabSz="365760" rtl="0" eaLnBrk="1" latinLnBrk="0" hangingPunct="1">
         <a:lnSpc>
           <a:spcPct val="90000"/>
         </a:lnSpc>
         <a:spcBef>
-          <a:spcPts val="325"/>
+          <a:spcPts val="200"/>
         </a:spcBef>
         <a:buFont typeface="Arial" panose="020B0604020202020204" pitchFamily="34" charset="0"/>
         <a:buChar char="•"/>
-        <a:defRPr sz="1300" kern="1200">
+        <a:defRPr sz="800" kern="1200">
           <a:solidFill>
             <a:schemeClr val="tx1"/>
           </a:solidFill>
@@ -3188,16 +3190,16 @@
           <a:cs typeface="+mn-cs"/>
         </a:defRPr>
       </a:lvl3pPr>
-      <a:lvl4pPr marL="1040130" indent="-148590" algn="l" defTabSz="594360" rtl="0" eaLnBrk="1" latinLnBrk="0" hangingPunct="1">
+      <a:lvl4pPr marL="640080" indent="-91440" algn="l" defTabSz="365760" rtl="0" eaLnBrk="1" latinLnBrk="0" hangingPunct="1">
         <a:lnSpc>
           <a:spcPct val="90000"/>
         </a:lnSpc>
         <a:spcBef>
-          <a:spcPts val="325"/>
+          <a:spcPts val="200"/>
         </a:spcBef>
         <a:buFont typeface="Arial" panose="020B0604020202020204" pitchFamily="34" charset="0"/>
         <a:buChar char="•"/>
-        <a:defRPr sz="1170" kern="1200">
+        <a:defRPr sz="720" kern="1200">
           <a:solidFill>
             <a:schemeClr val="tx1"/>
           </a:solidFill>
@@ -3206,16 +3208,16 @@
           <a:cs typeface="+mn-cs"/>
         </a:defRPr>
       </a:lvl4pPr>
-      <a:lvl5pPr marL="1337310" indent="-148590" algn="l" defTabSz="594360" rtl="0" eaLnBrk="1" latinLnBrk="0" hangingPunct="1">
+      <a:lvl5pPr marL="822960" indent="-91440" algn="l" defTabSz="365760" rtl="0" eaLnBrk="1" latinLnBrk="0" hangingPunct="1">
         <a:lnSpc>
           <a:spcPct val="90000"/>
         </a:lnSpc>
         <a:spcBef>
-          <a:spcPts val="325"/>
+          <a:spcPts val="200"/>
         </a:spcBef>
         <a:buFont typeface="Arial" panose="020B0604020202020204" pitchFamily="34" charset="0"/>
         <a:buChar char="•"/>
-        <a:defRPr sz="1170" kern="1200">
+        <a:defRPr sz="720" kern="1200">
           <a:solidFill>
             <a:schemeClr val="tx1"/>
           </a:solidFill>
@@ -3224,16 +3226,16 @@
           <a:cs typeface="+mn-cs"/>
         </a:defRPr>
       </a:lvl5pPr>
-      <a:lvl6pPr marL="1634490" indent="-148590" algn="l" defTabSz="594360" rtl="0" eaLnBrk="1" latinLnBrk="0" hangingPunct="1">
+      <a:lvl6pPr marL="1005840" indent="-91440" algn="l" defTabSz="365760" rtl="0" eaLnBrk="1" latinLnBrk="0" hangingPunct="1">
         <a:lnSpc>
           <a:spcPct val="90000"/>
         </a:lnSpc>
         <a:spcBef>
-          <a:spcPts val="325"/>
+          <a:spcPts val="200"/>
         </a:spcBef>
         <a:buFont typeface="Arial" panose="020B0604020202020204" pitchFamily="34" charset="0"/>
         <a:buChar char="•"/>
-        <a:defRPr sz="1170" kern="1200">
+        <a:defRPr sz="720" kern="1200">
           <a:solidFill>
             <a:schemeClr val="tx1"/>
           </a:solidFill>
@@ -3242,16 +3244,16 @@
           <a:cs typeface="+mn-cs"/>
         </a:defRPr>
       </a:lvl6pPr>
-      <a:lvl7pPr marL="1931670" indent="-148590" algn="l" defTabSz="594360" rtl="0" eaLnBrk="1" latinLnBrk="0" hangingPunct="1">
+      <a:lvl7pPr marL="1188720" indent="-91440" algn="l" defTabSz="365760" rtl="0" eaLnBrk="1" latinLnBrk="0" hangingPunct="1">
         <a:lnSpc>
           <a:spcPct val="90000"/>
         </a:lnSpc>
         <a:spcBef>
-          <a:spcPts val="325"/>
+          <a:spcPts val="200"/>
         </a:spcBef>
         <a:buFont typeface="Arial" panose="020B0604020202020204" pitchFamily="34" charset="0"/>
         <a:buChar char="•"/>
-        <a:defRPr sz="1170" kern="1200">
+        <a:defRPr sz="720" kern="1200">
           <a:solidFill>
             <a:schemeClr val="tx1"/>
           </a:solidFill>
@@ -3260,16 +3262,16 @@
           <a:cs typeface="+mn-cs"/>
         </a:defRPr>
       </a:lvl7pPr>
-      <a:lvl8pPr marL="2228850" indent="-148590" algn="l" defTabSz="594360" rtl="0" eaLnBrk="1" latinLnBrk="0" hangingPunct="1">
+      <a:lvl8pPr marL="1371600" indent="-91440" algn="l" defTabSz="365760" rtl="0" eaLnBrk="1" latinLnBrk="0" hangingPunct="1">
         <a:lnSpc>
           <a:spcPct val="90000"/>
         </a:lnSpc>
         <a:spcBef>
-          <a:spcPts val="325"/>
+          <a:spcPts val="200"/>
         </a:spcBef>
         <a:buFont typeface="Arial" panose="020B0604020202020204" pitchFamily="34" charset="0"/>
         <a:buChar char="•"/>
-        <a:defRPr sz="1170" kern="1200">
+        <a:defRPr sz="720" kern="1200">
           <a:solidFill>
             <a:schemeClr val="tx1"/>
           </a:solidFill>
@@ -3278,16 +3280,16 @@
           <a:cs typeface="+mn-cs"/>
         </a:defRPr>
       </a:lvl8pPr>
-      <a:lvl9pPr marL="2526030" indent="-148590" algn="l" defTabSz="594360" rtl="0" eaLnBrk="1" latinLnBrk="0" hangingPunct="1">
+      <a:lvl9pPr marL="1554480" indent="-91440" algn="l" defTabSz="365760" rtl="0" eaLnBrk="1" latinLnBrk="0" hangingPunct="1">
         <a:lnSpc>
           <a:spcPct val="90000"/>
         </a:lnSpc>
         <a:spcBef>
-          <a:spcPts val="325"/>
+          <a:spcPts val="200"/>
         </a:spcBef>
         <a:buFont typeface="Arial" panose="020B0604020202020204" pitchFamily="34" charset="0"/>
         <a:buChar char="•"/>
-        <a:defRPr sz="1170" kern="1200">
+        <a:defRPr sz="720" kern="1200">
           <a:solidFill>
             <a:schemeClr val="tx1"/>
           </a:solidFill>
@@ -3301,8 +3303,8 @@
       <a:defPPr>
         <a:defRPr lang="en-US"/>
       </a:defPPr>
-      <a:lvl1pPr marL="0" algn="l" defTabSz="594360" rtl="0" eaLnBrk="1" latinLnBrk="0" hangingPunct="1">
-        <a:defRPr sz="1170" kern="1200">
+      <a:lvl1pPr marL="0" algn="l" defTabSz="365760" rtl="0" eaLnBrk="1" latinLnBrk="0" hangingPunct="1">
+        <a:defRPr sz="720" kern="1200">
           <a:solidFill>
             <a:schemeClr val="tx1"/>
           </a:solidFill>
@@ -3311,8 +3313,8 @@
           <a:cs typeface="+mn-cs"/>
         </a:defRPr>
       </a:lvl1pPr>
-      <a:lvl2pPr marL="297180" algn="l" defTabSz="594360" rtl="0" eaLnBrk="1" latinLnBrk="0" hangingPunct="1">
-        <a:defRPr sz="1170" kern="1200">
+      <a:lvl2pPr marL="182880" algn="l" defTabSz="365760" rtl="0" eaLnBrk="1" latinLnBrk="0" hangingPunct="1">
+        <a:defRPr sz="720" kern="1200">
           <a:solidFill>
             <a:schemeClr val="tx1"/>
           </a:solidFill>
@@ -3321,8 +3323,8 @@
           <a:cs typeface="+mn-cs"/>
         </a:defRPr>
       </a:lvl2pPr>
-      <a:lvl3pPr marL="594360" algn="l" defTabSz="594360" rtl="0" eaLnBrk="1" latinLnBrk="0" hangingPunct="1">
-        <a:defRPr sz="1170" kern="1200">
+      <a:lvl3pPr marL="365760" algn="l" defTabSz="365760" rtl="0" eaLnBrk="1" latinLnBrk="0" hangingPunct="1">
+        <a:defRPr sz="720" kern="1200">
           <a:solidFill>
             <a:schemeClr val="tx1"/>
           </a:solidFill>
@@ -3331,8 +3333,8 @@
           <a:cs typeface="+mn-cs"/>
         </a:defRPr>
       </a:lvl3pPr>
-      <a:lvl4pPr marL="891540" algn="l" defTabSz="594360" rtl="0" eaLnBrk="1" latinLnBrk="0" hangingPunct="1">
-        <a:defRPr sz="1170" kern="1200">
+      <a:lvl4pPr marL="548640" algn="l" defTabSz="365760" rtl="0" eaLnBrk="1" latinLnBrk="0" hangingPunct="1">
+        <a:defRPr sz="720" kern="1200">
           <a:solidFill>
             <a:schemeClr val="tx1"/>
           </a:solidFill>
@@ -3341,8 +3343,8 @@
           <a:cs typeface="+mn-cs"/>
         </a:defRPr>
       </a:lvl4pPr>
-      <a:lvl5pPr marL="1188720" algn="l" defTabSz="594360" rtl="0" eaLnBrk="1" latinLnBrk="0" hangingPunct="1">
-        <a:defRPr sz="1170" kern="1200">
+      <a:lvl5pPr marL="731520" algn="l" defTabSz="365760" rtl="0" eaLnBrk="1" latinLnBrk="0" hangingPunct="1">
+        <a:defRPr sz="720" kern="1200">
           <a:solidFill>
             <a:schemeClr val="tx1"/>
           </a:solidFill>
@@ -3351,8 +3353,8 @@
           <a:cs typeface="+mn-cs"/>
         </a:defRPr>
       </a:lvl5pPr>
-      <a:lvl6pPr marL="1485900" algn="l" defTabSz="594360" rtl="0" eaLnBrk="1" latinLnBrk="0" hangingPunct="1">
-        <a:defRPr sz="1170" kern="1200">
+      <a:lvl6pPr marL="914400" algn="l" defTabSz="365760" rtl="0" eaLnBrk="1" latinLnBrk="0" hangingPunct="1">
+        <a:defRPr sz="720" kern="1200">
           <a:solidFill>
             <a:schemeClr val="tx1"/>
           </a:solidFill>
@@ -3361,8 +3363,8 @@
           <a:cs typeface="+mn-cs"/>
         </a:defRPr>
       </a:lvl6pPr>
-      <a:lvl7pPr marL="1783080" algn="l" defTabSz="594360" rtl="0" eaLnBrk="1" latinLnBrk="0" hangingPunct="1">
-        <a:defRPr sz="1170" kern="1200">
+      <a:lvl7pPr marL="1097280" algn="l" defTabSz="365760" rtl="0" eaLnBrk="1" latinLnBrk="0" hangingPunct="1">
+        <a:defRPr sz="720" kern="1200">
           <a:solidFill>
             <a:schemeClr val="tx1"/>
           </a:solidFill>
@@ -3371,8 +3373,8 @@
           <a:cs typeface="+mn-cs"/>
         </a:defRPr>
       </a:lvl7pPr>
-      <a:lvl8pPr marL="2080260" algn="l" defTabSz="594360" rtl="0" eaLnBrk="1" latinLnBrk="0" hangingPunct="1">
-        <a:defRPr sz="1170" kern="1200">
+      <a:lvl8pPr marL="1280160" algn="l" defTabSz="365760" rtl="0" eaLnBrk="1" latinLnBrk="0" hangingPunct="1">
+        <a:defRPr sz="720" kern="1200">
           <a:solidFill>
             <a:schemeClr val="tx1"/>
           </a:solidFill>
@@ -3381,8 +3383,8 @@
           <a:cs typeface="+mn-cs"/>
         </a:defRPr>
       </a:lvl8pPr>
-      <a:lvl9pPr marL="2377440" algn="l" defTabSz="594360" rtl="0" eaLnBrk="1" latinLnBrk="0" hangingPunct="1">
-        <a:defRPr sz="1170" kern="1200">
+      <a:lvl9pPr marL="1463040" algn="l" defTabSz="365760" rtl="0" eaLnBrk="1" latinLnBrk="0" hangingPunct="1">
+        <a:defRPr sz="720" kern="1200">
           <a:solidFill>
             <a:schemeClr val="tx1"/>
           </a:solidFill>
@@ -3415,13 +3417,13 @@
       </p:grpSpPr>
       <p:pic>
         <p:nvPicPr>
-          <p:cNvPr id="9" name="Picture 8"/>
+          <p:cNvPr id="7" name="Picture 6"/>
           <p:cNvPicPr>
             <a:picLocks noChangeAspect="1"/>
           </p:cNvPicPr>
           <p:nvPr/>
         </p:nvPicPr>
-        <p:blipFill>
+        <p:blipFill rotWithShape="1">
           <a:blip r:embed="rId3" cstate="print">
             <a:extLst>
               <a:ext uri="{28A0092B-C50C-407E-A947-70E740481C1C}">
@@ -3429,144 +3431,19 @@
               </a:ext>
             </a:extLst>
           </a:blip>
-          <a:stretch>
-            <a:fillRect/>
-          </a:stretch>
+          <a:srcRect l="7205" r="6719"/>
+          <a:stretch/>
         </p:blipFill>
         <p:spPr>
           <a:xfrm>
-            <a:off x="295275" y="41503"/>
-            <a:ext cx="5648325" cy="4276725"/>
+            <a:off x="5265" y="-46037"/>
+            <a:ext cx="5116010" cy="2720280"/>
           </a:xfrm>
           <a:prstGeom prst="rect">
             <a:avLst/>
           </a:prstGeom>
         </p:spPr>
       </p:pic>
-      <p:pic>
-        <p:nvPicPr>
-          <p:cNvPr id="4" name="Picture 3"/>
-          <p:cNvPicPr>
-            <a:picLocks noChangeAspect="1"/>
-          </p:cNvPicPr>
-          <p:nvPr/>
-        </p:nvPicPr>
-        <p:blipFill>
-          <a:blip r:embed="rId4" cstate="print">
-            <a:extLst>
-              <a:ext uri="{28A0092B-C50C-407E-A947-70E740481C1C}">
-                <a14:useLocalDpi xmlns:a14="http://schemas.microsoft.com/office/drawing/2010/main" val="0"/>
-              </a:ext>
-            </a:extLst>
-          </a:blip>
-          <a:stretch>
-            <a:fillRect/>
-          </a:stretch>
-        </p:blipFill>
-        <p:spPr>
-          <a:xfrm>
-            <a:off x="116700" y="4453439"/>
-            <a:ext cx="5826900" cy="4411936"/>
-          </a:xfrm>
-          <a:prstGeom prst="rect">
-            <a:avLst/>
-          </a:prstGeom>
-        </p:spPr>
-      </p:pic>
-      <p:sp>
-        <p:nvSpPr>
-          <p:cNvPr id="2" name="TextBox 1"/>
-          <p:cNvSpPr txBox="1"/>
-          <p:nvPr/>
-        </p:nvSpPr>
-        <p:spPr>
-          <a:xfrm>
-            <a:off x="-1556625" y="-519147"/>
-            <a:ext cx="555648" cy="344164"/>
-          </a:xfrm>
-          <a:prstGeom prst="rect">
-            <a:avLst/>
-          </a:prstGeom>
-          <a:noFill/>
-        </p:spPr>
-        <p:txBody>
-          <a:bodyPr wrap="square" rtlCol="0">
-            <a:spAutoFit/>
-          </a:bodyPr>
-          <a:lstStyle/>
-          <a:p>
-            <a:r>
-              <a:rPr lang="en-US" sz="1568" dirty="0"/>
-              <a:t>a.</a:t>
-            </a:r>
-            <a:endParaRPr lang="en-US" sz="1568" dirty="0"/>
-          </a:p>
-        </p:txBody>
-      </p:sp>
-      <p:sp>
-        <p:nvSpPr>
-          <p:cNvPr id="6" name="TextBox 5"/>
-          <p:cNvSpPr txBox="1"/>
-          <p:nvPr/>
-        </p:nvSpPr>
-        <p:spPr>
-          <a:xfrm>
-            <a:off x="116700" y="4453439"/>
-            <a:ext cx="555648" cy="344164"/>
-          </a:xfrm>
-          <a:prstGeom prst="rect">
-            <a:avLst/>
-          </a:prstGeom>
-          <a:noFill/>
-        </p:spPr>
-        <p:txBody>
-          <a:bodyPr wrap="square" rtlCol="0">
-            <a:spAutoFit/>
-          </a:bodyPr>
-          <a:lstStyle/>
-          <a:p>
-            <a:r>
-              <a:rPr lang="en-US" sz="1568" dirty="0"/>
-              <a:t>b</a:t>
-            </a:r>
-            <a:r>
-              <a:rPr lang="en-US" sz="1568" dirty="0"/>
-              <a:t>.</a:t>
-            </a:r>
-            <a:endParaRPr lang="en-US" sz="1568" dirty="0"/>
-          </a:p>
-        </p:txBody>
-      </p:sp>
-      <p:sp>
-        <p:nvSpPr>
-          <p:cNvPr id="11" name="TextBox 10"/>
-          <p:cNvSpPr txBox="1"/>
-          <p:nvPr/>
-        </p:nvSpPr>
-        <p:spPr>
-          <a:xfrm>
-            <a:off x="116700" y="41503"/>
-            <a:ext cx="555648" cy="344164"/>
-          </a:xfrm>
-          <a:prstGeom prst="rect">
-            <a:avLst/>
-          </a:prstGeom>
-          <a:noFill/>
-        </p:spPr>
-        <p:txBody>
-          <a:bodyPr wrap="square" rtlCol="0">
-            <a:spAutoFit/>
-          </a:bodyPr>
-          <a:lstStyle/>
-          <a:p>
-            <a:r>
-              <a:rPr lang="en-US" sz="1568" dirty="0" smtClean="0"/>
-              <a:t>a.</a:t>
-            </a:r>
-            <a:endParaRPr lang="en-US" sz="1568" dirty="0"/>
-          </a:p>
-        </p:txBody>
-      </p:sp>
     </p:spTree>
     <p:extLst>
       <p:ext uri="{BB962C8B-B14F-4D97-AF65-F5344CB8AC3E}">

--- a/Seismic Drones/CASE-2016/pictures/exp_2_ellipse.pptx
+++ b/Seismic Drones/CASE-2016/pictures/exp_2_ellipse.pptx
@@ -2,7 +2,7 @@
 <file path=ppt/presentation.xml><?xml version="1.0" encoding="utf-8"?>
 <p:presentation xmlns:a="http://schemas.openxmlformats.org/drawingml/2006/main" xmlns:r="http://schemas.openxmlformats.org/officeDocument/2006/relationships" xmlns:p="http://schemas.openxmlformats.org/presentationml/2006/main" saveSubsetFonts="1">
   <p:sldMasterIdLst>
-    <p:sldMasterId id="2147483996" r:id="rId1"/>
+    <p:sldMasterId id="2147484056" r:id="rId1"/>
   </p:sldMasterIdLst>
   <p:notesMasterIdLst>
     <p:notesMasterId r:id="rId3"/>
@@ -10,14 +10,14 @@
   <p:sldIdLst>
     <p:sldId id="257" r:id="rId2"/>
   </p:sldIdLst>
-  <p:sldSz cx="5121275" cy="2743200"/>
+  <p:sldSz cx="3749675" cy="3292475"/>
   <p:notesSz cx="6858000" cy="9144000"/>
   <p:defaultTextStyle>
     <a:defPPr>
       <a:defRPr lang="en-US"/>
     </a:defPPr>
-    <a:lvl1pPr marL="0" algn="l" defTabSz="412417" rtl="0" eaLnBrk="1" latinLnBrk="0" hangingPunct="1">
-      <a:defRPr sz="811" kern="1200">
+    <a:lvl1pPr marL="0" algn="l" defTabSz="339032" rtl="0" eaLnBrk="1" latinLnBrk="0" hangingPunct="1">
+      <a:defRPr sz="667" kern="1200">
         <a:solidFill>
           <a:schemeClr val="tx1"/>
         </a:solidFill>
@@ -26,8 +26,8 @@
         <a:cs typeface="+mn-cs"/>
       </a:defRPr>
     </a:lvl1pPr>
-    <a:lvl2pPr marL="206208" algn="l" defTabSz="412417" rtl="0" eaLnBrk="1" latinLnBrk="0" hangingPunct="1">
-      <a:defRPr sz="811" kern="1200">
+    <a:lvl2pPr marL="169516" algn="l" defTabSz="339032" rtl="0" eaLnBrk="1" latinLnBrk="0" hangingPunct="1">
+      <a:defRPr sz="667" kern="1200">
         <a:solidFill>
           <a:schemeClr val="tx1"/>
         </a:solidFill>
@@ -36,8 +36,8 @@
         <a:cs typeface="+mn-cs"/>
       </a:defRPr>
     </a:lvl2pPr>
-    <a:lvl3pPr marL="412417" algn="l" defTabSz="412417" rtl="0" eaLnBrk="1" latinLnBrk="0" hangingPunct="1">
-      <a:defRPr sz="811" kern="1200">
+    <a:lvl3pPr marL="339032" algn="l" defTabSz="339032" rtl="0" eaLnBrk="1" latinLnBrk="0" hangingPunct="1">
+      <a:defRPr sz="667" kern="1200">
         <a:solidFill>
           <a:schemeClr val="tx1"/>
         </a:solidFill>
@@ -46,8 +46,8 @@
         <a:cs typeface="+mn-cs"/>
       </a:defRPr>
     </a:lvl3pPr>
-    <a:lvl4pPr marL="618625" algn="l" defTabSz="412417" rtl="0" eaLnBrk="1" latinLnBrk="0" hangingPunct="1">
-      <a:defRPr sz="811" kern="1200">
+    <a:lvl4pPr marL="508547" algn="l" defTabSz="339032" rtl="0" eaLnBrk="1" latinLnBrk="0" hangingPunct="1">
+      <a:defRPr sz="667" kern="1200">
         <a:solidFill>
           <a:schemeClr val="tx1"/>
         </a:solidFill>
@@ -56,8 +56,8 @@
         <a:cs typeface="+mn-cs"/>
       </a:defRPr>
     </a:lvl4pPr>
-    <a:lvl5pPr marL="824831" algn="l" defTabSz="412417" rtl="0" eaLnBrk="1" latinLnBrk="0" hangingPunct="1">
-      <a:defRPr sz="811" kern="1200">
+    <a:lvl5pPr marL="678061" algn="l" defTabSz="339032" rtl="0" eaLnBrk="1" latinLnBrk="0" hangingPunct="1">
+      <a:defRPr sz="667" kern="1200">
         <a:solidFill>
           <a:schemeClr val="tx1"/>
         </a:solidFill>
@@ -66,8 +66,8 @@
         <a:cs typeface="+mn-cs"/>
       </a:defRPr>
     </a:lvl5pPr>
-    <a:lvl6pPr marL="1031043" algn="l" defTabSz="412417" rtl="0" eaLnBrk="1" latinLnBrk="0" hangingPunct="1">
-      <a:defRPr sz="811" kern="1200">
+    <a:lvl6pPr marL="847580" algn="l" defTabSz="339032" rtl="0" eaLnBrk="1" latinLnBrk="0" hangingPunct="1">
+      <a:defRPr sz="667" kern="1200">
         <a:solidFill>
           <a:schemeClr val="tx1"/>
         </a:solidFill>
@@ -76,8 +76,8 @@
         <a:cs typeface="+mn-cs"/>
       </a:defRPr>
     </a:lvl6pPr>
-    <a:lvl7pPr marL="1237249" algn="l" defTabSz="412417" rtl="0" eaLnBrk="1" latinLnBrk="0" hangingPunct="1">
-      <a:defRPr sz="811" kern="1200">
+    <a:lvl7pPr marL="1017094" algn="l" defTabSz="339032" rtl="0" eaLnBrk="1" latinLnBrk="0" hangingPunct="1">
+      <a:defRPr sz="667" kern="1200">
         <a:solidFill>
           <a:schemeClr val="tx1"/>
         </a:solidFill>
@@ -86,8 +86,8 @@
         <a:cs typeface="+mn-cs"/>
       </a:defRPr>
     </a:lvl7pPr>
-    <a:lvl8pPr marL="1443457" algn="l" defTabSz="412417" rtl="0" eaLnBrk="1" latinLnBrk="0" hangingPunct="1">
-      <a:defRPr sz="811" kern="1200">
+    <a:lvl8pPr marL="1186609" algn="l" defTabSz="339032" rtl="0" eaLnBrk="1" latinLnBrk="0" hangingPunct="1">
+      <a:defRPr sz="667" kern="1200">
         <a:solidFill>
           <a:schemeClr val="tx1"/>
         </a:solidFill>
@@ -96,8 +96,8 @@
         <a:cs typeface="+mn-cs"/>
       </a:defRPr>
     </a:lvl8pPr>
-    <a:lvl9pPr marL="1649668" algn="l" defTabSz="412417" rtl="0" eaLnBrk="1" latinLnBrk="0" hangingPunct="1">
-      <a:defRPr sz="811" kern="1200">
+    <a:lvl9pPr marL="1356126" algn="l" defTabSz="339032" rtl="0" eaLnBrk="1" latinLnBrk="0" hangingPunct="1">
+      <a:defRPr sz="667" kern="1200">
         <a:solidFill>
           <a:schemeClr val="tx1"/>
         </a:solidFill>
@@ -197,7 +197,7 @@
           <a:p>
             <a:fld id="{AA1C6256-7E50-4653-8D7D-F1FCAAC977E8}" type="datetimeFigureOut">
               <a:rPr lang="en-US" smtClean="0"/>
-              <a:t>3/8/2016</a:t>
+              <a:t>3/16/2016</a:t>
             </a:fld>
             <a:endParaRPr lang="en-US"/>
           </a:p>
@@ -215,8 +215,8 @@
         </p:nvSpPr>
         <p:spPr>
           <a:xfrm>
-            <a:off x="549275" y="1143000"/>
-            <a:ext cx="5759450" cy="3086100"/>
+            <a:off x="1671638" y="1143000"/>
+            <a:ext cx="3514725" cy="3086100"/>
           </a:xfrm>
           <a:prstGeom prst="rect">
             <a:avLst/>
@@ -371,8 +371,8 @@
   </p:cSld>
   <p:clrMap bg1="lt1" tx1="dk1" bg2="lt2" tx2="dk2" accent1="accent1" accent2="accent2" accent3="accent3" accent4="accent4" accent5="accent5" accent6="accent6" hlink="hlink" folHlink="folHlink"/>
   <p:notesStyle>
-    <a:lvl1pPr marL="0" algn="l" defTabSz="412417" rtl="0" eaLnBrk="1" latinLnBrk="0" hangingPunct="1">
-      <a:defRPr sz="542" kern="1200">
+    <a:lvl1pPr marL="0" algn="l" defTabSz="339032" rtl="0" eaLnBrk="1" latinLnBrk="0" hangingPunct="1">
+      <a:defRPr sz="446" kern="1200">
         <a:solidFill>
           <a:schemeClr val="tx1"/>
         </a:solidFill>
@@ -381,8 +381,8 @@
         <a:cs typeface="+mn-cs"/>
       </a:defRPr>
     </a:lvl1pPr>
-    <a:lvl2pPr marL="206208" algn="l" defTabSz="412417" rtl="0" eaLnBrk="1" latinLnBrk="0" hangingPunct="1">
-      <a:defRPr sz="542" kern="1200">
+    <a:lvl2pPr marL="169516" algn="l" defTabSz="339032" rtl="0" eaLnBrk="1" latinLnBrk="0" hangingPunct="1">
+      <a:defRPr sz="446" kern="1200">
         <a:solidFill>
           <a:schemeClr val="tx1"/>
         </a:solidFill>
@@ -391,8 +391,8 @@
         <a:cs typeface="+mn-cs"/>
       </a:defRPr>
     </a:lvl2pPr>
-    <a:lvl3pPr marL="412417" algn="l" defTabSz="412417" rtl="0" eaLnBrk="1" latinLnBrk="0" hangingPunct="1">
-      <a:defRPr sz="542" kern="1200">
+    <a:lvl3pPr marL="339032" algn="l" defTabSz="339032" rtl="0" eaLnBrk="1" latinLnBrk="0" hangingPunct="1">
+      <a:defRPr sz="446" kern="1200">
         <a:solidFill>
           <a:schemeClr val="tx1"/>
         </a:solidFill>
@@ -401,8 +401,8 @@
         <a:cs typeface="+mn-cs"/>
       </a:defRPr>
     </a:lvl3pPr>
-    <a:lvl4pPr marL="618625" algn="l" defTabSz="412417" rtl="0" eaLnBrk="1" latinLnBrk="0" hangingPunct="1">
-      <a:defRPr sz="542" kern="1200">
+    <a:lvl4pPr marL="508547" algn="l" defTabSz="339032" rtl="0" eaLnBrk="1" latinLnBrk="0" hangingPunct="1">
+      <a:defRPr sz="446" kern="1200">
         <a:solidFill>
           <a:schemeClr val="tx1"/>
         </a:solidFill>
@@ -411,8 +411,8 @@
         <a:cs typeface="+mn-cs"/>
       </a:defRPr>
     </a:lvl4pPr>
-    <a:lvl5pPr marL="824831" algn="l" defTabSz="412417" rtl="0" eaLnBrk="1" latinLnBrk="0" hangingPunct="1">
-      <a:defRPr sz="542" kern="1200">
+    <a:lvl5pPr marL="678061" algn="l" defTabSz="339032" rtl="0" eaLnBrk="1" latinLnBrk="0" hangingPunct="1">
+      <a:defRPr sz="446" kern="1200">
         <a:solidFill>
           <a:schemeClr val="tx1"/>
         </a:solidFill>
@@ -421,8 +421,8 @@
         <a:cs typeface="+mn-cs"/>
       </a:defRPr>
     </a:lvl5pPr>
-    <a:lvl6pPr marL="1031043" algn="l" defTabSz="412417" rtl="0" eaLnBrk="1" latinLnBrk="0" hangingPunct="1">
-      <a:defRPr sz="542" kern="1200">
+    <a:lvl6pPr marL="847580" algn="l" defTabSz="339032" rtl="0" eaLnBrk="1" latinLnBrk="0" hangingPunct="1">
+      <a:defRPr sz="446" kern="1200">
         <a:solidFill>
           <a:schemeClr val="tx1"/>
         </a:solidFill>
@@ -431,8 +431,8 @@
         <a:cs typeface="+mn-cs"/>
       </a:defRPr>
     </a:lvl6pPr>
-    <a:lvl7pPr marL="1237249" algn="l" defTabSz="412417" rtl="0" eaLnBrk="1" latinLnBrk="0" hangingPunct="1">
-      <a:defRPr sz="542" kern="1200">
+    <a:lvl7pPr marL="1017094" algn="l" defTabSz="339032" rtl="0" eaLnBrk="1" latinLnBrk="0" hangingPunct="1">
+      <a:defRPr sz="446" kern="1200">
         <a:solidFill>
           <a:schemeClr val="tx1"/>
         </a:solidFill>
@@ -441,8 +441,8 @@
         <a:cs typeface="+mn-cs"/>
       </a:defRPr>
     </a:lvl7pPr>
-    <a:lvl8pPr marL="1443457" algn="l" defTabSz="412417" rtl="0" eaLnBrk="1" latinLnBrk="0" hangingPunct="1">
-      <a:defRPr sz="542" kern="1200">
+    <a:lvl8pPr marL="1186609" algn="l" defTabSz="339032" rtl="0" eaLnBrk="1" latinLnBrk="0" hangingPunct="1">
+      <a:defRPr sz="446" kern="1200">
         <a:solidFill>
           <a:schemeClr val="tx1"/>
         </a:solidFill>
@@ -451,8 +451,8 @@
         <a:cs typeface="+mn-cs"/>
       </a:defRPr>
     </a:lvl8pPr>
-    <a:lvl9pPr marL="1649668" algn="l" defTabSz="412417" rtl="0" eaLnBrk="1" latinLnBrk="0" hangingPunct="1">
-      <a:defRPr sz="542" kern="1200">
+    <a:lvl9pPr marL="1356126" algn="l" defTabSz="339032" rtl="0" eaLnBrk="1" latinLnBrk="0" hangingPunct="1">
+      <a:defRPr sz="446" kern="1200">
         <a:solidFill>
           <a:schemeClr val="tx1"/>
         </a:solidFill>
@@ -494,8 +494,8 @@
         </p:nvSpPr>
         <p:spPr>
           <a:xfrm>
-            <a:off x="549275" y="1143000"/>
-            <a:ext cx="5759450" cy="3086100"/>
+            <a:off x="1671638" y="1143000"/>
+            <a:ext cx="3514725" cy="3086100"/>
           </a:xfrm>
         </p:spPr>
       </p:sp>
@@ -583,15 +583,15 @@
         </p:nvSpPr>
         <p:spPr>
           <a:xfrm>
-            <a:off x="640160" y="448945"/>
-            <a:ext cx="3840956" cy="955040"/>
+            <a:off x="281226" y="538838"/>
+            <a:ext cx="3187224" cy="1146269"/>
           </a:xfrm>
         </p:spPr>
         <p:txBody>
           <a:bodyPr anchor="b"/>
           <a:lstStyle>
             <a:lvl1pPr algn="ctr">
-              <a:defRPr sz="2400"/>
+              <a:defRPr sz="2461"/>
             </a:lvl1pPr>
           </a:lstStyle>
           <a:p>
@@ -615,8 +615,8 @@
         </p:nvSpPr>
         <p:spPr>
           <a:xfrm>
-            <a:off x="640160" y="1440815"/>
-            <a:ext cx="3840956" cy="662305"/>
+            <a:off x="468710" y="1729312"/>
+            <a:ext cx="2812256" cy="794919"/>
           </a:xfrm>
         </p:spPr>
         <p:txBody>
@@ -624,39 +624,39 @@
           <a:lstStyle>
             <a:lvl1pPr marL="0" indent="0" algn="ctr">
               <a:buNone/>
-              <a:defRPr sz="960"/>
+              <a:defRPr sz="984"/>
             </a:lvl1pPr>
-            <a:lvl2pPr marL="182880" indent="0" algn="ctr">
-              <a:buNone/>
-              <a:defRPr sz="800"/>
+            <a:lvl2pPr marL="187498" indent="0" algn="ctr">
+              <a:buNone/>
+              <a:defRPr sz="820"/>
             </a:lvl2pPr>
-            <a:lvl3pPr marL="365760" indent="0" algn="ctr">
-              <a:buNone/>
-              <a:defRPr sz="720"/>
+            <a:lvl3pPr marL="374995" indent="0" algn="ctr">
+              <a:buNone/>
+              <a:defRPr sz="738"/>
             </a:lvl3pPr>
-            <a:lvl4pPr marL="548640" indent="0" algn="ctr">
-              <a:buNone/>
-              <a:defRPr sz="640"/>
+            <a:lvl4pPr marL="562493" indent="0" algn="ctr">
+              <a:buNone/>
+              <a:defRPr sz="656"/>
             </a:lvl4pPr>
-            <a:lvl5pPr marL="731520" indent="0" algn="ctr">
-              <a:buNone/>
-              <a:defRPr sz="640"/>
+            <a:lvl5pPr marL="749991" indent="0" algn="ctr">
+              <a:buNone/>
+              <a:defRPr sz="656"/>
             </a:lvl5pPr>
-            <a:lvl6pPr marL="914400" indent="0" algn="ctr">
-              <a:buNone/>
-              <a:defRPr sz="640"/>
+            <a:lvl6pPr marL="937489" indent="0" algn="ctr">
+              <a:buNone/>
+              <a:defRPr sz="656"/>
             </a:lvl6pPr>
-            <a:lvl7pPr marL="1097280" indent="0" algn="ctr">
-              <a:buNone/>
-              <a:defRPr sz="640"/>
+            <a:lvl7pPr marL="1124986" indent="0" algn="ctr">
+              <a:buNone/>
+              <a:defRPr sz="656"/>
             </a:lvl7pPr>
-            <a:lvl8pPr marL="1280160" indent="0" algn="ctr">
-              <a:buNone/>
-              <a:defRPr sz="640"/>
+            <a:lvl8pPr marL="1312484" indent="0" algn="ctr">
+              <a:buNone/>
+              <a:defRPr sz="656"/>
             </a:lvl8pPr>
-            <a:lvl9pPr marL="1463040" indent="0" algn="ctr">
-              <a:buNone/>
-              <a:defRPr sz="640"/>
+            <a:lvl9pPr marL="1499982" indent="0" algn="ctr">
+              <a:buNone/>
+              <a:defRPr sz="656"/>
             </a:lvl9pPr>
           </a:lstStyle>
           <a:p>
@@ -685,7 +685,7 @@
           <a:p>
             <a:fld id="{EF27D29F-6681-4284-A19E-BDF58AC0366A}" type="datetimeFigureOut">
               <a:rPr lang="en-US" smtClean="0"/>
-              <a:t>3/8/2016</a:t>
+              <a:t>3/16/2016</a:t>
             </a:fld>
             <a:endParaRPr lang="en-US"/>
           </a:p>
@@ -736,7 +736,7 @@
     </p:spTree>
     <p:extLst>
       <p:ext uri="{BB962C8B-B14F-4D97-AF65-F5344CB8AC3E}">
-        <p14:creationId xmlns:p14="http://schemas.microsoft.com/office/powerpoint/2010/main" val="2160231694"/>
+        <p14:creationId xmlns:p14="http://schemas.microsoft.com/office/powerpoint/2010/main" val="1039240010"/>
       </p:ext>
     </p:extLst>
   </p:cSld>
@@ -855,7 +855,7 @@
           <a:p>
             <a:fld id="{EF27D29F-6681-4284-A19E-BDF58AC0366A}" type="datetimeFigureOut">
               <a:rPr lang="en-US" smtClean="0"/>
-              <a:t>3/8/2016</a:t>
+              <a:t>3/16/2016</a:t>
             </a:fld>
             <a:endParaRPr lang="en-US"/>
           </a:p>
@@ -906,7 +906,7 @@
     </p:spTree>
     <p:extLst>
       <p:ext uri="{BB962C8B-B14F-4D97-AF65-F5344CB8AC3E}">
-        <p14:creationId xmlns:p14="http://schemas.microsoft.com/office/powerpoint/2010/main" val="2873834509"/>
+        <p14:creationId xmlns:p14="http://schemas.microsoft.com/office/powerpoint/2010/main" val="2645201944"/>
       </p:ext>
     </p:extLst>
   </p:cSld>
@@ -945,8 +945,8 @@
         </p:nvSpPr>
         <p:spPr>
           <a:xfrm>
-            <a:off x="3664912" y="146050"/>
-            <a:ext cx="1104275" cy="2324735"/>
+            <a:off x="2683361" y="175294"/>
+            <a:ext cx="808524" cy="2790220"/>
           </a:xfrm>
         </p:spPr>
         <p:txBody>
@@ -973,8 +973,8 @@
         </p:nvSpPr>
         <p:spPr>
           <a:xfrm>
-            <a:off x="352088" y="146050"/>
-            <a:ext cx="3248809" cy="2324735"/>
+            <a:off x="257790" y="175294"/>
+            <a:ext cx="2378700" cy="2790220"/>
           </a:xfrm>
         </p:spPr>
         <p:txBody>
@@ -1035,7 +1035,7 @@
           <a:p>
             <a:fld id="{EF27D29F-6681-4284-A19E-BDF58AC0366A}" type="datetimeFigureOut">
               <a:rPr lang="en-US" smtClean="0"/>
-              <a:t>3/8/2016</a:t>
+              <a:t>3/16/2016</a:t>
             </a:fld>
             <a:endParaRPr lang="en-US"/>
           </a:p>
@@ -1086,7 +1086,7 @@
     </p:spTree>
     <p:extLst>
       <p:ext uri="{BB962C8B-B14F-4D97-AF65-F5344CB8AC3E}">
-        <p14:creationId xmlns:p14="http://schemas.microsoft.com/office/powerpoint/2010/main" val="2921562276"/>
+        <p14:creationId xmlns:p14="http://schemas.microsoft.com/office/powerpoint/2010/main" val="1433474463"/>
       </p:ext>
     </p:extLst>
   </p:cSld>
@@ -1205,7 +1205,7 @@
           <a:p>
             <a:fld id="{EF27D29F-6681-4284-A19E-BDF58AC0366A}" type="datetimeFigureOut">
               <a:rPr lang="en-US" smtClean="0"/>
-              <a:t>3/8/2016</a:t>
+              <a:t>3/16/2016</a:t>
             </a:fld>
             <a:endParaRPr lang="en-US"/>
           </a:p>
@@ -1256,7 +1256,7 @@
     </p:spTree>
     <p:extLst>
       <p:ext uri="{BB962C8B-B14F-4D97-AF65-F5344CB8AC3E}">
-        <p14:creationId xmlns:p14="http://schemas.microsoft.com/office/powerpoint/2010/main" val="2621338259"/>
+        <p14:creationId xmlns:p14="http://schemas.microsoft.com/office/powerpoint/2010/main" val="1747444633"/>
       </p:ext>
     </p:extLst>
   </p:cSld>
@@ -1295,15 +1295,15 @@
         </p:nvSpPr>
         <p:spPr>
           <a:xfrm>
-            <a:off x="349420" y="683895"/>
-            <a:ext cx="4417100" cy="1141095"/>
+            <a:off x="255837" y="820833"/>
+            <a:ext cx="3234095" cy="1369578"/>
           </a:xfrm>
         </p:spPr>
         <p:txBody>
           <a:bodyPr anchor="b"/>
           <a:lstStyle>
             <a:lvl1pPr>
-              <a:defRPr sz="2400"/>
+              <a:defRPr sz="2461"/>
             </a:lvl1pPr>
           </a:lstStyle>
           <a:p>
@@ -1327,8 +1327,8 @@
         </p:nvSpPr>
         <p:spPr>
           <a:xfrm>
-            <a:off x="349420" y="1835785"/>
-            <a:ext cx="4417100" cy="600075"/>
+            <a:off x="255837" y="2203368"/>
+            <a:ext cx="3234095" cy="720229"/>
           </a:xfrm>
         </p:spPr>
         <p:txBody>
@@ -1336,17 +1336,15 @@
           <a:lstStyle>
             <a:lvl1pPr marL="0" indent="0">
               <a:buNone/>
-              <a:defRPr sz="960">
+              <a:defRPr sz="984">
                 <a:solidFill>
-                  <a:schemeClr val="tx1">
-                    <a:tint val="75000"/>
-                  </a:schemeClr>
+                  <a:schemeClr val="tx1"/>
                 </a:solidFill>
               </a:defRPr>
             </a:lvl1pPr>
-            <a:lvl2pPr marL="182880" indent="0">
-              <a:buNone/>
-              <a:defRPr sz="800">
+            <a:lvl2pPr marL="187498" indent="0">
+              <a:buNone/>
+              <a:defRPr sz="820">
                 <a:solidFill>
                   <a:schemeClr val="tx1">
                     <a:tint val="75000"/>
@@ -1354,9 +1352,9 @@
                 </a:solidFill>
               </a:defRPr>
             </a:lvl2pPr>
-            <a:lvl3pPr marL="365760" indent="0">
-              <a:buNone/>
-              <a:defRPr sz="720">
+            <a:lvl3pPr marL="374995" indent="0">
+              <a:buNone/>
+              <a:defRPr sz="738">
                 <a:solidFill>
                   <a:schemeClr val="tx1">
                     <a:tint val="75000"/>
@@ -1364,9 +1362,9 @@
                 </a:solidFill>
               </a:defRPr>
             </a:lvl3pPr>
-            <a:lvl4pPr marL="548640" indent="0">
-              <a:buNone/>
-              <a:defRPr sz="640">
+            <a:lvl4pPr marL="562493" indent="0">
+              <a:buNone/>
+              <a:defRPr sz="656">
                 <a:solidFill>
                   <a:schemeClr val="tx1">
                     <a:tint val="75000"/>
@@ -1374,9 +1372,9 @@
                 </a:solidFill>
               </a:defRPr>
             </a:lvl4pPr>
-            <a:lvl5pPr marL="731520" indent="0">
-              <a:buNone/>
-              <a:defRPr sz="640">
+            <a:lvl5pPr marL="749991" indent="0">
+              <a:buNone/>
+              <a:defRPr sz="656">
                 <a:solidFill>
                   <a:schemeClr val="tx1">
                     <a:tint val="75000"/>
@@ -1384,9 +1382,9 @@
                 </a:solidFill>
               </a:defRPr>
             </a:lvl5pPr>
-            <a:lvl6pPr marL="914400" indent="0">
-              <a:buNone/>
-              <a:defRPr sz="640">
+            <a:lvl6pPr marL="937489" indent="0">
+              <a:buNone/>
+              <a:defRPr sz="656">
                 <a:solidFill>
                   <a:schemeClr val="tx1">
                     <a:tint val="75000"/>
@@ -1394,9 +1392,9 @@
                 </a:solidFill>
               </a:defRPr>
             </a:lvl6pPr>
-            <a:lvl7pPr marL="1097280" indent="0">
-              <a:buNone/>
-              <a:defRPr sz="640">
+            <a:lvl7pPr marL="1124986" indent="0">
+              <a:buNone/>
+              <a:defRPr sz="656">
                 <a:solidFill>
                   <a:schemeClr val="tx1">
                     <a:tint val="75000"/>
@@ -1404,9 +1402,9 @@
                 </a:solidFill>
               </a:defRPr>
             </a:lvl7pPr>
-            <a:lvl8pPr marL="1280160" indent="0">
-              <a:buNone/>
-              <a:defRPr sz="640">
+            <a:lvl8pPr marL="1312484" indent="0">
+              <a:buNone/>
+              <a:defRPr sz="656">
                 <a:solidFill>
                   <a:schemeClr val="tx1">
                     <a:tint val="75000"/>
@@ -1414,9 +1412,9 @@
                 </a:solidFill>
               </a:defRPr>
             </a:lvl8pPr>
-            <a:lvl9pPr marL="1463040" indent="0">
-              <a:buNone/>
-              <a:defRPr sz="640">
+            <a:lvl9pPr marL="1499982" indent="0">
+              <a:buNone/>
+              <a:defRPr sz="656">
                 <a:solidFill>
                   <a:schemeClr val="tx1">
                     <a:tint val="75000"/>
@@ -1451,7 +1449,7 @@
           <a:p>
             <a:fld id="{EF27D29F-6681-4284-A19E-BDF58AC0366A}" type="datetimeFigureOut">
               <a:rPr lang="en-US" smtClean="0"/>
-              <a:t>3/8/2016</a:t>
+              <a:t>3/16/2016</a:t>
             </a:fld>
             <a:endParaRPr lang="en-US"/>
           </a:p>
@@ -1502,7 +1500,7 @@
     </p:spTree>
     <p:extLst>
       <p:ext uri="{BB962C8B-B14F-4D97-AF65-F5344CB8AC3E}">
-        <p14:creationId xmlns:p14="http://schemas.microsoft.com/office/powerpoint/2010/main" val="3509647527"/>
+        <p14:creationId xmlns:p14="http://schemas.microsoft.com/office/powerpoint/2010/main" val="795316235"/>
       </p:ext>
     </p:extLst>
   </p:cSld>
@@ -1564,8 +1562,8 @@
         </p:nvSpPr>
         <p:spPr>
           <a:xfrm>
-            <a:off x="352088" y="730250"/>
-            <a:ext cx="2176542" cy="1740535"/>
+            <a:off x="257790" y="876469"/>
+            <a:ext cx="1593612" cy="2089045"/>
           </a:xfrm>
         </p:spPr>
         <p:txBody>
@@ -1621,8 +1619,8 @@
         </p:nvSpPr>
         <p:spPr>
           <a:xfrm>
-            <a:off x="2592645" y="730250"/>
-            <a:ext cx="2176542" cy="1740535"/>
+            <a:off x="1898273" y="876469"/>
+            <a:ext cx="1593612" cy="2089045"/>
           </a:xfrm>
         </p:spPr>
         <p:txBody>
@@ -1683,7 +1681,7 @@
           <a:p>
             <a:fld id="{EF27D29F-6681-4284-A19E-BDF58AC0366A}" type="datetimeFigureOut">
               <a:rPr lang="en-US" smtClean="0"/>
-              <a:t>3/8/2016</a:t>
+              <a:t>3/16/2016</a:t>
             </a:fld>
             <a:endParaRPr lang="en-US"/>
           </a:p>
@@ -1734,7 +1732,7 @@
     </p:spTree>
     <p:extLst>
       <p:ext uri="{BB962C8B-B14F-4D97-AF65-F5344CB8AC3E}">
-        <p14:creationId xmlns:p14="http://schemas.microsoft.com/office/powerpoint/2010/main" val="469163129"/>
+        <p14:creationId xmlns:p14="http://schemas.microsoft.com/office/powerpoint/2010/main" val="3373499235"/>
       </p:ext>
     </p:extLst>
   </p:cSld>
@@ -1773,8 +1771,8 @@
         </p:nvSpPr>
         <p:spPr>
           <a:xfrm>
-            <a:off x="352755" y="146050"/>
-            <a:ext cx="4417100" cy="530225"/>
+            <a:off x="258278" y="175295"/>
+            <a:ext cx="3234095" cy="636393"/>
           </a:xfrm>
         </p:spPr>
         <p:txBody>
@@ -1801,8 +1799,8 @@
         </p:nvSpPr>
         <p:spPr>
           <a:xfrm>
-            <a:off x="352755" y="672465"/>
-            <a:ext cx="2166539" cy="329565"/>
+            <a:off x="258279" y="807114"/>
+            <a:ext cx="1586288" cy="395554"/>
           </a:xfrm>
         </p:spPr>
         <p:txBody>
@@ -1810,39 +1808,39 @@
           <a:lstStyle>
             <a:lvl1pPr marL="0" indent="0">
               <a:buNone/>
-              <a:defRPr sz="960" b="1"/>
+              <a:defRPr sz="984" b="1"/>
             </a:lvl1pPr>
-            <a:lvl2pPr marL="182880" indent="0">
-              <a:buNone/>
-              <a:defRPr sz="800" b="1"/>
+            <a:lvl2pPr marL="187498" indent="0">
+              <a:buNone/>
+              <a:defRPr sz="820" b="1"/>
             </a:lvl2pPr>
-            <a:lvl3pPr marL="365760" indent="0">
-              <a:buNone/>
-              <a:defRPr sz="720" b="1"/>
+            <a:lvl3pPr marL="374995" indent="0">
+              <a:buNone/>
+              <a:defRPr sz="738" b="1"/>
             </a:lvl3pPr>
-            <a:lvl4pPr marL="548640" indent="0">
-              <a:buNone/>
-              <a:defRPr sz="640" b="1"/>
+            <a:lvl4pPr marL="562493" indent="0">
+              <a:buNone/>
+              <a:defRPr sz="656" b="1"/>
             </a:lvl4pPr>
-            <a:lvl5pPr marL="731520" indent="0">
-              <a:buNone/>
-              <a:defRPr sz="640" b="1"/>
+            <a:lvl5pPr marL="749991" indent="0">
+              <a:buNone/>
+              <a:defRPr sz="656" b="1"/>
             </a:lvl5pPr>
-            <a:lvl6pPr marL="914400" indent="0">
-              <a:buNone/>
-              <a:defRPr sz="640" b="1"/>
+            <a:lvl6pPr marL="937489" indent="0">
+              <a:buNone/>
+              <a:defRPr sz="656" b="1"/>
             </a:lvl6pPr>
-            <a:lvl7pPr marL="1097280" indent="0">
-              <a:buNone/>
-              <a:defRPr sz="640" b="1"/>
+            <a:lvl7pPr marL="1124986" indent="0">
+              <a:buNone/>
+              <a:defRPr sz="656" b="1"/>
             </a:lvl7pPr>
-            <a:lvl8pPr marL="1280160" indent="0">
-              <a:buNone/>
-              <a:defRPr sz="640" b="1"/>
+            <a:lvl8pPr marL="1312484" indent="0">
+              <a:buNone/>
+              <a:defRPr sz="656" b="1"/>
             </a:lvl8pPr>
-            <a:lvl9pPr marL="1463040" indent="0">
-              <a:buNone/>
-              <a:defRPr sz="640" b="1"/>
+            <a:lvl9pPr marL="1499982" indent="0">
+              <a:buNone/>
+              <a:defRPr sz="656" b="1"/>
             </a:lvl9pPr>
           </a:lstStyle>
           <a:p>
@@ -1866,8 +1864,8 @@
         </p:nvSpPr>
         <p:spPr>
           <a:xfrm>
-            <a:off x="352755" y="1002030"/>
-            <a:ext cx="2166539" cy="1473835"/>
+            <a:off x="258279" y="1202668"/>
+            <a:ext cx="1586288" cy="1768943"/>
           </a:xfrm>
         </p:spPr>
         <p:txBody>
@@ -1923,8 +1921,8 @@
         </p:nvSpPr>
         <p:spPr>
           <a:xfrm>
-            <a:off x="2592645" y="672465"/>
-            <a:ext cx="2177209" cy="329565"/>
+            <a:off x="1898273" y="807114"/>
+            <a:ext cx="1594100" cy="395554"/>
           </a:xfrm>
         </p:spPr>
         <p:txBody>
@@ -1932,39 +1930,39 @@
           <a:lstStyle>
             <a:lvl1pPr marL="0" indent="0">
               <a:buNone/>
-              <a:defRPr sz="960" b="1"/>
+              <a:defRPr sz="984" b="1"/>
             </a:lvl1pPr>
-            <a:lvl2pPr marL="182880" indent="0">
-              <a:buNone/>
-              <a:defRPr sz="800" b="1"/>
+            <a:lvl2pPr marL="187498" indent="0">
+              <a:buNone/>
+              <a:defRPr sz="820" b="1"/>
             </a:lvl2pPr>
-            <a:lvl3pPr marL="365760" indent="0">
-              <a:buNone/>
-              <a:defRPr sz="720" b="1"/>
+            <a:lvl3pPr marL="374995" indent="0">
+              <a:buNone/>
+              <a:defRPr sz="738" b="1"/>
             </a:lvl3pPr>
-            <a:lvl4pPr marL="548640" indent="0">
-              <a:buNone/>
-              <a:defRPr sz="640" b="1"/>
+            <a:lvl4pPr marL="562493" indent="0">
+              <a:buNone/>
+              <a:defRPr sz="656" b="1"/>
             </a:lvl4pPr>
-            <a:lvl5pPr marL="731520" indent="0">
-              <a:buNone/>
-              <a:defRPr sz="640" b="1"/>
+            <a:lvl5pPr marL="749991" indent="0">
+              <a:buNone/>
+              <a:defRPr sz="656" b="1"/>
             </a:lvl5pPr>
-            <a:lvl6pPr marL="914400" indent="0">
-              <a:buNone/>
-              <a:defRPr sz="640" b="1"/>
+            <a:lvl6pPr marL="937489" indent="0">
+              <a:buNone/>
+              <a:defRPr sz="656" b="1"/>
             </a:lvl6pPr>
-            <a:lvl7pPr marL="1097280" indent="0">
-              <a:buNone/>
-              <a:defRPr sz="640" b="1"/>
+            <a:lvl7pPr marL="1124986" indent="0">
+              <a:buNone/>
+              <a:defRPr sz="656" b="1"/>
             </a:lvl7pPr>
-            <a:lvl8pPr marL="1280160" indent="0">
-              <a:buNone/>
-              <a:defRPr sz="640" b="1"/>
+            <a:lvl8pPr marL="1312484" indent="0">
+              <a:buNone/>
+              <a:defRPr sz="656" b="1"/>
             </a:lvl8pPr>
-            <a:lvl9pPr marL="1463040" indent="0">
-              <a:buNone/>
-              <a:defRPr sz="640" b="1"/>
+            <a:lvl9pPr marL="1499982" indent="0">
+              <a:buNone/>
+              <a:defRPr sz="656" b="1"/>
             </a:lvl9pPr>
           </a:lstStyle>
           <a:p>
@@ -1988,8 +1986,8 @@
         </p:nvSpPr>
         <p:spPr>
           <a:xfrm>
-            <a:off x="2592645" y="1002030"/>
-            <a:ext cx="2177209" cy="1473835"/>
+            <a:off x="1898273" y="1202668"/>
+            <a:ext cx="1594100" cy="1768943"/>
           </a:xfrm>
         </p:spPr>
         <p:txBody>
@@ -2050,7 +2048,7 @@
           <a:p>
             <a:fld id="{EF27D29F-6681-4284-A19E-BDF58AC0366A}" type="datetimeFigureOut">
               <a:rPr lang="en-US" smtClean="0"/>
-              <a:t>3/8/2016</a:t>
+              <a:t>3/16/2016</a:t>
             </a:fld>
             <a:endParaRPr lang="en-US"/>
           </a:p>
@@ -2101,7 +2099,7 @@
     </p:spTree>
     <p:extLst>
       <p:ext uri="{BB962C8B-B14F-4D97-AF65-F5344CB8AC3E}">
-        <p14:creationId xmlns:p14="http://schemas.microsoft.com/office/powerpoint/2010/main" val="1539386410"/>
+        <p14:creationId xmlns:p14="http://schemas.microsoft.com/office/powerpoint/2010/main" val="2759424465"/>
       </p:ext>
     </p:extLst>
   </p:cSld>
@@ -2168,7 +2166,7 @@
           <a:p>
             <a:fld id="{EF27D29F-6681-4284-A19E-BDF58AC0366A}" type="datetimeFigureOut">
               <a:rPr lang="en-US" smtClean="0"/>
-              <a:t>3/8/2016</a:t>
+              <a:t>3/16/2016</a:t>
             </a:fld>
             <a:endParaRPr lang="en-US"/>
           </a:p>
@@ -2219,7 +2217,7 @@
     </p:spTree>
     <p:extLst>
       <p:ext uri="{BB962C8B-B14F-4D97-AF65-F5344CB8AC3E}">
-        <p14:creationId xmlns:p14="http://schemas.microsoft.com/office/powerpoint/2010/main" val="3443514365"/>
+        <p14:creationId xmlns:p14="http://schemas.microsoft.com/office/powerpoint/2010/main" val="2827226568"/>
       </p:ext>
     </p:extLst>
   </p:cSld>
@@ -2263,7 +2261,7 @@
           <a:p>
             <a:fld id="{EF27D29F-6681-4284-A19E-BDF58AC0366A}" type="datetimeFigureOut">
               <a:rPr lang="en-US" smtClean="0"/>
-              <a:t>3/8/2016</a:t>
+              <a:t>3/16/2016</a:t>
             </a:fld>
             <a:endParaRPr lang="en-US"/>
           </a:p>
@@ -2314,7 +2312,7 @@
     </p:spTree>
     <p:extLst>
       <p:ext uri="{BB962C8B-B14F-4D97-AF65-F5344CB8AC3E}">
-        <p14:creationId xmlns:p14="http://schemas.microsoft.com/office/powerpoint/2010/main" val="5935805"/>
+        <p14:creationId xmlns:p14="http://schemas.microsoft.com/office/powerpoint/2010/main" val="1948365404"/>
       </p:ext>
     </p:extLst>
   </p:cSld>
@@ -2353,15 +2351,15 @@
         </p:nvSpPr>
         <p:spPr>
           <a:xfrm>
-            <a:off x="352755" y="182880"/>
-            <a:ext cx="1651744" cy="640080"/>
+            <a:off x="258278" y="219498"/>
+            <a:ext cx="1209368" cy="768244"/>
           </a:xfrm>
         </p:spPr>
         <p:txBody>
           <a:bodyPr anchor="b"/>
           <a:lstStyle>
             <a:lvl1pPr>
-              <a:defRPr sz="1280"/>
+              <a:defRPr sz="1312"/>
             </a:lvl1pPr>
           </a:lstStyle>
           <a:p>
@@ -2385,39 +2383,39 @@
         </p:nvSpPr>
         <p:spPr>
           <a:xfrm>
-            <a:off x="2177209" y="394970"/>
-            <a:ext cx="2592645" cy="1949450"/>
+            <a:off x="1594100" y="474056"/>
+            <a:ext cx="1898273" cy="2339791"/>
           </a:xfrm>
         </p:spPr>
         <p:txBody>
           <a:bodyPr/>
           <a:lstStyle>
             <a:lvl1pPr>
-              <a:defRPr sz="1280"/>
+              <a:defRPr sz="1312"/>
             </a:lvl1pPr>
             <a:lvl2pPr>
-              <a:defRPr sz="1120"/>
+              <a:defRPr sz="1148"/>
             </a:lvl2pPr>
             <a:lvl3pPr>
-              <a:defRPr sz="960"/>
+              <a:defRPr sz="984"/>
             </a:lvl3pPr>
             <a:lvl4pPr>
-              <a:defRPr sz="800"/>
+              <a:defRPr sz="820"/>
             </a:lvl4pPr>
             <a:lvl5pPr>
-              <a:defRPr sz="800"/>
+              <a:defRPr sz="820"/>
             </a:lvl5pPr>
             <a:lvl6pPr>
-              <a:defRPr sz="800"/>
+              <a:defRPr sz="820"/>
             </a:lvl6pPr>
             <a:lvl7pPr>
-              <a:defRPr sz="800"/>
+              <a:defRPr sz="820"/>
             </a:lvl7pPr>
             <a:lvl8pPr>
-              <a:defRPr sz="800"/>
+              <a:defRPr sz="820"/>
             </a:lvl8pPr>
             <a:lvl9pPr>
-              <a:defRPr sz="800"/>
+              <a:defRPr sz="820"/>
             </a:lvl9pPr>
           </a:lstStyle>
           <a:p>
@@ -2470,8 +2468,8 @@
         </p:nvSpPr>
         <p:spPr>
           <a:xfrm>
-            <a:off x="352755" y="822960"/>
-            <a:ext cx="1651744" cy="1524635"/>
+            <a:off x="258278" y="987743"/>
+            <a:ext cx="1209368" cy="1829915"/>
           </a:xfrm>
         </p:spPr>
         <p:txBody>
@@ -2479,39 +2477,39 @@
           <a:lstStyle>
             <a:lvl1pPr marL="0" indent="0">
               <a:buNone/>
-              <a:defRPr sz="640"/>
+              <a:defRPr sz="656"/>
             </a:lvl1pPr>
-            <a:lvl2pPr marL="182880" indent="0">
-              <a:buNone/>
-              <a:defRPr sz="560"/>
+            <a:lvl2pPr marL="187498" indent="0">
+              <a:buNone/>
+              <a:defRPr sz="574"/>
             </a:lvl2pPr>
-            <a:lvl3pPr marL="365760" indent="0">
-              <a:buNone/>
-              <a:defRPr sz="480"/>
+            <a:lvl3pPr marL="374995" indent="0">
+              <a:buNone/>
+              <a:defRPr sz="492"/>
             </a:lvl3pPr>
-            <a:lvl4pPr marL="548640" indent="0">
-              <a:buNone/>
-              <a:defRPr sz="400"/>
+            <a:lvl4pPr marL="562493" indent="0">
+              <a:buNone/>
+              <a:defRPr sz="410"/>
             </a:lvl4pPr>
-            <a:lvl5pPr marL="731520" indent="0">
-              <a:buNone/>
-              <a:defRPr sz="400"/>
+            <a:lvl5pPr marL="749991" indent="0">
+              <a:buNone/>
+              <a:defRPr sz="410"/>
             </a:lvl5pPr>
-            <a:lvl6pPr marL="914400" indent="0">
-              <a:buNone/>
-              <a:defRPr sz="400"/>
+            <a:lvl6pPr marL="937489" indent="0">
+              <a:buNone/>
+              <a:defRPr sz="410"/>
             </a:lvl6pPr>
-            <a:lvl7pPr marL="1097280" indent="0">
-              <a:buNone/>
-              <a:defRPr sz="400"/>
+            <a:lvl7pPr marL="1124986" indent="0">
+              <a:buNone/>
+              <a:defRPr sz="410"/>
             </a:lvl7pPr>
-            <a:lvl8pPr marL="1280160" indent="0">
-              <a:buNone/>
-              <a:defRPr sz="400"/>
+            <a:lvl8pPr marL="1312484" indent="0">
+              <a:buNone/>
+              <a:defRPr sz="410"/>
             </a:lvl8pPr>
-            <a:lvl9pPr marL="1463040" indent="0">
-              <a:buNone/>
-              <a:defRPr sz="400"/>
+            <a:lvl9pPr marL="1499982" indent="0">
+              <a:buNone/>
+              <a:defRPr sz="410"/>
             </a:lvl9pPr>
           </a:lstStyle>
           <a:p>
@@ -2540,7 +2538,7 @@
           <a:p>
             <a:fld id="{EF27D29F-6681-4284-A19E-BDF58AC0366A}" type="datetimeFigureOut">
               <a:rPr lang="en-US" smtClean="0"/>
-              <a:t>3/8/2016</a:t>
+              <a:t>3/16/2016</a:t>
             </a:fld>
             <a:endParaRPr lang="en-US"/>
           </a:p>
@@ -2591,7 +2589,7 @@
     </p:spTree>
     <p:extLst>
       <p:ext uri="{BB962C8B-B14F-4D97-AF65-F5344CB8AC3E}">
-        <p14:creationId xmlns:p14="http://schemas.microsoft.com/office/powerpoint/2010/main" val="2208008152"/>
+        <p14:creationId xmlns:p14="http://schemas.microsoft.com/office/powerpoint/2010/main" val="2354369015"/>
       </p:ext>
     </p:extLst>
   </p:cSld>
@@ -2630,15 +2628,15 @@
         </p:nvSpPr>
         <p:spPr>
           <a:xfrm>
-            <a:off x="352755" y="182880"/>
-            <a:ext cx="1651744" cy="640080"/>
+            <a:off x="258278" y="219498"/>
+            <a:ext cx="1209368" cy="768244"/>
           </a:xfrm>
         </p:spPr>
         <p:txBody>
           <a:bodyPr anchor="b"/>
           <a:lstStyle>
             <a:lvl1pPr>
-              <a:defRPr sz="1280"/>
+              <a:defRPr sz="1312"/>
             </a:lvl1pPr>
           </a:lstStyle>
           <a:p>
@@ -2662,8 +2660,8 @@
         </p:nvSpPr>
         <p:spPr>
           <a:xfrm>
-            <a:off x="2177209" y="394970"/>
-            <a:ext cx="2592645" cy="1949450"/>
+            <a:off x="1594100" y="474056"/>
+            <a:ext cx="1898273" cy="2339791"/>
           </a:xfrm>
         </p:spPr>
         <p:txBody>
@@ -2671,39 +2669,39 @@
           <a:lstStyle>
             <a:lvl1pPr marL="0" indent="0">
               <a:buNone/>
-              <a:defRPr sz="1280"/>
+              <a:defRPr sz="1312"/>
             </a:lvl1pPr>
-            <a:lvl2pPr marL="182880" indent="0">
-              <a:buNone/>
-              <a:defRPr sz="1120"/>
+            <a:lvl2pPr marL="187498" indent="0">
+              <a:buNone/>
+              <a:defRPr sz="1148"/>
             </a:lvl2pPr>
-            <a:lvl3pPr marL="365760" indent="0">
-              <a:buNone/>
-              <a:defRPr sz="960"/>
+            <a:lvl3pPr marL="374995" indent="0">
+              <a:buNone/>
+              <a:defRPr sz="984"/>
             </a:lvl3pPr>
-            <a:lvl4pPr marL="548640" indent="0">
-              <a:buNone/>
-              <a:defRPr sz="800"/>
+            <a:lvl4pPr marL="562493" indent="0">
+              <a:buNone/>
+              <a:defRPr sz="820"/>
             </a:lvl4pPr>
-            <a:lvl5pPr marL="731520" indent="0">
-              <a:buNone/>
-              <a:defRPr sz="800"/>
+            <a:lvl5pPr marL="749991" indent="0">
+              <a:buNone/>
+              <a:defRPr sz="820"/>
             </a:lvl5pPr>
-            <a:lvl6pPr marL="914400" indent="0">
-              <a:buNone/>
-              <a:defRPr sz="800"/>
+            <a:lvl6pPr marL="937489" indent="0">
+              <a:buNone/>
+              <a:defRPr sz="820"/>
             </a:lvl6pPr>
-            <a:lvl7pPr marL="1097280" indent="0">
-              <a:buNone/>
-              <a:defRPr sz="800"/>
+            <a:lvl7pPr marL="1124986" indent="0">
+              <a:buNone/>
+              <a:defRPr sz="820"/>
             </a:lvl7pPr>
-            <a:lvl8pPr marL="1280160" indent="0">
-              <a:buNone/>
-              <a:defRPr sz="800"/>
+            <a:lvl8pPr marL="1312484" indent="0">
+              <a:buNone/>
+              <a:defRPr sz="820"/>
             </a:lvl8pPr>
-            <a:lvl9pPr marL="1463040" indent="0">
-              <a:buNone/>
-              <a:defRPr sz="800"/>
+            <a:lvl9pPr marL="1499982" indent="0">
+              <a:buNone/>
+              <a:defRPr sz="820"/>
             </a:lvl9pPr>
           </a:lstStyle>
           <a:p>
@@ -2727,8 +2725,8 @@
         </p:nvSpPr>
         <p:spPr>
           <a:xfrm>
-            <a:off x="352755" y="822960"/>
-            <a:ext cx="1651744" cy="1524635"/>
+            <a:off x="258278" y="987743"/>
+            <a:ext cx="1209368" cy="1829915"/>
           </a:xfrm>
         </p:spPr>
         <p:txBody>
@@ -2736,39 +2734,39 @@
           <a:lstStyle>
             <a:lvl1pPr marL="0" indent="0">
               <a:buNone/>
-              <a:defRPr sz="640"/>
+              <a:defRPr sz="656"/>
             </a:lvl1pPr>
-            <a:lvl2pPr marL="182880" indent="0">
-              <a:buNone/>
-              <a:defRPr sz="560"/>
+            <a:lvl2pPr marL="187498" indent="0">
+              <a:buNone/>
+              <a:defRPr sz="574"/>
             </a:lvl2pPr>
-            <a:lvl3pPr marL="365760" indent="0">
-              <a:buNone/>
-              <a:defRPr sz="480"/>
+            <a:lvl3pPr marL="374995" indent="0">
+              <a:buNone/>
+              <a:defRPr sz="492"/>
             </a:lvl3pPr>
-            <a:lvl4pPr marL="548640" indent="0">
-              <a:buNone/>
-              <a:defRPr sz="400"/>
+            <a:lvl4pPr marL="562493" indent="0">
+              <a:buNone/>
+              <a:defRPr sz="410"/>
             </a:lvl4pPr>
-            <a:lvl5pPr marL="731520" indent="0">
-              <a:buNone/>
-              <a:defRPr sz="400"/>
+            <a:lvl5pPr marL="749991" indent="0">
+              <a:buNone/>
+              <a:defRPr sz="410"/>
             </a:lvl5pPr>
-            <a:lvl6pPr marL="914400" indent="0">
-              <a:buNone/>
-              <a:defRPr sz="400"/>
+            <a:lvl6pPr marL="937489" indent="0">
+              <a:buNone/>
+              <a:defRPr sz="410"/>
             </a:lvl6pPr>
-            <a:lvl7pPr marL="1097280" indent="0">
-              <a:buNone/>
-              <a:defRPr sz="400"/>
+            <a:lvl7pPr marL="1124986" indent="0">
+              <a:buNone/>
+              <a:defRPr sz="410"/>
             </a:lvl7pPr>
-            <a:lvl8pPr marL="1280160" indent="0">
-              <a:buNone/>
-              <a:defRPr sz="400"/>
+            <a:lvl8pPr marL="1312484" indent="0">
+              <a:buNone/>
+              <a:defRPr sz="410"/>
             </a:lvl8pPr>
-            <a:lvl9pPr marL="1463040" indent="0">
-              <a:buNone/>
-              <a:defRPr sz="400"/>
+            <a:lvl9pPr marL="1499982" indent="0">
+              <a:buNone/>
+              <a:defRPr sz="410"/>
             </a:lvl9pPr>
           </a:lstStyle>
           <a:p>
@@ -2797,7 +2795,7 @@
           <a:p>
             <a:fld id="{EF27D29F-6681-4284-A19E-BDF58AC0366A}" type="datetimeFigureOut">
               <a:rPr lang="en-US" smtClean="0"/>
-              <a:t>3/8/2016</a:t>
+              <a:t>3/16/2016</a:t>
             </a:fld>
             <a:endParaRPr lang="en-US"/>
           </a:p>
@@ -2848,7 +2846,7 @@
     </p:spTree>
     <p:extLst>
       <p:ext uri="{BB962C8B-B14F-4D97-AF65-F5344CB8AC3E}">
-        <p14:creationId xmlns:p14="http://schemas.microsoft.com/office/powerpoint/2010/main" val="1264388479"/>
+        <p14:creationId xmlns:p14="http://schemas.microsoft.com/office/powerpoint/2010/main" val="2762303601"/>
       </p:ext>
     </p:extLst>
   </p:cSld>
@@ -2892,8 +2890,8 @@
         </p:nvSpPr>
         <p:spPr>
           <a:xfrm>
-            <a:off x="352088" y="146050"/>
-            <a:ext cx="4417100" cy="530225"/>
+            <a:off x="257790" y="175295"/>
+            <a:ext cx="3234095" cy="636393"/>
           </a:xfrm>
           <a:prstGeom prst="rect">
             <a:avLst/>
@@ -2925,8 +2923,8 @@
         </p:nvSpPr>
         <p:spPr>
           <a:xfrm>
-            <a:off x="352088" y="730250"/>
-            <a:ext cx="4417100" cy="1740535"/>
+            <a:off x="257790" y="876469"/>
+            <a:ext cx="3234095" cy="2089045"/>
           </a:xfrm>
           <a:prstGeom prst="rect">
             <a:avLst/>
@@ -2987,8 +2985,8 @@
         </p:nvSpPr>
         <p:spPr>
           <a:xfrm>
-            <a:off x="352088" y="2542540"/>
-            <a:ext cx="1152287" cy="146050"/>
+            <a:off x="257790" y="3051637"/>
+            <a:ext cx="843677" cy="175294"/>
           </a:xfrm>
           <a:prstGeom prst="rect">
             <a:avLst/>
@@ -2998,7 +2996,7 @@
           <a:bodyPr vert="horz" lIns="91440" tIns="45720" rIns="91440" bIns="45720" rtlCol="0" anchor="ctr"/>
           <a:lstStyle>
             <a:lvl1pPr algn="l">
-              <a:defRPr sz="480">
+              <a:defRPr sz="492">
                 <a:solidFill>
                   <a:schemeClr val="tx1">
                     <a:tint val="75000"/>
@@ -3010,7 +3008,7 @@
           <a:p>
             <a:fld id="{EF27D29F-6681-4284-A19E-BDF58AC0366A}" type="datetimeFigureOut">
               <a:rPr lang="en-US" smtClean="0"/>
-              <a:t>3/8/2016</a:t>
+              <a:t>3/16/2016</a:t>
             </a:fld>
             <a:endParaRPr lang="en-US"/>
           </a:p>
@@ -3028,8 +3026,8 @@
         </p:nvSpPr>
         <p:spPr>
           <a:xfrm>
-            <a:off x="1696423" y="2542540"/>
-            <a:ext cx="1728430" cy="146050"/>
+            <a:off x="1242080" y="3051637"/>
+            <a:ext cx="1265515" cy="175294"/>
           </a:xfrm>
           <a:prstGeom prst="rect">
             <a:avLst/>
@@ -3039,7 +3037,7 @@
           <a:bodyPr vert="horz" lIns="91440" tIns="45720" rIns="91440" bIns="45720" rtlCol="0" anchor="ctr"/>
           <a:lstStyle>
             <a:lvl1pPr algn="ctr">
-              <a:defRPr sz="480">
+              <a:defRPr sz="492">
                 <a:solidFill>
                   <a:schemeClr val="tx1">
                     <a:tint val="75000"/>
@@ -3065,8 +3063,8 @@
         </p:nvSpPr>
         <p:spPr>
           <a:xfrm>
-            <a:off x="3616900" y="2542540"/>
-            <a:ext cx="1152287" cy="146050"/>
+            <a:off x="2648208" y="3051637"/>
+            <a:ext cx="843677" cy="175294"/>
           </a:xfrm>
           <a:prstGeom prst="rect">
             <a:avLst/>
@@ -3076,7 +3074,7 @@
           <a:bodyPr vert="horz" lIns="91440" tIns="45720" rIns="91440" bIns="45720" rtlCol="0" anchor="ctr"/>
           <a:lstStyle>
             <a:lvl1pPr algn="r">
-              <a:defRPr sz="480">
+              <a:defRPr sz="492">
                 <a:solidFill>
                   <a:schemeClr val="tx1">
                     <a:tint val="75000"/>
@@ -3097,27 +3095,27 @@
     </p:spTree>
     <p:extLst>
       <p:ext uri="{BB962C8B-B14F-4D97-AF65-F5344CB8AC3E}">
-        <p14:creationId xmlns:p14="http://schemas.microsoft.com/office/powerpoint/2010/main" val="1468200401"/>
+        <p14:creationId xmlns:p14="http://schemas.microsoft.com/office/powerpoint/2010/main" val="4253073714"/>
       </p:ext>
     </p:extLst>
   </p:cSld>
   <p:clrMap bg1="lt1" tx1="dk1" bg2="lt2" tx2="dk2" accent1="accent1" accent2="accent2" accent3="accent3" accent4="accent4" accent5="accent5" accent6="accent6" hlink="hlink" folHlink="folHlink"/>
   <p:sldLayoutIdLst>
-    <p:sldLayoutId id="2147483997" r:id="rId1"/>
-    <p:sldLayoutId id="2147483998" r:id="rId2"/>
-    <p:sldLayoutId id="2147483999" r:id="rId3"/>
-    <p:sldLayoutId id="2147484000" r:id="rId4"/>
-    <p:sldLayoutId id="2147484001" r:id="rId5"/>
-    <p:sldLayoutId id="2147484002" r:id="rId6"/>
-    <p:sldLayoutId id="2147484003" r:id="rId7"/>
-    <p:sldLayoutId id="2147484004" r:id="rId8"/>
-    <p:sldLayoutId id="2147484005" r:id="rId9"/>
-    <p:sldLayoutId id="2147484006" r:id="rId10"/>
-    <p:sldLayoutId id="2147484007" r:id="rId11"/>
+    <p:sldLayoutId id="2147484057" r:id="rId1"/>
+    <p:sldLayoutId id="2147484058" r:id="rId2"/>
+    <p:sldLayoutId id="2147484059" r:id="rId3"/>
+    <p:sldLayoutId id="2147484060" r:id="rId4"/>
+    <p:sldLayoutId id="2147484061" r:id="rId5"/>
+    <p:sldLayoutId id="2147484062" r:id="rId6"/>
+    <p:sldLayoutId id="2147484063" r:id="rId7"/>
+    <p:sldLayoutId id="2147484064" r:id="rId8"/>
+    <p:sldLayoutId id="2147484065" r:id="rId9"/>
+    <p:sldLayoutId id="2147484066" r:id="rId10"/>
+    <p:sldLayoutId id="2147484067" r:id="rId11"/>
   </p:sldLayoutIdLst>
   <p:txStyles>
     <p:titleStyle>
-      <a:lvl1pPr algn="l" defTabSz="365760" rtl="0" eaLnBrk="1" latinLnBrk="0" hangingPunct="1">
+      <a:lvl1pPr algn="l" defTabSz="374995" rtl="0" eaLnBrk="1" latinLnBrk="0" hangingPunct="1">
         <a:lnSpc>
           <a:spcPct val="90000"/>
         </a:lnSpc>
@@ -3125,7 +3123,7 @@
           <a:spcPct val="0"/>
         </a:spcBef>
         <a:buNone/>
-        <a:defRPr sz="1760" kern="1200">
+        <a:defRPr sz="1804" kern="1200">
           <a:solidFill>
             <a:schemeClr val="tx1"/>
           </a:solidFill>
@@ -3136,16 +3134,16 @@
       </a:lvl1pPr>
     </p:titleStyle>
     <p:bodyStyle>
-      <a:lvl1pPr marL="91440" indent="-91440" algn="l" defTabSz="365760" rtl="0" eaLnBrk="1" latinLnBrk="0" hangingPunct="1">
+      <a:lvl1pPr marL="93749" indent="-93749" algn="l" defTabSz="374995" rtl="0" eaLnBrk="1" latinLnBrk="0" hangingPunct="1">
         <a:lnSpc>
           <a:spcPct val="90000"/>
         </a:lnSpc>
         <a:spcBef>
-          <a:spcPts val="400"/>
+          <a:spcPts val="410"/>
         </a:spcBef>
         <a:buFont typeface="Arial" panose="020B0604020202020204" pitchFamily="34" charset="0"/>
         <a:buChar char="•"/>
-        <a:defRPr sz="1120" kern="1200">
+        <a:defRPr sz="1148" kern="1200">
           <a:solidFill>
             <a:schemeClr val="tx1"/>
           </a:solidFill>
@@ -3154,16 +3152,16 @@
           <a:cs typeface="+mn-cs"/>
         </a:defRPr>
       </a:lvl1pPr>
-      <a:lvl2pPr marL="274320" indent="-91440" algn="l" defTabSz="365760" rtl="0" eaLnBrk="1" latinLnBrk="0" hangingPunct="1">
+      <a:lvl2pPr marL="281247" indent="-93749" algn="l" defTabSz="374995" rtl="0" eaLnBrk="1" latinLnBrk="0" hangingPunct="1">
         <a:lnSpc>
           <a:spcPct val="90000"/>
         </a:lnSpc>
         <a:spcBef>
-          <a:spcPts val="200"/>
+          <a:spcPts val="205"/>
         </a:spcBef>
         <a:buFont typeface="Arial" panose="020B0604020202020204" pitchFamily="34" charset="0"/>
         <a:buChar char="•"/>
-        <a:defRPr sz="960" kern="1200">
+        <a:defRPr sz="984" kern="1200">
           <a:solidFill>
             <a:schemeClr val="tx1"/>
           </a:solidFill>
@@ -3172,16 +3170,16 @@
           <a:cs typeface="+mn-cs"/>
         </a:defRPr>
       </a:lvl2pPr>
-      <a:lvl3pPr marL="457200" indent="-91440" algn="l" defTabSz="365760" rtl="0" eaLnBrk="1" latinLnBrk="0" hangingPunct="1">
+      <a:lvl3pPr marL="468744" indent="-93749" algn="l" defTabSz="374995" rtl="0" eaLnBrk="1" latinLnBrk="0" hangingPunct="1">
         <a:lnSpc>
           <a:spcPct val="90000"/>
         </a:lnSpc>
         <a:spcBef>
-          <a:spcPts val="200"/>
+          <a:spcPts val="205"/>
         </a:spcBef>
         <a:buFont typeface="Arial" panose="020B0604020202020204" pitchFamily="34" charset="0"/>
         <a:buChar char="•"/>
-        <a:defRPr sz="800" kern="1200">
+        <a:defRPr sz="820" kern="1200">
           <a:solidFill>
             <a:schemeClr val="tx1"/>
           </a:solidFill>
@@ -3190,16 +3188,16 @@
           <a:cs typeface="+mn-cs"/>
         </a:defRPr>
       </a:lvl3pPr>
-      <a:lvl4pPr marL="640080" indent="-91440" algn="l" defTabSz="365760" rtl="0" eaLnBrk="1" latinLnBrk="0" hangingPunct="1">
+      <a:lvl4pPr marL="656242" indent="-93749" algn="l" defTabSz="374995" rtl="0" eaLnBrk="1" latinLnBrk="0" hangingPunct="1">
         <a:lnSpc>
           <a:spcPct val="90000"/>
         </a:lnSpc>
         <a:spcBef>
-          <a:spcPts val="200"/>
+          <a:spcPts val="205"/>
         </a:spcBef>
         <a:buFont typeface="Arial" panose="020B0604020202020204" pitchFamily="34" charset="0"/>
         <a:buChar char="•"/>
-        <a:defRPr sz="720" kern="1200">
+        <a:defRPr sz="738" kern="1200">
           <a:solidFill>
             <a:schemeClr val="tx1"/>
           </a:solidFill>
@@ -3208,16 +3206,16 @@
           <a:cs typeface="+mn-cs"/>
         </a:defRPr>
       </a:lvl4pPr>
-      <a:lvl5pPr marL="822960" indent="-91440" algn="l" defTabSz="365760" rtl="0" eaLnBrk="1" latinLnBrk="0" hangingPunct="1">
+      <a:lvl5pPr marL="843740" indent="-93749" algn="l" defTabSz="374995" rtl="0" eaLnBrk="1" latinLnBrk="0" hangingPunct="1">
         <a:lnSpc>
           <a:spcPct val="90000"/>
         </a:lnSpc>
         <a:spcBef>
-          <a:spcPts val="200"/>
+          <a:spcPts val="205"/>
         </a:spcBef>
         <a:buFont typeface="Arial" panose="020B0604020202020204" pitchFamily="34" charset="0"/>
         <a:buChar char="•"/>
-        <a:defRPr sz="720" kern="1200">
+        <a:defRPr sz="738" kern="1200">
           <a:solidFill>
             <a:schemeClr val="tx1"/>
           </a:solidFill>
@@ -3226,16 +3224,16 @@
           <a:cs typeface="+mn-cs"/>
         </a:defRPr>
       </a:lvl5pPr>
-      <a:lvl6pPr marL="1005840" indent="-91440" algn="l" defTabSz="365760" rtl="0" eaLnBrk="1" latinLnBrk="0" hangingPunct="1">
+      <a:lvl6pPr marL="1031237" indent="-93749" algn="l" defTabSz="374995" rtl="0" eaLnBrk="1" latinLnBrk="0" hangingPunct="1">
         <a:lnSpc>
           <a:spcPct val="90000"/>
         </a:lnSpc>
         <a:spcBef>
-          <a:spcPts val="200"/>
+          <a:spcPts val="205"/>
         </a:spcBef>
         <a:buFont typeface="Arial" panose="020B0604020202020204" pitchFamily="34" charset="0"/>
         <a:buChar char="•"/>
-        <a:defRPr sz="720" kern="1200">
+        <a:defRPr sz="738" kern="1200">
           <a:solidFill>
             <a:schemeClr val="tx1"/>
           </a:solidFill>
@@ -3244,16 +3242,16 @@
           <a:cs typeface="+mn-cs"/>
         </a:defRPr>
       </a:lvl6pPr>
-      <a:lvl7pPr marL="1188720" indent="-91440" algn="l" defTabSz="365760" rtl="0" eaLnBrk="1" latinLnBrk="0" hangingPunct="1">
+      <a:lvl7pPr marL="1218735" indent="-93749" algn="l" defTabSz="374995" rtl="0" eaLnBrk="1" latinLnBrk="0" hangingPunct="1">
         <a:lnSpc>
           <a:spcPct val="90000"/>
         </a:lnSpc>
         <a:spcBef>
-          <a:spcPts val="200"/>
+          <a:spcPts val="205"/>
         </a:spcBef>
         <a:buFont typeface="Arial" panose="020B0604020202020204" pitchFamily="34" charset="0"/>
         <a:buChar char="•"/>
-        <a:defRPr sz="720" kern="1200">
+        <a:defRPr sz="738" kern="1200">
           <a:solidFill>
             <a:schemeClr val="tx1"/>
           </a:solidFill>
@@ -3262,16 +3260,16 @@
           <a:cs typeface="+mn-cs"/>
         </a:defRPr>
       </a:lvl7pPr>
-      <a:lvl8pPr marL="1371600" indent="-91440" algn="l" defTabSz="365760" rtl="0" eaLnBrk="1" latinLnBrk="0" hangingPunct="1">
+      <a:lvl8pPr marL="1406233" indent="-93749" algn="l" defTabSz="374995" rtl="0" eaLnBrk="1" latinLnBrk="0" hangingPunct="1">
         <a:lnSpc>
           <a:spcPct val="90000"/>
         </a:lnSpc>
         <a:spcBef>
-          <a:spcPts val="200"/>
+          <a:spcPts val="205"/>
         </a:spcBef>
         <a:buFont typeface="Arial" panose="020B0604020202020204" pitchFamily="34" charset="0"/>
         <a:buChar char="•"/>
-        <a:defRPr sz="720" kern="1200">
+        <a:defRPr sz="738" kern="1200">
           <a:solidFill>
             <a:schemeClr val="tx1"/>
           </a:solidFill>
@@ -3280,16 +3278,16 @@
           <a:cs typeface="+mn-cs"/>
         </a:defRPr>
       </a:lvl8pPr>
-      <a:lvl9pPr marL="1554480" indent="-91440" algn="l" defTabSz="365760" rtl="0" eaLnBrk="1" latinLnBrk="0" hangingPunct="1">
+      <a:lvl9pPr marL="1593731" indent="-93749" algn="l" defTabSz="374995" rtl="0" eaLnBrk="1" latinLnBrk="0" hangingPunct="1">
         <a:lnSpc>
           <a:spcPct val="90000"/>
         </a:lnSpc>
         <a:spcBef>
-          <a:spcPts val="200"/>
+          <a:spcPts val="205"/>
         </a:spcBef>
         <a:buFont typeface="Arial" panose="020B0604020202020204" pitchFamily="34" charset="0"/>
         <a:buChar char="•"/>
-        <a:defRPr sz="720" kern="1200">
+        <a:defRPr sz="738" kern="1200">
           <a:solidFill>
             <a:schemeClr val="tx1"/>
           </a:solidFill>
@@ -3303,8 +3301,8 @@
       <a:defPPr>
         <a:defRPr lang="en-US"/>
       </a:defPPr>
-      <a:lvl1pPr marL="0" algn="l" defTabSz="365760" rtl="0" eaLnBrk="1" latinLnBrk="0" hangingPunct="1">
-        <a:defRPr sz="720" kern="1200">
+      <a:lvl1pPr marL="0" algn="l" defTabSz="374995" rtl="0" eaLnBrk="1" latinLnBrk="0" hangingPunct="1">
+        <a:defRPr sz="738" kern="1200">
           <a:solidFill>
             <a:schemeClr val="tx1"/>
           </a:solidFill>
@@ -3313,8 +3311,8 @@
           <a:cs typeface="+mn-cs"/>
         </a:defRPr>
       </a:lvl1pPr>
-      <a:lvl2pPr marL="182880" algn="l" defTabSz="365760" rtl="0" eaLnBrk="1" latinLnBrk="0" hangingPunct="1">
-        <a:defRPr sz="720" kern="1200">
+      <a:lvl2pPr marL="187498" algn="l" defTabSz="374995" rtl="0" eaLnBrk="1" latinLnBrk="0" hangingPunct="1">
+        <a:defRPr sz="738" kern="1200">
           <a:solidFill>
             <a:schemeClr val="tx1"/>
           </a:solidFill>
@@ -3323,8 +3321,8 @@
           <a:cs typeface="+mn-cs"/>
         </a:defRPr>
       </a:lvl2pPr>
-      <a:lvl3pPr marL="365760" algn="l" defTabSz="365760" rtl="0" eaLnBrk="1" latinLnBrk="0" hangingPunct="1">
-        <a:defRPr sz="720" kern="1200">
+      <a:lvl3pPr marL="374995" algn="l" defTabSz="374995" rtl="0" eaLnBrk="1" latinLnBrk="0" hangingPunct="1">
+        <a:defRPr sz="738" kern="1200">
           <a:solidFill>
             <a:schemeClr val="tx1"/>
           </a:solidFill>
@@ -3333,8 +3331,8 @@
           <a:cs typeface="+mn-cs"/>
         </a:defRPr>
       </a:lvl3pPr>
-      <a:lvl4pPr marL="548640" algn="l" defTabSz="365760" rtl="0" eaLnBrk="1" latinLnBrk="0" hangingPunct="1">
-        <a:defRPr sz="720" kern="1200">
+      <a:lvl4pPr marL="562493" algn="l" defTabSz="374995" rtl="0" eaLnBrk="1" latinLnBrk="0" hangingPunct="1">
+        <a:defRPr sz="738" kern="1200">
           <a:solidFill>
             <a:schemeClr val="tx1"/>
           </a:solidFill>
@@ -3343,8 +3341,8 @@
           <a:cs typeface="+mn-cs"/>
         </a:defRPr>
       </a:lvl4pPr>
-      <a:lvl5pPr marL="731520" algn="l" defTabSz="365760" rtl="0" eaLnBrk="1" latinLnBrk="0" hangingPunct="1">
-        <a:defRPr sz="720" kern="1200">
+      <a:lvl5pPr marL="749991" algn="l" defTabSz="374995" rtl="0" eaLnBrk="1" latinLnBrk="0" hangingPunct="1">
+        <a:defRPr sz="738" kern="1200">
           <a:solidFill>
             <a:schemeClr val="tx1"/>
           </a:solidFill>
@@ -3353,8 +3351,8 @@
           <a:cs typeface="+mn-cs"/>
         </a:defRPr>
       </a:lvl5pPr>
-      <a:lvl6pPr marL="914400" algn="l" defTabSz="365760" rtl="0" eaLnBrk="1" latinLnBrk="0" hangingPunct="1">
-        <a:defRPr sz="720" kern="1200">
+      <a:lvl6pPr marL="937489" algn="l" defTabSz="374995" rtl="0" eaLnBrk="1" latinLnBrk="0" hangingPunct="1">
+        <a:defRPr sz="738" kern="1200">
           <a:solidFill>
             <a:schemeClr val="tx1"/>
           </a:solidFill>
@@ -3363,8 +3361,8 @@
           <a:cs typeface="+mn-cs"/>
         </a:defRPr>
       </a:lvl6pPr>
-      <a:lvl7pPr marL="1097280" algn="l" defTabSz="365760" rtl="0" eaLnBrk="1" latinLnBrk="0" hangingPunct="1">
-        <a:defRPr sz="720" kern="1200">
+      <a:lvl7pPr marL="1124986" algn="l" defTabSz="374995" rtl="0" eaLnBrk="1" latinLnBrk="0" hangingPunct="1">
+        <a:defRPr sz="738" kern="1200">
           <a:solidFill>
             <a:schemeClr val="tx1"/>
           </a:solidFill>
@@ -3373,8 +3371,8 @@
           <a:cs typeface="+mn-cs"/>
         </a:defRPr>
       </a:lvl7pPr>
-      <a:lvl8pPr marL="1280160" algn="l" defTabSz="365760" rtl="0" eaLnBrk="1" latinLnBrk="0" hangingPunct="1">
-        <a:defRPr sz="720" kern="1200">
+      <a:lvl8pPr marL="1312484" algn="l" defTabSz="374995" rtl="0" eaLnBrk="1" latinLnBrk="0" hangingPunct="1">
+        <a:defRPr sz="738" kern="1200">
           <a:solidFill>
             <a:schemeClr val="tx1"/>
           </a:solidFill>
@@ -3383,8 +3381,8 @@
           <a:cs typeface="+mn-cs"/>
         </a:defRPr>
       </a:lvl8pPr>
-      <a:lvl9pPr marL="1463040" algn="l" defTabSz="365760" rtl="0" eaLnBrk="1" latinLnBrk="0" hangingPunct="1">
-        <a:defRPr sz="720" kern="1200">
+      <a:lvl9pPr marL="1499982" algn="l" defTabSz="374995" rtl="0" eaLnBrk="1" latinLnBrk="0" hangingPunct="1">
+        <a:defRPr sz="738" kern="1200">
           <a:solidFill>
             <a:schemeClr val="tx1"/>
           </a:solidFill>
@@ -3415,35 +3413,920 @@
           <a:chExt cx="0" cy="0"/>
         </a:xfrm>
       </p:grpSpPr>
-      <p:pic>
-        <p:nvPicPr>
-          <p:cNvPr id="7" name="Picture 6"/>
-          <p:cNvPicPr>
-            <a:picLocks noChangeAspect="1"/>
-          </p:cNvPicPr>
+      <p:grpSp>
+        <p:nvGrpSpPr>
+          <p:cNvPr id="50" name="Group 49"/>
+          <p:cNvGrpSpPr/>
           <p:nvPr/>
-        </p:nvPicPr>
-        <p:blipFill rotWithShape="1">
-          <a:blip r:embed="rId3" cstate="print">
-            <a:extLst>
-              <a:ext uri="{28A0092B-C50C-407E-A947-70E740481C1C}">
-                <a14:useLocalDpi xmlns:a14="http://schemas.microsoft.com/office/drawing/2010/main" val="0"/>
-              </a:ext>
-            </a:extLst>
-          </a:blip>
-          <a:srcRect l="7205" r="6719"/>
-          <a:stretch/>
-        </p:blipFill>
+        </p:nvGrpSpPr>
+        <p:grpSpPr>
+          <a:xfrm>
+            <a:off x="-37378" y="-90853"/>
+            <a:ext cx="3874968" cy="3660195"/>
+            <a:chOff x="-37378" y="-90853"/>
+            <a:chExt cx="3874968" cy="3660195"/>
+          </a:xfrm>
+        </p:grpSpPr>
+        <p:grpSp>
+          <p:nvGrpSpPr>
+            <p:cNvPr id="46" name="Group 45"/>
+            <p:cNvGrpSpPr/>
+            <p:nvPr/>
+          </p:nvGrpSpPr>
+          <p:grpSpPr>
+            <a:xfrm>
+              <a:off x="1726" y="-90853"/>
+              <a:ext cx="3835864" cy="3660195"/>
+              <a:chOff x="24776" y="-1135"/>
+              <a:chExt cx="3835864" cy="3660195"/>
+            </a:xfrm>
+          </p:grpSpPr>
+          <p:grpSp>
+            <p:nvGrpSpPr>
+              <p:cNvPr id="44" name="Group 43"/>
+              <p:cNvGrpSpPr/>
+              <p:nvPr/>
+            </p:nvGrpSpPr>
+            <p:grpSpPr>
+              <a:xfrm>
+                <a:off x="24776" y="-1135"/>
+                <a:ext cx="3835864" cy="3017838"/>
+                <a:chOff x="-256361" y="319881"/>
+                <a:chExt cx="3835864" cy="3017838"/>
+              </a:xfrm>
+            </p:grpSpPr>
+            <p:pic>
+              <p:nvPicPr>
+                <p:cNvPr id="3" name="Picture 2"/>
+                <p:cNvPicPr>
+                  <a:picLocks noChangeAspect="1"/>
+                </p:cNvPicPr>
+                <p:nvPr/>
+              </p:nvPicPr>
+              <p:blipFill rotWithShape="1">
+                <a:blip r:embed="rId3" cstate="print">
+                  <a:extLst>
+                    <a:ext uri="{28A0092B-C50C-407E-A947-70E740481C1C}">
+                      <a14:useLocalDpi xmlns:a14="http://schemas.microsoft.com/office/drawing/2010/main" val="0"/>
+                    </a:ext>
+                  </a:extLst>
+                </a:blip>
+                <a:srcRect l="21975" r="21930"/>
+                <a:stretch/>
+              </p:blipFill>
+              <p:spPr>
+                <a:xfrm>
+                  <a:off x="-256361" y="319881"/>
+                  <a:ext cx="3698749" cy="3017838"/>
+                </a:xfrm>
+                <a:prstGeom prst="rect">
+                  <a:avLst/>
+                </a:prstGeom>
+              </p:spPr>
+            </p:pic>
+            <p:sp>
+              <p:nvSpPr>
+                <p:cNvPr id="19" name="TextBox 18"/>
+                <p:cNvSpPr txBox="1"/>
+                <p:nvPr/>
+              </p:nvSpPr>
+              <p:spPr>
+                <a:xfrm>
+                  <a:off x="277158" y="2539722"/>
+                  <a:ext cx="1075182" cy="504177"/>
+                </a:xfrm>
+                <a:prstGeom prst="rect">
+                  <a:avLst/>
+                </a:prstGeom>
+                <a:noFill/>
+              </p:spPr>
+              <p:txBody>
+                <a:bodyPr wrap="square" rtlCol="0">
+                  <a:spAutoFit/>
+                </a:bodyPr>
+                <a:lstStyle/>
+                <a:p>
+                  <a:pPr algn="ctr"/>
+                  <a:r>
+                    <a:rPr lang="en-US" sz="892" dirty="0"/>
+                    <a:t>Goal location(with and without platform)</a:t>
+                  </a:r>
+                </a:p>
+              </p:txBody>
+            </p:sp>
+            <p:cxnSp>
+              <p:nvCxnSpPr>
+                <p:cNvPr id="21" name="Straight Arrow Connector 20"/>
+                <p:cNvCxnSpPr/>
+                <p:nvPr/>
+              </p:nvCxnSpPr>
+              <p:spPr>
+                <a:xfrm flipV="1">
+                  <a:off x="692569" y="2095560"/>
+                  <a:ext cx="790094" cy="517226"/>
+                </a:xfrm>
+                <a:prstGeom prst="straightConnector1">
+                  <a:avLst/>
+                </a:prstGeom>
+                <a:ln>
+                  <a:solidFill>
+                    <a:schemeClr val="tx1"/>
+                  </a:solidFill>
+                  <a:tailEnd type="triangle"/>
+                </a:ln>
+              </p:spPr>
+              <p:style>
+                <a:lnRef idx="1">
+                  <a:schemeClr val="accent1"/>
+                </a:lnRef>
+                <a:fillRef idx="0">
+                  <a:schemeClr val="accent1"/>
+                </a:fillRef>
+                <a:effectRef idx="0">
+                  <a:schemeClr val="accent1"/>
+                </a:effectRef>
+                <a:fontRef idx="minor">
+                  <a:schemeClr val="tx1"/>
+                </a:fontRef>
+              </p:style>
+            </p:cxnSp>
+            <p:sp>
+              <p:nvSpPr>
+                <p:cNvPr id="24" name="TextBox 23"/>
+                <p:cNvSpPr txBox="1"/>
+                <p:nvPr/>
+              </p:nvSpPr>
+              <p:spPr>
+                <a:xfrm>
+                  <a:off x="99319" y="521043"/>
+                  <a:ext cx="1420678" cy="229615"/>
+                </a:xfrm>
+                <a:prstGeom prst="rect">
+                  <a:avLst/>
+                </a:prstGeom>
+                <a:noFill/>
+              </p:spPr>
+              <p:txBody>
+                <a:bodyPr wrap="square" rtlCol="0">
+                  <a:spAutoFit/>
+                </a:bodyPr>
+                <a:lstStyle/>
+                <a:p>
+                  <a:pPr algn="ctr"/>
+                  <a:r>
+                    <a:rPr lang="en-US" sz="892" dirty="0"/>
+                    <a:t>Mean (without platform)</a:t>
+                  </a:r>
+                </a:p>
+              </p:txBody>
+            </p:sp>
+            <p:sp>
+              <p:nvSpPr>
+                <p:cNvPr id="25" name="TextBox 24"/>
+                <p:cNvSpPr txBox="1"/>
+                <p:nvPr/>
+              </p:nvSpPr>
+              <p:spPr>
+                <a:xfrm>
+                  <a:off x="1352339" y="519499"/>
+                  <a:ext cx="1420678" cy="229615"/>
+                </a:xfrm>
+                <a:prstGeom prst="rect">
+                  <a:avLst/>
+                </a:prstGeom>
+                <a:noFill/>
+              </p:spPr>
+              <p:txBody>
+                <a:bodyPr wrap="square" rtlCol="0">
+                  <a:spAutoFit/>
+                </a:bodyPr>
+                <a:lstStyle/>
+                <a:p>
+                  <a:pPr algn="ctr"/>
+                  <a:r>
+                    <a:rPr lang="en-US" sz="892" dirty="0"/>
+                    <a:t>Mean (with platform)</a:t>
+                  </a:r>
+                </a:p>
+              </p:txBody>
+            </p:sp>
+            <p:cxnSp>
+              <p:nvCxnSpPr>
+                <p:cNvPr id="26" name="Straight Arrow Connector 25"/>
+                <p:cNvCxnSpPr/>
+                <p:nvPr/>
+              </p:nvCxnSpPr>
+              <p:spPr>
+                <a:xfrm>
+                  <a:off x="981727" y="694542"/>
+                  <a:ext cx="611286" cy="1193125"/>
+                </a:xfrm>
+                <a:prstGeom prst="straightConnector1">
+                  <a:avLst/>
+                </a:prstGeom>
+                <a:ln>
+                  <a:solidFill>
+                    <a:schemeClr val="tx1"/>
+                  </a:solidFill>
+                  <a:tailEnd type="triangle"/>
+                </a:ln>
+              </p:spPr>
+              <p:style>
+                <a:lnRef idx="1">
+                  <a:schemeClr val="accent1"/>
+                </a:lnRef>
+                <a:fillRef idx="0">
+                  <a:schemeClr val="accent1"/>
+                </a:fillRef>
+                <a:effectRef idx="0">
+                  <a:schemeClr val="accent1"/>
+                </a:effectRef>
+                <a:fontRef idx="minor">
+                  <a:schemeClr val="tx1"/>
+                </a:fontRef>
+              </p:style>
+            </p:cxnSp>
+            <p:cxnSp>
+              <p:nvCxnSpPr>
+                <p:cNvPr id="27" name="Straight Arrow Connector 26"/>
+                <p:cNvCxnSpPr/>
+                <p:nvPr/>
+              </p:nvCxnSpPr>
+              <p:spPr>
+                <a:xfrm flipH="1">
+                  <a:off x="1735182" y="694541"/>
+                  <a:ext cx="140508" cy="1034493"/>
+                </a:xfrm>
+                <a:prstGeom prst="straightConnector1">
+                  <a:avLst/>
+                </a:prstGeom>
+                <a:ln>
+                  <a:solidFill>
+                    <a:schemeClr val="tx1"/>
+                  </a:solidFill>
+                  <a:tailEnd type="triangle"/>
+                </a:ln>
+              </p:spPr>
+              <p:style>
+                <a:lnRef idx="1">
+                  <a:schemeClr val="accent1"/>
+                </a:lnRef>
+                <a:fillRef idx="0">
+                  <a:schemeClr val="accent1"/>
+                </a:fillRef>
+                <a:effectRef idx="0">
+                  <a:schemeClr val="accent1"/>
+                </a:effectRef>
+                <a:fontRef idx="minor">
+                  <a:schemeClr val="tx1"/>
+                </a:fontRef>
+              </p:style>
+            </p:cxnSp>
+            <p:sp>
+              <p:nvSpPr>
+                <p:cNvPr id="33" name="TextBox 32"/>
+                <p:cNvSpPr txBox="1"/>
+                <p:nvPr/>
+              </p:nvSpPr>
+              <p:spPr>
+                <a:xfrm>
+                  <a:off x="2158825" y="643098"/>
+                  <a:ext cx="1420678" cy="366895"/>
+                </a:xfrm>
+                <a:prstGeom prst="rect">
+                  <a:avLst/>
+                </a:prstGeom>
+                <a:noFill/>
+              </p:spPr>
+              <p:txBody>
+                <a:bodyPr wrap="square" rtlCol="0">
+                  <a:spAutoFit/>
+                </a:bodyPr>
+                <a:lstStyle/>
+                <a:p>
+                  <a:pPr algn="ctr"/>
+                  <a:r>
+                    <a:rPr lang="en-US" sz="892" dirty="0"/>
+                    <a:t>Landing locations</a:t>
+                  </a:r>
+                </a:p>
+                <a:p>
+                  <a:pPr algn="ctr"/>
+                  <a:r>
+                    <a:rPr lang="en-US" sz="892" dirty="0"/>
+                    <a:t> (with platform)</a:t>
+                  </a:r>
+                </a:p>
+              </p:txBody>
+            </p:sp>
+            <p:sp>
+              <p:nvSpPr>
+                <p:cNvPr id="34" name="TextBox 33"/>
+                <p:cNvSpPr txBox="1"/>
+                <p:nvPr/>
+              </p:nvSpPr>
+              <p:spPr>
+                <a:xfrm>
+                  <a:off x="-115853" y="722739"/>
+                  <a:ext cx="1420678" cy="366895"/>
+                </a:xfrm>
+                <a:prstGeom prst="rect">
+                  <a:avLst/>
+                </a:prstGeom>
+                <a:noFill/>
+              </p:spPr>
+              <p:txBody>
+                <a:bodyPr wrap="square" rtlCol="0">
+                  <a:spAutoFit/>
+                </a:bodyPr>
+                <a:lstStyle/>
+                <a:p>
+                  <a:pPr algn="ctr"/>
+                  <a:r>
+                    <a:rPr lang="en-US" sz="892" dirty="0"/>
+                    <a:t>Landing locations</a:t>
+                  </a:r>
+                </a:p>
+                <a:p>
+                  <a:pPr algn="ctr"/>
+                  <a:r>
+                    <a:rPr lang="en-US" sz="892" dirty="0"/>
+                    <a:t> (without platform)</a:t>
+                  </a:r>
+                </a:p>
+              </p:txBody>
+            </p:sp>
+            <p:cxnSp>
+              <p:nvCxnSpPr>
+                <p:cNvPr id="35" name="Straight Arrow Connector 34"/>
+                <p:cNvCxnSpPr/>
+                <p:nvPr/>
+              </p:nvCxnSpPr>
+              <p:spPr>
+                <a:xfrm>
+                  <a:off x="605014" y="1030282"/>
+                  <a:ext cx="840327" cy="471434"/>
+                </a:xfrm>
+                <a:prstGeom prst="straightConnector1">
+                  <a:avLst/>
+                </a:prstGeom>
+                <a:ln>
+                  <a:solidFill>
+                    <a:schemeClr val="tx1"/>
+                  </a:solidFill>
+                  <a:tailEnd type="triangle"/>
+                </a:ln>
+              </p:spPr>
+              <p:style>
+                <a:lnRef idx="1">
+                  <a:schemeClr val="accent1"/>
+                </a:lnRef>
+                <a:fillRef idx="0">
+                  <a:schemeClr val="accent1"/>
+                </a:fillRef>
+                <a:effectRef idx="0">
+                  <a:schemeClr val="accent1"/>
+                </a:effectRef>
+                <a:fontRef idx="minor">
+                  <a:schemeClr val="tx1"/>
+                </a:fontRef>
+              </p:style>
+            </p:cxnSp>
+            <p:cxnSp>
+              <p:nvCxnSpPr>
+                <p:cNvPr id="37" name="Straight Arrow Connector 36"/>
+                <p:cNvCxnSpPr/>
+                <p:nvPr/>
+              </p:nvCxnSpPr>
+              <p:spPr>
+                <a:xfrm flipH="1">
+                  <a:off x="2651530" y="932196"/>
+                  <a:ext cx="343565" cy="166659"/>
+                </a:xfrm>
+                <a:prstGeom prst="straightConnector1">
+                  <a:avLst/>
+                </a:prstGeom>
+                <a:ln>
+                  <a:solidFill>
+                    <a:schemeClr val="tx1"/>
+                  </a:solidFill>
+                  <a:tailEnd type="triangle"/>
+                </a:ln>
+              </p:spPr>
+              <p:style>
+                <a:lnRef idx="1">
+                  <a:schemeClr val="accent1"/>
+                </a:lnRef>
+                <a:fillRef idx="0">
+                  <a:schemeClr val="accent1"/>
+                </a:fillRef>
+                <a:effectRef idx="0">
+                  <a:schemeClr val="accent1"/>
+                </a:effectRef>
+                <a:fontRef idx="minor">
+                  <a:schemeClr val="tx1"/>
+                </a:fontRef>
+              </p:style>
+            </p:cxnSp>
+          </p:grpSp>
+          <p:grpSp>
+            <p:nvGrpSpPr>
+              <p:cNvPr id="45" name="Group 44"/>
+              <p:cNvGrpSpPr/>
+              <p:nvPr/>
+            </p:nvGrpSpPr>
+            <p:grpSpPr>
+              <a:xfrm>
+                <a:off x="190902" y="3020779"/>
+                <a:ext cx="3532623" cy="638281"/>
+                <a:chOff x="-191197" y="172118"/>
+                <a:chExt cx="3532623" cy="638281"/>
+              </a:xfrm>
+            </p:grpSpPr>
+            <p:sp>
+              <p:nvSpPr>
+                <p:cNvPr id="39" name="TextBox 38"/>
+                <p:cNvSpPr txBox="1"/>
+                <p:nvPr/>
+              </p:nvSpPr>
+              <p:spPr>
+                <a:xfrm>
+                  <a:off x="-116490" y="312600"/>
+                  <a:ext cx="1718660" cy="366895"/>
+                </a:xfrm>
+                <a:prstGeom prst="rect">
+                  <a:avLst/>
+                </a:prstGeom>
+                <a:noFill/>
+              </p:spPr>
+              <p:txBody>
+                <a:bodyPr wrap="square" rtlCol="0">
+                  <a:spAutoFit/>
+                </a:bodyPr>
+                <a:lstStyle/>
+                <a:p>
+                  <a:r>
+                    <a:rPr lang="en-US" sz="892" dirty="0"/>
+                    <a:t>1</a:t>
+                  </a:r>
+                  <a:r>
+                    <a:rPr lang="en-US" sz="892" baseline="30000" dirty="0"/>
+                    <a:t>st</a:t>
+                  </a:r>
+                  <a:r>
+                    <a:rPr lang="en-US" sz="892" dirty="0"/>
+                    <a:t> S.D ellipse (without platform)</a:t>
+                  </a:r>
+                </a:p>
+                <a:p>
+                  <a:endParaRPr lang="en-US" sz="892" dirty="0"/>
+                </a:p>
+              </p:txBody>
+            </p:sp>
+            <p:sp>
+              <p:nvSpPr>
+                <p:cNvPr id="40" name="TextBox 39"/>
+                <p:cNvSpPr txBox="1"/>
+                <p:nvPr/>
+              </p:nvSpPr>
+              <p:spPr>
+                <a:xfrm>
+                  <a:off x="1596980" y="306222"/>
+                  <a:ext cx="1741851" cy="504177"/>
+                </a:xfrm>
+                <a:prstGeom prst="rect">
+                  <a:avLst/>
+                </a:prstGeom>
+                <a:noFill/>
+              </p:spPr>
+              <p:txBody>
+                <a:bodyPr wrap="square" rtlCol="0">
+                  <a:spAutoFit/>
+                </a:bodyPr>
+                <a:lstStyle/>
+                <a:p>
+                  <a:r>
+                    <a:rPr lang="en-US" sz="892" dirty="0"/>
+                    <a:t>2</a:t>
+                  </a:r>
+                  <a:r>
+                    <a:rPr lang="en-US" sz="892" baseline="30000" dirty="0"/>
+                    <a:t>nd</a:t>
+                  </a:r>
+                  <a:r>
+                    <a:rPr lang="en-US" sz="892" dirty="0"/>
+                    <a:t> S.D ellipse (without platform)</a:t>
+                  </a:r>
+                </a:p>
+                <a:p>
+                  <a:endParaRPr lang="en-US" sz="892" dirty="0"/>
+                </a:p>
+                <a:p>
+                  <a:endParaRPr lang="en-US" sz="892" dirty="0"/>
+                </a:p>
+              </p:txBody>
+            </p:sp>
+            <p:grpSp>
+              <p:nvGrpSpPr>
+                <p:cNvPr id="43" name="Group 42"/>
+                <p:cNvGrpSpPr/>
+                <p:nvPr/>
+              </p:nvGrpSpPr>
+              <p:grpSpPr>
+                <a:xfrm>
+                  <a:off x="-191197" y="172118"/>
+                  <a:ext cx="3532623" cy="518782"/>
+                  <a:chOff x="-191197" y="172118"/>
+                  <a:chExt cx="3532623" cy="518782"/>
+                </a:xfrm>
+              </p:grpSpPr>
+              <p:cxnSp>
+                <p:nvCxnSpPr>
+                  <p:cNvPr id="5" name="Straight Connector 4"/>
+                  <p:cNvCxnSpPr/>
+                  <p:nvPr/>
+                </p:nvCxnSpPr>
+                <p:spPr>
+                  <a:xfrm>
+                    <a:off x="-191197" y="430087"/>
+                    <a:ext cx="150687" cy="4073"/>
+                  </a:xfrm>
+                  <a:prstGeom prst="line">
+                    <a:avLst/>
+                  </a:prstGeom>
+                  <a:ln w="12700">
+                    <a:solidFill>
+                      <a:srgbClr val="990000"/>
+                    </a:solidFill>
+                  </a:ln>
+                </p:spPr>
+                <p:style>
+                  <a:lnRef idx="1">
+                    <a:schemeClr val="accent1"/>
+                  </a:lnRef>
+                  <a:fillRef idx="0">
+                    <a:schemeClr val="accent1"/>
+                  </a:fillRef>
+                  <a:effectRef idx="0">
+                    <a:schemeClr val="accent1"/>
+                  </a:effectRef>
+                  <a:fontRef idx="minor">
+                    <a:schemeClr val="tx1"/>
+                  </a:fontRef>
+                </p:style>
+              </p:cxnSp>
+              <p:cxnSp>
+                <p:nvCxnSpPr>
+                  <p:cNvPr id="8" name="Straight Connector 7"/>
+                  <p:cNvCxnSpPr/>
+                  <p:nvPr/>
+                </p:nvCxnSpPr>
+                <p:spPr>
+                  <a:xfrm>
+                    <a:off x="1526827" y="430087"/>
+                    <a:ext cx="150687" cy="4073"/>
+                  </a:xfrm>
+                  <a:prstGeom prst="line">
+                    <a:avLst/>
+                  </a:prstGeom>
+                  <a:ln w="12700">
+                    <a:solidFill>
+                      <a:srgbClr val="0000FF"/>
+                    </a:solidFill>
+                  </a:ln>
+                </p:spPr>
+                <p:style>
+                  <a:lnRef idx="1">
+                    <a:schemeClr val="accent1"/>
+                  </a:lnRef>
+                  <a:fillRef idx="0">
+                    <a:schemeClr val="accent1"/>
+                  </a:fillRef>
+                  <a:effectRef idx="0">
+                    <a:schemeClr val="accent1"/>
+                  </a:effectRef>
+                  <a:fontRef idx="minor">
+                    <a:schemeClr val="tx1"/>
+                  </a:fontRef>
+                </p:style>
+              </p:cxnSp>
+              <p:cxnSp>
+                <p:nvCxnSpPr>
+                  <p:cNvPr id="9" name="Straight Connector 8"/>
+                  <p:cNvCxnSpPr/>
+                  <p:nvPr/>
+                </p:nvCxnSpPr>
+                <p:spPr>
+                  <a:xfrm>
+                    <a:off x="-191197" y="319881"/>
+                    <a:ext cx="150687" cy="4073"/>
+                  </a:xfrm>
+                  <a:prstGeom prst="line">
+                    <a:avLst/>
+                  </a:prstGeom>
+                  <a:ln w="12700">
+                    <a:solidFill>
+                      <a:schemeClr val="tx1"/>
+                    </a:solidFill>
+                  </a:ln>
+                </p:spPr>
+                <p:style>
+                  <a:lnRef idx="1">
+                    <a:schemeClr val="accent1"/>
+                  </a:lnRef>
+                  <a:fillRef idx="0">
+                    <a:schemeClr val="accent1"/>
+                  </a:fillRef>
+                  <a:effectRef idx="0">
+                    <a:schemeClr val="accent1"/>
+                  </a:effectRef>
+                  <a:fontRef idx="minor">
+                    <a:schemeClr val="tx1"/>
+                  </a:fontRef>
+                </p:style>
+              </p:cxnSp>
+              <p:cxnSp>
+                <p:nvCxnSpPr>
+                  <p:cNvPr id="10" name="Straight Connector 9"/>
+                  <p:cNvCxnSpPr/>
+                  <p:nvPr/>
+                </p:nvCxnSpPr>
+                <p:spPr>
+                  <a:xfrm>
+                    <a:off x="1530793" y="321474"/>
+                    <a:ext cx="150687" cy="4073"/>
+                  </a:xfrm>
+                  <a:prstGeom prst="line">
+                    <a:avLst/>
+                  </a:prstGeom>
+                  <a:ln w="12700">
+                    <a:solidFill>
+                      <a:srgbClr val="FF00FF"/>
+                    </a:solidFill>
+                  </a:ln>
+                </p:spPr>
+                <p:style>
+                  <a:lnRef idx="1">
+                    <a:schemeClr val="accent1"/>
+                  </a:lnRef>
+                  <a:fillRef idx="0">
+                    <a:schemeClr val="accent1"/>
+                  </a:fillRef>
+                  <a:effectRef idx="0">
+                    <a:schemeClr val="accent1"/>
+                  </a:effectRef>
+                  <a:fontRef idx="minor">
+                    <a:schemeClr val="tx1"/>
+                  </a:fontRef>
+                </p:style>
+              </p:cxnSp>
+              <p:sp>
+                <p:nvSpPr>
+                  <p:cNvPr id="41" name="TextBox 40"/>
+                  <p:cNvSpPr txBox="1"/>
+                  <p:nvPr/>
+                </p:nvSpPr>
+                <p:spPr>
+                  <a:xfrm>
+                    <a:off x="-119085" y="172118"/>
+                    <a:ext cx="1718660" cy="366895"/>
+                  </a:xfrm>
+                  <a:prstGeom prst="rect">
+                    <a:avLst/>
+                  </a:prstGeom>
+                  <a:noFill/>
+                </p:spPr>
+                <p:txBody>
+                  <a:bodyPr wrap="square" rtlCol="0">
+                    <a:spAutoFit/>
+                  </a:bodyPr>
+                  <a:lstStyle/>
+                  <a:p>
+                    <a:r>
+                      <a:rPr lang="en-US" sz="892" dirty="0"/>
+                      <a:t>1</a:t>
+                    </a:r>
+                    <a:r>
+                      <a:rPr lang="en-US" sz="892" baseline="30000" dirty="0"/>
+                      <a:t>st</a:t>
+                    </a:r>
+                    <a:r>
+                      <a:rPr lang="en-US" sz="892" dirty="0"/>
+                      <a:t> S.D ellipse (with platform)</a:t>
+                    </a:r>
+                  </a:p>
+                  <a:p>
+                    <a:endParaRPr lang="en-US" sz="892" dirty="0"/>
+                  </a:p>
+                </p:txBody>
+              </p:sp>
+              <p:sp>
+                <p:nvSpPr>
+                  <p:cNvPr id="42" name="TextBox 41"/>
+                  <p:cNvSpPr txBox="1"/>
+                  <p:nvPr/>
+                </p:nvSpPr>
+                <p:spPr>
+                  <a:xfrm>
+                    <a:off x="1599575" y="186723"/>
+                    <a:ext cx="1741851" cy="504177"/>
+                  </a:xfrm>
+                  <a:prstGeom prst="rect">
+                    <a:avLst/>
+                  </a:prstGeom>
+                  <a:noFill/>
+                </p:spPr>
+                <p:txBody>
+                  <a:bodyPr wrap="square" rtlCol="0">
+                    <a:spAutoFit/>
+                  </a:bodyPr>
+                  <a:lstStyle/>
+                  <a:p>
+                    <a:r>
+                      <a:rPr lang="en-US" sz="892" dirty="0"/>
+                      <a:t>2</a:t>
+                    </a:r>
+                    <a:r>
+                      <a:rPr lang="en-US" sz="892" baseline="30000" dirty="0"/>
+                      <a:t>nd</a:t>
+                    </a:r>
+                    <a:r>
+                      <a:rPr lang="en-US" sz="892" dirty="0"/>
+                      <a:t> S.D ellipse (with platform)</a:t>
+                    </a:r>
+                  </a:p>
+                  <a:p>
+                    <a:endParaRPr lang="en-US" sz="892" dirty="0"/>
+                  </a:p>
+                  <a:p>
+                    <a:endParaRPr lang="en-US" sz="892" dirty="0"/>
+                  </a:p>
+                </p:txBody>
+              </p:sp>
+            </p:grpSp>
+          </p:grpSp>
+        </p:grpSp>
+        <p:sp>
+          <p:nvSpPr>
+            <p:cNvPr id="48" name="Rectangle 47"/>
+            <p:cNvSpPr/>
+            <p:nvPr/>
+          </p:nvSpPr>
+          <p:spPr>
+            <a:xfrm>
+              <a:off x="1459523" y="2767766"/>
+              <a:ext cx="1129812" cy="193431"/>
+            </a:xfrm>
+            <a:prstGeom prst="rect">
+              <a:avLst/>
+            </a:prstGeom>
+            <a:solidFill>
+              <a:schemeClr val="bg1"/>
+            </a:solidFill>
+            <a:ln>
+              <a:solidFill>
+                <a:schemeClr val="bg1"/>
+              </a:solidFill>
+            </a:ln>
+          </p:spPr>
+          <p:style>
+            <a:lnRef idx="2">
+              <a:schemeClr val="accent1">
+                <a:shade val="50000"/>
+              </a:schemeClr>
+            </a:lnRef>
+            <a:fillRef idx="1">
+              <a:schemeClr val="accent1"/>
+            </a:fillRef>
+            <a:effectRef idx="0">
+              <a:schemeClr val="accent1"/>
+            </a:effectRef>
+            <a:fontRef idx="minor">
+              <a:schemeClr val="lt1"/>
+            </a:fontRef>
+          </p:style>
+          <p:txBody>
+            <a:bodyPr rtlCol="0" anchor="ctr"/>
+            <a:lstStyle/>
+            <a:p>
+              <a:pPr algn="ctr"/>
+              <a:endParaRPr lang="en-US"/>
+            </a:p>
+          </p:txBody>
+        </p:sp>
+        <p:sp>
+          <p:nvSpPr>
+            <p:cNvPr id="49" name="Rectangle 48"/>
+            <p:cNvSpPr/>
+            <p:nvPr/>
+          </p:nvSpPr>
+          <p:spPr>
+            <a:xfrm rot="16200000">
+              <a:off x="-581027" y="1231770"/>
+              <a:ext cx="1280729" cy="193431"/>
+            </a:xfrm>
+            <a:prstGeom prst="rect">
+              <a:avLst/>
+            </a:prstGeom>
+            <a:solidFill>
+              <a:schemeClr val="bg1"/>
+            </a:solidFill>
+            <a:ln>
+              <a:solidFill>
+                <a:schemeClr val="bg1"/>
+              </a:solidFill>
+            </a:ln>
+          </p:spPr>
+          <p:style>
+            <a:lnRef idx="2">
+              <a:schemeClr val="accent1">
+                <a:shade val="50000"/>
+              </a:schemeClr>
+            </a:lnRef>
+            <a:fillRef idx="1">
+              <a:schemeClr val="accent1"/>
+            </a:fillRef>
+            <a:effectRef idx="0">
+              <a:schemeClr val="accent1"/>
+            </a:effectRef>
+            <a:fontRef idx="minor">
+              <a:schemeClr val="lt1"/>
+            </a:fontRef>
+          </p:style>
+          <p:txBody>
+            <a:bodyPr rtlCol="0" anchor="ctr"/>
+            <a:lstStyle/>
+            <a:p>
+              <a:pPr algn="ctr"/>
+              <a:endParaRPr lang="en-US"/>
+            </a:p>
+          </p:txBody>
+        </p:sp>
+      </p:grpSp>
+      <p:sp>
+        <p:nvSpPr>
+          <p:cNvPr id="47" name="TextBox 46"/>
+          <p:cNvSpPr txBox="1"/>
+          <p:nvPr/>
+        </p:nvSpPr>
         <p:spPr>
           <a:xfrm>
-            <a:off x="5265" y="-46037"/>
-            <a:ext cx="5116010" cy="2720280"/>
+            <a:off x="1330186" y="2682443"/>
+            <a:ext cx="1326165" cy="307777"/>
           </a:xfrm>
           <a:prstGeom prst="rect">
             <a:avLst/>
           </a:prstGeom>
+          <a:noFill/>
         </p:spPr>
-      </p:pic>
+        <p:txBody>
+          <a:bodyPr wrap="square" rtlCol="0">
+            <a:spAutoFit/>
+          </a:bodyPr>
+          <a:lstStyle/>
+          <a:p>
+            <a:r>
+              <a:rPr lang="en-US" sz="1400" dirty="0" smtClean="0"/>
+              <a:t>X-distance (cm)</a:t>
+            </a:r>
+            <a:endParaRPr lang="en-US" sz="1400" dirty="0"/>
+          </a:p>
+        </p:txBody>
+      </p:sp>
+      <p:sp>
+        <p:nvSpPr>
+          <p:cNvPr id="52" name="TextBox 51"/>
+          <p:cNvSpPr txBox="1"/>
+          <p:nvPr/>
+        </p:nvSpPr>
+        <p:spPr>
+          <a:xfrm rot="16200000">
+            <a:off x="-562084" y="1004079"/>
+            <a:ext cx="1326165" cy="307777"/>
+          </a:xfrm>
+          <a:prstGeom prst="rect">
+            <a:avLst/>
+          </a:prstGeom>
+          <a:noFill/>
+        </p:spPr>
+        <p:txBody>
+          <a:bodyPr wrap="square" rtlCol="0">
+            <a:spAutoFit/>
+          </a:bodyPr>
+          <a:lstStyle/>
+          <a:p>
+            <a:r>
+              <a:rPr lang="en-US" sz="1400" dirty="0"/>
+              <a:t>Y</a:t>
+            </a:r>
+            <a:r>
+              <a:rPr lang="en-US" sz="1400" dirty="0" smtClean="0"/>
+              <a:t>-distance (cm)</a:t>
+            </a:r>
+            <a:endParaRPr lang="en-US" sz="1400" dirty="0"/>
+          </a:p>
+        </p:txBody>
+      </p:sp>
     </p:spTree>
     <p:extLst>
       <p:ext uri="{BB962C8B-B14F-4D97-AF65-F5344CB8AC3E}">

--- a/Seismic Drones/CASE-2016/pictures/exp_2_ellipse.pptx
+++ b/Seismic Drones/CASE-2016/pictures/exp_2_ellipse.pptx
@@ -2,7 +2,7 @@
 <file path=ppt/presentation.xml><?xml version="1.0" encoding="utf-8"?>
 <p:presentation xmlns:a="http://schemas.openxmlformats.org/drawingml/2006/main" xmlns:r="http://schemas.openxmlformats.org/officeDocument/2006/relationships" xmlns:p="http://schemas.openxmlformats.org/presentationml/2006/main" saveSubsetFonts="1">
   <p:sldMasterIdLst>
-    <p:sldMasterId id="2147484056" r:id="rId1"/>
+    <p:sldMasterId id="2147484068" r:id="rId1"/>
   </p:sldMasterIdLst>
   <p:notesMasterIdLst>
     <p:notesMasterId r:id="rId3"/>
@@ -10,14 +10,14 @@
   <p:sldIdLst>
     <p:sldId id="257" r:id="rId2"/>
   </p:sldIdLst>
-  <p:sldSz cx="3749675" cy="3292475"/>
+  <p:sldSz cx="4022725" cy="3565525"/>
   <p:notesSz cx="6858000" cy="9144000"/>
   <p:defaultTextStyle>
     <a:defPPr>
       <a:defRPr lang="en-US"/>
     </a:defPPr>
-    <a:lvl1pPr marL="0" algn="l" defTabSz="339032" rtl="0" eaLnBrk="1" latinLnBrk="0" hangingPunct="1">
-      <a:defRPr sz="667" kern="1200">
+    <a:lvl1pPr marL="0" algn="l" defTabSz="365307" rtl="0" eaLnBrk="1" latinLnBrk="0" hangingPunct="1">
+      <a:defRPr sz="719" kern="1200">
         <a:solidFill>
           <a:schemeClr val="tx1"/>
         </a:solidFill>
@@ -26,8 +26,8 @@
         <a:cs typeface="+mn-cs"/>
       </a:defRPr>
     </a:lvl1pPr>
-    <a:lvl2pPr marL="169516" algn="l" defTabSz="339032" rtl="0" eaLnBrk="1" latinLnBrk="0" hangingPunct="1">
-      <a:defRPr sz="667" kern="1200">
+    <a:lvl2pPr marL="182653" algn="l" defTabSz="365307" rtl="0" eaLnBrk="1" latinLnBrk="0" hangingPunct="1">
+      <a:defRPr sz="719" kern="1200">
         <a:solidFill>
           <a:schemeClr val="tx1"/>
         </a:solidFill>
@@ -36,8 +36,8 @@
         <a:cs typeface="+mn-cs"/>
       </a:defRPr>
     </a:lvl2pPr>
-    <a:lvl3pPr marL="339032" algn="l" defTabSz="339032" rtl="0" eaLnBrk="1" latinLnBrk="0" hangingPunct="1">
-      <a:defRPr sz="667" kern="1200">
+    <a:lvl3pPr marL="365307" algn="l" defTabSz="365307" rtl="0" eaLnBrk="1" latinLnBrk="0" hangingPunct="1">
+      <a:defRPr sz="719" kern="1200">
         <a:solidFill>
           <a:schemeClr val="tx1"/>
         </a:solidFill>
@@ -46,8 +46,8 @@
         <a:cs typeface="+mn-cs"/>
       </a:defRPr>
     </a:lvl3pPr>
-    <a:lvl4pPr marL="508547" algn="l" defTabSz="339032" rtl="0" eaLnBrk="1" latinLnBrk="0" hangingPunct="1">
-      <a:defRPr sz="667" kern="1200">
+    <a:lvl4pPr marL="547959" algn="l" defTabSz="365307" rtl="0" eaLnBrk="1" latinLnBrk="0" hangingPunct="1">
+      <a:defRPr sz="719" kern="1200">
         <a:solidFill>
           <a:schemeClr val="tx1"/>
         </a:solidFill>
@@ -56,8 +56,8 @@
         <a:cs typeface="+mn-cs"/>
       </a:defRPr>
     </a:lvl4pPr>
-    <a:lvl5pPr marL="678061" algn="l" defTabSz="339032" rtl="0" eaLnBrk="1" latinLnBrk="0" hangingPunct="1">
-      <a:defRPr sz="667" kern="1200">
+    <a:lvl5pPr marL="730611" algn="l" defTabSz="365307" rtl="0" eaLnBrk="1" latinLnBrk="0" hangingPunct="1">
+      <a:defRPr sz="719" kern="1200">
         <a:solidFill>
           <a:schemeClr val="tx1"/>
         </a:solidFill>
@@ -66,8 +66,8 @@
         <a:cs typeface="+mn-cs"/>
       </a:defRPr>
     </a:lvl5pPr>
-    <a:lvl6pPr marL="847580" algn="l" defTabSz="339032" rtl="0" eaLnBrk="1" latinLnBrk="0" hangingPunct="1">
-      <a:defRPr sz="667" kern="1200">
+    <a:lvl6pPr marL="913267" algn="l" defTabSz="365307" rtl="0" eaLnBrk="1" latinLnBrk="0" hangingPunct="1">
+      <a:defRPr sz="719" kern="1200">
         <a:solidFill>
           <a:schemeClr val="tx1"/>
         </a:solidFill>
@@ -76,8 +76,8 @@
         <a:cs typeface="+mn-cs"/>
       </a:defRPr>
     </a:lvl6pPr>
-    <a:lvl7pPr marL="1017094" algn="l" defTabSz="339032" rtl="0" eaLnBrk="1" latinLnBrk="0" hangingPunct="1">
-      <a:defRPr sz="667" kern="1200">
+    <a:lvl7pPr marL="1095919" algn="l" defTabSz="365307" rtl="0" eaLnBrk="1" latinLnBrk="0" hangingPunct="1">
+      <a:defRPr sz="719" kern="1200">
         <a:solidFill>
           <a:schemeClr val="tx1"/>
         </a:solidFill>
@@ -86,8 +86,8 @@
         <a:cs typeface="+mn-cs"/>
       </a:defRPr>
     </a:lvl7pPr>
-    <a:lvl8pPr marL="1186609" algn="l" defTabSz="339032" rtl="0" eaLnBrk="1" latinLnBrk="0" hangingPunct="1">
-      <a:defRPr sz="667" kern="1200">
+    <a:lvl8pPr marL="1278571" algn="l" defTabSz="365307" rtl="0" eaLnBrk="1" latinLnBrk="0" hangingPunct="1">
+      <a:defRPr sz="719" kern="1200">
         <a:solidFill>
           <a:schemeClr val="tx1"/>
         </a:solidFill>
@@ -96,8 +96,8 @@
         <a:cs typeface="+mn-cs"/>
       </a:defRPr>
     </a:lvl8pPr>
-    <a:lvl9pPr marL="1356126" algn="l" defTabSz="339032" rtl="0" eaLnBrk="1" latinLnBrk="0" hangingPunct="1">
-      <a:defRPr sz="667" kern="1200">
+    <a:lvl9pPr marL="1461226" algn="l" defTabSz="365307" rtl="0" eaLnBrk="1" latinLnBrk="0" hangingPunct="1">
+      <a:defRPr sz="719" kern="1200">
         <a:solidFill>
           <a:schemeClr val="tx1"/>
         </a:solidFill>
@@ -197,7 +197,7 @@
           <a:p>
             <a:fld id="{AA1C6256-7E50-4653-8D7D-F1FCAAC977E8}" type="datetimeFigureOut">
               <a:rPr lang="en-US" smtClean="0"/>
-              <a:t>3/16/2016</a:t>
+              <a:t>3/21/2016</a:t>
             </a:fld>
             <a:endParaRPr lang="en-US"/>
           </a:p>
@@ -215,8 +215,8 @@
         </p:nvSpPr>
         <p:spPr>
           <a:xfrm>
-            <a:off x="1671638" y="1143000"/>
-            <a:ext cx="3514725" cy="3086100"/>
+            <a:off x="1687513" y="1143000"/>
+            <a:ext cx="3482975" cy="3086100"/>
           </a:xfrm>
           <a:prstGeom prst="rect">
             <a:avLst/>
@@ -371,8 +371,8 @@
   </p:cSld>
   <p:clrMap bg1="lt1" tx1="dk1" bg2="lt2" tx2="dk2" accent1="accent1" accent2="accent2" accent3="accent3" accent4="accent4" accent5="accent5" accent6="accent6" hlink="hlink" folHlink="folHlink"/>
   <p:notesStyle>
-    <a:lvl1pPr marL="0" algn="l" defTabSz="339032" rtl="0" eaLnBrk="1" latinLnBrk="0" hangingPunct="1">
-      <a:defRPr sz="446" kern="1200">
+    <a:lvl1pPr marL="0" algn="l" defTabSz="365307" rtl="0" eaLnBrk="1" latinLnBrk="0" hangingPunct="1">
+      <a:defRPr sz="481" kern="1200">
         <a:solidFill>
           <a:schemeClr val="tx1"/>
         </a:solidFill>
@@ -381,8 +381,8 @@
         <a:cs typeface="+mn-cs"/>
       </a:defRPr>
     </a:lvl1pPr>
-    <a:lvl2pPr marL="169516" algn="l" defTabSz="339032" rtl="0" eaLnBrk="1" latinLnBrk="0" hangingPunct="1">
-      <a:defRPr sz="446" kern="1200">
+    <a:lvl2pPr marL="182653" algn="l" defTabSz="365307" rtl="0" eaLnBrk="1" latinLnBrk="0" hangingPunct="1">
+      <a:defRPr sz="481" kern="1200">
         <a:solidFill>
           <a:schemeClr val="tx1"/>
         </a:solidFill>
@@ -391,8 +391,8 @@
         <a:cs typeface="+mn-cs"/>
       </a:defRPr>
     </a:lvl2pPr>
-    <a:lvl3pPr marL="339032" algn="l" defTabSz="339032" rtl="0" eaLnBrk="1" latinLnBrk="0" hangingPunct="1">
-      <a:defRPr sz="446" kern="1200">
+    <a:lvl3pPr marL="365307" algn="l" defTabSz="365307" rtl="0" eaLnBrk="1" latinLnBrk="0" hangingPunct="1">
+      <a:defRPr sz="481" kern="1200">
         <a:solidFill>
           <a:schemeClr val="tx1"/>
         </a:solidFill>
@@ -401,8 +401,8 @@
         <a:cs typeface="+mn-cs"/>
       </a:defRPr>
     </a:lvl3pPr>
-    <a:lvl4pPr marL="508547" algn="l" defTabSz="339032" rtl="0" eaLnBrk="1" latinLnBrk="0" hangingPunct="1">
-      <a:defRPr sz="446" kern="1200">
+    <a:lvl4pPr marL="547959" algn="l" defTabSz="365307" rtl="0" eaLnBrk="1" latinLnBrk="0" hangingPunct="1">
+      <a:defRPr sz="481" kern="1200">
         <a:solidFill>
           <a:schemeClr val="tx1"/>
         </a:solidFill>
@@ -411,8 +411,8 @@
         <a:cs typeface="+mn-cs"/>
       </a:defRPr>
     </a:lvl4pPr>
-    <a:lvl5pPr marL="678061" algn="l" defTabSz="339032" rtl="0" eaLnBrk="1" latinLnBrk="0" hangingPunct="1">
-      <a:defRPr sz="446" kern="1200">
+    <a:lvl5pPr marL="730611" algn="l" defTabSz="365307" rtl="0" eaLnBrk="1" latinLnBrk="0" hangingPunct="1">
+      <a:defRPr sz="481" kern="1200">
         <a:solidFill>
           <a:schemeClr val="tx1"/>
         </a:solidFill>
@@ -421,8 +421,8 @@
         <a:cs typeface="+mn-cs"/>
       </a:defRPr>
     </a:lvl5pPr>
-    <a:lvl6pPr marL="847580" algn="l" defTabSz="339032" rtl="0" eaLnBrk="1" latinLnBrk="0" hangingPunct="1">
-      <a:defRPr sz="446" kern="1200">
+    <a:lvl6pPr marL="913267" algn="l" defTabSz="365307" rtl="0" eaLnBrk="1" latinLnBrk="0" hangingPunct="1">
+      <a:defRPr sz="481" kern="1200">
         <a:solidFill>
           <a:schemeClr val="tx1"/>
         </a:solidFill>
@@ -431,8 +431,8 @@
         <a:cs typeface="+mn-cs"/>
       </a:defRPr>
     </a:lvl6pPr>
-    <a:lvl7pPr marL="1017094" algn="l" defTabSz="339032" rtl="0" eaLnBrk="1" latinLnBrk="0" hangingPunct="1">
-      <a:defRPr sz="446" kern="1200">
+    <a:lvl7pPr marL="1095919" algn="l" defTabSz="365307" rtl="0" eaLnBrk="1" latinLnBrk="0" hangingPunct="1">
+      <a:defRPr sz="481" kern="1200">
         <a:solidFill>
           <a:schemeClr val="tx1"/>
         </a:solidFill>
@@ -441,8 +441,8 @@
         <a:cs typeface="+mn-cs"/>
       </a:defRPr>
     </a:lvl7pPr>
-    <a:lvl8pPr marL="1186609" algn="l" defTabSz="339032" rtl="0" eaLnBrk="1" latinLnBrk="0" hangingPunct="1">
-      <a:defRPr sz="446" kern="1200">
+    <a:lvl8pPr marL="1278571" algn="l" defTabSz="365307" rtl="0" eaLnBrk="1" latinLnBrk="0" hangingPunct="1">
+      <a:defRPr sz="481" kern="1200">
         <a:solidFill>
           <a:schemeClr val="tx1"/>
         </a:solidFill>
@@ -451,8 +451,8 @@
         <a:cs typeface="+mn-cs"/>
       </a:defRPr>
     </a:lvl8pPr>
-    <a:lvl9pPr marL="1356126" algn="l" defTabSz="339032" rtl="0" eaLnBrk="1" latinLnBrk="0" hangingPunct="1">
-      <a:defRPr sz="446" kern="1200">
+    <a:lvl9pPr marL="1461226" algn="l" defTabSz="365307" rtl="0" eaLnBrk="1" latinLnBrk="0" hangingPunct="1">
+      <a:defRPr sz="481" kern="1200">
         <a:solidFill>
           <a:schemeClr val="tx1"/>
         </a:solidFill>
@@ -494,8 +494,8 @@
         </p:nvSpPr>
         <p:spPr>
           <a:xfrm>
-            <a:off x="1671638" y="1143000"/>
-            <a:ext cx="3514725" cy="3086100"/>
+            <a:off x="1687513" y="1143000"/>
+            <a:ext cx="3482975" cy="3086100"/>
           </a:xfrm>
         </p:spPr>
       </p:sp>
@@ -583,15 +583,15 @@
         </p:nvSpPr>
         <p:spPr>
           <a:xfrm>
-            <a:off x="281226" y="538838"/>
-            <a:ext cx="3187224" cy="1146269"/>
+            <a:off x="301705" y="583525"/>
+            <a:ext cx="3419316" cy="1241331"/>
           </a:xfrm>
         </p:spPr>
         <p:txBody>
           <a:bodyPr anchor="b"/>
           <a:lstStyle>
             <a:lvl1pPr algn="ctr">
-              <a:defRPr sz="2461"/>
+              <a:defRPr sz="2639"/>
             </a:lvl1pPr>
           </a:lstStyle>
           <a:p>
@@ -615,8 +615,8 @@
         </p:nvSpPr>
         <p:spPr>
           <a:xfrm>
-            <a:off x="468710" y="1729312"/>
-            <a:ext cx="2812256" cy="794919"/>
+            <a:off x="502841" y="1872726"/>
+            <a:ext cx="3017044" cy="860843"/>
           </a:xfrm>
         </p:spPr>
         <p:txBody>
@@ -624,39 +624,39 @@
           <a:lstStyle>
             <a:lvl1pPr marL="0" indent="0" algn="ctr">
               <a:buNone/>
-              <a:defRPr sz="984"/>
+              <a:defRPr sz="1056"/>
             </a:lvl1pPr>
-            <a:lvl2pPr marL="187498" indent="0" algn="ctr">
-              <a:buNone/>
-              <a:defRPr sz="820"/>
+            <a:lvl2pPr marL="201122" indent="0" algn="ctr">
+              <a:buNone/>
+              <a:defRPr sz="880"/>
             </a:lvl2pPr>
-            <a:lvl3pPr marL="374995" indent="0" algn="ctr">
-              <a:buNone/>
-              <a:defRPr sz="738"/>
+            <a:lvl3pPr marL="402245" indent="0" algn="ctr">
+              <a:buNone/>
+              <a:defRPr sz="792"/>
             </a:lvl3pPr>
-            <a:lvl4pPr marL="562493" indent="0" algn="ctr">
-              <a:buNone/>
-              <a:defRPr sz="656"/>
+            <a:lvl4pPr marL="603367" indent="0" algn="ctr">
+              <a:buNone/>
+              <a:defRPr sz="704"/>
             </a:lvl4pPr>
-            <a:lvl5pPr marL="749991" indent="0" algn="ctr">
-              <a:buNone/>
-              <a:defRPr sz="656"/>
+            <a:lvl5pPr marL="804489" indent="0" algn="ctr">
+              <a:buNone/>
+              <a:defRPr sz="704"/>
             </a:lvl5pPr>
-            <a:lvl6pPr marL="937489" indent="0" algn="ctr">
-              <a:buNone/>
-              <a:defRPr sz="656"/>
+            <a:lvl6pPr marL="1005611" indent="0" algn="ctr">
+              <a:buNone/>
+              <a:defRPr sz="704"/>
             </a:lvl6pPr>
-            <a:lvl7pPr marL="1124986" indent="0" algn="ctr">
-              <a:buNone/>
-              <a:defRPr sz="656"/>
+            <a:lvl7pPr marL="1206734" indent="0" algn="ctr">
+              <a:buNone/>
+              <a:defRPr sz="704"/>
             </a:lvl7pPr>
-            <a:lvl8pPr marL="1312484" indent="0" algn="ctr">
-              <a:buNone/>
-              <a:defRPr sz="656"/>
+            <a:lvl8pPr marL="1407856" indent="0" algn="ctr">
+              <a:buNone/>
+              <a:defRPr sz="704"/>
             </a:lvl8pPr>
-            <a:lvl9pPr marL="1499982" indent="0" algn="ctr">
-              <a:buNone/>
-              <a:defRPr sz="656"/>
+            <a:lvl9pPr marL="1608978" indent="0" algn="ctr">
+              <a:buNone/>
+              <a:defRPr sz="704"/>
             </a:lvl9pPr>
           </a:lstStyle>
           <a:p>
@@ -685,7 +685,7 @@
           <a:p>
             <a:fld id="{EF27D29F-6681-4284-A19E-BDF58AC0366A}" type="datetimeFigureOut">
               <a:rPr lang="en-US" smtClean="0"/>
-              <a:t>3/16/2016</a:t>
+              <a:t>3/21/2016</a:t>
             </a:fld>
             <a:endParaRPr lang="en-US"/>
           </a:p>
@@ -736,7 +736,7 @@
     </p:spTree>
     <p:extLst>
       <p:ext uri="{BB962C8B-B14F-4D97-AF65-F5344CB8AC3E}">
-        <p14:creationId xmlns:p14="http://schemas.microsoft.com/office/powerpoint/2010/main" val="1039240010"/>
+        <p14:creationId xmlns:p14="http://schemas.microsoft.com/office/powerpoint/2010/main" val="35002466"/>
       </p:ext>
     </p:extLst>
   </p:cSld>
@@ -855,7 +855,7 @@
           <a:p>
             <a:fld id="{EF27D29F-6681-4284-A19E-BDF58AC0366A}" type="datetimeFigureOut">
               <a:rPr lang="en-US" smtClean="0"/>
-              <a:t>3/16/2016</a:t>
+              <a:t>3/21/2016</a:t>
             </a:fld>
             <a:endParaRPr lang="en-US"/>
           </a:p>
@@ -906,7 +906,7 @@
     </p:spTree>
     <p:extLst>
       <p:ext uri="{BB962C8B-B14F-4D97-AF65-F5344CB8AC3E}">
-        <p14:creationId xmlns:p14="http://schemas.microsoft.com/office/powerpoint/2010/main" val="2645201944"/>
+        <p14:creationId xmlns:p14="http://schemas.microsoft.com/office/powerpoint/2010/main" val="746605540"/>
       </p:ext>
     </p:extLst>
   </p:cSld>
@@ -945,8 +945,8 @@
         </p:nvSpPr>
         <p:spPr>
           <a:xfrm>
-            <a:off x="2683361" y="175294"/>
-            <a:ext cx="808524" cy="2790220"/>
+            <a:off x="2878763" y="189831"/>
+            <a:ext cx="867400" cy="3021618"/>
           </a:xfrm>
         </p:spPr>
         <p:txBody>
@@ -973,8 +973,8 @@
         </p:nvSpPr>
         <p:spPr>
           <a:xfrm>
-            <a:off x="257790" y="175294"/>
-            <a:ext cx="2378700" cy="2790220"/>
+            <a:off x="276563" y="189831"/>
+            <a:ext cx="2551916" cy="3021618"/>
           </a:xfrm>
         </p:spPr>
         <p:txBody>
@@ -1035,7 +1035,7 @@
           <a:p>
             <a:fld id="{EF27D29F-6681-4284-A19E-BDF58AC0366A}" type="datetimeFigureOut">
               <a:rPr lang="en-US" smtClean="0"/>
-              <a:t>3/16/2016</a:t>
+              <a:t>3/21/2016</a:t>
             </a:fld>
             <a:endParaRPr lang="en-US"/>
           </a:p>
@@ -1086,7 +1086,7 @@
     </p:spTree>
     <p:extLst>
       <p:ext uri="{BB962C8B-B14F-4D97-AF65-F5344CB8AC3E}">
-        <p14:creationId xmlns:p14="http://schemas.microsoft.com/office/powerpoint/2010/main" val="1433474463"/>
+        <p14:creationId xmlns:p14="http://schemas.microsoft.com/office/powerpoint/2010/main" val="2615424794"/>
       </p:ext>
     </p:extLst>
   </p:cSld>
@@ -1205,7 +1205,7 @@
           <a:p>
             <a:fld id="{EF27D29F-6681-4284-A19E-BDF58AC0366A}" type="datetimeFigureOut">
               <a:rPr lang="en-US" smtClean="0"/>
-              <a:t>3/16/2016</a:t>
+              <a:t>3/21/2016</a:t>
             </a:fld>
             <a:endParaRPr lang="en-US"/>
           </a:p>
@@ -1256,7 +1256,7 @@
     </p:spTree>
     <p:extLst>
       <p:ext uri="{BB962C8B-B14F-4D97-AF65-F5344CB8AC3E}">
-        <p14:creationId xmlns:p14="http://schemas.microsoft.com/office/powerpoint/2010/main" val="1747444633"/>
+        <p14:creationId xmlns:p14="http://schemas.microsoft.com/office/powerpoint/2010/main" val="1157911779"/>
       </p:ext>
     </p:extLst>
   </p:cSld>
@@ -1295,15 +1295,15 @@
         </p:nvSpPr>
         <p:spPr>
           <a:xfrm>
-            <a:off x="255837" y="820833"/>
-            <a:ext cx="3234095" cy="1369578"/>
+            <a:off x="274468" y="888906"/>
+            <a:ext cx="3469600" cy="1483159"/>
           </a:xfrm>
         </p:spPr>
         <p:txBody>
           <a:bodyPr anchor="b"/>
           <a:lstStyle>
             <a:lvl1pPr>
-              <a:defRPr sz="2461"/>
+              <a:defRPr sz="2639"/>
             </a:lvl1pPr>
           </a:lstStyle>
           <a:p>
@@ -1327,8 +1327,8 @@
         </p:nvSpPr>
         <p:spPr>
           <a:xfrm>
-            <a:off x="255837" y="2203368"/>
-            <a:ext cx="3234095" cy="720229"/>
+            <a:off x="274468" y="2386097"/>
+            <a:ext cx="3469600" cy="779958"/>
           </a:xfrm>
         </p:spPr>
         <p:txBody>
@@ -1336,15 +1336,15 @@
           <a:lstStyle>
             <a:lvl1pPr marL="0" indent="0">
               <a:buNone/>
-              <a:defRPr sz="984">
+              <a:defRPr sz="1056">
                 <a:solidFill>
                   <a:schemeClr val="tx1"/>
                 </a:solidFill>
               </a:defRPr>
             </a:lvl1pPr>
-            <a:lvl2pPr marL="187498" indent="0">
-              <a:buNone/>
-              <a:defRPr sz="820">
+            <a:lvl2pPr marL="201122" indent="0">
+              <a:buNone/>
+              <a:defRPr sz="880">
                 <a:solidFill>
                   <a:schemeClr val="tx1">
                     <a:tint val="75000"/>
@@ -1352,9 +1352,9 @@
                 </a:solidFill>
               </a:defRPr>
             </a:lvl2pPr>
-            <a:lvl3pPr marL="374995" indent="0">
-              <a:buNone/>
-              <a:defRPr sz="738">
+            <a:lvl3pPr marL="402245" indent="0">
+              <a:buNone/>
+              <a:defRPr sz="792">
                 <a:solidFill>
                   <a:schemeClr val="tx1">
                     <a:tint val="75000"/>
@@ -1362,9 +1362,9 @@
                 </a:solidFill>
               </a:defRPr>
             </a:lvl3pPr>
-            <a:lvl4pPr marL="562493" indent="0">
-              <a:buNone/>
-              <a:defRPr sz="656">
+            <a:lvl4pPr marL="603367" indent="0">
+              <a:buNone/>
+              <a:defRPr sz="704">
                 <a:solidFill>
                   <a:schemeClr val="tx1">
                     <a:tint val="75000"/>
@@ -1372,9 +1372,9 @@
                 </a:solidFill>
               </a:defRPr>
             </a:lvl4pPr>
-            <a:lvl5pPr marL="749991" indent="0">
-              <a:buNone/>
-              <a:defRPr sz="656">
+            <a:lvl5pPr marL="804489" indent="0">
+              <a:buNone/>
+              <a:defRPr sz="704">
                 <a:solidFill>
                   <a:schemeClr val="tx1">
                     <a:tint val="75000"/>
@@ -1382,9 +1382,9 @@
                 </a:solidFill>
               </a:defRPr>
             </a:lvl5pPr>
-            <a:lvl6pPr marL="937489" indent="0">
-              <a:buNone/>
-              <a:defRPr sz="656">
+            <a:lvl6pPr marL="1005611" indent="0">
+              <a:buNone/>
+              <a:defRPr sz="704">
                 <a:solidFill>
                   <a:schemeClr val="tx1">
                     <a:tint val="75000"/>
@@ -1392,9 +1392,9 @@
                 </a:solidFill>
               </a:defRPr>
             </a:lvl6pPr>
-            <a:lvl7pPr marL="1124986" indent="0">
-              <a:buNone/>
-              <a:defRPr sz="656">
+            <a:lvl7pPr marL="1206734" indent="0">
+              <a:buNone/>
+              <a:defRPr sz="704">
                 <a:solidFill>
                   <a:schemeClr val="tx1">
                     <a:tint val="75000"/>
@@ -1402,9 +1402,9 @@
                 </a:solidFill>
               </a:defRPr>
             </a:lvl7pPr>
-            <a:lvl8pPr marL="1312484" indent="0">
-              <a:buNone/>
-              <a:defRPr sz="656">
+            <a:lvl8pPr marL="1407856" indent="0">
+              <a:buNone/>
+              <a:defRPr sz="704">
                 <a:solidFill>
                   <a:schemeClr val="tx1">
                     <a:tint val="75000"/>
@@ -1412,9 +1412,9 @@
                 </a:solidFill>
               </a:defRPr>
             </a:lvl8pPr>
-            <a:lvl9pPr marL="1499982" indent="0">
-              <a:buNone/>
-              <a:defRPr sz="656">
+            <a:lvl9pPr marL="1608978" indent="0">
+              <a:buNone/>
+              <a:defRPr sz="704">
                 <a:solidFill>
                   <a:schemeClr val="tx1">
                     <a:tint val="75000"/>
@@ -1449,7 +1449,7 @@
           <a:p>
             <a:fld id="{EF27D29F-6681-4284-A19E-BDF58AC0366A}" type="datetimeFigureOut">
               <a:rPr lang="en-US" smtClean="0"/>
-              <a:t>3/16/2016</a:t>
+              <a:t>3/21/2016</a:t>
             </a:fld>
             <a:endParaRPr lang="en-US"/>
           </a:p>
@@ -1500,7 +1500,7 @@
     </p:spTree>
     <p:extLst>
       <p:ext uri="{BB962C8B-B14F-4D97-AF65-F5344CB8AC3E}">
-        <p14:creationId xmlns:p14="http://schemas.microsoft.com/office/powerpoint/2010/main" val="795316235"/>
+        <p14:creationId xmlns:p14="http://schemas.microsoft.com/office/powerpoint/2010/main" val="1243483437"/>
       </p:ext>
     </p:extLst>
   </p:cSld>
@@ -1562,8 +1562,8 @@
         </p:nvSpPr>
         <p:spPr>
           <a:xfrm>
-            <a:off x="257790" y="876469"/>
-            <a:ext cx="1593612" cy="2089045"/>
+            <a:off x="276562" y="949156"/>
+            <a:ext cx="1709658" cy="2262293"/>
           </a:xfrm>
         </p:spPr>
         <p:txBody>
@@ -1619,8 +1619,8 @@
         </p:nvSpPr>
         <p:spPr>
           <a:xfrm>
-            <a:off x="1898273" y="876469"/>
-            <a:ext cx="1593612" cy="2089045"/>
+            <a:off x="2036505" y="949156"/>
+            <a:ext cx="1709658" cy="2262293"/>
           </a:xfrm>
         </p:spPr>
         <p:txBody>
@@ -1681,7 +1681,7 @@
           <a:p>
             <a:fld id="{EF27D29F-6681-4284-A19E-BDF58AC0366A}" type="datetimeFigureOut">
               <a:rPr lang="en-US" smtClean="0"/>
-              <a:t>3/16/2016</a:t>
+              <a:t>3/21/2016</a:t>
             </a:fld>
             <a:endParaRPr lang="en-US"/>
           </a:p>
@@ -1732,7 +1732,7 @@
     </p:spTree>
     <p:extLst>
       <p:ext uri="{BB962C8B-B14F-4D97-AF65-F5344CB8AC3E}">
-        <p14:creationId xmlns:p14="http://schemas.microsoft.com/office/powerpoint/2010/main" val="3373499235"/>
+        <p14:creationId xmlns:p14="http://schemas.microsoft.com/office/powerpoint/2010/main" val="740649929"/>
       </p:ext>
     </p:extLst>
   </p:cSld>
@@ -1771,8 +1771,8 @@
         </p:nvSpPr>
         <p:spPr>
           <a:xfrm>
-            <a:off x="258278" y="175295"/>
-            <a:ext cx="3234095" cy="636393"/>
+            <a:off x="277086" y="189832"/>
+            <a:ext cx="3469600" cy="689170"/>
           </a:xfrm>
         </p:spPr>
         <p:txBody>
@@ -1799,8 +1799,8 @@
         </p:nvSpPr>
         <p:spPr>
           <a:xfrm>
-            <a:off x="258279" y="807114"/>
-            <a:ext cx="1586288" cy="395554"/>
+            <a:off x="277087" y="874049"/>
+            <a:ext cx="1701801" cy="428358"/>
           </a:xfrm>
         </p:spPr>
         <p:txBody>
@@ -1808,39 +1808,39 @@
           <a:lstStyle>
             <a:lvl1pPr marL="0" indent="0">
               <a:buNone/>
-              <a:defRPr sz="984" b="1"/>
+              <a:defRPr sz="1056" b="1"/>
             </a:lvl1pPr>
-            <a:lvl2pPr marL="187498" indent="0">
-              <a:buNone/>
-              <a:defRPr sz="820" b="1"/>
+            <a:lvl2pPr marL="201122" indent="0">
+              <a:buNone/>
+              <a:defRPr sz="880" b="1"/>
             </a:lvl2pPr>
-            <a:lvl3pPr marL="374995" indent="0">
-              <a:buNone/>
-              <a:defRPr sz="738" b="1"/>
+            <a:lvl3pPr marL="402245" indent="0">
+              <a:buNone/>
+              <a:defRPr sz="792" b="1"/>
             </a:lvl3pPr>
-            <a:lvl4pPr marL="562493" indent="0">
-              <a:buNone/>
-              <a:defRPr sz="656" b="1"/>
+            <a:lvl4pPr marL="603367" indent="0">
+              <a:buNone/>
+              <a:defRPr sz="704" b="1"/>
             </a:lvl4pPr>
-            <a:lvl5pPr marL="749991" indent="0">
-              <a:buNone/>
-              <a:defRPr sz="656" b="1"/>
+            <a:lvl5pPr marL="804489" indent="0">
+              <a:buNone/>
+              <a:defRPr sz="704" b="1"/>
             </a:lvl5pPr>
-            <a:lvl6pPr marL="937489" indent="0">
-              <a:buNone/>
-              <a:defRPr sz="656" b="1"/>
+            <a:lvl6pPr marL="1005611" indent="0">
+              <a:buNone/>
+              <a:defRPr sz="704" b="1"/>
             </a:lvl6pPr>
-            <a:lvl7pPr marL="1124986" indent="0">
-              <a:buNone/>
-              <a:defRPr sz="656" b="1"/>
+            <a:lvl7pPr marL="1206734" indent="0">
+              <a:buNone/>
+              <a:defRPr sz="704" b="1"/>
             </a:lvl7pPr>
-            <a:lvl8pPr marL="1312484" indent="0">
-              <a:buNone/>
-              <a:defRPr sz="656" b="1"/>
+            <a:lvl8pPr marL="1407856" indent="0">
+              <a:buNone/>
+              <a:defRPr sz="704" b="1"/>
             </a:lvl8pPr>
-            <a:lvl9pPr marL="1499982" indent="0">
-              <a:buNone/>
-              <a:defRPr sz="656" b="1"/>
+            <a:lvl9pPr marL="1608978" indent="0">
+              <a:buNone/>
+              <a:defRPr sz="704" b="1"/>
             </a:lvl9pPr>
           </a:lstStyle>
           <a:p>
@@ -1864,8 +1864,8 @@
         </p:nvSpPr>
         <p:spPr>
           <a:xfrm>
-            <a:off x="258279" y="1202668"/>
-            <a:ext cx="1586288" cy="1768943"/>
+            <a:off x="277087" y="1302407"/>
+            <a:ext cx="1701801" cy="1915645"/>
           </a:xfrm>
         </p:spPr>
         <p:txBody>
@@ -1921,8 +1921,8 @@
         </p:nvSpPr>
         <p:spPr>
           <a:xfrm>
-            <a:off x="1898273" y="807114"/>
-            <a:ext cx="1594100" cy="395554"/>
+            <a:off x="2036505" y="874049"/>
+            <a:ext cx="1710182" cy="428358"/>
           </a:xfrm>
         </p:spPr>
         <p:txBody>
@@ -1930,39 +1930,39 @@
           <a:lstStyle>
             <a:lvl1pPr marL="0" indent="0">
               <a:buNone/>
-              <a:defRPr sz="984" b="1"/>
+              <a:defRPr sz="1056" b="1"/>
             </a:lvl1pPr>
-            <a:lvl2pPr marL="187498" indent="0">
-              <a:buNone/>
-              <a:defRPr sz="820" b="1"/>
+            <a:lvl2pPr marL="201122" indent="0">
+              <a:buNone/>
+              <a:defRPr sz="880" b="1"/>
             </a:lvl2pPr>
-            <a:lvl3pPr marL="374995" indent="0">
-              <a:buNone/>
-              <a:defRPr sz="738" b="1"/>
+            <a:lvl3pPr marL="402245" indent="0">
+              <a:buNone/>
+              <a:defRPr sz="792" b="1"/>
             </a:lvl3pPr>
-            <a:lvl4pPr marL="562493" indent="0">
-              <a:buNone/>
-              <a:defRPr sz="656" b="1"/>
+            <a:lvl4pPr marL="603367" indent="0">
+              <a:buNone/>
+              <a:defRPr sz="704" b="1"/>
             </a:lvl4pPr>
-            <a:lvl5pPr marL="749991" indent="0">
-              <a:buNone/>
-              <a:defRPr sz="656" b="1"/>
+            <a:lvl5pPr marL="804489" indent="0">
+              <a:buNone/>
+              <a:defRPr sz="704" b="1"/>
             </a:lvl5pPr>
-            <a:lvl6pPr marL="937489" indent="0">
-              <a:buNone/>
-              <a:defRPr sz="656" b="1"/>
+            <a:lvl6pPr marL="1005611" indent="0">
+              <a:buNone/>
+              <a:defRPr sz="704" b="1"/>
             </a:lvl6pPr>
-            <a:lvl7pPr marL="1124986" indent="0">
-              <a:buNone/>
-              <a:defRPr sz="656" b="1"/>
+            <a:lvl7pPr marL="1206734" indent="0">
+              <a:buNone/>
+              <a:defRPr sz="704" b="1"/>
             </a:lvl7pPr>
-            <a:lvl8pPr marL="1312484" indent="0">
-              <a:buNone/>
-              <a:defRPr sz="656" b="1"/>
+            <a:lvl8pPr marL="1407856" indent="0">
+              <a:buNone/>
+              <a:defRPr sz="704" b="1"/>
             </a:lvl8pPr>
-            <a:lvl9pPr marL="1499982" indent="0">
-              <a:buNone/>
-              <a:defRPr sz="656" b="1"/>
+            <a:lvl9pPr marL="1608978" indent="0">
+              <a:buNone/>
+              <a:defRPr sz="704" b="1"/>
             </a:lvl9pPr>
           </a:lstStyle>
           <a:p>
@@ -1986,8 +1986,8 @@
         </p:nvSpPr>
         <p:spPr>
           <a:xfrm>
-            <a:off x="1898273" y="1202668"/>
-            <a:ext cx="1594100" cy="1768943"/>
+            <a:off x="2036505" y="1302407"/>
+            <a:ext cx="1710182" cy="1915645"/>
           </a:xfrm>
         </p:spPr>
         <p:txBody>
@@ -2048,7 +2048,7 @@
           <a:p>
             <a:fld id="{EF27D29F-6681-4284-A19E-BDF58AC0366A}" type="datetimeFigureOut">
               <a:rPr lang="en-US" smtClean="0"/>
-              <a:t>3/16/2016</a:t>
+              <a:t>3/21/2016</a:t>
             </a:fld>
             <a:endParaRPr lang="en-US"/>
           </a:p>
@@ -2099,7 +2099,7 @@
     </p:spTree>
     <p:extLst>
       <p:ext uri="{BB962C8B-B14F-4D97-AF65-F5344CB8AC3E}">
-        <p14:creationId xmlns:p14="http://schemas.microsoft.com/office/powerpoint/2010/main" val="2759424465"/>
+        <p14:creationId xmlns:p14="http://schemas.microsoft.com/office/powerpoint/2010/main" val="2602305429"/>
       </p:ext>
     </p:extLst>
   </p:cSld>
@@ -2166,7 +2166,7 @@
           <a:p>
             <a:fld id="{EF27D29F-6681-4284-A19E-BDF58AC0366A}" type="datetimeFigureOut">
               <a:rPr lang="en-US" smtClean="0"/>
-              <a:t>3/16/2016</a:t>
+              <a:t>3/21/2016</a:t>
             </a:fld>
             <a:endParaRPr lang="en-US"/>
           </a:p>
@@ -2217,7 +2217,7 @@
     </p:spTree>
     <p:extLst>
       <p:ext uri="{BB962C8B-B14F-4D97-AF65-F5344CB8AC3E}">
-        <p14:creationId xmlns:p14="http://schemas.microsoft.com/office/powerpoint/2010/main" val="2827226568"/>
+        <p14:creationId xmlns:p14="http://schemas.microsoft.com/office/powerpoint/2010/main" val="2813448207"/>
       </p:ext>
     </p:extLst>
   </p:cSld>
@@ -2261,7 +2261,7 @@
           <a:p>
             <a:fld id="{EF27D29F-6681-4284-A19E-BDF58AC0366A}" type="datetimeFigureOut">
               <a:rPr lang="en-US" smtClean="0"/>
-              <a:t>3/16/2016</a:t>
+              <a:t>3/21/2016</a:t>
             </a:fld>
             <a:endParaRPr lang="en-US"/>
           </a:p>
@@ -2312,7 +2312,7 @@
     </p:spTree>
     <p:extLst>
       <p:ext uri="{BB962C8B-B14F-4D97-AF65-F5344CB8AC3E}">
-        <p14:creationId xmlns:p14="http://schemas.microsoft.com/office/powerpoint/2010/main" val="1948365404"/>
+        <p14:creationId xmlns:p14="http://schemas.microsoft.com/office/powerpoint/2010/main" val="2407121293"/>
       </p:ext>
     </p:extLst>
   </p:cSld>
@@ -2351,15 +2351,15 @@
         </p:nvSpPr>
         <p:spPr>
           <a:xfrm>
-            <a:off x="258278" y="219498"/>
-            <a:ext cx="1209368" cy="768244"/>
+            <a:off x="277086" y="237702"/>
+            <a:ext cx="1297434" cy="831956"/>
           </a:xfrm>
         </p:spPr>
         <p:txBody>
           <a:bodyPr anchor="b"/>
           <a:lstStyle>
             <a:lvl1pPr>
-              <a:defRPr sz="1312"/>
+              <a:defRPr sz="1408"/>
             </a:lvl1pPr>
           </a:lstStyle>
           <a:p>
@@ -2383,39 +2383,39 @@
         </p:nvSpPr>
         <p:spPr>
           <a:xfrm>
-            <a:off x="1594100" y="474056"/>
-            <a:ext cx="1898273" cy="2339791"/>
+            <a:off x="1710182" y="513370"/>
+            <a:ext cx="2036505" cy="2533834"/>
           </a:xfrm>
         </p:spPr>
         <p:txBody>
           <a:bodyPr/>
           <a:lstStyle>
             <a:lvl1pPr>
-              <a:defRPr sz="1312"/>
+              <a:defRPr sz="1408"/>
             </a:lvl1pPr>
             <a:lvl2pPr>
-              <a:defRPr sz="1148"/>
+              <a:defRPr sz="1232"/>
             </a:lvl2pPr>
             <a:lvl3pPr>
-              <a:defRPr sz="984"/>
+              <a:defRPr sz="1056"/>
             </a:lvl3pPr>
             <a:lvl4pPr>
-              <a:defRPr sz="820"/>
+              <a:defRPr sz="880"/>
             </a:lvl4pPr>
             <a:lvl5pPr>
-              <a:defRPr sz="820"/>
+              <a:defRPr sz="880"/>
             </a:lvl5pPr>
             <a:lvl6pPr>
-              <a:defRPr sz="820"/>
+              <a:defRPr sz="880"/>
             </a:lvl6pPr>
             <a:lvl7pPr>
-              <a:defRPr sz="820"/>
+              <a:defRPr sz="880"/>
             </a:lvl7pPr>
             <a:lvl8pPr>
-              <a:defRPr sz="820"/>
+              <a:defRPr sz="880"/>
             </a:lvl8pPr>
             <a:lvl9pPr>
-              <a:defRPr sz="820"/>
+              <a:defRPr sz="880"/>
             </a:lvl9pPr>
           </a:lstStyle>
           <a:p>
@@ -2468,8 +2468,8 @@
         </p:nvSpPr>
         <p:spPr>
           <a:xfrm>
-            <a:off x="258278" y="987743"/>
-            <a:ext cx="1209368" cy="1829915"/>
+            <a:off x="277086" y="1069657"/>
+            <a:ext cx="1297434" cy="1981673"/>
           </a:xfrm>
         </p:spPr>
         <p:txBody>
@@ -2477,39 +2477,39 @@
           <a:lstStyle>
             <a:lvl1pPr marL="0" indent="0">
               <a:buNone/>
-              <a:defRPr sz="656"/>
+              <a:defRPr sz="704"/>
             </a:lvl1pPr>
-            <a:lvl2pPr marL="187498" indent="0">
-              <a:buNone/>
-              <a:defRPr sz="574"/>
+            <a:lvl2pPr marL="201122" indent="0">
+              <a:buNone/>
+              <a:defRPr sz="616"/>
             </a:lvl2pPr>
-            <a:lvl3pPr marL="374995" indent="0">
-              <a:buNone/>
-              <a:defRPr sz="492"/>
+            <a:lvl3pPr marL="402245" indent="0">
+              <a:buNone/>
+              <a:defRPr sz="528"/>
             </a:lvl3pPr>
-            <a:lvl4pPr marL="562493" indent="0">
-              <a:buNone/>
-              <a:defRPr sz="410"/>
+            <a:lvl4pPr marL="603367" indent="0">
+              <a:buNone/>
+              <a:defRPr sz="440"/>
             </a:lvl4pPr>
-            <a:lvl5pPr marL="749991" indent="0">
-              <a:buNone/>
-              <a:defRPr sz="410"/>
+            <a:lvl5pPr marL="804489" indent="0">
+              <a:buNone/>
+              <a:defRPr sz="440"/>
             </a:lvl5pPr>
-            <a:lvl6pPr marL="937489" indent="0">
-              <a:buNone/>
-              <a:defRPr sz="410"/>
+            <a:lvl6pPr marL="1005611" indent="0">
+              <a:buNone/>
+              <a:defRPr sz="440"/>
             </a:lvl6pPr>
-            <a:lvl7pPr marL="1124986" indent="0">
-              <a:buNone/>
-              <a:defRPr sz="410"/>
+            <a:lvl7pPr marL="1206734" indent="0">
+              <a:buNone/>
+              <a:defRPr sz="440"/>
             </a:lvl7pPr>
-            <a:lvl8pPr marL="1312484" indent="0">
-              <a:buNone/>
-              <a:defRPr sz="410"/>
+            <a:lvl8pPr marL="1407856" indent="0">
+              <a:buNone/>
+              <a:defRPr sz="440"/>
             </a:lvl8pPr>
-            <a:lvl9pPr marL="1499982" indent="0">
-              <a:buNone/>
-              <a:defRPr sz="410"/>
+            <a:lvl9pPr marL="1608978" indent="0">
+              <a:buNone/>
+              <a:defRPr sz="440"/>
             </a:lvl9pPr>
           </a:lstStyle>
           <a:p>
@@ -2538,7 +2538,7 @@
           <a:p>
             <a:fld id="{EF27D29F-6681-4284-A19E-BDF58AC0366A}" type="datetimeFigureOut">
               <a:rPr lang="en-US" smtClean="0"/>
-              <a:t>3/16/2016</a:t>
+              <a:t>3/21/2016</a:t>
             </a:fld>
             <a:endParaRPr lang="en-US"/>
           </a:p>
@@ -2589,7 +2589,7 @@
     </p:spTree>
     <p:extLst>
       <p:ext uri="{BB962C8B-B14F-4D97-AF65-F5344CB8AC3E}">
-        <p14:creationId xmlns:p14="http://schemas.microsoft.com/office/powerpoint/2010/main" val="2354369015"/>
+        <p14:creationId xmlns:p14="http://schemas.microsoft.com/office/powerpoint/2010/main" val="1587466486"/>
       </p:ext>
     </p:extLst>
   </p:cSld>
@@ -2628,15 +2628,15 @@
         </p:nvSpPr>
         <p:spPr>
           <a:xfrm>
-            <a:off x="258278" y="219498"/>
-            <a:ext cx="1209368" cy="768244"/>
+            <a:off x="277086" y="237702"/>
+            <a:ext cx="1297434" cy="831956"/>
           </a:xfrm>
         </p:spPr>
         <p:txBody>
           <a:bodyPr anchor="b"/>
           <a:lstStyle>
             <a:lvl1pPr>
-              <a:defRPr sz="1312"/>
+              <a:defRPr sz="1408"/>
             </a:lvl1pPr>
           </a:lstStyle>
           <a:p>
@@ -2660,8 +2660,8 @@
         </p:nvSpPr>
         <p:spPr>
           <a:xfrm>
-            <a:off x="1594100" y="474056"/>
-            <a:ext cx="1898273" cy="2339791"/>
+            <a:off x="1710182" y="513370"/>
+            <a:ext cx="2036505" cy="2533834"/>
           </a:xfrm>
         </p:spPr>
         <p:txBody>
@@ -2669,39 +2669,39 @@
           <a:lstStyle>
             <a:lvl1pPr marL="0" indent="0">
               <a:buNone/>
-              <a:defRPr sz="1312"/>
+              <a:defRPr sz="1408"/>
             </a:lvl1pPr>
-            <a:lvl2pPr marL="187498" indent="0">
-              <a:buNone/>
-              <a:defRPr sz="1148"/>
+            <a:lvl2pPr marL="201122" indent="0">
+              <a:buNone/>
+              <a:defRPr sz="1232"/>
             </a:lvl2pPr>
-            <a:lvl3pPr marL="374995" indent="0">
-              <a:buNone/>
-              <a:defRPr sz="984"/>
+            <a:lvl3pPr marL="402245" indent="0">
+              <a:buNone/>
+              <a:defRPr sz="1056"/>
             </a:lvl3pPr>
-            <a:lvl4pPr marL="562493" indent="0">
-              <a:buNone/>
-              <a:defRPr sz="820"/>
+            <a:lvl4pPr marL="603367" indent="0">
+              <a:buNone/>
+              <a:defRPr sz="880"/>
             </a:lvl4pPr>
-            <a:lvl5pPr marL="749991" indent="0">
-              <a:buNone/>
-              <a:defRPr sz="820"/>
+            <a:lvl5pPr marL="804489" indent="0">
+              <a:buNone/>
+              <a:defRPr sz="880"/>
             </a:lvl5pPr>
-            <a:lvl6pPr marL="937489" indent="0">
-              <a:buNone/>
-              <a:defRPr sz="820"/>
+            <a:lvl6pPr marL="1005611" indent="0">
+              <a:buNone/>
+              <a:defRPr sz="880"/>
             </a:lvl6pPr>
-            <a:lvl7pPr marL="1124986" indent="0">
-              <a:buNone/>
-              <a:defRPr sz="820"/>
+            <a:lvl7pPr marL="1206734" indent="0">
+              <a:buNone/>
+              <a:defRPr sz="880"/>
             </a:lvl7pPr>
-            <a:lvl8pPr marL="1312484" indent="0">
-              <a:buNone/>
-              <a:defRPr sz="820"/>
+            <a:lvl8pPr marL="1407856" indent="0">
+              <a:buNone/>
+              <a:defRPr sz="880"/>
             </a:lvl8pPr>
-            <a:lvl9pPr marL="1499982" indent="0">
-              <a:buNone/>
-              <a:defRPr sz="820"/>
+            <a:lvl9pPr marL="1608978" indent="0">
+              <a:buNone/>
+              <a:defRPr sz="880"/>
             </a:lvl9pPr>
           </a:lstStyle>
           <a:p>
@@ -2725,8 +2725,8 @@
         </p:nvSpPr>
         <p:spPr>
           <a:xfrm>
-            <a:off x="258278" y="987743"/>
-            <a:ext cx="1209368" cy="1829915"/>
+            <a:off x="277086" y="1069657"/>
+            <a:ext cx="1297434" cy="1981673"/>
           </a:xfrm>
         </p:spPr>
         <p:txBody>
@@ -2734,39 +2734,39 @@
           <a:lstStyle>
             <a:lvl1pPr marL="0" indent="0">
               <a:buNone/>
-              <a:defRPr sz="656"/>
+              <a:defRPr sz="704"/>
             </a:lvl1pPr>
-            <a:lvl2pPr marL="187498" indent="0">
-              <a:buNone/>
-              <a:defRPr sz="574"/>
+            <a:lvl2pPr marL="201122" indent="0">
+              <a:buNone/>
+              <a:defRPr sz="616"/>
             </a:lvl2pPr>
-            <a:lvl3pPr marL="374995" indent="0">
-              <a:buNone/>
-              <a:defRPr sz="492"/>
+            <a:lvl3pPr marL="402245" indent="0">
+              <a:buNone/>
+              <a:defRPr sz="528"/>
             </a:lvl3pPr>
-            <a:lvl4pPr marL="562493" indent="0">
-              <a:buNone/>
-              <a:defRPr sz="410"/>
+            <a:lvl4pPr marL="603367" indent="0">
+              <a:buNone/>
+              <a:defRPr sz="440"/>
             </a:lvl4pPr>
-            <a:lvl5pPr marL="749991" indent="0">
-              <a:buNone/>
-              <a:defRPr sz="410"/>
+            <a:lvl5pPr marL="804489" indent="0">
+              <a:buNone/>
+              <a:defRPr sz="440"/>
             </a:lvl5pPr>
-            <a:lvl6pPr marL="937489" indent="0">
-              <a:buNone/>
-              <a:defRPr sz="410"/>
+            <a:lvl6pPr marL="1005611" indent="0">
+              <a:buNone/>
+              <a:defRPr sz="440"/>
             </a:lvl6pPr>
-            <a:lvl7pPr marL="1124986" indent="0">
-              <a:buNone/>
-              <a:defRPr sz="410"/>
+            <a:lvl7pPr marL="1206734" indent="0">
+              <a:buNone/>
+              <a:defRPr sz="440"/>
             </a:lvl7pPr>
-            <a:lvl8pPr marL="1312484" indent="0">
-              <a:buNone/>
-              <a:defRPr sz="410"/>
+            <a:lvl8pPr marL="1407856" indent="0">
+              <a:buNone/>
+              <a:defRPr sz="440"/>
             </a:lvl8pPr>
-            <a:lvl9pPr marL="1499982" indent="0">
-              <a:buNone/>
-              <a:defRPr sz="410"/>
+            <a:lvl9pPr marL="1608978" indent="0">
+              <a:buNone/>
+              <a:defRPr sz="440"/>
             </a:lvl9pPr>
           </a:lstStyle>
           <a:p>
@@ -2795,7 +2795,7 @@
           <a:p>
             <a:fld id="{EF27D29F-6681-4284-A19E-BDF58AC0366A}" type="datetimeFigureOut">
               <a:rPr lang="en-US" smtClean="0"/>
-              <a:t>3/16/2016</a:t>
+              <a:t>3/21/2016</a:t>
             </a:fld>
             <a:endParaRPr lang="en-US"/>
           </a:p>
@@ -2846,7 +2846,7 @@
     </p:spTree>
     <p:extLst>
       <p:ext uri="{BB962C8B-B14F-4D97-AF65-F5344CB8AC3E}">
-        <p14:creationId xmlns:p14="http://schemas.microsoft.com/office/powerpoint/2010/main" val="2762303601"/>
+        <p14:creationId xmlns:p14="http://schemas.microsoft.com/office/powerpoint/2010/main" val="2487435736"/>
       </p:ext>
     </p:extLst>
   </p:cSld>
@@ -2890,8 +2890,8 @@
         </p:nvSpPr>
         <p:spPr>
           <a:xfrm>
-            <a:off x="257790" y="175295"/>
-            <a:ext cx="3234095" cy="636393"/>
+            <a:off x="276563" y="189832"/>
+            <a:ext cx="3469600" cy="689170"/>
           </a:xfrm>
           <a:prstGeom prst="rect">
             <a:avLst/>
@@ -2923,8 +2923,8 @@
         </p:nvSpPr>
         <p:spPr>
           <a:xfrm>
-            <a:off x="257790" y="876469"/>
-            <a:ext cx="3234095" cy="2089045"/>
+            <a:off x="276563" y="949156"/>
+            <a:ext cx="3469600" cy="2262293"/>
           </a:xfrm>
           <a:prstGeom prst="rect">
             <a:avLst/>
@@ -2985,8 +2985,8 @@
         </p:nvSpPr>
         <p:spPr>
           <a:xfrm>
-            <a:off x="257790" y="3051637"/>
-            <a:ext cx="843677" cy="175294"/>
+            <a:off x="276562" y="3304714"/>
+            <a:ext cx="905113" cy="189831"/>
           </a:xfrm>
           <a:prstGeom prst="rect">
             <a:avLst/>
@@ -2996,7 +2996,7 @@
           <a:bodyPr vert="horz" lIns="91440" tIns="45720" rIns="91440" bIns="45720" rtlCol="0" anchor="ctr"/>
           <a:lstStyle>
             <a:lvl1pPr algn="l">
-              <a:defRPr sz="492">
+              <a:defRPr sz="528">
                 <a:solidFill>
                   <a:schemeClr val="tx1">
                     <a:tint val="75000"/>
@@ -3008,7 +3008,7 @@
           <a:p>
             <a:fld id="{EF27D29F-6681-4284-A19E-BDF58AC0366A}" type="datetimeFigureOut">
               <a:rPr lang="en-US" smtClean="0"/>
-              <a:t>3/16/2016</a:t>
+              <a:t>3/21/2016</a:t>
             </a:fld>
             <a:endParaRPr lang="en-US"/>
           </a:p>
@@ -3026,8 +3026,8 @@
         </p:nvSpPr>
         <p:spPr>
           <a:xfrm>
-            <a:off x="1242080" y="3051637"/>
-            <a:ext cx="1265515" cy="175294"/>
+            <a:off x="1332528" y="3304714"/>
+            <a:ext cx="1357670" cy="189831"/>
           </a:xfrm>
           <a:prstGeom prst="rect">
             <a:avLst/>
@@ -3037,7 +3037,7 @@
           <a:bodyPr vert="horz" lIns="91440" tIns="45720" rIns="91440" bIns="45720" rtlCol="0" anchor="ctr"/>
           <a:lstStyle>
             <a:lvl1pPr algn="ctr">
-              <a:defRPr sz="492">
+              <a:defRPr sz="528">
                 <a:solidFill>
                   <a:schemeClr val="tx1">
                     <a:tint val="75000"/>
@@ -3063,8 +3063,8 @@
         </p:nvSpPr>
         <p:spPr>
           <a:xfrm>
-            <a:off x="2648208" y="3051637"/>
-            <a:ext cx="843677" cy="175294"/>
+            <a:off x="2841050" y="3304714"/>
+            <a:ext cx="905113" cy="189831"/>
           </a:xfrm>
           <a:prstGeom prst="rect">
             <a:avLst/>
@@ -3074,7 +3074,7 @@
           <a:bodyPr vert="horz" lIns="91440" tIns="45720" rIns="91440" bIns="45720" rtlCol="0" anchor="ctr"/>
           <a:lstStyle>
             <a:lvl1pPr algn="r">
-              <a:defRPr sz="492">
+              <a:defRPr sz="528">
                 <a:solidFill>
                   <a:schemeClr val="tx1">
                     <a:tint val="75000"/>
@@ -3095,27 +3095,27 @@
     </p:spTree>
     <p:extLst>
       <p:ext uri="{BB962C8B-B14F-4D97-AF65-F5344CB8AC3E}">
-        <p14:creationId xmlns:p14="http://schemas.microsoft.com/office/powerpoint/2010/main" val="4253073714"/>
+        <p14:creationId xmlns:p14="http://schemas.microsoft.com/office/powerpoint/2010/main" val="3700276345"/>
       </p:ext>
     </p:extLst>
   </p:cSld>
   <p:clrMap bg1="lt1" tx1="dk1" bg2="lt2" tx2="dk2" accent1="accent1" accent2="accent2" accent3="accent3" accent4="accent4" accent5="accent5" accent6="accent6" hlink="hlink" folHlink="folHlink"/>
   <p:sldLayoutIdLst>
-    <p:sldLayoutId id="2147484057" r:id="rId1"/>
-    <p:sldLayoutId id="2147484058" r:id="rId2"/>
-    <p:sldLayoutId id="2147484059" r:id="rId3"/>
-    <p:sldLayoutId id="2147484060" r:id="rId4"/>
-    <p:sldLayoutId id="2147484061" r:id="rId5"/>
-    <p:sldLayoutId id="2147484062" r:id="rId6"/>
-    <p:sldLayoutId id="2147484063" r:id="rId7"/>
-    <p:sldLayoutId id="2147484064" r:id="rId8"/>
-    <p:sldLayoutId id="2147484065" r:id="rId9"/>
-    <p:sldLayoutId id="2147484066" r:id="rId10"/>
-    <p:sldLayoutId id="2147484067" r:id="rId11"/>
+    <p:sldLayoutId id="2147484069" r:id="rId1"/>
+    <p:sldLayoutId id="2147484070" r:id="rId2"/>
+    <p:sldLayoutId id="2147484071" r:id="rId3"/>
+    <p:sldLayoutId id="2147484072" r:id="rId4"/>
+    <p:sldLayoutId id="2147484073" r:id="rId5"/>
+    <p:sldLayoutId id="2147484074" r:id="rId6"/>
+    <p:sldLayoutId id="2147484075" r:id="rId7"/>
+    <p:sldLayoutId id="2147484076" r:id="rId8"/>
+    <p:sldLayoutId id="2147484077" r:id="rId9"/>
+    <p:sldLayoutId id="2147484078" r:id="rId10"/>
+    <p:sldLayoutId id="2147484079" r:id="rId11"/>
   </p:sldLayoutIdLst>
   <p:txStyles>
     <p:titleStyle>
-      <a:lvl1pPr algn="l" defTabSz="374995" rtl="0" eaLnBrk="1" latinLnBrk="0" hangingPunct="1">
+      <a:lvl1pPr algn="l" defTabSz="402245" rtl="0" eaLnBrk="1" latinLnBrk="0" hangingPunct="1">
         <a:lnSpc>
           <a:spcPct val="90000"/>
         </a:lnSpc>
@@ -3123,7 +3123,7 @@
           <a:spcPct val="0"/>
         </a:spcBef>
         <a:buNone/>
-        <a:defRPr sz="1804" kern="1200">
+        <a:defRPr sz="1936" kern="1200">
           <a:solidFill>
             <a:schemeClr val="tx1"/>
           </a:solidFill>
@@ -3134,16 +3134,16 @@
       </a:lvl1pPr>
     </p:titleStyle>
     <p:bodyStyle>
-      <a:lvl1pPr marL="93749" indent="-93749" algn="l" defTabSz="374995" rtl="0" eaLnBrk="1" latinLnBrk="0" hangingPunct="1">
+      <a:lvl1pPr marL="100561" indent="-100561" algn="l" defTabSz="402245" rtl="0" eaLnBrk="1" latinLnBrk="0" hangingPunct="1">
         <a:lnSpc>
           <a:spcPct val="90000"/>
         </a:lnSpc>
         <a:spcBef>
-          <a:spcPts val="410"/>
+          <a:spcPts val="440"/>
         </a:spcBef>
         <a:buFont typeface="Arial" panose="020B0604020202020204" pitchFamily="34" charset="0"/>
         <a:buChar char="•"/>
-        <a:defRPr sz="1148" kern="1200">
+        <a:defRPr sz="1232" kern="1200">
           <a:solidFill>
             <a:schemeClr val="tx1"/>
           </a:solidFill>
@@ -3152,16 +3152,16 @@
           <a:cs typeface="+mn-cs"/>
         </a:defRPr>
       </a:lvl1pPr>
-      <a:lvl2pPr marL="281247" indent="-93749" algn="l" defTabSz="374995" rtl="0" eaLnBrk="1" latinLnBrk="0" hangingPunct="1">
+      <a:lvl2pPr marL="301683" indent="-100561" algn="l" defTabSz="402245" rtl="0" eaLnBrk="1" latinLnBrk="0" hangingPunct="1">
         <a:lnSpc>
           <a:spcPct val="90000"/>
         </a:lnSpc>
         <a:spcBef>
-          <a:spcPts val="205"/>
+          <a:spcPts val="220"/>
         </a:spcBef>
         <a:buFont typeface="Arial" panose="020B0604020202020204" pitchFamily="34" charset="0"/>
         <a:buChar char="•"/>
-        <a:defRPr sz="984" kern="1200">
+        <a:defRPr sz="1056" kern="1200">
           <a:solidFill>
             <a:schemeClr val="tx1"/>
           </a:solidFill>
@@ -3170,16 +3170,16 @@
           <a:cs typeface="+mn-cs"/>
         </a:defRPr>
       </a:lvl2pPr>
-      <a:lvl3pPr marL="468744" indent="-93749" algn="l" defTabSz="374995" rtl="0" eaLnBrk="1" latinLnBrk="0" hangingPunct="1">
+      <a:lvl3pPr marL="502806" indent="-100561" algn="l" defTabSz="402245" rtl="0" eaLnBrk="1" latinLnBrk="0" hangingPunct="1">
         <a:lnSpc>
           <a:spcPct val="90000"/>
         </a:lnSpc>
         <a:spcBef>
-          <a:spcPts val="205"/>
+          <a:spcPts val="220"/>
         </a:spcBef>
         <a:buFont typeface="Arial" panose="020B0604020202020204" pitchFamily="34" charset="0"/>
         <a:buChar char="•"/>
-        <a:defRPr sz="820" kern="1200">
+        <a:defRPr sz="880" kern="1200">
           <a:solidFill>
             <a:schemeClr val="tx1"/>
           </a:solidFill>
@@ -3188,16 +3188,16 @@
           <a:cs typeface="+mn-cs"/>
         </a:defRPr>
       </a:lvl3pPr>
-      <a:lvl4pPr marL="656242" indent="-93749" algn="l" defTabSz="374995" rtl="0" eaLnBrk="1" latinLnBrk="0" hangingPunct="1">
+      <a:lvl4pPr marL="703928" indent="-100561" algn="l" defTabSz="402245" rtl="0" eaLnBrk="1" latinLnBrk="0" hangingPunct="1">
         <a:lnSpc>
           <a:spcPct val="90000"/>
         </a:lnSpc>
         <a:spcBef>
-          <a:spcPts val="205"/>
+          <a:spcPts val="220"/>
         </a:spcBef>
         <a:buFont typeface="Arial" panose="020B0604020202020204" pitchFamily="34" charset="0"/>
         <a:buChar char="•"/>
-        <a:defRPr sz="738" kern="1200">
+        <a:defRPr sz="792" kern="1200">
           <a:solidFill>
             <a:schemeClr val="tx1"/>
           </a:solidFill>
@@ -3206,16 +3206,16 @@
           <a:cs typeface="+mn-cs"/>
         </a:defRPr>
       </a:lvl4pPr>
-      <a:lvl5pPr marL="843740" indent="-93749" algn="l" defTabSz="374995" rtl="0" eaLnBrk="1" latinLnBrk="0" hangingPunct="1">
+      <a:lvl5pPr marL="905050" indent="-100561" algn="l" defTabSz="402245" rtl="0" eaLnBrk="1" latinLnBrk="0" hangingPunct="1">
         <a:lnSpc>
           <a:spcPct val="90000"/>
         </a:lnSpc>
         <a:spcBef>
-          <a:spcPts val="205"/>
+          <a:spcPts val="220"/>
         </a:spcBef>
         <a:buFont typeface="Arial" panose="020B0604020202020204" pitchFamily="34" charset="0"/>
         <a:buChar char="•"/>
-        <a:defRPr sz="738" kern="1200">
+        <a:defRPr sz="792" kern="1200">
           <a:solidFill>
             <a:schemeClr val="tx1"/>
           </a:solidFill>
@@ -3224,16 +3224,16 @@
           <a:cs typeface="+mn-cs"/>
         </a:defRPr>
       </a:lvl5pPr>
-      <a:lvl6pPr marL="1031237" indent="-93749" algn="l" defTabSz="374995" rtl="0" eaLnBrk="1" latinLnBrk="0" hangingPunct="1">
+      <a:lvl6pPr marL="1106173" indent="-100561" algn="l" defTabSz="402245" rtl="0" eaLnBrk="1" latinLnBrk="0" hangingPunct="1">
         <a:lnSpc>
           <a:spcPct val="90000"/>
         </a:lnSpc>
         <a:spcBef>
-          <a:spcPts val="205"/>
+          <a:spcPts val="220"/>
         </a:spcBef>
         <a:buFont typeface="Arial" panose="020B0604020202020204" pitchFamily="34" charset="0"/>
         <a:buChar char="•"/>
-        <a:defRPr sz="738" kern="1200">
+        <a:defRPr sz="792" kern="1200">
           <a:solidFill>
             <a:schemeClr val="tx1"/>
           </a:solidFill>
@@ -3242,16 +3242,16 @@
           <a:cs typeface="+mn-cs"/>
         </a:defRPr>
       </a:lvl6pPr>
-      <a:lvl7pPr marL="1218735" indent="-93749" algn="l" defTabSz="374995" rtl="0" eaLnBrk="1" latinLnBrk="0" hangingPunct="1">
+      <a:lvl7pPr marL="1307295" indent="-100561" algn="l" defTabSz="402245" rtl="0" eaLnBrk="1" latinLnBrk="0" hangingPunct="1">
         <a:lnSpc>
           <a:spcPct val="90000"/>
         </a:lnSpc>
         <a:spcBef>
-          <a:spcPts val="205"/>
+          <a:spcPts val="220"/>
         </a:spcBef>
         <a:buFont typeface="Arial" panose="020B0604020202020204" pitchFamily="34" charset="0"/>
         <a:buChar char="•"/>
-        <a:defRPr sz="738" kern="1200">
+        <a:defRPr sz="792" kern="1200">
           <a:solidFill>
             <a:schemeClr val="tx1"/>
           </a:solidFill>
@@ -3260,16 +3260,16 @@
           <a:cs typeface="+mn-cs"/>
         </a:defRPr>
       </a:lvl7pPr>
-      <a:lvl8pPr marL="1406233" indent="-93749" algn="l" defTabSz="374995" rtl="0" eaLnBrk="1" latinLnBrk="0" hangingPunct="1">
+      <a:lvl8pPr marL="1508417" indent="-100561" algn="l" defTabSz="402245" rtl="0" eaLnBrk="1" latinLnBrk="0" hangingPunct="1">
         <a:lnSpc>
           <a:spcPct val="90000"/>
         </a:lnSpc>
         <a:spcBef>
-          <a:spcPts val="205"/>
+          <a:spcPts val="220"/>
         </a:spcBef>
         <a:buFont typeface="Arial" panose="020B0604020202020204" pitchFamily="34" charset="0"/>
         <a:buChar char="•"/>
-        <a:defRPr sz="738" kern="1200">
+        <a:defRPr sz="792" kern="1200">
           <a:solidFill>
             <a:schemeClr val="tx1"/>
           </a:solidFill>
@@ -3278,16 +3278,16 @@
           <a:cs typeface="+mn-cs"/>
         </a:defRPr>
       </a:lvl8pPr>
-      <a:lvl9pPr marL="1593731" indent="-93749" algn="l" defTabSz="374995" rtl="0" eaLnBrk="1" latinLnBrk="0" hangingPunct="1">
+      <a:lvl9pPr marL="1709539" indent="-100561" algn="l" defTabSz="402245" rtl="0" eaLnBrk="1" latinLnBrk="0" hangingPunct="1">
         <a:lnSpc>
           <a:spcPct val="90000"/>
         </a:lnSpc>
         <a:spcBef>
-          <a:spcPts val="205"/>
+          <a:spcPts val="220"/>
         </a:spcBef>
         <a:buFont typeface="Arial" panose="020B0604020202020204" pitchFamily="34" charset="0"/>
         <a:buChar char="•"/>
-        <a:defRPr sz="738" kern="1200">
+        <a:defRPr sz="792" kern="1200">
           <a:solidFill>
             <a:schemeClr val="tx1"/>
           </a:solidFill>
@@ -3301,8 +3301,8 @@
       <a:defPPr>
         <a:defRPr lang="en-US"/>
       </a:defPPr>
-      <a:lvl1pPr marL="0" algn="l" defTabSz="374995" rtl="0" eaLnBrk="1" latinLnBrk="0" hangingPunct="1">
-        <a:defRPr sz="738" kern="1200">
+      <a:lvl1pPr marL="0" algn="l" defTabSz="402245" rtl="0" eaLnBrk="1" latinLnBrk="0" hangingPunct="1">
+        <a:defRPr sz="792" kern="1200">
           <a:solidFill>
             <a:schemeClr val="tx1"/>
           </a:solidFill>
@@ -3311,8 +3311,8 @@
           <a:cs typeface="+mn-cs"/>
         </a:defRPr>
       </a:lvl1pPr>
-      <a:lvl2pPr marL="187498" algn="l" defTabSz="374995" rtl="0" eaLnBrk="1" latinLnBrk="0" hangingPunct="1">
-        <a:defRPr sz="738" kern="1200">
+      <a:lvl2pPr marL="201122" algn="l" defTabSz="402245" rtl="0" eaLnBrk="1" latinLnBrk="0" hangingPunct="1">
+        <a:defRPr sz="792" kern="1200">
           <a:solidFill>
             <a:schemeClr val="tx1"/>
           </a:solidFill>
@@ -3321,8 +3321,8 @@
           <a:cs typeface="+mn-cs"/>
         </a:defRPr>
       </a:lvl2pPr>
-      <a:lvl3pPr marL="374995" algn="l" defTabSz="374995" rtl="0" eaLnBrk="1" latinLnBrk="0" hangingPunct="1">
-        <a:defRPr sz="738" kern="1200">
+      <a:lvl3pPr marL="402245" algn="l" defTabSz="402245" rtl="0" eaLnBrk="1" latinLnBrk="0" hangingPunct="1">
+        <a:defRPr sz="792" kern="1200">
           <a:solidFill>
             <a:schemeClr val="tx1"/>
           </a:solidFill>
@@ -3331,8 +3331,8 @@
           <a:cs typeface="+mn-cs"/>
         </a:defRPr>
       </a:lvl3pPr>
-      <a:lvl4pPr marL="562493" algn="l" defTabSz="374995" rtl="0" eaLnBrk="1" latinLnBrk="0" hangingPunct="1">
-        <a:defRPr sz="738" kern="1200">
+      <a:lvl4pPr marL="603367" algn="l" defTabSz="402245" rtl="0" eaLnBrk="1" latinLnBrk="0" hangingPunct="1">
+        <a:defRPr sz="792" kern="1200">
           <a:solidFill>
             <a:schemeClr val="tx1"/>
           </a:solidFill>
@@ -3341,8 +3341,8 @@
           <a:cs typeface="+mn-cs"/>
         </a:defRPr>
       </a:lvl4pPr>
-      <a:lvl5pPr marL="749991" algn="l" defTabSz="374995" rtl="0" eaLnBrk="1" latinLnBrk="0" hangingPunct="1">
-        <a:defRPr sz="738" kern="1200">
+      <a:lvl5pPr marL="804489" algn="l" defTabSz="402245" rtl="0" eaLnBrk="1" latinLnBrk="0" hangingPunct="1">
+        <a:defRPr sz="792" kern="1200">
           <a:solidFill>
             <a:schemeClr val="tx1"/>
           </a:solidFill>
@@ -3351,8 +3351,8 @@
           <a:cs typeface="+mn-cs"/>
         </a:defRPr>
       </a:lvl5pPr>
-      <a:lvl6pPr marL="937489" algn="l" defTabSz="374995" rtl="0" eaLnBrk="1" latinLnBrk="0" hangingPunct="1">
-        <a:defRPr sz="738" kern="1200">
+      <a:lvl6pPr marL="1005611" algn="l" defTabSz="402245" rtl="0" eaLnBrk="1" latinLnBrk="0" hangingPunct="1">
+        <a:defRPr sz="792" kern="1200">
           <a:solidFill>
             <a:schemeClr val="tx1"/>
           </a:solidFill>
@@ -3361,8 +3361,8 @@
           <a:cs typeface="+mn-cs"/>
         </a:defRPr>
       </a:lvl6pPr>
-      <a:lvl7pPr marL="1124986" algn="l" defTabSz="374995" rtl="0" eaLnBrk="1" latinLnBrk="0" hangingPunct="1">
-        <a:defRPr sz="738" kern="1200">
+      <a:lvl7pPr marL="1206734" algn="l" defTabSz="402245" rtl="0" eaLnBrk="1" latinLnBrk="0" hangingPunct="1">
+        <a:defRPr sz="792" kern="1200">
           <a:solidFill>
             <a:schemeClr val="tx1"/>
           </a:solidFill>
@@ -3371,8 +3371,8 @@
           <a:cs typeface="+mn-cs"/>
         </a:defRPr>
       </a:lvl7pPr>
-      <a:lvl8pPr marL="1312484" algn="l" defTabSz="374995" rtl="0" eaLnBrk="1" latinLnBrk="0" hangingPunct="1">
-        <a:defRPr sz="738" kern="1200">
+      <a:lvl8pPr marL="1407856" algn="l" defTabSz="402245" rtl="0" eaLnBrk="1" latinLnBrk="0" hangingPunct="1">
+        <a:defRPr sz="792" kern="1200">
           <a:solidFill>
             <a:schemeClr val="tx1"/>
           </a:solidFill>
@@ -3381,8 +3381,8 @@
           <a:cs typeface="+mn-cs"/>
         </a:defRPr>
       </a:lvl8pPr>
-      <a:lvl9pPr marL="1499982" algn="l" defTabSz="374995" rtl="0" eaLnBrk="1" latinLnBrk="0" hangingPunct="1">
-        <a:defRPr sz="738" kern="1200">
+      <a:lvl9pPr marL="1608978" algn="l" defTabSz="402245" rtl="0" eaLnBrk="1" latinLnBrk="0" hangingPunct="1">
+        <a:defRPr sz="792" kern="1200">
           <a:solidFill>
             <a:schemeClr val="tx1"/>
           </a:solidFill>
@@ -3413,769 +3413,798 @@
           <a:chExt cx="0" cy="0"/>
         </a:xfrm>
       </p:grpSpPr>
+      <p:pic>
+        <p:nvPicPr>
+          <p:cNvPr id="6" name="Picture 5"/>
+          <p:cNvPicPr>
+            <a:picLocks noChangeAspect="1"/>
+          </p:cNvPicPr>
+          <p:nvPr/>
+        </p:nvPicPr>
+        <p:blipFill rotWithShape="1">
+          <a:blip r:embed="rId3" cstate="print">
+            <a:extLst>
+              <a:ext uri="{28A0092B-C50C-407E-A947-70E740481C1C}">
+                <a14:useLocalDpi xmlns:a14="http://schemas.microsoft.com/office/drawing/2010/main" val="0"/>
+              </a:ext>
+            </a:extLst>
+          </a:blip>
+          <a:srcRect l="18290" t="4261" r="16641" b="5314"/>
+          <a:stretch/>
+        </p:blipFill>
+        <p:spPr>
+          <a:xfrm>
+            <a:off x="205718" y="-6921"/>
+            <a:ext cx="3756452" cy="2965583"/>
+          </a:xfrm>
+          <a:prstGeom prst="rect">
+            <a:avLst/>
+          </a:prstGeom>
+        </p:spPr>
+      </p:pic>
+      <p:sp>
+        <p:nvSpPr>
+          <p:cNvPr id="19" name="TextBox 18"/>
+          <p:cNvSpPr txBox="1"/>
+          <p:nvPr/>
+        </p:nvSpPr>
+        <p:spPr>
+          <a:xfrm>
+            <a:off x="671770" y="2265514"/>
+            <a:ext cx="1075182" cy="504177"/>
+          </a:xfrm>
+          <a:prstGeom prst="rect">
+            <a:avLst/>
+          </a:prstGeom>
+          <a:noFill/>
+        </p:spPr>
+        <p:txBody>
+          <a:bodyPr wrap="square" rtlCol="0">
+            <a:spAutoFit/>
+          </a:bodyPr>
+          <a:lstStyle/>
+          <a:p>
+            <a:pPr algn="ctr"/>
+            <a:r>
+              <a:rPr lang="en-US" sz="892" dirty="0"/>
+              <a:t>Goal location(with and without platform)</a:t>
+            </a:r>
+          </a:p>
+        </p:txBody>
+      </p:sp>
+      <p:cxnSp>
+        <p:nvCxnSpPr>
+          <p:cNvPr id="21" name="Straight Arrow Connector 20"/>
+          <p:cNvCxnSpPr/>
+          <p:nvPr/>
+        </p:nvCxnSpPr>
+        <p:spPr>
+          <a:xfrm flipV="1">
+            <a:off x="1087181" y="1815155"/>
+            <a:ext cx="793735" cy="523422"/>
+          </a:xfrm>
+          <a:prstGeom prst="straightConnector1">
+            <a:avLst/>
+          </a:prstGeom>
+          <a:ln>
+            <a:solidFill>
+              <a:schemeClr val="tx1"/>
+            </a:solidFill>
+            <a:tailEnd type="triangle"/>
+          </a:ln>
+        </p:spPr>
+        <p:style>
+          <a:lnRef idx="1">
+            <a:schemeClr val="accent1"/>
+          </a:lnRef>
+          <a:fillRef idx="0">
+            <a:schemeClr val="accent1"/>
+          </a:fillRef>
+          <a:effectRef idx="0">
+            <a:schemeClr val="accent1"/>
+          </a:effectRef>
+          <a:fontRef idx="minor">
+            <a:schemeClr val="tx1"/>
+          </a:fontRef>
+        </p:style>
+      </p:cxnSp>
+      <p:sp>
+        <p:nvSpPr>
+          <p:cNvPr id="24" name="TextBox 23"/>
+          <p:cNvSpPr txBox="1"/>
+          <p:nvPr/>
+        </p:nvSpPr>
+        <p:spPr>
+          <a:xfrm>
+            <a:off x="493931" y="246835"/>
+            <a:ext cx="1420678" cy="229615"/>
+          </a:xfrm>
+          <a:prstGeom prst="rect">
+            <a:avLst/>
+          </a:prstGeom>
+          <a:noFill/>
+        </p:spPr>
+        <p:txBody>
+          <a:bodyPr wrap="square" rtlCol="0">
+            <a:spAutoFit/>
+          </a:bodyPr>
+          <a:lstStyle/>
+          <a:p>
+            <a:pPr algn="ctr"/>
+            <a:r>
+              <a:rPr lang="en-US" sz="892" dirty="0"/>
+              <a:t>Mean (without platform)</a:t>
+            </a:r>
+          </a:p>
+        </p:txBody>
+      </p:sp>
+      <p:sp>
+        <p:nvSpPr>
+          <p:cNvPr id="25" name="TextBox 24"/>
+          <p:cNvSpPr txBox="1"/>
+          <p:nvPr/>
+        </p:nvSpPr>
+        <p:spPr>
+          <a:xfrm>
+            <a:off x="1746951" y="245291"/>
+            <a:ext cx="1420678" cy="229615"/>
+          </a:xfrm>
+          <a:prstGeom prst="rect">
+            <a:avLst/>
+          </a:prstGeom>
+          <a:noFill/>
+        </p:spPr>
+        <p:txBody>
+          <a:bodyPr wrap="square" rtlCol="0">
+            <a:spAutoFit/>
+          </a:bodyPr>
+          <a:lstStyle/>
+          <a:p>
+            <a:pPr algn="ctr"/>
+            <a:r>
+              <a:rPr lang="en-US" sz="892" dirty="0"/>
+              <a:t>Mean (with platform)</a:t>
+            </a:r>
+          </a:p>
+        </p:txBody>
+      </p:sp>
+      <p:cxnSp>
+        <p:nvCxnSpPr>
+          <p:cNvPr id="26" name="Straight Arrow Connector 25"/>
+          <p:cNvCxnSpPr/>
+          <p:nvPr/>
+        </p:nvCxnSpPr>
+        <p:spPr>
+          <a:xfrm>
+            <a:off x="1399088" y="415525"/>
+            <a:ext cx="597798" cy="1122578"/>
+          </a:xfrm>
+          <a:prstGeom prst="straightConnector1">
+            <a:avLst/>
+          </a:prstGeom>
+          <a:ln>
+            <a:solidFill>
+              <a:schemeClr val="tx1"/>
+            </a:solidFill>
+            <a:tailEnd type="triangle"/>
+          </a:ln>
+        </p:spPr>
+        <p:style>
+          <a:lnRef idx="1">
+            <a:schemeClr val="accent1"/>
+          </a:lnRef>
+          <a:fillRef idx="0">
+            <a:schemeClr val="accent1"/>
+          </a:fillRef>
+          <a:effectRef idx="0">
+            <a:schemeClr val="accent1"/>
+          </a:effectRef>
+          <a:fontRef idx="minor">
+            <a:schemeClr val="tx1"/>
+          </a:fontRef>
+        </p:style>
+      </p:cxnSp>
+      <p:cxnSp>
+        <p:nvCxnSpPr>
+          <p:cNvPr id="27" name="Straight Arrow Connector 26"/>
+          <p:cNvCxnSpPr/>
+          <p:nvPr/>
+        </p:nvCxnSpPr>
+        <p:spPr>
+          <a:xfrm flipH="1">
+            <a:off x="2125767" y="420333"/>
+            <a:ext cx="144535" cy="934685"/>
+          </a:xfrm>
+          <a:prstGeom prst="straightConnector1">
+            <a:avLst/>
+          </a:prstGeom>
+          <a:ln>
+            <a:solidFill>
+              <a:schemeClr val="tx1"/>
+            </a:solidFill>
+            <a:tailEnd type="triangle"/>
+          </a:ln>
+        </p:spPr>
+        <p:style>
+          <a:lnRef idx="1">
+            <a:schemeClr val="accent1"/>
+          </a:lnRef>
+          <a:fillRef idx="0">
+            <a:schemeClr val="accent1"/>
+          </a:fillRef>
+          <a:effectRef idx="0">
+            <a:schemeClr val="accent1"/>
+          </a:effectRef>
+          <a:fontRef idx="minor">
+            <a:schemeClr val="tx1"/>
+          </a:fontRef>
+        </p:style>
+      </p:cxnSp>
+      <p:sp>
+        <p:nvSpPr>
+          <p:cNvPr id="33" name="TextBox 32"/>
+          <p:cNvSpPr txBox="1"/>
+          <p:nvPr/>
+        </p:nvSpPr>
+        <p:spPr>
+          <a:xfrm>
+            <a:off x="2690556" y="135055"/>
+            <a:ext cx="1420678" cy="366895"/>
+          </a:xfrm>
+          <a:prstGeom prst="rect">
+            <a:avLst/>
+          </a:prstGeom>
+          <a:noFill/>
+        </p:spPr>
+        <p:txBody>
+          <a:bodyPr wrap="square" rtlCol="0">
+            <a:spAutoFit/>
+          </a:bodyPr>
+          <a:lstStyle/>
+          <a:p>
+            <a:pPr algn="ctr"/>
+            <a:r>
+              <a:rPr lang="en-US" sz="892" dirty="0"/>
+              <a:t>Landing locations</a:t>
+            </a:r>
+          </a:p>
+          <a:p>
+            <a:pPr algn="ctr"/>
+            <a:r>
+              <a:rPr lang="en-US" sz="892" dirty="0"/>
+              <a:t> (with platform)</a:t>
+            </a:r>
+          </a:p>
+        </p:txBody>
+      </p:sp>
+      <p:sp>
+        <p:nvSpPr>
+          <p:cNvPr id="34" name="TextBox 33"/>
+          <p:cNvSpPr txBox="1"/>
+          <p:nvPr/>
+        </p:nvSpPr>
+        <p:spPr>
+          <a:xfrm>
+            <a:off x="278080" y="438951"/>
+            <a:ext cx="1420678" cy="366895"/>
+          </a:xfrm>
+          <a:prstGeom prst="rect">
+            <a:avLst/>
+          </a:prstGeom>
+          <a:noFill/>
+        </p:spPr>
+        <p:txBody>
+          <a:bodyPr wrap="square" rtlCol="0">
+            <a:spAutoFit/>
+          </a:bodyPr>
+          <a:lstStyle/>
+          <a:p>
+            <a:pPr algn="ctr"/>
+            <a:r>
+              <a:rPr lang="en-US" sz="892" dirty="0"/>
+              <a:t>Landing locations</a:t>
+            </a:r>
+          </a:p>
+          <a:p>
+            <a:pPr algn="ctr"/>
+            <a:r>
+              <a:rPr lang="en-US" sz="892" dirty="0"/>
+              <a:t> (without platform)</a:t>
+            </a:r>
+          </a:p>
+        </p:txBody>
+      </p:sp>
+      <p:cxnSp>
+        <p:nvCxnSpPr>
+          <p:cNvPr id="35" name="Straight Arrow Connector 34"/>
+          <p:cNvCxnSpPr/>
+          <p:nvPr/>
+        </p:nvCxnSpPr>
+        <p:spPr>
+          <a:xfrm>
+            <a:off x="1087181" y="749452"/>
+            <a:ext cx="726679" cy="389774"/>
+          </a:xfrm>
+          <a:prstGeom prst="straightConnector1">
+            <a:avLst/>
+          </a:prstGeom>
+          <a:ln>
+            <a:solidFill>
+              <a:schemeClr val="tx1"/>
+            </a:solidFill>
+            <a:tailEnd type="triangle"/>
+          </a:ln>
+        </p:spPr>
+        <p:style>
+          <a:lnRef idx="1">
+            <a:schemeClr val="accent1"/>
+          </a:lnRef>
+          <a:fillRef idx="0">
+            <a:schemeClr val="accent1"/>
+          </a:fillRef>
+          <a:effectRef idx="0">
+            <a:schemeClr val="accent1"/>
+          </a:effectRef>
+          <a:fontRef idx="minor">
+            <a:schemeClr val="tx1"/>
+          </a:fontRef>
+        </p:style>
+      </p:cxnSp>
+      <p:cxnSp>
+        <p:nvCxnSpPr>
+          <p:cNvPr id="37" name="Straight Arrow Connector 36"/>
+          <p:cNvCxnSpPr/>
+          <p:nvPr/>
+        </p:nvCxnSpPr>
+        <p:spPr>
+          <a:xfrm flipH="1">
+            <a:off x="3176579" y="432143"/>
+            <a:ext cx="257343" cy="269263"/>
+          </a:xfrm>
+          <a:prstGeom prst="straightConnector1">
+            <a:avLst/>
+          </a:prstGeom>
+          <a:ln>
+            <a:solidFill>
+              <a:schemeClr val="tx1"/>
+            </a:solidFill>
+            <a:tailEnd type="triangle"/>
+          </a:ln>
+        </p:spPr>
+        <p:style>
+          <a:lnRef idx="1">
+            <a:schemeClr val="accent1"/>
+          </a:lnRef>
+          <a:fillRef idx="0">
+            <a:schemeClr val="accent1"/>
+          </a:fillRef>
+          <a:effectRef idx="0">
+            <a:schemeClr val="accent1"/>
+          </a:effectRef>
+          <a:fontRef idx="minor">
+            <a:schemeClr val="tx1"/>
+          </a:fontRef>
+        </p:style>
+      </p:cxnSp>
       <p:grpSp>
         <p:nvGrpSpPr>
-          <p:cNvPr id="50" name="Group 49"/>
+          <p:cNvPr id="45" name="Group 44"/>
           <p:cNvGrpSpPr/>
           <p:nvPr/>
         </p:nvGrpSpPr>
         <p:grpSpPr>
           <a:xfrm>
-            <a:off x="-37378" y="-90853"/>
-            <a:ext cx="3874968" cy="3660195"/>
-            <a:chOff x="-37378" y="-90853"/>
-            <a:chExt cx="3874968" cy="3660195"/>
+            <a:off x="300310" y="3185162"/>
+            <a:ext cx="3657317" cy="664380"/>
+            <a:chOff x="-191197" y="206896"/>
+            <a:chExt cx="3657317" cy="664380"/>
           </a:xfrm>
         </p:grpSpPr>
+        <p:sp>
+          <p:nvSpPr>
+            <p:cNvPr id="39" name="TextBox 38"/>
+            <p:cNvSpPr txBox="1"/>
+            <p:nvPr/>
+          </p:nvSpPr>
+          <p:spPr>
+            <a:xfrm>
+              <a:off x="-100801" y="369166"/>
+              <a:ext cx="1718660" cy="366895"/>
+            </a:xfrm>
+            <a:prstGeom prst="rect">
+              <a:avLst/>
+            </a:prstGeom>
+            <a:noFill/>
+          </p:spPr>
+          <p:txBody>
+            <a:bodyPr wrap="square" rtlCol="0">
+              <a:spAutoFit/>
+            </a:bodyPr>
+            <a:lstStyle/>
+            <a:p>
+              <a:r>
+                <a:rPr lang="en-US" sz="892" dirty="0"/>
+                <a:t>1</a:t>
+              </a:r>
+              <a:r>
+                <a:rPr lang="en-US" sz="892" baseline="30000" dirty="0"/>
+                <a:t>st</a:t>
+              </a:r>
+              <a:r>
+                <a:rPr lang="en-US" sz="892" dirty="0"/>
+                <a:t> </a:t>
+              </a:r>
+              <a:r>
+                <a:rPr lang="en-US" sz="892" dirty="0" smtClean="0"/>
+                <a:t>S.D. </a:t>
+              </a:r>
+              <a:r>
+                <a:rPr lang="en-US" sz="892" dirty="0"/>
+                <a:t>ellipse (without platform)</a:t>
+              </a:r>
+            </a:p>
+            <a:p>
+              <a:endParaRPr lang="en-US" sz="892" dirty="0"/>
+            </a:p>
+          </p:txBody>
+        </p:sp>
+        <p:sp>
+          <p:nvSpPr>
+            <p:cNvPr id="40" name="TextBox 39"/>
+            <p:cNvSpPr txBox="1"/>
+            <p:nvPr/>
+          </p:nvSpPr>
+          <p:spPr>
+            <a:xfrm>
+              <a:off x="1592437" y="367099"/>
+              <a:ext cx="1873683" cy="504177"/>
+            </a:xfrm>
+            <a:prstGeom prst="rect">
+              <a:avLst/>
+            </a:prstGeom>
+            <a:noFill/>
+          </p:spPr>
+          <p:txBody>
+            <a:bodyPr wrap="square" rtlCol="0">
+              <a:spAutoFit/>
+            </a:bodyPr>
+            <a:lstStyle/>
+            <a:p>
+              <a:r>
+                <a:rPr lang="en-US" sz="892" dirty="0" smtClean="0"/>
+                <a:t>  2</a:t>
+              </a:r>
+              <a:r>
+                <a:rPr lang="en-US" sz="892" baseline="30000" dirty="0" smtClean="0"/>
+                <a:t>nd</a:t>
+              </a:r>
+              <a:r>
+                <a:rPr lang="en-US" sz="892" dirty="0" smtClean="0"/>
+                <a:t> S.D. </a:t>
+              </a:r>
+              <a:r>
+                <a:rPr lang="en-US" sz="892" dirty="0"/>
+                <a:t>ellipse (without platform)</a:t>
+              </a:r>
+            </a:p>
+            <a:p>
+              <a:endParaRPr lang="en-US" sz="892" dirty="0"/>
+            </a:p>
+            <a:p>
+              <a:endParaRPr lang="en-US" sz="892" dirty="0"/>
+            </a:p>
+          </p:txBody>
+        </p:sp>
         <p:grpSp>
           <p:nvGrpSpPr>
-            <p:cNvPr id="46" name="Group 45"/>
+            <p:cNvPr id="43" name="Group 42"/>
             <p:cNvGrpSpPr/>
             <p:nvPr/>
           </p:nvGrpSpPr>
           <p:grpSpPr>
             <a:xfrm>
-              <a:off x="1726" y="-90853"/>
-              <a:ext cx="3835864" cy="3660195"/>
-              <a:chOff x="24776" y="-1135"/>
-              <a:chExt cx="3835864" cy="3660195"/>
+              <a:off x="-191197" y="206896"/>
+              <a:ext cx="3571890" cy="374869"/>
+              <a:chOff x="-191197" y="206896"/>
+              <a:chExt cx="3571890" cy="374869"/>
             </a:xfrm>
           </p:grpSpPr>
-          <p:grpSp>
-            <p:nvGrpSpPr>
-              <p:cNvPr id="44" name="Group 43"/>
-              <p:cNvGrpSpPr/>
+          <p:cxnSp>
+            <p:nvCxnSpPr>
+              <p:cNvPr id="5" name="Straight Connector 4"/>
+              <p:cNvCxnSpPr/>
               <p:nvPr/>
-            </p:nvGrpSpPr>
-            <p:grpSpPr>
+            </p:nvCxnSpPr>
+            <p:spPr>
               <a:xfrm>
-                <a:off x="24776" y="-1135"/>
-                <a:ext cx="3835864" cy="3017838"/>
-                <a:chOff x="-256361" y="319881"/>
-                <a:chExt cx="3835864" cy="3017838"/>
+                <a:off x="-191197" y="430087"/>
+                <a:ext cx="150687" cy="4073"/>
               </a:xfrm>
-            </p:grpSpPr>
-            <p:pic>
-              <p:nvPicPr>
-                <p:cNvPr id="3" name="Picture 2"/>
-                <p:cNvPicPr>
-                  <a:picLocks noChangeAspect="1"/>
-                </p:cNvPicPr>
-                <p:nvPr/>
-              </p:nvPicPr>
-              <p:blipFill rotWithShape="1">
-                <a:blip r:embed="rId3" cstate="print">
-                  <a:extLst>
-                    <a:ext uri="{28A0092B-C50C-407E-A947-70E740481C1C}">
-                      <a14:useLocalDpi xmlns:a14="http://schemas.microsoft.com/office/drawing/2010/main" val="0"/>
-                    </a:ext>
-                  </a:extLst>
-                </a:blip>
-                <a:srcRect l="21975" r="21930"/>
-                <a:stretch/>
-              </p:blipFill>
-              <p:spPr>
-                <a:xfrm>
-                  <a:off x="-256361" y="319881"/>
-                  <a:ext cx="3698749" cy="3017838"/>
-                </a:xfrm>
-                <a:prstGeom prst="rect">
-                  <a:avLst/>
-                </a:prstGeom>
-              </p:spPr>
-            </p:pic>
-            <p:sp>
-              <p:nvSpPr>
-                <p:cNvPr id="19" name="TextBox 18"/>
-                <p:cNvSpPr txBox="1"/>
-                <p:nvPr/>
-              </p:nvSpPr>
-              <p:spPr>
-                <a:xfrm>
-                  <a:off x="277158" y="2539722"/>
-                  <a:ext cx="1075182" cy="504177"/>
-                </a:xfrm>
-                <a:prstGeom prst="rect">
-                  <a:avLst/>
-                </a:prstGeom>
-                <a:noFill/>
-              </p:spPr>
-              <p:txBody>
-                <a:bodyPr wrap="square" rtlCol="0">
-                  <a:spAutoFit/>
-                </a:bodyPr>
-                <a:lstStyle/>
-                <a:p>
-                  <a:pPr algn="ctr"/>
-                  <a:r>
-                    <a:rPr lang="en-US" sz="892" dirty="0"/>
-                    <a:t>Goal location(with and without platform)</a:t>
-                  </a:r>
-                </a:p>
-              </p:txBody>
-            </p:sp>
-            <p:cxnSp>
-              <p:nvCxnSpPr>
-                <p:cNvPr id="21" name="Straight Arrow Connector 20"/>
-                <p:cNvCxnSpPr/>
-                <p:nvPr/>
-              </p:nvCxnSpPr>
-              <p:spPr>
-                <a:xfrm flipV="1">
-                  <a:off x="692569" y="2095560"/>
-                  <a:ext cx="790094" cy="517226"/>
-                </a:xfrm>
-                <a:prstGeom prst="straightConnector1">
-                  <a:avLst/>
-                </a:prstGeom>
-                <a:ln>
-                  <a:solidFill>
-                    <a:schemeClr val="tx1"/>
-                  </a:solidFill>
-                  <a:tailEnd type="triangle"/>
-                </a:ln>
-              </p:spPr>
-              <p:style>
-                <a:lnRef idx="1">
-                  <a:schemeClr val="accent1"/>
-                </a:lnRef>
-                <a:fillRef idx="0">
-                  <a:schemeClr val="accent1"/>
-                </a:fillRef>
-                <a:effectRef idx="0">
-                  <a:schemeClr val="accent1"/>
-                </a:effectRef>
-                <a:fontRef idx="minor">
+              <a:prstGeom prst="line">
+                <a:avLst/>
+              </a:prstGeom>
+              <a:ln w="12700">
+                <a:solidFill>
+                  <a:srgbClr val="990000"/>
+                </a:solidFill>
+              </a:ln>
+            </p:spPr>
+            <p:style>
+              <a:lnRef idx="1">
+                <a:schemeClr val="accent1"/>
+              </a:lnRef>
+              <a:fillRef idx="0">
+                <a:schemeClr val="accent1"/>
+              </a:fillRef>
+              <a:effectRef idx="0">
+                <a:schemeClr val="accent1"/>
+              </a:effectRef>
+              <a:fontRef idx="minor">
+                <a:schemeClr val="tx1"/>
+              </a:fontRef>
+            </p:style>
+          </p:cxnSp>
+          <p:cxnSp>
+            <p:nvCxnSpPr>
+              <p:cNvPr id="8" name="Straight Connector 7"/>
+              <p:cNvCxnSpPr/>
+              <p:nvPr/>
+            </p:nvCxnSpPr>
+            <p:spPr>
+              <a:xfrm>
+                <a:off x="1526827" y="430087"/>
+                <a:ext cx="150687" cy="4073"/>
+              </a:xfrm>
+              <a:prstGeom prst="line">
+                <a:avLst/>
+              </a:prstGeom>
+              <a:ln w="12700">
+                <a:solidFill>
+                  <a:srgbClr val="0000FF"/>
+                </a:solidFill>
+              </a:ln>
+            </p:spPr>
+            <p:style>
+              <a:lnRef idx="1">
+                <a:schemeClr val="accent1"/>
+              </a:lnRef>
+              <a:fillRef idx="0">
+                <a:schemeClr val="accent1"/>
+              </a:fillRef>
+              <a:effectRef idx="0">
+                <a:schemeClr val="accent1"/>
+              </a:effectRef>
+              <a:fontRef idx="minor">
+                <a:schemeClr val="tx1"/>
+              </a:fontRef>
+            </p:style>
+          </p:cxnSp>
+          <p:cxnSp>
+            <p:nvCxnSpPr>
+              <p:cNvPr id="9" name="Straight Connector 8"/>
+              <p:cNvCxnSpPr/>
+              <p:nvPr/>
+            </p:nvCxnSpPr>
+            <p:spPr>
+              <a:xfrm>
+                <a:off x="-191197" y="319881"/>
+                <a:ext cx="150687" cy="4073"/>
+              </a:xfrm>
+              <a:prstGeom prst="line">
+                <a:avLst/>
+              </a:prstGeom>
+              <a:ln w="12700">
+                <a:solidFill>
                   <a:schemeClr val="tx1"/>
-                </a:fontRef>
-              </p:style>
-            </p:cxnSp>
-            <p:sp>
-              <p:nvSpPr>
-                <p:cNvPr id="24" name="TextBox 23"/>
-                <p:cNvSpPr txBox="1"/>
-                <p:nvPr/>
-              </p:nvSpPr>
-              <p:spPr>
-                <a:xfrm>
-                  <a:off x="99319" y="521043"/>
-                  <a:ext cx="1420678" cy="229615"/>
-                </a:xfrm>
-                <a:prstGeom prst="rect">
-                  <a:avLst/>
-                </a:prstGeom>
-                <a:noFill/>
-              </p:spPr>
-              <p:txBody>
-                <a:bodyPr wrap="square" rtlCol="0">
-                  <a:spAutoFit/>
-                </a:bodyPr>
-                <a:lstStyle/>
-                <a:p>
-                  <a:pPr algn="ctr"/>
-                  <a:r>
-                    <a:rPr lang="en-US" sz="892" dirty="0"/>
-                    <a:t>Mean (without platform)</a:t>
-                  </a:r>
-                </a:p>
-              </p:txBody>
-            </p:sp>
-            <p:sp>
-              <p:nvSpPr>
-                <p:cNvPr id="25" name="TextBox 24"/>
-                <p:cNvSpPr txBox="1"/>
-                <p:nvPr/>
-              </p:nvSpPr>
-              <p:spPr>
-                <a:xfrm>
-                  <a:off x="1352339" y="519499"/>
-                  <a:ext cx="1420678" cy="229615"/>
-                </a:xfrm>
-                <a:prstGeom prst="rect">
-                  <a:avLst/>
-                </a:prstGeom>
-                <a:noFill/>
-              </p:spPr>
-              <p:txBody>
-                <a:bodyPr wrap="square" rtlCol="0">
-                  <a:spAutoFit/>
-                </a:bodyPr>
-                <a:lstStyle/>
-                <a:p>
-                  <a:pPr algn="ctr"/>
-                  <a:r>
-                    <a:rPr lang="en-US" sz="892" dirty="0"/>
-                    <a:t>Mean (with platform)</a:t>
-                  </a:r>
-                </a:p>
-              </p:txBody>
-            </p:sp>
-            <p:cxnSp>
-              <p:nvCxnSpPr>
-                <p:cNvPr id="26" name="Straight Arrow Connector 25"/>
-                <p:cNvCxnSpPr/>
-                <p:nvPr/>
-              </p:nvCxnSpPr>
-              <p:spPr>
-                <a:xfrm>
-                  <a:off x="981727" y="694542"/>
-                  <a:ext cx="611286" cy="1193125"/>
-                </a:xfrm>
-                <a:prstGeom prst="straightConnector1">
-                  <a:avLst/>
-                </a:prstGeom>
-                <a:ln>
-                  <a:solidFill>
-                    <a:schemeClr val="tx1"/>
-                  </a:solidFill>
-                  <a:tailEnd type="triangle"/>
-                </a:ln>
-              </p:spPr>
-              <p:style>
-                <a:lnRef idx="1">
-                  <a:schemeClr val="accent1"/>
-                </a:lnRef>
-                <a:fillRef idx="0">
-                  <a:schemeClr val="accent1"/>
-                </a:fillRef>
-                <a:effectRef idx="0">
-                  <a:schemeClr val="accent1"/>
-                </a:effectRef>
-                <a:fontRef idx="minor">
-                  <a:schemeClr val="tx1"/>
-                </a:fontRef>
-              </p:style>
-            </p:cxnSp>
-            <p:cxnSp>
-              <p:nvCxnSpPr>
-                <p:cNvPr id="27" name="Straight Arrow Connector 26"/>
-                <p:cNvCxnSpPr/>
-                <p:nvPr/>
-              </p:nvCxnSpPr>
-              <p:spPr>
-                <a:xfrm flipH="1">
-                  <a:off x="1735182" y="694541"/>
-                  <a:ext cx="140508" cy="1034493"/>
-                </a:xfrm>
-                <a:prstGeom prst="straightConnector1">
-                  <a:avLst/>
-                </a:prstGeom>
-                <a:ln>
-                  <a:solidFill>
-                    <a:schemeClr val="tx1"/>
-                  </a:solidFill>
-                  <a:tailEnd type="triangle"/>
-                </a:ln>
-              </p:spPr>
-              <p:style>
-                <a:lnRef idx="1">
-                  <a:schemeClr val="accent1"/>
-                </a:lnRef>
-                <a:fillRef idx="0">
-                  <a:schemeClr val="accent1"/>
-                </a:fillRef>
-                <a:effectRef idx="0">
-                  <a:schemeClr val="accent1"/>
-                </a:effectRef>
-                <a:fontRef idx="minor">
-                  <a:schemeClr val="tx1"/>
-                </a:fontRef>
-              </p:style>
-            </p:cxnSp>
-            <p:sp>
-              <p:nvSpPr>
-                <p:cNvPr id="33" name="TextBox 32"/>
-                <p:cNvSpPr txBox="1"/>
-                <p:nvPr/>
-              </p:nvSpPr>
-              <p:spPr>
-                <a:xfrm>
-                  <a:off x="2158825" y="643098"/>
-                  <a:ext cx="1420678" cy="366895"/>
-                </a:xfrm>
-                <a:prstGeom prst="rect">
-                  <a:avLst/>
-                </a:prstGeom>
-                <a:noFill/>
-              </p:spPr>
-              <p:txBody>
-                <a:bodyPr wrap="square" rtlCol="0">
-                  <a:spAutoFit/>
-                </a:bodyPr>
-                <a:lstStyle/>
-                <a:p>
-                  <a:pPr algn="ctr"/>
-                  <a:r>
-                    <a:rPr lang="en-US" sz="892" dirty="0"/>
-                    <a:t>Landing locations</a:t>
-                  </a:r>
-                </a:p>
-                <a:p>
-                  <a:pPr algn="ctr"/>
-                  <a:r>
-                    <a:rPr lang="en-US" sz="892" dirty="0"/>
-                    <a:t> (with platform)</a:t>
-                  </a:r>
-                </a:p>
-              </p:txBody>
-            </p:sp>
-            <p:sp>
-              <p:nvSpPr>
-                <p:cNvPr id="34" name="TextBox 33"/>
-                <p:cNvSpPr txBox="1"/>
-                <p:nvPr/>
-              </p:nvSpPr>
-              <p:spPr>
-                <a:xfrm>
-                  <a:off x="-115853" y="722739"/>
-                  <a:ext cx="1420678" cy="366895"/>
-                </a:xfrm>
-                <a:prstGeom prst="rect">
-                  <a:avLst/>
-                </a:prstGeom>
-                <a:noFill/>
-              </p:spPr>
-              <p:txBody>
-                <a:bodyPr wrap="square" rtlCol="0">
-                  <a:spAutoFit/>
-                </a:bodyPr>
-                <a:lstStyle/>
-                <a:p>
-                  <a:pPr algn="ctr"/>
-                  <a:r>
-                    <a:rPr lang="en-US" sz="892" dirty="0"/>
-                    <a:t>Landing locations</a:t>
-                  </a:r>
-                </a:p>
-                <a:p>
-                  <a:pPr algn="ctr"/>
-                  <a:r>
-                    <a:rPr lang="en-US" sz="892" dirty="0"/>
-                    <a:t> (without platform)</a:t>
-                  </a:r>
-                </a:p>
-              </p:txBody>
-            </p:sp>
-            <p:cxnSp>
-              <p:nvCxnSpPr>
-                <p:cNvPr id="35" name="Straight Arrow Connector 34"/>
-                <p:cNvCxnSpPr/>
-                <p:nvPr/>
-              </p:nvCxnSpPr>
-              <p:spPr>
-                <a:xfrm>
-                  <a:off x="605014" y="1030282"/>
-                  <a:ext cx="840327" cy="471434"/>
-                </a:xfrm>
-                <a:prstGeom prst="straightConnector1">
-                  <a:avLst/>
-                </a:prstGeom>
-                <a:ln>
-                  <a:solidFill>
-                    <a:schemeClr val="tx1"/>
-                  </a:solidFill>
-                  <a:tailEnd type="triangle"/>
-                </a:ln>
-              </p:spPr>
-              <p:style>
-                <a:lnRef idx="1">
-                  <a:schemeClr val="accent1"/>
-                </a:lnRef>
-                <a:fillRef idx="0">
-                  <a:schemeClr val="accent1"/>
-                </a:fillRef>
-                <a:effectRef idx="0">
-                  <a:schemeClr val="accent1"/>
-                </a:effectRef>
-                <a:fontRef idx="minor">
-                  <a:schemeClr val="tx1"/>
-                </a:fontRef>
-              </p:style>
-            </p:cxnSp>
-            <p:cxnSp>
-              <p:nvCxnSpPr>
-                <p:cNvPr id="37" name="Straight Arrow Connector 36"/>
-                <p:cNvCxnSpPr/>
-                <p:nvPr/>
-              </p:nvCxnSpPr>
-              <p:spPr>
-                <a:xfrm flipH="1">
-                  <a:off x="2651530" y="932196"/>
-                  <a:ext cx="343565" cy="166659"/>
-                </a:xfrm>
-                <a:prstGeom prst="straightConnector1">
-                  <a:avLst/>
-                </a:prstGeom>
-                <a:ln>
-                  <a:solidFill>
-                    <a:schemeClr val="tx1"/>
-                  </a:solidFill>
-                  <a:tailEnd type="triangle"/>
-                </a:ln>
-              </p:spPr>
-              <p:style>
-                <a:lnRef idx="1">
-                  <a:schemeClr val="accent1"/>
-                </a:lnRef>
-                <a:fillRef idx="0">
-                  <a:schemeClr val="accent1"/>
-                </a:fillRef>
-                <a:effectRef idx="0">
-                  <a:schemeClr val="accent1"/>
-                </a:effectRef>
-                <a:fontRef idx="minor">
-                  <a:schemeClr val="tx1"/>
-                </a:fontRef>
-              </p:style>
-            </p:cxnSp>
-          </p:grpSp>
-          <p:grpSp>
-            <p:nvGrpSpPr>
-              <p:cNvPr id="45" name="Group 44"/>
-              <p:cNvGrpSpPr/>
+                </a:solidFill>
+              </a:ln>
+            </p:spPr>
+            <p:style>
+              <a:lnRef idx="1">
+                <a:schemeClr val="accent1"/>
+              </a:lnRef>
+              <a:fillRef idx="0">
+                <a:schemeClr val="accent1"/>
+              </a:fillRef>
+              <a:effectRef idx="0">
+                <a:schemeClr val="accent1"/>
+              </a:effectRef>
+              <a:fontRef idx="minor">
+                <a:schemeClr val="tx1"/>
+              </a:fontRef>
+            </p:style>
+          </p:cxnSp>
+          <p:cxnSp>
+            <p:nvCxnSpPr>
+              <p:cNvPr id="10" name="Straight Connector 9"/>
+              <p:cNvCxnSpPr/>
               <p:nvPr/>
-            </p:nvGrpSpPr>
-            <p:grpSpPr>
+            </p:nvCxnSpPr>
+            <p:spPr>
               <a:xfrm>
-                <a:off x="190902" y="3020779"/>
-                <a:ext cx="3532623" cy="638281"/>
-                <a:chOff x="-191197" y="172118"/>
-                <a:chExt cx="3532623" cy="638281"/>
+                <a:off x="1530793" y="321474"/>
+                <a:ext cx="150687" cy="4073"/>
               </a:xfrm>
-            </p:grpSpPr>
-            <p:sp>
-              <p:nvSpPr>
-                <p:cNvPr id="39" name="TextBox 38"/>
-                <p:cNvSpPr txBox="1"/>
-                <p:nvPr/>
-              </p:nvSpPr>
-              <p:spPr>
-                <a:xfrm>
-                  <a:off x="-116490" y="312600"/>
-                  <a:ext cx="1718660" cy="366895"/>
-                </a:xfrm>
-                <a:prstGeom prst="rect">
-                  <a:avLst/>
-                </a:prstGeom>
-                <a:noFill/>
-              </p:spPr>
-              <p:txBody>
-                <a:bodyPr wrap="square" rtlCol="0">
-                  <a:spAutoFit/>
-                </a:bodyPr>
-                <a:lstStyle/>
-                <a:p>
-                  <a:r>
-                    <a:rPr lang="en-US" sz="892" dirty="0"/>
-                    <a:t>1</a:t>
-                  </a:r>
-                  <a:r>
-                    <a:rPr lang="en-US" sz="892" baseline="30000" dirty="0"/>
-                    <a:t>st</a:t>
-                  </a:r>
-                  <a:r>
-                    <a:rPr lang="en-US" sz="892" dirty="0"/>
-                    <a:t> S.D ellipse (without platform)</a:t>
-                  </a:r>
-                </a:p>
-                <a:p>
-                  <a:endParaRPr lang="en-US" sz="892" dirty="0"/>
-                </a:p>
-              </p:txBody>
-            </p:sp>
-            <p:sp>
-              <p:nvSpPr>
-                <p:cNvPr id="40" name="TextBox 39"/>
-                <p:cNvSpPr txBox="1"/>
-                <p:nvPr/>
-              </p:nvSpPr>
-              <p:spPr>
-                <a:xfrm>
-                  <a:off x="1596980" y="306222"/>
-                  <a:ext cx="1741851" cy="504177"/>
-                </a:xfrm>
-                <a:prstGeom prst="rect">
-                  <a:avLst/>
-                </a:prstGeom>
-                <a:noFill/>
-              </p:spPr>
-              <p:txBody>
-                <a:bodyPr wrap="square" rtlCol="0">
-                  <a:spAutoFit/>
-                </a:bodyPr>
-                <a:lstStyle/>
-                <a:p>
-                  <a:r>
-                    <a:rPr lang="en-US" sz="892" dirty="0"/>
-                    <a:t>2</a:t>
-                  </a:r>
-                  <a:r>
-                    <a:rPr lang="en-US" sz="892" baseline="30000" dirty="0"/>
-                    <a:t>nd</a:t>
-                  </a:r>
-                  <a:r>
-                    <a:rPr lang="en-US" sz="892" dirty="0"/>
-                    <a:t> S.D ellipse (without platform)</a:t>
-                  </a:r>
-                </a:p>
-                <a:p>
-                  <a:endParaRPr lang="en-US" sz="892" dirty="0"/>
-                </a:p>
-                <a:p>
-                  <a:endParaRPr lang="en-US" sz="892" dirty="0"/>
-                </a:p>
-              </p:txBody>
-            </p:sp>
-            <p:grpSp>
-              <p:nvGrpSpPr>
-                <p:cNvPr id="43" name="Group 42"/>
-                <p:cNvGrpSpPr/>
-                <p:nvPr/>
-              </p:nvGrpSpPr>
-              <p:grpSpPr>
-                <a:xfrm>
-                  <a:off x="-191197" y="172118"/>
-                  <a:ext cx="3532623" cy="518782"/>
-                  <a:chOff x="-191197" y="172118"/>
-                  <a:chExt cx="3532623" cy="518782"/>
-                </a:xfrm>
-              </p:grpSpPr>
-              <p:cxnSp>
-                <p:nvCxnSpPr>
-                  <p:cNvPr id="5" name="Straight Connector 4"/>
-                  <p:cNvCxnSpPr/>
-                  <p:nvPr/>
-                </p:nvCxnSpPr>
-                <p:spPr>
-                  <a:xfrm>
-                    <a:off x="-191197" y="430087"/>
-                    <a:ext cx="150687" cy="4073"/>
-                  </a:xfrm>
-                  <a:prstGeom prst="line">
-                    <a:avLst/>
-                  </a:prstGeom>
-                  <a:ln w="12700">
-                    <a:solidFill>
-                      <a:srgbClr val="990000"/>
-                    </a:solidFill>
-                  </a:ln>
-                </p:spPr>
-                <p:style>
-                  <a:lnRef idx="1">
-                    <a:schemeClr val="accent1"/>
-                  </a:lnRef>
-                  <a:fillRef idx="0">
-                    <a:schemeClr val="accent1"/>
-                  </a:fillRef>
-                  <a:effectRef idx="0">
-                    <a:schemeClr val="accent1"/>
-                  </a:effectRef>
-                  <a:fontRef idx="minor">
-                    <a:schemeClr val="tx1"/>
-                  </a:fontRef>
-                </p:style>
-              </p:cxnSp>
-              <p:cxnSp>
-                <p:nvCxnSpPr>
-                  <p:cNvPr id="8" name="Straight Connector 7"/>
-                  <p:cNvCxnSpPr/>
-                  <p:nvPr/>
-                </p:nvCxnSpPr>
-                <p:spPr>
-                  <a:xfrm>
-                    <a:off x="1526827" y="430087"/>
-                    <a:ext cx="150687" cy="4073"/>
-                  </a:xfrm>
-                  <a:prstGeom prst="line">
-                    <a:avLst/>
-                  </a:prstGeom>
-                  <a:ln w="12700">
-                    <a:solidFill>
-                      <a:srgbClr val="0000FF"/>
-                    </a:solidFill>
-                  </a:ln>
-                </p:spPr>
-                <p:style>
-                  <a:lnRef idx="1">
-                    <a:schemeClr val="accent1"/>
-                  </a:lnRef>
-                  <a:fillRef idx="0">
-                    <a:schemeClr val="accent1"/>
-                  </a:fillRef>
-                  <a:effectRef idx="0">
-                    <a:schemeClr val="accent1"/>
-                  </a:effectRef>
-                  <a:fontRef idx="minor">
-                    <a:schemeClr val="tx1"/>
-                  </a:fontRef>
-                </p:style>
-              </p:cxnSp>
-              <p:cxnSp>
-                <p:nvCxnSpPr>
-                  <p:cNvPr id="9" name="Straight Connector 8"/>
-                  <p:cNvCxnSpPr/>
-                  <p:nvPr/>
-                </p:nvCxnSpPr>
-                <p:spPr>
-                  <a:xfrm>
-                    <a:off x="-191197" y="319881"/>
-                    <a:ext cx="150687" cy="4073"/>
-                  </a:xfrm>
-                  <a:prstGeom prst="line">
-                    <a:avLst/>
-                  </a:prstGeom>
-                  <a:ln w="12700">
-                    <a:solidFill>
-                      <a:schemeClr val="tx1"/>
-                    </a:solidFill>
-                  </a:ln>
-                </p:spPr>
-                <p:style>
-                  <a:lnRef idx="1">
-                    <a:schemeClr val="accent1"/>
-                  </a:lnRef>
-                  <a:fillRef idx="0">
-                    <a:schemeClr val="accent1"/>
-                  </a:fillRef>
-                  <a:effectRef idx="0">
-                    <a:schemeClr val="accent1"/>
-                  </a:effectRef>
-                  <a:fontRef idx="minor">
-                    <a:schemeClr val="tx1"/>
-                  </a:fontRef>
-                </p:style>
-              </p:cxnSp>
-              <p:cxnSp>
-                <p:nvCxnSpPr>
-                  <p:cNvPr id="10" name="Straight Connector 9"/>
-                  <p:cNvCxnSpPr/>
-                  <p:nvPr/>
-                </p:nvCxnSpPr>
-                <p:spPr>
-                  <a:xfrm>
-                    <a:off x="1530793" y="321474"/>
-                    <a:ext cx="150687" cy="4073"/>
-                  </a:xfrm>
-                  <a:prstGeom prst="line">
-                    <a:avLst/>
-                  </a:prstGeom>
-                  <a:ln w="12700">
-                    <a:solidFill>
-                      <a:srgbClr val="FF00FF"/>
-                    </a:solidFill>
-                  </a:ln>
-                </p:spPr>
-                <p:style>
-                  <a:lnRef idx="1">
-                    <a:schemeClr val="accent1"/>
-                  </a:lnRef>
-                  <a:fillRef idx="0">
-                    <a:schemeClr val="accent1"/>
-                  </a:fillRef>
-                  <a:effectRef idx="0">
-                    <a:schemeClr val="accent1"/>
-                  </a:effectRef>
-                  <a:fontRef idx="minor">
-                    <a:schemeClr val="tx1"/>
-                  </a:fontRef>
-                </p:style>
-              </p:cxnSp>
-              <p:sp>
-                <p:nvSpPr>
-                  <p:cNvPr id="41" name="TextBox 40"/>
-                  <p:cNvSpPr txBox="1"/>
-                  <p:nvPr/>
-                </p:nvSpPr>
-                <p:spPr>
-                  <a:xfrm>
-                    <a:off x="-119085" y="172118"/>
-                    <a:ext cx="1718660" cy="366895"/>
-                  </a:xfrm>
-                  <a:prstGeom prst="rect">
-                    <a:avLst/>
-                  </a:prstGeom>
-                  <a:noFill/>
-                </p:spPr>
-                <p:txBody>
-                  <a:bodyPr wrap="square" rtlCol="0">
-                    <a:spAutoFit/>
-                  </a:bodyPr>
-                  <a:lstStyle/>
-                  <a:p>
-                    <a:r>
-                      <a:rPr lang="en-US" sz="892" dirty="0"/>
-                      <a:t>1</a:t>
-                    </a:r>
-                    <a:r>
-                      <a:rPr lang="en-US" sz="892" baseline="30000" dirty="0"/>
-                      <a:t>st</a:t>
-                    </a:r>
-                    <a:r>
-                      <a:rPr lang="en-US" sz="892" dirty="0"/>
-                      <a:t> S.D ellipse (with platform)</a:t>
-                    </a:r>
-                  </a:p>
-                  <a:p>
-                    <a:endParaRPr lang="en-US" sz="892" dirty="0"/>
-                  </a:p>
-                </p:txBody>
-              </p:sp>
-              <p:sp>
-                <p:nvSpPr>
-                  <p:cNvPr id="42" name="TextBox 41"/>
-                  <p:cNvSpPr txBox="1"/>
-                  <p:nvPr/>
-                </p:nvSpPr>
-                <p:spPr>
-                  <a:xfrm>
-                    <a:off x="1599575" y="186723"/>
-                    <a:ext cx="1741851" cy="504177"/>
-                  </a:xfrm>
-                  <a:prstGeom prst="rect">
-                    <a:avLst/>
-                  </a:prstGeom>
-                  <a:noFill/>
-                </p:spPr>
-                <p:txBody>
-                  <a:bodyPr wrap="square" rtlCol="0">
-                    <a:spAutoFit/>
-                  </a:bodyPr>
-                  <a:lstStyle/>
-                  <a:p>
-                    <a:r>
-                      <a:rPr lang="en-US" sz="892" dirty="0"/>
-                      <a:t>2</a:t>
-                    </a:r>
-                    <a:r>
-                      <a:rPr lang="en-US" sz="892" baseline="30000" dirty="0"/>
-                      <a:t>nd</a:t>
-                    </a:r>
-                    <a:r>
-                      <a:rPr lang="en-US" sz="892" dirty="0"/>
-                      <a:t> S.D ellipse (with platform)</a:t>
-                    </a:r>
-                  </a:p>
-                  <a:p>
-                    <a:endParaRPr lang="en-US" sz="892" dirty="0"/>
-                  </a:p>
-                  <a:p>
-                    <a:endParaRPr lang="en-US" sz="892" dirty="0"/>
-                  </a:p>
-                </p:txBody>
-              </p:sp>
-            </p:grpSp>
-          </p:grpSp>
+              <a:prstGeom prst="line">
+                <a:avLst/>
+              </a:prstGeom>
+              <a:ln w="12700">
+                <a:solidFill>
+                  <a:srgbClr val="FF00FF"/>
+                </a:solidFill>
+              </a:ln>
+            </p:spPr>
+            <p:style>
+              <a:lnRef idx="1">
+                <a:schemeClr val="accent1"/>
+              </a:lnRef>
+              <a:fillRef idx="0">
+                <a:schemeClr val="accent1"/>
+              </a:fillRef>
+              <a:effectRef idx="0">
+                <a:schemeClr val="accent1"/>
+              </a:effectRef>
+              <a:fontRef idx="minor">
+                <a:schemeClr val="tx1"/>
+              </a:fontRef>
+            </p:style>
+          </p:cxnSp>
+          <p:sp>
+            <p:nvSpPr>
+              <p:cNvPr id="41" name="TextBox 40"/>
+              <p:cNvSpPr txBox="1"/>
+              <p:nvPr/>
+            </p:nvSpPr>
+            <p:spPr>
+              <a:xfrm>
+                <a:off x="-99400" y="214870"/>
+                <a:ext cx="1718660" cy="366895"/>
+              </a:xfrm>
+              <a:prstGeom prst="rect">
+                <a:avLst/>
+              </a:prstGeom>
+              <a:noFill/>
+            </p:spPr>
+            <p:txBody>
+              <a:bodyPr wrap="square" rtlCol="0">
+                <a:spAutoFit/>
+              </a:bodyPr>
+              <a:lstStyle/>
+              <a:p>
+                <a:r>
+                  <a:rPr lang="en-US" sz="892" dirty="0"/>
+                  <a:t>1</a:t>
+                </a:r>
+                <a:r>
+                  <a:rPr lang="en-US" sz="892" baseline="30000" dirty="0"/>
+                  <a:t>st</a:t>
+                </a:r>
+                <a:r>
+                  <a:rPr lang="en-US" sz="892" dirty="0"/>
+                  <a:t> </a:t>
+                </a:r>
+                <a:r>
+                  <a:rPr lang="en-US" sz="892" dirty="0" smtClean="0"/>
+                  <a:t>S.D. </a:t>
+                </a:r>
+                <a:r>
+                  <a:rPr lang="en-US" sz="892" dirty="0"/>
+                  <a:t>ellipse (with platform)</a:t>
+                </a:r>
+              </a:p>
+              <a:p>
+                <a:endParaRPr lang="en-US" sz="892" dirty="0"/>
+              </a:p>
+            </p:txBody>
+          </p:sp>
+          <p:sp>
+            <p:nvSpPr>
+              <p:cNvPr id="42" name="TextBox 41"/>
+              <p:cNvSpPr txBox="1"/>
+              <p:nvPr/>
+            </p:nvSpPr>
+            <p:spPr>
+              <a:xfrm>
+                <a:off x="1638842" y="206896"/>
+                <a:ext cx="1741851" cy="366895"/>
+              </a:xfrm>
+              <a:prstGeom prst="rect">
+                <a:avLst/>
+              </a:prstGeom>
+              <a:noFill/>
+            </p:spPr>
+            <p:txBody>
+              <a:bodyPr wrap="square" rtlCol="0">
+                <a:spAutoFit/>
+              </a:bodyPr>
+              <a:lstStyle/>
+              <a:p>
+                <a:r>
+                  <a:rPr lang="en-US" sz="892" dirty="0"/>
+                  <a:t>2</a:t>
+                </a:r>
+                <a:r>
+                  <a:rPr lang="en-US" sz="892" baseline="30000" dirty="0"/>
+                  <a:t>nd</a:t>
+                </a:r>
+                <a:r>
+                  <a:rPr lang="en-US" sz="892" dirty="0"/>
+                  <a:t> </a:t>
+                </a:r>
+                <a:r>
+                  <a:rPr lang="en-US" sz="892" dirty="0" smtClean="0"/>
+                  <a:t>S.D. </a:t>
+                </a:r>
+                <a:r>
+                  <a:rPr lang="en-US" sz="892" dirty="0"/>
+                  <a:t>ellipse (</a:t>
+                </a:r>
+                <a:r>
+                  <a:rPr lang="en-US" sz="892" dirty="0" smtClean="0"/>
+                  <a:t>with platform)</a:t>
+                </a:r>
+              </a:p>
+              <a:p>
+                <a:endParaRPr lang="en-US" sz="892" dirty="0"/>
+              </a:p>
+            </p:txBody>
+          </p:sp>
         </p:grpSp>
+      </p:grpSp>
+      <p:sp>
+        <p:nvSpPr>
+          <p:cNvPr id="47" name="TextBox 46"/>
+          <p:cNvSpPr txBox="1"/>
+          <p:nvPr/>
+        </p:nvSpPr>
+        <p:spPr>
+          <a:xfrm>
+            <a:off x="1466712" y="2927937"/>
+            <a:ext cx="1326165" cy="307777"/>
+          </a:xfrm>
+          <a:prstGeom prst="rect">
+            <a:avLst/>
+          </a:prstGeom>
+          <a:noFill/>
+        </p:spPr>
+        <p:txBody>
+          <a:bodyPr wrap="square" rtlCol="0">
+            <a:spAutoFit/>
+          </a:bodyPr>
+          <a:lstStyle/>
+          <a:p>
+            <a:r>
+              <a:rPr lang="en-US" sz="1400" dirty="0"/>
+              <a:t>X-distance (cm)</a:t>
+            </a:r>
+            <a:endParaRPr lang="en-US" sz="1400" dirty="0"/>
+          </a:p>
+        </p:txBody>
+      </p:sp>
+      <p:grpSp>
+        <p:nvGrpSpPr>
+          <p:cNvPr id="7" name="Group 6"/>
+          <p:cNvGrpSpPr/>
+          <p:nvPr/>
+        </p:nvGrpSpPr>
+        <p:grpSpPr>
+          <a:xfrm>
+            <a:off x="-52804" y="991791"/>
+            <a:ext cx="307777" cy="1326165"/>
+            <a:chOff x="-120977" y="801053"/>
+            <a:chExt cx="307777" cy="1326165"/>
+          </a:xfrm>
+        </p:grpSpPr>
         <p:sp>
           <p:nvSpPr>
-            <p:cNvPr id="48" name="Rectangle 47"/>
+            <p:cNvPr id="49" name="Rectangle 48"/>
             <p:cNvSpPr/>
             <p:nvPr/>
           </p:nvSpPr>
           <p:spPr>
-            <a:xfrm>
-              <a:off x="1459523" y="2767766"/>
-              <a:ext cx="1129812" cy="193431"/>
+            <a:xfrm rot="16200000">
+              <a:off x="-608485" y="1370554"/>
+              <a:ext cx="1280729" cy="193431"/>
             </a:xfrm>
             <a:prstGeom prst="rect">
               <a:avLst/>
@@ -4216,114 +4245,84 @@
         </p:sp>
         <p:sp>
           <p:nvSpPr>
-            <p:cNvPr id="49" name="Rectangle 48"/>
-            <p:cNvSpPr/>
+            <p:cNvPr id="52" name="TextBox 51"/>
+            <p:cNvSpPr txBox="1"/>
             <p:nvPr/>
           </p:nvSpPr>
           <p:spPr>
             <a:xfrm rot="16200000">
-              <a:off x="-581027" y="1231770"/>
-              <a:ext cx="1280729" cy="193431"/>
+              <a:off x="-630171" y="1310247"/>
+              <a:ext cx="1326165" cy="307777"/>
             </a:xfrm>
             <a:prstGeom prst="rect">
               <a:avLst/>
             </a:prstGeom>
-            <a:solidFill>
-              <a:schemeClr val="bg1"/>
-            </a:solidFill>
-            <a:ln>
-              <a:solidFill>
-                <a:schemeClr val="bg1"/>
-              </a:solidFill>
-            </a:ln>
+            <a:noFill/>
           </p:spPr>
-          <p:style>
-            <a:lnRef idx="2">
-              <a:schemeClr val="accent1">
-                <a:shade val="50000"/>
-              </a:schemeClr>
-            </a:lnRef>
-            <a:fillRef idx="1">
-              <a:schemeClr val="accent1"/>
-            </a:fillRef>
-            <a:effectRef idx="0">
-              <a:schemeClr val="accent1"/>
-            </a:effectRef>
-            <a:fontRef idx="minor">
-              <a:schemeClr val="lt1"/>
-            </a:fontRef>
-          </p:style>
           <p:txBody>
-            <a:bodyPr rtlCol="0" anchor="ctr"/>
+            <a:bodyPr wrap="square" rtlCol="0">
+              <a:spAutoFit/>
+            </a:bodyPr>
             <a:lstStyle/>
             <a:p>
-              <a:pPr algn="ctr"/>
-              <a:endParaRPr lang="en-US"/>
+              <a:r>
+                <a:rPr lang="en-US" sz="1400" dirty="0"/>
+                <a:t>Y</a:t>
+              </a:r>
+              <a:r>
+                <a:rPr lang="en-US" sz="1400" dirty="0"/>
+                <a:t>-distance (cm)</a:t>
+              </a:r>
+              <a:endParaRPr lang="en-US" sz="1400" dirty="0"/>
             </a:p>
           </p:txBody>
         </p:sp>
       </p:grpSp>
       <p:sp>
         <p:nvSpPr>
-          <p:cNvPr id="47" name="TextBox 46"/>
-          <p:cNvSpPr txBox="1"/>
+          <p:cNvPr id="17" name="Rounded Rectangle 16"/>
+          <p:cNvSpPr/>
           <p:nvPr/>
         </p:nvSpPr>
         <p:spPr>
           <a:xfrm>
-            <a:off x="1330186" y="2682443"/>
-            <a:ext cx="1326165" cy="307777"/>
+            <a:off x="1979965" y="1554009"/>
+            <a:ext cx="79866" cy="76880"/>
           </a:xfrm>
-          <a:prstGeom prst="rect">
+          <a:prstGeom prst="roundRect">
             <a:avLst/>
           </a:prstGeom>
-          <a:noFill/>
+          <a:solidFill>
+            <a:srgbClr val="FFFF00"/>
+          </a:solidFill>
+          <a:ln w="6350">
+            <a:solidFill>
+              <a:schemeClr val="tx1"/>
+            </a:solidFill>
+          </a:ln>
         </p:spPr>
-        <p:txBody>
-          <a:bodyPr wrap="square" rtlCol="0">
-            <a:spAutoFit/>
-          </a:bodyPr>
-          <a:lstStyle/>
-          <a:p>
-            <a:r>
-              <a:rPr lang="en-US" sz="1400" dirty="0" smtClean="0"/>
-              <a:t>X-distance (cm)</a:t>
-            </a:r>
-            <a:endParaRPr lang="en-US" sz="1400" dirty="0"/>
-          </a:p>
-        </p:txBody>
-      </p:sp>
-      <p:sp>
-        <p:nvSpPr>
-          <p:cNvPr id="52" name="TextBox 51"/>
-          <p:cNvSpPr txBox="1"/>
-          <p:nvPr/>
-        </p:nvSpPr>
-        <p:spPr>
-          <a:xfrm rot="16200000">
-            <a:off x="-562084" y="1004079"/>
-            <a:ext cx="1326165" cy="307777"/>
-          </a:xfrm>
-          <a:prstGeom prst="rect">
-            <a:avLst/>
-          </a:prstGeom>
-          <a:noFill/>
-        </p:spPr>
-        <p:txBody>
-          <a:bodyPr wrap="square" rtlCol="0">
-            <a:spAutoFit/>
-          </a:bodyPr>
-          <a:lstStyle/>
-          <a:p>
-            <a:r>
-              <a:rPr lang="en-US" sz="1400" dirty="0"/>
-              <a:t>Y</a:t>
-            </a:r>
-            <a:r>
-              <a:rPr lang="en-US" sz="1400" dirty="0" smtClean="0"/>
-              <a:t>-distance (cm)</a:t>
-            </a:r>
-            <a:endParaRPr lang="en-US" sz="1400" dirty="0"/>
+        <p:style>
+          <a:lnRef idx="2">
+            <a:schemeClr val="accent1">
+              <a:shade val="50000"/>
+            </a:schemeClr>
+          </a:lnRef>
+          <a:fillRef idx="1">
+            <a:schemeClr val="accent1"/>
+          </a:fillRef>
+          <a:effectRef idx="0">
+            <a:schemeClr val="accent1"/>
+          </a:effectRef>
+          <a:fontRef idx="minor">
+            <a:schemeClr val="lt1"/>
+          </a:fontRef>
+        </p:style>
+        <p:txBody>
+          <a:bodyPr rtlCol="0" anchor="ctr"/>
+          <a:lstStyle/>
+          <a:p>
+            <a:pPr algn="ctr"/>
+            <a:endParaRPr lang="en-US"/>
           </a:p>
         </p:txBody>
       </p:sp>

--- a/Seismic Drones/CASE-2016/pictures/exp_2_ellipse.pptx
+++ b/Seismic Drones/CASE-2016/pictures/exp_2_ellipse.pptx
@@ -197,7 +197,7 @@
           <a:p>
             <a:fld id="{AA1C6256-7E50-4653-8D7D-F1FCAAC977E8}" type="datetimeFigureOut">
               <a:rPr lang="en-US" smtClean="0"/>
-              <a:t>3/21/2016</a:t>
+              <a:t>6/14/2016</a:t>
             </a:fld>
             <a:endParaRPr lang="en-US"/>
           </a:p>
@@ -685,7 +685,7 @@
           <a:p>
             <a:fld id="{EF27D29F-6681-4284-A19E-BDF58AC0366A}" type="datetimeFigureOut">
               <a:rPr lang="en-US" smtClean="0"/>
-              <a:t>3/21/2016</a:t>
+              <a:t>6/14/2016</a:t>
             </a:fld>
             <a:endParaRPr lang="en-US"/>
           </a:p>
@@ -855,7 +855,7 @@
           <a:p>
             <a:fld id="{EF27D29F-6681-4284-A19E-BDF58AC0366A}" type="datetimeFigureOut">
               <a:rPr lang="en-US" smtClean="0"/>
-              <a:t>3/21/2016</a:t>
+              <a:t>6/14/2016</a:t>
             </a:fld>
             <a:endParaRPr lang="en-US"/>
           </a:p>
@@ -1035,7 +1035,7 @@
           <a:p>
             <a:fld id="{EF27D29F-6681-4284-A19E-BDF58AC0366A}" type="datetimeFigureOut">
               <a:rPr lang="en-US" smtClean="0"/>
-              <a:t>3/21/2016</a:t>
+              <a:t>6/14/2016</a:t>
             </a:fld>
             <a:endParaRPr lang="en-US"/>
           </a:p>
@@ -1205,7 +1205,7 @@
           <a:p>
             <a:fld id="{EF27D29F-6681-4284-A19E-BDF58AC0366A}" type="datetimeFigureOut">
               <a:rPr lang="en-US" smtClean="0"/>
-              <a:t>3/21/2016</a:t>
+              <a:t>6/14/2016</a:t>
             </a:fld>
             <a:endParaRPr lang="en-US"/>
           </a:p>
@@ -1449,7 +1449,7 @@
           <a:p>
             <a:fld id="{EF27D29F-6681-4284-A19E-BDF58AC0366A}" type="datetimeFigureOut">
               <a:rPr lang="en-US" smtClean="0"/>
-              <a:t>3/21/2016</a:t>
+              <a:t>6/14/2016</a:t>
             </a:fld>
             <a:endParaRPr lang="en-US"/>
           </a:p>
@@ -1681,7 +1681,7 @@
           <a:p>
             <a:fld id="{EF27D29F-6681-4284-A19E-BDF58AC0366A}" type="datetimeFigureOut">
               <a:rPr lang="en-US" smtClean="0"/>
-              <a:t>3/21/2016</a:t>
+              <a:t>6/14/2016</a:t>
             </a:fld>
             <a:endParaRPr lang="en-US"/>
           </a:p>
@@ -2048,7 +2048,7 @@
           <a:p>
             <a:fld id="{EF27D29F-6681-4284-A19E-BDF58AC0366A}" type="datetimeFigureOut">
               <a:rPr lang="en-US" smtClean="0"/>
-              <a:t>3/21/2016</a:t>
+              <a:t>6/14/2016</a:t>
             </a:fld>
             <a:endParaRPr lang="en-US"/>
           </a:p>
@@ -2166,7 +2166,7 @@
           <a:p>
             <a:fld id="{EF27D29F-6681-4284-A19E-BDF58AC0366A}" type="datetimeFigureOut">
               <a:rPr lang="en-US" smtClean="0"/>
-              <a:t>3/21/2016</a:t>
+              <a:t>6/14/2016</a:t>
             </a:fld>
             <a:endParaRPr lang="en-US"/>
           </a:p>
@@ -2261,7 +2261,7 @@
           <a:p>
             <a:fld id="{EF27D29F-6681-4284-A19E-BDF58AC0366A}" type="datetimeFigureOut">
               <a:rPr lang="en-US" smtClean="0"/>
-              <a:t>3/21/2016</a:t>
+              <a:t>6/14/2016</a:t>
             </a:fld>
             <a:endParaRPr lang="en-US"/>
           </a:p>
@@ -2538,7 +2538,7 @@
           <a:p>
             <a:fld id="{EF27D29F-6681-4284-A19E-BDF58AC0366A}" type="datetimeFigureOut">
               <a:rPr lang="en-US" smtClean="0"/>
-              <a:t>3/21/2016</a:t>
+              <a:t>6/14/2016</a:t>
             </a:fld>
             <a:endParaRPr lang="en-US"/>
           </a:p>
@@ -2795,7 +2795,7 @@
           <a:p>
             <a:fld id="{EF27D29F-6681-4284-A19E-BDF58AC0366A}" type="datetimeFigureOut">
               <a:rPr lang="en-US" smtClean="0"/>
-              <a:t>3/21/2016</a:t>
+              <a:t>6/14/2016</a:t>
             </a:fld>
             <a:endParaRPr lang="en-US"/>
           </a:p>
@@ -3008,7 +3008,7 @@
           <a:p>
             <a:fld id="{EF27D29F-6681-4284-A19E-BDF58AC0366A}" type="datetimeFigureOut">
               <a:rPr lang="en-US" smtClean="0"/>
-              <a:t>3/21/2016</a:t>
+              <a:t>6/14/2016</a:t>
             </a:fld>
             <a:endParaRPr lang="en-US"/>
           </a:p>
@@ -3413,403 +3413,59 @@
           <a:chExt cx="0" cy="0"/>
         </a:xfrm>
       </p:grpSpPr>
-      <p:pic>
-        <p:nvPicPr>
-          <p:cNvPr id="6" name="Picture 5"/>
-          <p:cNvPicPr>
-            <a:picLocks noChangeAspect="1"/>
-          </p:cNvPicPr>
-          <p:nvPr/>
-        </p:nvPicPr>
-        <p:blipFill rotWithShape="1">
-          <a:blip r:embed="rId3" cstate="print">
-            <a:extLst>
-              <a:ext uri="{28A0092B-C50C-407E-A947-70E740481C1C}">
-                <a14:useLocalDpi xmlns:a14="http://schemas.microsoft.com/office/drawing/2010/main" val="0"/>
-              </a:ext>
-            </a:extLst>
-          </a:blip>
-          <a:srcRect l="18290" t="4261" r="16641" b="5314"/>
-          <a:stretch/>
-        </p:blipFill>
-        <p:spPr>
-          <a:xfrm>
-            <a:off x="205718" y="-6921"/>
-            <a:ext cx="3756452" cy="2965583"/>
-          </a:xfrm>
-          <a:prstGeom prst="rect">
-            <a:avLst/>
-          </a:prstGeom>
-        </p:spPr>
-      </p:pic>
-      <p:sp>
-        <p:nvSpPr>
-          <p:cNvPr id="19" name="TextBox 18"/>
-          <p:cNvSpPr txBox="1"/>
-          <p:nvPr/>
-        </p:nvSpPr>
-        <p:spPr>
-          <a:xfrm>
-            <a:off x="671770" y="2265514"/>
-            <a:ext cx="1075182" cy="504177"/>
-          </a:xfrm>
-          <a:prstGeom prst="rect">
-            <a:avLst/>
-          </a:prstGeom>
-          <a:noFill/>
-        </p:spPr>
-        <p:txBody>
-          <a:bodyPr wrap="square" rtlCol="0">
-            <a:spAutoFit/>
-          </a:bodyPr>
-          <a:lstStyle/>
-          <a:p>
-            <a:pPr algn="ctr"/>
-            <a:r>
-              <a:rPr lang="en-US" sz="892" dirty="0"/>
-              <a:t>Goal location(with and without platform)</a:t>
-            </a:r>
-          </a:p>
-        </p:txBody>
-      </p:sp>
-      <p:cxnSp>
-        <p:nvCxnSpPr>
-          <p:cNvPr id="21" name="Straight Arrow Connector 20"/>
-          <p:cNvCxnSpPr/>
-          <p:nvPr/>
-        </p:nvCxnSpPr>
-        <p:spPr>
-          <a:xfrm flipV="1">
-            <a:off x="1087181" y="1815155"/>
-            <a:ext cx="793735" cy="523422"/>
-          </a:xfrm>
-          <a:prstGeom prst="straightConnector1">
-            <a:avLst/>
-          </a:prstGeom>
-          <a:ln>
-            <a:solidFill>
-              <a:schemeClr val="tx1"/>
-            </a:solidFill>
-            <a:tailEnd type="triangle"/>
-          </a:ln>
-        </p:spPr>
-        <p:style>
-          <a:lnRef idx="1">
-            <a:schemeClr val="accent1"/>
-          </a:lnRef>
-          <a:fillRef idx="0">
-            <a:schemeClr val="accent1"/>
-          </a:fillRef>
-          <a:effectRef idx="0">
-            <a:schemeClr val="accent1"/>
-          </a:effectRef>
-          <a:fontRef idx="minor">
-            <a:schemeClr val="tx1"/>
-          </a:fontRef>
-        </p:style>
-      </p:cxnSp>
-      <p:sp>
-        <p:nvSpPr>
-          <p:cNvPr id="24" name="TextBox 23"/>
-          <p:cNvSpPr txBox="1"/>
-          <p:nvPr/>
-        </p:nvSpPr>
-        <p:spPr>
-          <a:xfrm>
-            <a:off x="493931" y="246835"/>
-            <a:ext cx="1420678" cy="229615"/>
-          </a:xfrm>
-          <a:prstGeom prst="rect">
-            <a:avLst/>
-          </a:prstGeom>
-          <a:noFill/>
-        </p:spPr>
-        <p:txBody>
-          <a:bodyPr wrap="square" rtlCol="0">
-            <a:spAutoFit/>
-          </a:bodyPr>
-          <a:lstStyle/>
-          <a:p>
-            <a:pPr algn="ctr"/>
-            <a:r>
-              <a:rPr lang="en-US" sz="892" dirty="0"/>
-              <a:t>Mean (without platform)</a:t>
-            </a:r>
-          </a:p>
-        </p:txBody>
-      </p:sp>
-      <p:sp>
-        <p:nvSpPr>
-          <p:cNvPr id="25" name="TextBox 24"/>
-          <p:cNvSpPr txBox="1"/>
-          <p:nvPr/>
-        </p:nvSpPr>
-        <p:spPr>
-          <a:xfrm>
-            <a:off x="1746951" y="245291"/>
-            <a:ext cx="1420678" cy="229615"/>
-          </a:xfrm>
-          <a:prstGeom prst="rect">
-            <a:avLst/>
-          </a:prstGeom>
-          <a:noFill/>
-        </p:spPr>
-        <p:txBody>
-          <a:bodyPr wrap="square" rtlCol="0">
-            <a:spAutoFit/>
-          </a:bodyPr>
-          <a:lstStyle/>
-          <a:p>
-            <a:pPr algn="ctr"/>
-            <a:r>
-              <a:rPr lang="en-US" sz="892" dirty="0"/>
-              <a:t>Mean (with platform)</a:t>
-            </a:r>
-          </a:p>
-        </p:txBody>
-      </p:sp>
-      <p:cxnSp>
-        <p:nvCxnSpPr>
-          <p:cNvPr id="26" name="Straight Arrow Connector 25"/>
-          <p:cNvCxnSpPr/>
-          <p:nvPr/>
-        </p:nvCxnSpPr>
-        <p:spPr>
-          <a:xfrm>
-            <a:off x="1399088" y="415525"/>
-            <a:ext cx="597798" cy="1122578"/>
-          </a:xfrm>
-          <a:prstGeom prst="straightConnector1">
-            <a:avLst/>
-          </a:prstGeom>
-          <a:ln>
-            <a:solidFill>
-              <a:schemeClr val="tx1"/>
-            </a:solidFill>
-            <a:tailEnd type="triangle"/>
-          </a:ln>
-        </p:spPr>
-        <p:style>
-          <a:lnRef idx="1">
-            <a:schemeClr val="accent1"/>
-          </a:lnRef>
-          <a:fillRef idx="0">
-            <a:schemeClr val="accent1"/>
-          </a:fillRef>
-          <a:effectRef idx="0">
-            <a:schemeClr val="accent1"/>
-          </a:effectRef>
-          <a:fontRef idx="minor">
-            <a:schemeClr val="tx1"/>
-          </a:fontRef>
-        </p:style>
-      </p:cxnSp>
-      <p:cxnSp>
-        <p:nvCxnSpPr>
-          <p:cNvPr id="27" name="Straight Arrow Connector 26"/>
-          <p:cNvCxnSpPr/>
-          <p:nvPr/>
-        </p:nvCxnSpPr>
-        <p:spPr>
-          <a:xfrm flipH="1">
-            <a:off x="2125767" y="420333"/>
-            <a:ext cx="144535" cy="934685"/>
-          </a:xfrm>
-          <a:prstGeom prst="straightConnector1">
-            <a:avLst/>
-          </a:prstGeom>
-          <a:ln>
-            <a:solidFill>
-              <a:schemeClr val="tx1"/>
-            </a:solidFill>
-            <a:tailEnd type="triangle"/>
-          </a:ln>
-        </p:spPr>
-        <p:style>
-          <a:lnRef idx="1">
-            <a:schemeClr val="accent1"/>
-          </a:lnRef>
-          <a:fillRef idx="0">
-            <a:schemeClr val="accent1"/>
-          </a:fillRef>
-          <a:effectRef idx="0">
-            <a:schemeClr val="accent1"/>
-          </a:effectRef>
-          <a:fontRef idx="minor">
-            <a:schemeClr val="tx1"/>
-          </a:fontRef>
-        </p:style>
-      </p:cxnSp>
-      <p:sp>
-        <p:nvSpPr>
-          <p:cNvPr id="33" name="TextBox 32"/>
-          <p:cNvSpPr txBox="1"/>
-          <p:nvPr/>
-        </p:nvSpPr>
-        <p:spPr>
-          <a:xfrm>
-            <a:off x="2690556" y="135055"/>
-            <a:ext cx="1420678" cy="366895"/>
-          </a:xfrm>
-          <a:prstGeom prst="rect">
-            <a:avLst/>
-          </a:prstGeom>
-          <a:noFill/>
-        </p:spPr>
-        <p:txBody>
-          <a:bodyPr wrap="square" rtlCol="0">
-            <a:spAutoFit/>
-          </a:bodyPr>
-          <a:lstStyle/>
-          <a:p>
-            <a:pPr algn="ctr"/>
-            <a:r>
-              <a:rPr lang="en-US" sz="892" dirty="0"/>
-              <a:t>Landing locations</a:t>
-            </a:r>
-          </a:p>
-          <a:p>
-            <a:pPr algn="ctr"/>
-            <a:r>
-              <a:rPr lang="en-US" sz="892" dirty="0"/>
-              <a:t> (with platform)</a:t>
-            </a:r>
-          </a:p>
-        </p:txBody>
-      </p:sp>
-      <p:sp>
-        <p:nvSpPr>
-          <p:cNvPr id="34" name="TextBox 33"/>
-          <p:cNvSpPr txBox="1"/>
-          <p:nvPr/>
-        </p:nvSpPr>
-        <p:spPr>
-          <a:xfrm>
-            <a:off x="278080" y="438951"/>
-            <a:ext cx="1420678" cy="366895"/>
-          </a:xfrm>
-          <a:prstGeom prst="rect">
-            <a:avLst/>
-          </a:prstGeom>
-          <a:noFill/>
-        </p:spPr>
-        <p:txBody>
-          <a:bodyPr wrap="square" rtlCol="0">
-            <a:spAutoFit/>
-          </a:bodyPr>
-          <a:lstStyle/>
-          <a:p>
-            <a:pPr algn="ctr"/>
-            <a:r>
-              <a:rPr lang="en-US" sz="892" dirty="0"/>
-              <a:t>Landing locations</a:t>
-            </a:r>
-          </a:p>
-          <a:p>
-            <a:pPr algn="ctr"/>
-            <a:r>
-              <a:rPr lang="en-US" sz="892" dirty="0"/>
-              <a:t> (without platform)</a:t>
-            </a:r>
-          </a:p>
-        </p:txBody>
-      </p:sp>
-      <p:cxnSp>
-        <p:nvCxnSpPr>
-          <p:cNvPr id="35" name="Straight Arrow Connector 34"/>
-          <p:cNvCxnSpPr/>
-          <p:nvPr/>
-        </p:nvCxnSpPr>
-        <p:spPr>
-          <a:xfrm>
-            <a:off x="1087181" y="749452"/>
-            <a:ext cx="726679" cy="389774"/>
-          </a:xfrm>
-          <a:prstGeom prst="straightConnector1">
-            <a:avLst/>
-          </a:prstGeom>
-          <a:ln>
-            <a:solidFill>
-              <a:schemeClr val="tx1"/>
-            </a:solidFill>
-            <a:tailEnd type="triangle"/>
-          </a:ln>
-        </p:spPr>
-        <p:style>
-          <a:lnRef idx="1">
-            <a:schemeClr val="accent1"/>
-          </a:lnRef>
-          <a:fillRef idx="0">
-            <a:schemeClr val="accent1"/>
-          </a:fillRef>
-          <a:effectRef idx="0">
-            <a:schemeClr val="accent1"/>
-          </a:effectRef>
-          <a:fontRef idx="minor">
-            <a:schemeClr val="tx1"/>
-          </a:fontRef>
-        </p:style>
-      </p:cxnSp>
-      <p:cxnSp>
-        <p:nvCxnSpPr>
-          <p:cNvPr id="37" name="Straight Arrow Connector 36"/>
-          <p:cNvCxnSpPr/>
-          <p:nvPr/>
-        </p:nvCxnSpPr>
-        <p:spPr>
-          <a:xfrm flipH="1">
-            <a:off x="3176579" y="432143"/>
-            <a:ext cx="257343" cy="269263"/>
-          </a:xfrm>
-          <a:prstGeom prst="straightConnector1">
-            <a:avLst/>
-          </a:prstGeom>
-          <a:ln>
-            <a:solidFill>
-              <a:schemeClr val="tx1"/>
-            </a:solidFill>
-            <a:tailEnd type="triangle"/>
-          </a:ln>
-        </p:spPr>
-        <p:style>
-          <a:lnRef idx="1">
-            <a:schemeClr val="accent1"/>
-          </a:lnRef>
-          <a:fillRef idx="0">
-            <a:schemeClr val="accent1"/>
-          </a:fillRef>
-          <a:effectRef idx="0">
-            <a:schemeClr val="accent1"/>
-          </a:effectRef>
-          <a:fontRef idx="minor">
-            <a:schemeClr val="tx1"/>
-          </a:fontRef>
-        </p:style>
-      </p:cxnSp>
       <p:grpSp>
         <p:nvGrpSpPr>
-          <p:cNvPr id="45" name="Group 44"/>
+          <p:cNvPr id="2" name="Group 1"/>
           <p:cNvGrpSpPr/>
           <p:nvPr/>
         </p:nvGrpSpPr>
         <p:grpSpPr>
           <a:xfrm>
-            <a:off x="300310" y="3185162"/>
-            <a:ext cx="3657317" cy="664380"/>
-            <a:chOff x="-191197" y="206896"/>
-            <a:chExt cx="3657317" cy="664380"/>
+            <a:off x="-52804" y="-6921"/>
+            <a:ext cx="4164038" cy="3856463"/>
+            <a:chOff x="-52804" y="-6921"/>
+            <a:chExt cx="4164038" cy="3856463"/>
           </a:xfrm>
         </p:grpSpPr>
+        <p:pic>
+          <p:nvPicPr>
+            <p:cNvPr id="6" name="Picture 5"/>
+            <p:cNvPicPr>
+              <a:picLocks noChangeAspect="1"/>
+            </p:cNvPicPr>
+            <p:nvPr/>
+          </p:nvPicPr>
+          <p:blipFill rotWithShape="1">
+            <a:blip r:embed="rId3" cstate="print">
+              <a:extLst>
+                <a:ext uri="{28A0092B-C50C-407E-A947-70E740481C1C}">
+                  <a14:useLocalDpi xmlns:a14="http://schemas.microsoft.com/office/drawing/2010/main" val="0"/>
+                </a:ext>
+              </a:extLst>
+            </a:blip>
+            <a:srcRect l="18290" t="4261" r="16641" b="5314"/>
+            <a:stretch/>
+          </p:blipFill>
+          <p:spPr>
+            <a:xfrm>
+              <a:off x="205718" y="-6921"/>
+              <a:ext cx="3756452" cy="2965583"/>
+            </a:xfrm>
+            <a:prstGeom prst="rect">
+              <a:avLst/>
+            </a:prstGeom>
+          </p:spPr>
+        </p:pic>
         <p:sp>
           <p:nvSpPr>
-            <p:cNvPr id="39" name="TextBox 38"/>
+            <p:cNvPr id="19" name="TextBox 18"/>
             <p:cNvSpPr txBox="1"/>
             <p:nvPr/>
           </p:nvSpPr>
           <p:spPr>
             <a:xfrm>
-              <a:off x="-100801" y="369166"/>
-              <a:ext cx="1718660" cy="366895"/>
+              <a:off x="671770" y="2265514"/>
+              <a:ext cx="1075182" cy="504177"/>
             </a:xfrm>
             <a:prstGeom prst="rect">
               <a:avLst/>
@@ -3822,42 +3478,60 @@
             </a:bodyPr>
             <a:lstStyle/>
             <a:p>
+              <a:pPr algn="ctr"/>
               <a:r>
                 <a:rPr lang="en-US" sz="892" dirty="0"/>
-                <a:t>1</a:t>
+                <a:t>Goal location(with and without platform)</a:t>
               </a:r>
-              <a:r>
-                <a:rPr lang="en-US" sz="892" baseline="30000" dirty="0"/>
-                <a:t>st</a:t>
-              </a:r>
-              <a:r>
-                <a:rPr lang="en-US" sz="892" dirty="0"/>
-                <a:t> </a:t>
-              </a:r>
-              <a:r>
-                <a:rPr lang="en-US" sz="892" dirty="0" smtClean="0"/>
-                <a:t>S.D. </a:t>
-              </a:r>
-              <a:r>
-                <a:rPr lang="en-US" sz="892" dirty="0"/>
-                <a:t>ellipse (without platform)</a:t>
-              </a:r>
-            </a:p>
-            <a:p>
-              <a:endParaRPr lang="en-US" sz="892" dirty="0"/>
             </a:p>
           </p:txBody>
         </p:sp>
+        <p:cxnSp>
+          <p:nvCxnSpPr>
+            <p:cNvPr id="21" name="Straight Arrow Connector 20"/>
+            <p:cNvCxnSpPr/>
+            <p:nvPr/>
+          </p:nvCxnSpPr>
+          <p:spPr>
+            <a:xfrm flipV="1">
+              <a:off x="1087181" y="1815155"/>
+              <a:ext cx="793735" cy="523422"/>
+            </a:xfrm>
+            <a:prstGeom prst="straightConnector1">
+              <a:avLst/>
+            </a:prstGeom>
+            <a:ln>
+              <a:solidFill>
+                <a:schemeClr val="tx1"/>
+              </a:solidFill>
+              <a:tailEnd type="triangle"/>
+            </a:ln>
+          </p:spPr>
+          <p:style>
+            <a:lnRef idx="1">
+              <a:schemeClr val="accent1"/>
+            </a:lnRef>
+            <a:fillRef idx="0">
+              <a:schemeClr val="accent1"/>
+            </a:fillRef>
+            <a:effectRef idx="0">
+              <a:schemeClr val="accent1"/>
+            </a:effectRef>
+            <a:fontRef idx="minor">
+              <a:schemeClr val="tx1"/>
+            </a:fontRef>
+          </p:style>
+        </p:cxnSp>
         <p:sp>
           <p:nvSpPr>
-            <p:cNvPr id="40" name="TextBox 39"/>
+            <p:cNvPr id="24" name="TextBox 23"/>
             <p:cNvSpPr txBox="1"/>
             <p:nvPr/>
           </p:nvSpPr>
           <p:spPr>
             <a:xfrm>
-              <a:off x="1592437" y="367099"/>
-              <a:ext cx="1873683" cy="504177"/>
+              <a:off x="493931" y="246835"/>
+              <a:ext cx="1420678" cy="229615"/>
             </a:xfrm>
             <a:prstGeom prst="rect">
               <a:avLst/>
@@ -3870,194 +3544,285 @@
             </a:bodyPr>
             <a:lstStyle/>
             <a:p>
-              <a:r>
-                <a:rPr lang="en-US" sz="892" dirty="0" smtClean="0"/>
-                <a:t>  2</a:t>
-              </a:r>
-              <a:r>
-                <a:rPr lang="en-US" sz="892" baseline="30000" dirty="0" smtClean="0"/>
-                <a:t>nd</a:t>
-              </a:r>
-              <a:r>
-                <a:rPr lang="en-US" sz="892" dirty="0" smtClean="0"/>
-                <a:t> S.D. </a:t>
-              </a:r>
+              <a:pPr algn="ctr"/>
               <a:r>
                 <a:rPr lang="en-US" sz="892" dirty="0"/>
-                <a:t>ellipse (without platform)</a:t>
+                <a:t>Mean (without platform)</a:t>
+              </a:r>
+            </a:p>
+          </p:txBody>
+        </p:sp>
+        <p:sp>
+          <p:nvSpPr>
+            <p:cNvPr id="25" name="TextBox 24"/>
+            <p:cNvSpPr txBox="1"/>
+            <p:nvPr/>
+          </p:nvSpPr>
+          <p:spPr>
+            <a:xfrm>
+              <a:off x="1746951" y="245291"/>
+              <a:ext cx="1420678" cy="229615"/>
+            </a:xfrm>
+            <a:prstGeom prst="rect">
+              <a:avLst/>
+            </a:prstGeom>
+            <a:noFill/>
+          </p:spPr>
+          <p:txBody>
+            <a:bodyPr wrap="square" rtlCol="0">
+              <a:spAutoFit/>
+            </a:bodyPr>
+            <a:lstStyle/>
+            <a:p>
+              <a:pPr algn="ctr"/>
+              <a:r>
+                <a:rPr lang="en-US" sz="892" dirty="0"/>
+                <a:t>Mean (with platform)</a:t>
+              </a:r>
+            </a:p>
+          </p:txBody>
+        </p:sp>
+        <p:cxnSp>
+          <p:nvCxnSpPr>
+            <p:cNvPr id="26" name="Straight Arrow Connector 25"/>
+            <p:cNvCxnSpPr/>
+            <p:nvPr/>
+          </p:nvCxnSpPr>
+          <p:spPr>
+            <a:xfrm>
+              <a:off x="1399088" y="415525"/>
+              <a:ext cx="597798" cy="1122578"/>
+            </a:xfrm>
+            <a:prstGeom prst="straightConnector1">
+              <a:avLst/>
+            </a:prstGeom>
+            <a:ln>
+              <a:solidFill>
+                <a:schemeClr val="tx1"/>
+              </a:solidFill>
+              <a:tailEnd type="triangle"/>
+            </a:ln>
+          </p:spPr>
+          <p:style>
+            <a:lnRef idx="1">
+              <a:schemeClr val="accent1"/>
+            </a:lnRef>
+            <a:fillRef idx="0">
+              <a:schemeClr val="accent1"/>
+            </a:fillRef>
+            <a:effectRef idx="0">
+              <a:schemeClr val="accent1"/>
+            </a:effectRef>
+            <a:fontRef idx="minor">
+              <a:schemeClr val="tx1"/>
+            </a:fontRef>
+          </p:style>
+        </p:cxnSp>
+        <p:cxnSp>
+          <p:nvCxnSpPr>
+            <p:cNvPr id="27" name="Straight Arrow Connector 26"/>
+            <p:cNvCxnSpPr/>
+            <p:nvPr/>
+          </p:nvCxnSpPr>
+          <p:spPr>
+            <a:xfrm flipH="1">
+              <a:off x="2125767" y="420333"/>
+              <a:ext cx="144535" cy="934685"/>
+            </a:xfrm>
+            <a:prstGeom prst="straightConnector1">
+              <a:avLst/>
+            </a:prstGeom>
+            <a:ln>
+              <a:solidFill>
+                <a:schemeClr val="tx1"/>
+              </a:solidFill>
+              <a:tailEnd type="triangle"/>
+            </a:ln>
+          </p:spPr>
+          <p:style>
+            <a:lnRef idx="1">
+              <a:schemeClr val="accent1"/>
+            </a:lnRef>
+            <a:fillRef idx="0">
+              <a:schemeClr val="accent1"/>
+            </a:fillRef>
+            <a:effectRef idx="0">
+              <a:schemeClr val="accent1"/>
+            </a:effectRef>
+            <a:fontRef idx="minor">
+              <a:schemeClr val="tx1"/>
+            </a:fontRef>
+          </p:style>
+        </p:cxnSp>
+        <p:sp>
+          <p:nvSpPr>
+            <p:cNvPr id="33" name="TextBox 32"/>
+            <p:cNvSpPr txBox="1"/>
+            <p:nvPr/>
+          </p:nvSpPr>
+          <p:spPr>
+            <a:xfrm>
+              <a:off x="2690556" y="135055"/>
+              <a:ext cx="1420678" cy="366895"/>
+            </a:xfrm>
+            <a:prstGeom prst="rect">
+              <a:avLst/>
+            </a:prstGeom>
+            <a:noFill/>
+          </p:spPr>
+          <p:txBody>
+            <a:bodyPr wrap="square" rtlCol="0">
+              <a:spAutoFit/>
+            </a:bodyPr>
+            <a:lstStyle/>
+            <a:p>
+              <a:pPr algn="ctr"/>
+              <a:r>
+                <a:rPr lang="en-US" sz="892" dirty="0"/>
+                <a:t>Landing locations</a:t>
               </a:r>
             </a:p>
             <a:p>
-              <a:endParaRPr lang="en-US" sz="892" dirty="0"/>
-            </a:p>
-            <a:p>
-              <a:endParaRPr lang="en-US" sz="892" dirty="0"/>
+              <a:pPr algn="ctr"/>
+              <a:r>
+                <a:rPr lang="en-US" sz="892" dirty="0"/>
+                <a:t> (with platform)</a:t>
+              </a:r>
             </a:p>
           </p:txBody>
         </p:sp>
+        <p:sp>
+          <p:nvSpPr>
+            <p:cNvPr id="34" name="TextBox 33"/>
+            <p:cNvSpPr txBox="1"/>
+            <p:nvPr/>
+          </p:nvSpPr>
+          <p:spPr>
+            <a:xfrm>
+              <a:off x="278080" y="438951"/>
+              <a:ext cx="1420678" cy="366895"/>
+            </a:xfrm>
+            <a:prstGeom prst="rect">
+              <a:avLst/>
+            </a:prstGeom>
+            <a:noFill/>
+          </p:spPr>
+          <p:txBody>
+            <a:bodyPr wrap="square" rtlCol="0">
+              <a:spAutoFit/>
+            </a:bodyPr>
+            <a:lstStyle/>
+            <a:p>
+              <a:pPr algn="ctr"/>
+              <a:r>
+                <a:rPr lang="en-US" sz="892" dirty="0"/>
+                <a:t>Landing locations</a:t>
+              </a:r>
+            </a:p>
+            <a:p>
+              <a:pPr algn="ctr"/>
+              <a:r>
+                <a:rPr lang="en-US" sz="892" dirty="0"/>
+                <a:t> (without platform)</a:t>
+              </a:r>
+            </a:p>
+          </p:txBody>
+        </p:sp>
+        <p:cxnSp>
+          <p:nvCxnSpPr>
+            <p:cNvPr id="35" name="Straight Arrow Connector 34"/>
+            <p:cNvCxnSpPr/>
+            <p:nvPr/>
+          </p:nvCxnSpPr>
+          <p:spPr>
+            <a:xfrm>
+              <a:off x="1087181" y="749452"/>
+              <a:ext cx="726679" cy="389774"/>
+            </a:xfrm>
+            <a:prstGeom prst="straightConnector1">
+              <a:avLst/>
+            </a:prstGeom>
+            <a:ln>
+              <a:solidFill>
+                <a:schemeClr val="tx1"/>
+              </a:solidFill>
+              <a:tailEnd type="triangle"/>
+            </a:ln>
+          </p:spPr>
+          <p:style>
+            <a:lnRef idx="1">
+              <a:schemeClr val="accent1"/>
+            </a:lnRef>
+            <a:fillRef idx="0">
+              <a:schemeClr val="accent1"/>
+            </a:fillRef>
+            <a:effectRef idx="0">
+              <a:schemeClr val="accent1"/>
+            </a:effectRef>
+            <a:fontRef idx="minor">
+              <a:schemeClr val="tx1"/>
+            </a:fontRef>
+          </p:style>
+        </p:cxnSp>
+        <p:cxnSp>
+          <p:nvCxnSpPr>
+            <p:cNvPr id="37" name="Straight Arrow Connector 36"/>
+            <p:cNvCxnSpPr/>
+            <p:nvPr/>
+          </p:nvCxnSpPr>
+          <p:spPr>
+            <a:xfrm flipH="1">
+              <a:off x="3176579" y="432143"/>
+              <a:ext cx="257343" cy="269263"/>
+            </a:xfrm>
+            <a:prstGeom prst="straightConnector1">
+              <a:avLst/>
+            </a:prstGeom>
+            <a:ln>
+              <a:solidFill>
+                <a:schemeClr val="tx1"/>
+              </a:solidFill>
+              <a:tailEnd type="triangle"/>
+            </a:ln>
+          </p:spPr>
+          <p:style>
+            <a:lnRef idx="1">
+              <a:schemeClr val="accent1"/>
+            </a:lnRef>
+            <a:fillRef idx="0">
+              <a:schemeClr val="accent1"/>
+            </a:fillRef>
+            <a:effectRef idx="0">
+              <a:schemeClr val="accent1"/>
+            </a:effectRef>
+            <a:fontRef idx="minor">
+              <a:schemeClr val="tx1"/>
+            </a:fontRef>
+          </p:style>
+        </p:cxnSp>
         <p:grpSp>
           <p:nvGrpSpPr>
-            <p:cNvPr id="43" name="Group 42"/>
+            <p:cNvPr id="45" name="Group 44"/>
             <p:cNvGrpSpPr/>
             <p:nvPr/>
           </p:nvGrpSpPr>
           <p:grpSpPr>
             <a:xfrm>
-              <a:off x="-191197" y="206896"/>
-              <a:ext cx="3571890" cy="374869"/>
+              <a:off x="300310" y="3185162"/>
+              <a:ext cx="3657317" cy="664380"/>
               <a:chOff x="-191197" y="206896"/>
-              <a:chExt cx="3571890" cy="374869"/>
+              <a:chExt cx="3657317" cy="664380"/>
             </a:xfrm>
           </p:grpSpPr>
-          <p:cxnSp>
-            <p:nvCxnSpPr>
-              <p:cNvPr id="5" name="Straight Connector 4"/>
-              <p:cNvCxnSpPr/>
-              <p:nvPr/>
-            </p:nvCxnSpPr>
-            <p:spPr>
-              <a:xfrm>
-                <a:off x="-191197" y="430087"/>
-                <a:ext cx="150687" cy="4073"/>
-              </a:xfrm>
-              <a:prstGeom prst="line">
-                <a:avLst/>
-              </a:prstGeom>
-              <a:ln w="12700">
-                <a:solidFill>
-                  <a:srgbClr val="990000"/>
-                </a:solidFill>
-              </a:ln>
-            </p:spPr>
-            <p:style>
-              <a:lnRef idx="1">
-                <a:schemeClr val="accent1"/>
-              </a:lnRef>
-              <a:fillRef idx="0">
-                <a:schemeClr val="accent1"/>
-              </a:fillRef>
-              <a:effectRef idx="0">
-                <a:schemeClr val="accent1"/>
-              </a:effectRef>
-              <a:fontRef idx="minor">
-                <a:schemeClr val="tx1"/>
-              </a:fontRef>
-            </p:style>
-          </p:cxnSp>
-          <p:cxnSp>
-            <p:nvCxnSpPr>
-              <p:cNvPr id="8" name="Straight Connector 7"/>
-              <p:cNvCxnSpPr/>
-              <p:nvPr/>
-            </p:nvCxnSpPr>
-            <p:spPr>
-              <a:xfrm>
-                <a:off x="1526827" y="430087"/>
-                <a:ext cx="150687" cy="4073"/>
-              </a:xfrm>
-              <a:prstGeom prst="line">
-                <a:avLst/>
-              </a:prstGeom>
-              <a:ln w="12700">
-                <a:solidFill>
-                  <a:srgbClr val="0000FF"/>
-                </a:solidFill>
-              </a:ln>
-            </p:spPr>
-            <p:style>
-              <a:lnRef idx="1">
-                <a:schemeClr val="accent1"/>
-              </a:lnRef>
-              <a:fillRef idx="0">
-                <a:schemeClr val="accent1"/>
-              </a:fillRef>
-              <a:effectRef idx="0">
-                <a:schemeClr val="accent1"/>
-              </a:effectRef>
-              <a:fontRef idx="minor">
-                <a:schemeClr val="tx1"/>
-              </a:fontRef>
-            </p:style>
-          </p:cxnSp>
-          <p:cxnSp>
-            <p:nvCxnSpPr>
-              <p:cNvPr id="9" name="Straight Connector 8"/>
-              <p:cNvCxnSpPr/>
-              <p:nvPr/>
-            </p:nvCxnSpPr>
-            <p:spPr>
-              <a:xfrm>
-                <a:off x="-191197" y="319881"/>
-                <a:ext cx="150687" cy="4073"/>
-              </a:xfrm>
-              <a:prstGeom prst="line">
-                <a:avLst/>
-              </a:prstGeom>
-              <a:ln w="12700">
-                <a:solidFill>
-                  <a:schemeClr val="tx1"/>
-                </a:solidFill>
-              </a:ln>
-            </p:spPr>
-            <p:style>
-              <a:lnRef idx="1">
-                <a:schemeClr val="accent1"/>
-              </a:lnRef>
-              <a:fillRef idx="0">
-                <a:schemeClr val="accent1"/>
-              </a:fillRef>
-              <a:effectRef idx="0">
-                <a:schemeClr val="accent1"/>
-              </a:effectRef>
-              <a:fontRef idx="minor">
-                <a:schemeClr val="tx1"/>
-              </a:fontRef>
-            </p:style>
-          </p:cxnSp>
-          <p:cxnSp>
-            <p:nvCxnSpPr>
-              <p:cNvPr id="10" name="Straight Connector 9"/>
-              <p:cNvCxnSpPr/>
-              <p:nvPr/>
-            </p:nvCxnSpPr>
-            <p:spPr>
-              <a:xfrm>
-                <a:off x="1530793" y="321474"/>
-                <a:ext cx="150687" cy="4073"/>
-              </a:xfrm>
-              <a:prstGeom prst="line">
-                <a:avLst/>
-              </a:prstGeom>
-              <a:ln w="12700">
-                <a:solidFill>
-                  <a:srgbClr val="FF00FF"/>
-                </a:solidFill>
-              </a:ln>
-            </p:spPr>
-            <p:style>
-              <a:lnRef idx="1">
-                <a:schemeClr val="accent1"/>
-              </a:lnRef>
-              <a:fillRef idx="0">
-                <a:schemeClr val="accent1"/>
-              </a:fillRef>
-              <a:effectRef idx="0">
-                <a:schemeClr val="accent1"/>
-              </a:effectRef>
-              <a:fontRef idx="minor">
-                <a:schemeClr val="tx1"/>
-              </a:fontRef>
-            </p:style>
-          </p:cxnSp>
           <p:sp>
             <p:nvSpPr>
-              <p:cNvPr id="41" name="TextBox 40"/>
+              <p:cNvPr id="39" name="TextBox 38"/>
               <p:cNvSpPr txBox="1"/>
               <p:nvPr/>
             </p:nvSpPr>
             <p:spPr>
               <a:xfrm>
-                <a:off x="-99400" y="214870"/>
+                <a:off x="-100801" y="369166"/>
                 <a:ext cx="1718660" cy="366895"/>
               </a:xfrm>
               <a:prstGeom prst="rect">
@@ -4089,7 +3854,7 @@
                 </a:r>
                 <a:r>
                   <a:rPr lang="en-US" sz="892" dirty="0"/>
-                  <a:t>ellipse (with platform)</a:t>
+                  <a:t>ellipse (without platform)</a:t>
                 </a:r>
               </a:p>
               <a:p>
@@ -4099,14 +3864,14 @@
           </p:sp>
           <p:sp>
             <p:nvSpPr>
-              <p:cNvPr id="42" name="TextBox 41"/>
+              <p:cNvPr id="40" name="TextBox 39"/>
               <p:cNvSpPr txBox="1"/>
               <p:nvPr/>
             </p:nvSpPr>
             <p:spPr>
               <a:xfrm>
-                <a:off x="1638842" y="206896"/>
-                <a:ext cx="1741851" cy="366895"/>
+                <a:off x="1592437" y="367099"/>
+                <a:ext cx="1873683" cy="504177"/>
               </a:xfrm>
               <a:prstGeom prst="rect">
                 <a:avLst/>
@@ -4120,101 +3885,427 @@
               <a:lstStyle/>
               <a:p>
                 <a:r>
-                  <a:rPr lang="en-US" sz="892" dirty="0"/>
-                  <a:t>2</a:t>
+                  <a:rPr lang="en-US" sz="892" dirty="0" smtClean="0"/>
+                  <a:t>  2</a:t>
                 </a:r>
                 <a:r>
-                  <a:rPr lang="en-US" sz="892" baseline="30000" dirty="0"/>
+                  <a:rPr lang="en-US" sz="892" baseline="30000" dirty="0" smtClean="0"/>
                   <a:t>nd</a:t>
                 </a:r>
                 <a:r>
-                  <a:rPr lang="en-US" sz="892" dirty="0"/>
-                  <a:t> </a:t>
-                </a:r>
-                <a:r>
                   <a:rPr lang="en-US" sz="892" dirty="0" smtClean="0"/>
-                  <a:t>S.D. </a:t>
+                  <a:t> S.D. </a:t>
                 </a:r>
                 <a:r>
                   <a:rPr lang="en-US" sz="892" dirty="0"/>
-                  <a:t>ellipse (</a:t>
+                  <a:t>ellipse (without platform)</a:t>
                 </a:r>
-                <a:r>
-                  <a:rPr lang="en-US" sz="892" dirty="0" smtClean="0"/>
-                  <a:t>with platform)</a:t>
-                </a:r>
+              </a:p>
+              <a:p>
+                <a:endParaRPr lang="en-US" sz="892" dirty="0"/>
               </a:p>
               <a:p>
                 <a:endParaRPr lang="en-US" sz="892" dirty="0"/>
               </a:p>
             </p:txBody>
           </p:sp>
+          <p:grpSp>
+            <p:nvGrpSpPr>
+              <p:cNvPr id="43" name="Group 42"/>
+              <p:cNvGrpSpPr/>
+              <p:nvPr/>
+            </p:nvGrpSpPr>
+            <p:grpSpPr>
+              <a:xfrm>
+                <a:off x="-191197" y="206896"/>
+                <a:ext cx="3571890" cy="374869"/>
+                <a:chOff x="-191197" y="206896"/>
+                <a:chExt cx="3571890" cy="374869"/>
+              </a:xfrm>
+            </p:grpSpPr>
+            <p:cxnSp>
+              <p:nvCxnSpPr>
+                <p:cNvPr id="5" name="Straight Connector 4"/>
+                <p:cNvCxnSpPr/>
+                <p:nvPr/>
+              </p:nvCxnSpPr>
+              <p:spPr>
+                <a:xfrm>
+                  <a:off x="-191197" y="430087"/>
+                  <a:ext cx="150687" cy="4073"/>
+                </a:xfrm>
+                <a:prstGeom prst="line">
+                  <a:avLst/>
+                </a:prstGeom>
+                <a:ln w="12700">
+                  <a:solidFill>
+                    <a:srgbClr val="990000"/>
+                  </a:solidFill>
+                </a:ln>
+              </p:spPr>
+              <p:style>
+                <a:lnRef idx="1">
+                  <a:schemeClr val="accent1"/>
+                </a:lnRef>
+                <a:fillRef idx="0">
+                  <a:schemeClr val="accent1"/>
+                </a:fillRef>
+                <a:effectRef idx="0">
+                  <a:schemeClr val="accent1"/>
+                </a:effectRef>
+                <a:fontRef idx="minor">
+                  <a:schemeClr val="tx1"/>
+                </a:fontRef>
+              </p:style>
+            </p:cxnSp>
+            <p:cxnSp>
+              <p:nvCxnSpPr>
+                <p:cNvPr id="8" name="Straight Connector 7"/>
+                <p:cNvCxnSpPr/>
+                <p:nvPr/>
+              </p:nvCxnSpPr>
+              <p:spPr>
+                <a:xfrm>
+                  <a:off x="1526827" y="430087"/>
+                  <a:ext cx="150687" cy="4073"/>
+                </a:xfrm>
+                <a:prstGeom prst="line">
+                  <a:avLst/>
+                </a:prstGeom>
+                <a:ln w="12700">
+                  <a:solidFill>
+                    <a:srgbClr val="0000FF"/>
+                  </a:solidFill>
+                </a:ln>
+              </p:spPr>
+              <p:style>
+                <a:lnRef idx="1">
+                  <a:schemeClr val="accent1"/>
+                </a:lnRef>
+                <a:fillRef idx="0">
+                  <a:schemeClr val="accent1"/>
+                </a:fillRef>
+                <a:effectRef idx="0">
+                  <a:schemeClr val="accent1"/>
+                </a:effectRef>
+                <a:fontRef idx="minor">
+                  <a:schemeClr val="tx1"/>
+                </a:fontRef>
+              </p:style>
+            </p:cxnSp>
+            <p:cxnSp>
+              <p:nvCxnSpPr>
+                <p:cNvPr id="9" name="Straight Connector 8"/>
+                <p:cNvCxnSpPr/>
+                <p:nvPr/>
+              </p:nvCxnSpPr>
+              <p:spPr>
+                <a:xfrm>
+                  <a:off x="-191197" y="319881"/>
+                  <a:ext cx="150687" cy="4073"/>
+                </a:xfrm>
+                <a:prstGeom prst="line">
+                  <a:avLst/>
+                </a:prstGeom>
+                <a:ln w="12700">
+                  <a:solidFill>
+                    <a:schemeClr val="tx1"/>
+                  </a:solidFill>
+                </a:ln>
+              </p:spPr>
+              <p:style>
+                <a:lnRef idx="1">
+                  <a:schemeClr val="accent1"/>
+                </a:lnRef>
+                <a:fillRef idx="0">
+                  <a:schemeClr val="accent1"/>
+                </a:fillRef>
+                <a:effectRef idx="0">
+                  <a:schemeClr val="accent1"/>
+                </a:effectRef>
+                <a:fontRef idx="minor">
+                  <a:schemeClr val="tx1"/>
+                </a:fontRef>
+              </p:style>
+            </p:cxnSp>
+            <p:cxnSp>
+              <p:nvCxnSpPr>
+                <p:cNvPr id="10" name="Straight Connector 9"/>
+                <p:cNvCxnSpPr/>
+                <p:nvPr/>
+              </p:nvCxnSpPr>
+              <p:spPr>
+                <a:xfrm>
+                  <a:off x="1530793" y="321474"/>
+                  <a:ext cx="150687" cy="4073"/>
+                </a:xfrm>
+                <a:prstGeom prst="line">
+                  <a:avLst/>
+                </a:prstGeom>
+                <a:ln w="12700">
+                  <a:solidFill>
+                    <a:srgbClr val="FF00FF"/>
+                  </a:solidFill>
+                </a:ln>
+              </p:spPr>
+              <p:style>
+                <a:lnRef idx="1">
+                  <a:schemeClr val="accent1"/>
+                </a:lnRef>
+                <a:fillRef idx="0">
+                  <a:schemeClr val="accent1"/>
+                </a:fillRef>
+                <a:effectRef idx="0">
+                  <a:schemeClr val="accent1"/>
+                </a:effectRef>
+                <a:fontRef idx="minor">
+                  <a:schemeClr val="tx1"/>
+                </a:fontRef>
+              </p:style>
+            </p:cxnSp>
+            <p:sp>
+              <p:nvSpPr>
+                <p:cNvPr id="41" name="TextBox 40"/>
+                <p:cNvSpPr txBox="1"/>
+                <p:nvPr/>
+              </p:nvSpPr>
+              <p:spPr>
+                <a:xfrm>
+                  <a:off x="-99400" y="214870"/>
+                  <a:ext cx="1718660" cy="366895"/>
+                </a:xfrm>
+                <a:prstGeom prst="rect">
+                  <a:avLst/>
+                </a:prstGeom>
+                <a:noFill/>
+              </p:spPr>
+              <p:txBody>
+                <a:bodyPr wrap="square" rtlCol="0">
+                  <a:spAutoFit/>
+                </a:bodyPr>
+                <a:lstStyle/>
+                <a:p>
+                  <a:r>
+                    <a:rPr lang="en-US" sz="892" dirty="0"/>
+                    <a:t>1</a:t>
+                  </a:r>
+                  <a:r>
+                    <a:rPr lang="en-US" sz="892" baseline="30000" dirty="0"/>
+                    <a:t>st</a:t>
+                  </a:r>
+                  <a:r>
+                    <a:rPr lang="en-US" sz="892" dirty="0"/>
+                    <a:t> </a:t>
+                  </a:r>
+                  <a:r>
+                    <a:rPr lang="en-US" sz="892" dirty="0" smtClean="0"/>
+                    <a:t>S.D. </a:t>
+                  </a:r>
+                  <a:r>
+                    <a:rPr lang="en-US" sz="892" dirty="0"/>
+                    <a:t>ellipse (with platform)</a:t>
+                  </a:r>
+                </a:p>
+                <a:p>
+                  <a:endParaRPr lang="en-US" sz="892" dirty="0"/>
+                </a:p>
+              </p:txBody>
+            </p:sp>
+            <p:sp>
+              <p:nvSpPr>
+                <p:cNvPr id="42" name="TextBox 41"/>
+                <p:cNvSpPr txBox="1"/>
+                <p:nvPr/>
+              </p:nvSpPr>
+              <p:spPr>
+                <a:xfrm>
+                  <a:off x="1638842" y="206896"/>
+                  <a:ext cx="1741851" cy="366895"/>
+                </a:xfrm>
+                <a:prstGeom prst="rect">
+                  <a:avLst/>
+                </a:prstGeom>
+                <a:noFill/>
+              </p:spPr>
+              <p:txBody>
+                <a:bodyPr wrap="square" rtlCol="0">
+                  <a:spAutoFit/>
+                </a:bodyPr>
+                <a:lstStyle/>
+                <a:p>
+                  <a:r>
+                    <a:rPr lang="en-US" sz="892" dirty="0"/>
+                    <a:t>2</a:t>
+                  </a:r>
+                  <a:r>
+                    <a:rPr lang="en-US" sz="892" baseline="30000" dirty="0"/>
+                    <a:t>nd</a:t>
+                  </a:r>
+                  <a:r>
+                    <a:rPr lang="en-US" sz="892" dirty="0"/>
+                    <a:t> </a:t>
+                  </a:r>
+                  <a:r>
+                    <a:rPr lang="en-US" sz="892" dirty="0" smtClean="0"/>
+                    <a:t>S.D. </a:t>
+                  </a:r>
+                  <a:r>
+                    <a:rPr lang="en-US" sz="892" dirty="0"/>
+                    <a:t>ellipse (</a:t>
+                  </a:r>
+                  <a:r>
+                    <a:rPr lang="en-US" sz="892" dirty="0" smtClean="0"/>
+                    <a:t>with platform)</a:t>
+                  </a:r>
+                </a:p>
+                <a:p>
+                  <a:endParaRPr lang="en-US" sz="892" dirty="0"/>
+                </a:p>
+              </p:txBody>
+            </p:sp>
+          </p:grpSp>
         </p:grpSp>
-      </p:grpSp>
-      <p:sp>
-        <p:nvSpPr>
-          <p:cNvPr id="47" name="TextBox 46"/>
-          <p:cNvSpPr txBox="1"/>
-          <p:nvPr/>
-        </p:nvSpPr>
-        <p:spPr>
-          <a:xfrm>
-            <a:off x="1466712" y="2927937"/>
-            <a:ext cx="1326165" cy="307777"/>
-          </a:xfrm>
-          <a:prstGeom prst="rect">
-            <a:avLst/>
-          </a:prstGeom>
-          <a:noFill/>
-        </p:spPr>
-        <p:txBody>
-          <a:bodyPr wrap="square" rtlCol="0">
-            <a:spAutoFit/>
-          </a:bodyPr>
-          <a:lstStyle/>
-          <a:p>
-            <a:r>
-              <a:rPr lang="en-US" sz="1400" dirty="0"/>
-              <a:t>X-distance (cm)</a:t>
-            </a:r>
-            <a:endParaRPr lang="en-US" sz="1400" dirty="0"/>
-          </a:p>
-        </p:txBody>
-      </p:sp>
-      <p:grpSp>
-        <p:nvGrpSpPr>
-          <p:cNvPr id="7" name="Group 6"/>
-          <p:cNvGrpSpPr/>
-          <p:nvPr/>
-        </p:nvGrpSpPr>
-        <p:grpSpPr>
-          <a:xfrm>
-            <a:off x="-52804" y="991791"/>
-            <a:ext cx="307777" cy="1326165"/>
-            <a:chOff x="-120977" y="801053"/>
-            <a:chExt cx="307777" cy="1326165"/>
-          </a:xfrm>
-        </p:grpSpPr>
         <p:sp>
           <p:nvSpPr>
-            <p:cNvPr id="49" name="Rectangle 48"/>
+            <p:cNvPr id="47" name="TextBox 46"/>
+            <p:cNvSpPr txBox="1"/>
+            <p:nvPr/>
+          </p:nvSpPr>
+          <p:spPr>
+            <a:xfrm>
+              <a:off x="1466712" y="2927937"/>
+              <a:ext cx="1326165" cy="307777"/>
+            </a:xfrm>
+            <a:prstGeom prst="rect">
+              <a:avLst/>
+            </a:prstGeom>
+            <a:noFill/>
+          </p:spPr>
+          <p:txBody>
+            <a:bodyPr wrap="square" rtlCol="0">
+              <a:spAutoFit/>
+            </a:bodyPr>
+            <a:lstStyle/>
+            <a:p>
+              <a:r>
+                <a:rPr lang="en-US" sz="1400" dirty="0"/>
+                <a:t>X-distance (cm)</a:t>
+              </a:r>
+            </a:p>
+          </p:txBody>
+        </p:sp>
+        <p:grpSp>
+          <p:nvGrpSpPr>
+            <p:cNvPr id="7" name="Group 6"/>
+            <p:cNvGrpSpPr/>
+            <p:nvPr/>
+          </p:nvGrpSpPr>
+          <p:grpSpPr>
+            <a:xfrm>
+              <a:off x="-52804" y="991791"/>
+              <a:ext cx="307777" cy="1326165"/>
+              <a:chOff x="-120977" y="801053"/>
+              <a:chExt cx="307777" cy="1326165"/>
+            </a:xfrm>
+          </p:grpSpPr>
+          <p:sp>
+            <p:nvSpPr>
+              <p:cNvPr id="49" name="Rectangle 48"/>
+              <p:cNvSpPr/>
+              <p:nvPr/>
+            </p:nvSpPr>
+            <p:spPr>
+              <a:xfrm rot="16200000">
+                <a:off x="-608485" y="1370554"/>
+                <a:ext cx="1280729" cy="193431"/>
+              </a:xfrm>
+              <a:prstGeom prst="rect">
+                <a:avLst/>
+              </a:prstGeom>
+              <a:solidFill>
+                <a:schemeClr val="bg1"/>
+              </a:solidFill>
+              <a:ln>
+                <a:solidFill>
+                  <a:schemeClr val="bg1"/>
+                </a:solidFill>
+              </a:ln>
+            </p:spPr>
+            <p:style>
+              <a:lnRef idx="2">
+                <a:schemeClr val="accent1">
+                  <a:shade val="50000"/>
+                </a:schemeClr>
+              </a:lnRef>
+              <a:fillRef idx="1">
+                <a:schemeClr val="accent1"/>
+              </a:fillRef>
+              <a:effectRef idx="0">
+                <a:schemeClr val="accent1"/>
+              </a:effectRef>
+              <a:fontRef idx="minor">
+                <a:schemeClr val="lt1"/>
+              </a:fontRef>
+            </p:style>
+            <p:txBody>
+              <a:bodyPr rtlCol="0" anchor="ctr"/>
+              <a:lstStyle/>
+              <a:p>
+                <a:pPr algn="ctr"/>
+                <a:endParaRPr lang="en-US"/>
+              </a:p>
+            </p:txBody>
+          </p:sp>
+          <p:sp>
+            <p:nvSpPr>
+              <p:cNvPr id="52" name="TextBox 51"/>
+              <p:cNvSpPr txBox="1"/>
+              <p:nvPr/>
+            </p:nvSpPr>
+            <p:spPr>
+              <a:xfrm rot="16200000">
+                <a:off x="-630171" y="1310247"/>
+                <a:ext cx="1326165" cy="307777"/>
+              </a:xfrm>
+              <a:prstGeom prst="rect">
+                <a:avLst/>
+              </a:prstGeom>
+              <a:noFill/>
+            </p:spPr>
+            <p:txBody>
+              <a:bodyPr wrap="square" rtlCol="0">
+                <a:spAutoFit/>
+              </a:bodyPr>
+              <a:lstStyle/>
+              <a:p>
+                <a:r>
+                  <a:rPr lang="en-US" sz="1400" dirty="0"/>
+                  <a:t>Y-distance (cm)</a:t>
+                </a:r>
+              </a:p>
+            </p:txBody>
+          </p:sp>
+        </p:grpSp>
+        <p:sp>
+          <p:nvSpPr>
+            <p:cNvPr id="17" name="Rounded Rectangle 16"/>
             <p:cNvSpPr/>
             <p:nvPr/>
           </p:nvSpPr>
           <p:spPr>
-            <a:xfrm rot="16200000">
-              <a:off x="-608485" y="1370554"/>
-              <a:ext cx="1280729" cy="193431"/>
+            <a:xfrm>
+              <a:off x="1979965" y="1554009"/>
+              <a:ext cx="79866" cy="76880"/>
             </a:xfrm>
-            <a:prstGeom prst="rect">
+            <a:prstGeom prst="roundRect">
               <a:avLst/>
             </a:prstGeom>
             <a:solidFill>
-              <a:schemeClr val="bg1"/>
+              <a:srgbClr val="FFFF00"/>
             </a:solidFill>
-            <a:ln>
+            <a:ln w="6350">
               <a:solidFill>
-                <a:schemeClr val="bg1"/>
+                <a:schemeClr val="tx1"/>
               </a:solidFill>
             </a:ln>
           </p:spPr>
@@ -4243,89 +4334,7 @@
             </a:p>
           </p:txBody>
         </p:sp>
-        <p:sp>
-          <p:nvSpPr>
-            <p:cNvPr id="52" name="TextBox 51"/>
-            <p:cNvSpPr txBox="1"/>
-            <p:nvPr/>
-          </p:nvSpPr>
-          <p:spPr>
-            <a:xfrm rot="16200000">
-              <a:off x="-630171" y="1310247"/>
-              <a:ext cx="1326165" cy="307777"/>
-            </a:xfrm>
-            <a:prstGeom prst="rect">
-              <a:avLst/>
-            </a:prstGeom>
-            <a:noFill/>
-          </p:spPr>
-          <p:txBody>
-            <a:bodyPr wrap="square" rtlCol="0">
-              <a:spAutoFit/>
-            </a:bodyPr>
-            <a:lstStyle/>
-            <a:p>
-              <a:r>
-                <a:rPr lang="en-US" sz="1400" dirty="0"/>
-                <a:t>Y</a:t>
-              </a:r>
-              <a:r>
-                <a:rPr lang="en-US" sz="1400" dirty="0"/>
-                <a:t>-distance (cm)</a:t>
-              </a:r>
-              <a:endParaRPr lang="en-US" sz="1400" dirty="0"/>
-            </a:p>
-          </p:txBody>
-        </p:sp>
       </p:grpSp>
-      <p:sp>
-        <p:nvSpPr>
-          <p:cNvPr id="17" name="Rounded Rectangle 16"/>
-          <p:cNvSpPr/>
-          <p:nvPr/>
-        </p:nvSpPr>
-        <p:spPr>
-          <a:xfrm>
-            <a:off x="1979965" y="1554009"/>
-            <a:ext cx="79866" cy="76880"/>
-          </a:xfrm>
-          <a:prstGeom prst="roundRect">
-            <a:avLst/>
-          </a:prstGeom>
-          <a:solidFill>
-            <a:srgbClr val="FFFF00"/>
-          </a:solidFill>
-          <a:ln w="6350">
-            <a:solidFill>
-              <a:schemeClr val="tx1"/>
-            </a:solidFill>
-          </a:ln>
-        </p:spPr>
-        <p:style>
-          <a:lnRef idx="2">
-            <a:schemeClr val="accent1">
-              <a:shade val="50000"/>
-            </a:schemeClr>
-          </a:lnRef>
-          <a:fillRef idx="1">
-            <a:schemeClr val="accent1"/>
-          </a:fillRef>
-          <a:effectRef idx="0">
-            <a:schemeClr val="accent1"/>
-          </a:effectRef>
-          <a:fontRef idx="minor">
-            <a:schemeClr val="lt1"/>
-          </a:fontRef>
-        </p:style>
-        <p:txBody>
-          <a:bodyPr rtlCol="0" anchor="ctr"/>
-          <a:lstStyle/>
-          <a:p>
-            <a:pPr algn="ctr"/>
-            <a:endParaRPr lang="en-US"/>
-          </a:p>
-        </p:txBody>
-      </p:sp>
     </p:spTree>
     <p:extLst>
       <p:ext uri="{BB962C8B-B14F-4D97-AF65-F5344CB8AC3E}">

--- a/Seismic Drones/CASE-2016/pictures/exp_2_ellipse.pptx
+++ b/Seismic Drones/CASE-2016/pictures/exp_2_ellipse.pptx
@@ -197,7 +197,7 @@
           <a:p>
             <a:fld id="{AA1C6256-7E50-4653-8D7D-F1FCAAC977E8}" type="datetimeFigureOut">
               <a:rPr lang="en-US" smtClean="0"/>
-              <a:t>6/14/2016</a:t>
+              <a:t>6/29/2016</a:t>
             </a:fld>
             <a:endParaRPr lang="en-US"/>
           </a:p>
@@ -685,7 +685,7 @@
           <a:p>
             <a:fld id="{EF27D29F-6681-4284-A19E-BDF58AC0366A}" type="datetimeFigureOut">
               <a:rPr lang="en-US" smtClean="0"/>
-              <a:t>6/14/2016</a:t>
+              <a:t>6/29/2016</a:t>
             </a:fld>
             <a:endParaRPr lang="en-US"/>
           </a:p>
@@ -855,7 +855,7 @@
           <a:p>
             <a:fld id="{EF27D29F-6681-4284-A19E-BDF58AC0366A}" type="datetimeFigureOut">
               <a:rPr lang="en-US" smtClean="0"/>
-              <a:t>6/14/2016</a:t>
+              <a:t>6/29/2016</a:t>
             </a:fld>
             <a:endParaRPr lang="en-US"/>
           </a:p>
@@ -1035,7 +1035,7 @@
           <a:p>
             <a:fld id="{EF27D29F-6681-4284-A19E-BDF58AC0366A}" type="datetimeFigureOut">
               <a:rPr lang="en-US" smtClean="0"/>
-              <a:t>6/14/2016</a:t>
+              <a:t>6/29/2016</a:t>
             </a:fld>
             <a:endParaRPr lang="en-US"/>
           </a:p>
@@ -1205,7 +1205,7 @@
           <a:p>
             <a:fld id="{EF27D29F-6681-4284-A19E-BDF58AC0366A}" type="datetimeFigureOut">
               <a:rPr lang="en-US" smtClean="0"/>
-              <a:t>6/14/2016</a:t>
+              <a:t>6/29/2016</a:t>
             </a:fld>
             <a:endParaRPr lang="en-US"/>
           </a:p>
@@ -1449,7 +1449,7 @@
           <a:p>
             <a:fld id="{EF27D29F-6681-4284-A19E-BDF58AC0366A}" type="datetimeFigureOut">
               <a:rPr lang="en-US" smtClean="0"/>
-              <a:t>6/14/2016</a:t>
+              <a:t>6/29/2016</a:t>
             </a:fld>
             <a:endParaRPr lang="en-US"/>
           </a:p>
@@ -1681,7 +1681,7 @@
           <a:p>
             <a:fld id="{EF27D29F-6681-4284-A19E-BDF58AC0366A}" type="datetimeFigureOut">
               <a:rPr lang="en-US" smtClean="0"/>
-              <a:t>6/14/2016</a:t>
+              <a:t>6/29/2016</a:t>
             </a:fld>
             <a:endParaRPr lang="en-US"/>
           </a:p>
@@ -2048,7 +2048,7 @@
           <a:p>
             <a:fld id="{EF27D29F-6681-4284-A19E-BDF58AC0366A}" type="datetimeFigureOut">
               <a:rPr lang="en-US" smtClean="0"/>
-              <a:t>6/14/2016</a:t>
+              <a:t>6/29/2016</a:t>
             </a:fld>
             <a:endParaRPr lang="en-US"/>
           </a:p>
@@ -2166,7 +2166,7 @@
           <a:p>
             <a:fld id="{EF27D29F-6681-4284-A19E-BDF58AC0366A}" type="datetimeFigureOut">
               <a:rPr lang="en-US" smtClean="0"/>
-              <a:t>6/14/2016</a:t>
+              <a:t>6/29/2016</a:t>
             </a:fld>
             <a:endParaRPr lang="en-US"/>
           </a:p>
@@ -2261,7 +2261,7 @@
           <a:p>
             <a:fld id="{EF27D29F-6681-4284-A19E-BDF58AC0366A}" type="datetimeFigureOut">
               <a:rPr lang="en-US" smtClean="0"/>
-              <a:t>6/14/2016</a:t>
+              <a:t>6/29/2016</a:t>
             </a:fld>
             <a:endParaRPr lang="en-US"/>
           </a:p>
@@ -2538,7 +2538,7 @@
           <a:p>
             <a:fld id="{EF27D29F-6681-4284-A19E-BDF58AC0366A}" type="datetimeFigureOut">
               <a:rPr lang="en-US" smtClean="0"/>
-              <a:t>6/14/2016</a:t>
+              <a:t>6/29/2016</a:t>
             </a:fld>
             <a:endParaRPr lang="en-US"/>
           </a:p>
@@ -2795,7 +2795,7 @@
           <a:p>
             <a:fld id="{EF27D29F-6681-4284-A19E-BDF58AC0366A}" type="datetimeFigureOut">
               <a:rPr lang="en-US" smtClean="0"/>
-              <a:t>6/14/2016</a:t>
+              <a:t>6/29/2016</a:t>
             </a:fld>
             <a:endParaRPr lang="en-US"/>
           </a:p>
@@ -3008,7 +3008,7 @@
           <a:p>
             <a:fld id="{EF27D29F-6681-4284-A19E-BDF58AC0366A}" type="datetimeFigureOut">
               <a:rPr lang="en-US" smtClean="0"/>
-              <a:t>6/14/2016</a:t>
+              <a:t>6/29/2016</a:t>
             </a:fld>
             <a:endParaRPr lang="en-US"/>
           </a:p>
@@ -3413,928 +3413,30 @@
           <a:chExt cx="0" cy="0"/>
         </a:xfrm>
       </p:grpSpPr>
-      <p:grpSp>
-        <p:nvGrpSpPr>
-          <p:cNvPr id="2" name="Group 1"/>
-          <p:cNvGrpSpPr/>
+      <p:pic>
+        <p:nvPicPr>
+          <p:cNvPr id="29" name="Picture 28"/>
+          <p:cNvPicPr>
+            <a:picLocks noChangeAspect="1"/>
+          </p:cNvPicPr>
           <p:nvPr/>
-        </p:nvGrpSpPr>
-        <p:grpSpPr>
+        </p:nvPicPr>
+        <p:blipFill>
+          <a:blip r:embed="rId3"/>
+          <a:stretch>
+            <a:fillRect/>
+          </a:stretch>
+        </p:blipFill>
+        <p:spPr>
           <a:xfrm>
-            <a:off x="-52804" y="-6921"/>
-            <a:ext cx="4164038" cy="3856463"/>
-            <a:chOff x="-52804" y="-6921"/>
-            <a:chExt cx="4164038" cy="3856463"/>
+            <a:off x="0" y="0"/>
+            <a:ext cx="4000500" cy="3548063"/>
           </a:xfrm>
-        </p:grpSpPr>
-        <p:pic>
-          <p:nvPicPr>
-            <p:cNvPr id="6" name="Picture 5"/>
-            <p:cNvPicPr>
-              <a:picLocks noChangeAspect="1"/>
-            </p:cNvPicPr>
-            <p:nvPr/>
-          </p:nvPicPr>
-          <p:blipFill rotWithShape="1">
-            <a:blip r:embed="rId3" cstate="print">
-              <a:extLst>
-                <a:ext uri="{28A0092B-C50C-407E-A947-70E740481C1C}">
-                  <a14:useLocalDpi xmlns:a14="http://schemas.microsoft.com/office/drawing/2010/main" val="0"/>
-                </a:ext>
-              </a:extLst>
-            </a:blip>
-            <a:srcRect l="18290" t="4261" r="16641" b="5314"/>
-            <a:stretch/>
-          </p:blipFill>
-          <p:spPr>
-            <a:xfrm>
-              <a:off x="205718" y="-6921"/>
-              <a:ext cx="3756452" cy="2965583"/>
-            </a:xfrm>
-            <a:prstGeom prst="rect">
-              <a:avLst/>
-            </a:prstGeom>
-          </p:spPr>
-        </p:pic>
-        <p:sp>
-          <p:nvSpPr>
-            <p:cNvPr id="19" name="TextBox 18"/>
-            <p:cNvSpPr txBox="1"/>
-            <p:nvPr/>
-          </p:nvSpPr>
-          <p:spPr>
-            <a:xfrm>
-              <a:off x="671770" y="2265514"/>
-              <a:ext cx="1075182" cy="504177"/>
-            </a:xfrm>
-            <a:prstGeom prst="rect">
-              <a:avLst/>
-            </a:prstGeom>
-            <a:noFill/>
-          </p:spPr>
-          <p:txBody>
-            <a:bodyPr wrap="square" rtlCol="0">
-              <a:spAutoFit/>
-            </a:bodyPr>
-            <a:lstStyle/>
-            <a:p>
-              <a:pPr algn="ctr"/>
-              <a:r>
-                <a:rPr lang="en-US" sz="892" dirty="0"/>
-                <a:t>Goal location(with and without platform)</a:t>
-              </a:r>
-            </a:p>
-          </p:txBody>
-        </p:sp>
-        <p:cxnSp>
-          <p:nvCxnSpPr>
-            <p:cNvPr id="21" name="Straight Arrow Connector 20"/>
-            <p:cNvCxnSpPr/>
-            <p:nvPr/>
-          </p:nvCxnSpPr>
-          <p:spPr>
-            <a:xfrm flipV="1">
-              <a:off x="1087181" y="1815155"/>
-              <a:ext cx="793735" cy="523422"/>
-            </a:xfrm>
-            <a:prstGeom prst="straightConnector1">
-              <a:avLst/>
-            </a:prstGeom>
-            <a:ln>
-              <a:solidFill>
-                <a:schemeClr val="tx1"/>
-              </a:solidFill>
-              <a:tailEnd type="triangle"/>
-            </a:ln>
-          </p:spPr>
-          <p:style>
-            <a:lnRef idx="1">
-              <a:schemeClr val="accent1"/>
-            </a:lnRef>
-            <a:fillRef idx="0">
-              <a:schemeClr val="accent1"/>
-            </a:fillRef>
-            <a:effectRef idx="0">
-              <a:schemeClr val="accent1"/>
-            </a:effectRef>
-            <a:fontRef idx="minor">
-              <a:schemeClr val="tx1"/>
-            </a:fontRef>
-          </p:style>
-        </p:cxnSp>
-        <p:sp>
-          <p:nvSpPr>
-            <p:cNvPr id="24" name="TextBox 23"/>
-            <p:cNvSpPr txBox="1"/>
-            <p:nvPr/>
-          </p:nvSpPr>
-          <p:spPr>
-            <a:xfrm>
-              <a:off x="493931" y="246835"/>
-              <a:ext cx="1420678" cy="229615"/>
-            </a:xfrm>
-            <a:prstGeom prst="rect">
-              <a:avLst/>
-            </a:prstGeom>
-            <a:noFill/>
-          </p:spPr>
-          <p:txBody>
-            <a:bodyPr wrap="square" rtlCol="0">
-              <a:spAutoFit/>
-            </a:bodyPr>
-            <a:lstStyle/>
-            <a:p>
-              <a:pPr algn="ctr"/>
-              <a:r>
-                <a:rPr lang="en-US" sz="892" dirty="0"/>
-                <a:t>Mean (without platform)</a:t>
-              </a:r>
-            </a:p>
-          </p:txBody>
-        </p:sp>
-        <p:sp>
-          <p:nvSpPr>
-            <p:cNvPr id="25" name="TextBox 24"/>
-            <p:cNvSpPr txBox="1"/>
-            <p:nvPr/>
-          </p:nvSpPr>
-          <p:spPr>
-            <a:xfrm>
-              <a:off x="1746951" y="245291"/>
-              <a:ext cx="1420678" cy="229615"/>
-            </a:xfrm>
-            <a:prstGeom prst="rect">
-              <a:avLst/>
-            </a:prstGeom>
-            <a:noFill/>
-          </p:spPr>
-          <p:txBody>
-            <a:bodyPr wrap="square" rtlCol="0">
-              <a:spAutoFit/>
-            </a:bodyPr>
-            <a:lstStyle/>
-            <a:p>
-              <a:pPr algn="ctr"/>
-              <a:r>
-                <a:rPr lang="en-US" sz="892" dirty="0"/>
-                <a:t>Mean (with platform)</a:t>
-              </a:r>
-            </a:p>
-          </p:txBody>
-        </p:sp>
-        <p:cxnSp>
-          <p:nvCxnSpPr>
-            <p:cNvPr id="26" name="Straight Arrow Connector 25"/>
-            <p:cNvCxnSpPr/>
-            <p:nvPr/>
-          </p:nvCxnSpPr>
-          <p:spPr>
-            <a:xfrm>
-              <a:off x="1399088" y="415525"/>
-              <a:ext cx="597798" cy="1122578"/>
-            </a:xfrm>
-            <a:prstGeom prst="straightConnector1">
-              <a:avLst/>
-            </a:prstGeom>
-            <a:ln>
-              <a:solidFill>
-                <a:schemeClr val="tx1"/>
-              </a:solidFill>
-              <a:tailEnd type="triangle"/>
-            </a:ln>
-          </p:spPr>
-          <p:style>
-            <a:lnRef idx="1">
-              <a:schemeClr val="accent1"/>
-            </a:lnRef>
-            <a:fillRef idx="0">
-              <a:schemeClr val="accent1"/>
-            </a:fillRef>
-            <a:effectRef idx="0">
-              <a:schemeClr val="accent1"/>
-            </a:effectRef>
-            <a:fontRef idx="minor">
-              <a:schemeClr val="tx1"/>
-            </a:fontRef>
-          </p:style>
-        </p:cxnSp>
-        <p:cxnSp>
-          <p:nvCxnSpPr>
-            <p:cNvPr id="27" name="Straight Arrow Connector 26"/>
-            <p:cNvCxnSpPr/>
-            <p:nvPr/>
-          </p:nvCxnSpPr>
-          <p:spPr>
-            <a:xfrm flipH="1">
-              <a:off x="2125767" y="420333"/>
-              <a:ext cx="144535" cy="934685"/>
-            </a:xfrm>
-            <a:prstGeom prst="straightConnector1">
-              <a:avLst/>
-            </a:prstGeom>
-            <a:ln>
-              <a:solidFill>
-                <a:schemeClr val="tx1"/>
-              </a:solidFill>
-              <a:tailEnd type="triangle"/>
-            </a:ln>
-          </p:spPr>
-          <p:style>
-            <a:lnRef idx="1">
-              <a:schemeClr val="accent1"/>
-            </a:lnRef>
-            <a:fillRef idx="0">
-              <a:schemeClr val="accent1"/>
-            </a:fillRef>
-            <a:effectRef idx="0">
-              <a:schemeClr val="accent1"/>
-            </a:effectRef>
-            <a:fontRef idx="minor">
-              <a:schemeClr val="tx1"/>
-            </a:fontRef>
-          </p:style>
-        </p:cxnSp>
-        <p:sp>
-          <p:nvSpPr>
-            <p:cNvPr id="33" name="TextBox 32"/>
-            <p:cNvSpPr txBox="1"/>
-            <p:nvPr/>
-          </p:nvSpPr>
-          <p:spPr>
-            <a:xfrm>
-              <a:off x="2690556" y="135055"/>
-              <a:ext cx="1420678" cy="366895"/>
-            </a:xfrm>
-            <a:prstGeom prst="rect">
-              <a:avLst/>
-            </a:prstGeom>
-            <a:noFill/>
-          </p:spPr>
-          <p:txBody>
-            <a:bodyPr wrap="square" rtlCol="0">
-              <a:spAutoFit/>
-            </a:bodyPr>
-            <a:lstStyle/>
-            <a:p>
-              <a:pPr algn="ctr"/>
-              <a:r>
-                <a:rPr lang="en-US" sz="892" dirty="0"/>
-                <a:t>Landing locations</a:t>
-              </a:r>
-            </a:p>
-            <a:p>
-              <a:pPr algn="ctr"/>
-              <a:r>
-                <a:rPr lang="en-US" sz="892" dirty="0"/>
-                <a:t> (with platform)</a:t>
-              </a:r>
-            </a:p>
-          </p:txBody>
-        </p:sp>
-        <p:sp>
-          <p:nvSpPr>
-            <p:cNvPr id="34" name="TextBox 33"/>
-            <p:cNvSpPr txBox="1"/>
-            <p:nvPr/>
-          </p:nvSpPr>
-          <p:spPr>
-            <a:xfrm>
-              <a:off x="278080" y="438951"/>
-              <a:ext cx="1420678" cy="366895"/>
-            </a:xfrm>
-            <a:prstGeom prst="rect">
-              <a:avLst/>
-            </a:prstGeom>
-            <a:noFill/>
-          </p:spPr>
-          <p:txBody>
-            <a:bodyPr wrap="square" rtlCol="0">
-              <a:spAutoFit/>
-            </a:bodyPr>
-            <a:lstStyle/>
-            <a:p>
-              <a:pPr algn="ctr"/>
-              <a:r>
-                <a:rPr lang="en-US" sz="892" dirty="0"/>
-                <a:t>Landing locations</a:t>
-              </a:r>
-            </a:p>
-            <a:p>
-              <a:pPr algn="ctr"/>
-              <a:r>
-                <a:rPr lang="en-US" sz="892" dirty="0"/>
-                <a:t> (without platform)</a:t>
-              </a:r>
-            </a:p>
-          </p:txBody>
-        </p:sp>
-        <p:cxnSp>
-          <p:nvCxnSpPr>
-            <p:cNvPr id="35" name="Straight Arrow Connector 34"/>
-            <p:cNvCxnSpPr/>
-            <p:nvPr/>
-          </p:nvCxnSpPr>
-          <p:spPr>
-            <a:xfrm>
-              <a:off x="1087181" y="749452"/>
-              <a:ext cx="726679" cy="389774"/>
-            </a:xfrm>
-            <a:prstGeom prst="straightConnector1">
-              <a:avLst/>
-            </a:prstGeom>
-            <a:ln>
-              <a:solidFill>
-                <a:schemeClr val="tx1"/>
-              </a:solidFill>
-              <a:tailEnd type="triangle"/>
-            </a:ln>
-          </p:spPr>
-          <p:style>
-            <a:lnRef idx="1">
-              <a:schemeClr val="accent1"/>
-            </a:lnRef>
-            <a:fillRef idx="0">
-              <a:schemeClr val="accent1"/>
-            </a:fillRef>
-            <a:effectRef idx="0">
-              <a:schemeClr val="accent1"/>
-            </a:effectRef>
-            <a:fontRef idx="minor">
-              <a:schemeClr val="tx1"/>
-            </a:fontRef>
-          </p:style>
-        </p:cxnSp>
-        <p:cxnSp>
-          <p:nvCxnSpPr>
-            <p:cNvPr id="37" name="Straight Arrow Connector 36"/>
-            <p:cNvCxnSpPr/>
-            <p:nvPr/>
-          </p:nvCxnSpPr>
-          <p:spPr>
-            <a:xfrm flipH="1">
-              <a:off x="3176579" y="432143"/>
-              <a:ext cx="257343" cy="269263"/>
-            </a:xfrm>
-            <a:prstGeom prst="straightConnector1">
-              <a:avLst/>
-            </a:prstGeom>
-            <a:ln>
-              <a:solidFill>
-                <a:schemeClr val="tx1"/>
-              </a:solidFill>
-              <a:tailEnd type="triangle"/>
-            </a:ln>
-          </p:spPr>
-          <p:style>
-            <a:lnRef idx="1">
-              <a:schemeClr val="accent1"/>
-            </a:lnRef>
-            <a:fillRef idx="0">
-              <a:schemeClr val="accent1"/>
-            </a:fillRef>
-            <a:effectRef idx="0">
-              <a:schemeClr val="accent1"/>
-            </a:effectRef>
-            <a:fontRef idx="minor">
-              <a:schemeClr val="tx1"/>
-            </a:fontRef>
-          </p:style>
-        </p:cxnSp>
-        <p:grpSp>
-          <p:nvGrpSpPr>
-            <p:cNvPr id="45" name="Group 44"/>
-            <p:cNvGrpSpPr/>
-            <p:nvPr/>
-          </p:nvGrpSpPr>
-          <p:grpSpPr>
-            <a:xfrm>
-              <a:off x="300310" y="3185162"/>
-              <a:ext cx="3657317" cy="664380"/>
-              <a:chOff x="-191197" y="206896"/>
-              <a:chExt cx="3657317" cy="664380"/>
-            </a:xfrm>
-          </p:grpSpPr>
-          <p:sp>
-            <p:nvSpPr>
-              <p:cNvPr id="39" name="TextBox 38"/>
-              <p:cNvSpPr txBox="1"/>
-              <p:nvPr/>
-            </p:nvSpPr>
-            <p:spPr>
-              <a:xfrm>
-                <a:off x="-100801" y="369166"/>
-                <a:ext cx="1718660" cy="366895"/>
-              </a:xfrm>
-              <a:prstGeom prst="rect">
-                <a:avLst/>
-              </a:prstGeom>
-              <a:noFill/>
-            </p:spPr>
-            <p:txBody>
-              <a:bodyPr wrap="square" rtlCol="0">
-                <a:spAutoFit/>
-              </a:bodyPr>
-              <a:lstStyle/>
-              <a:p>
-                <a:r>
-                  <a:rPr lang="en-US" sz="892" dirty="0"/>
-                  <a:t>1</a:t>
-                </a:r>
-                <a:r>
-                  <a:rPr lang="en-US" sz="892" baseline="30000" dirty="0"/>
-                  <a:t>st</a:t>
-                </a:r>
-                <a:r>
-                  <a:rPr lang="en-US" sz="892" dirty="0"/>
-                  <a:t> </a:t>
-                </a:r>
-                <a:r>
-                  <a:rPr lang="en-US" sz="892" dirty="0" smtClean="0"/>
-                  <a:t>S.D. </a:t>
-                </a:r>
-                <a:r>
-                  <a:rPr lang="en-US" sz="892" dirty="0"/>
-                  <a:t>ellipse (without platform)</a:t>
-                </a:r>
-              </a:p>
-              <a:p>
-                <a:endParaRPr lang="en-US" sz="892" dirty="0"/>
-              </a:p>
-            </p:txBody>
-          </p:sp>
-          <p:sp>
-            <p:nvSpPr>
-              <p:cNvPr id="40" name="TextBox 39"/>
-              <p:cNvSpPr txBox="1"/>
-              <p:nvPr/>
-            </p:nvSpPr>
-            <p:spPr>
-              <a:xfrm>
-                <a:off x="1592437" y="367099"/>
-                <a:ext cx="1873683" cy="504177"/>
-              </a:xfrm>
-              <a:prstGeom prst="rect">
-                <a:avLst/>
-              </a:prstGeom>
-              <a:noFill/>
-            </p:spPr>
-            <p:txBody>
-              <a:bodyPr wrap="square" rtlCol="0">
-                <a:spAutoFit/>
-              </a:bodyPr>
-              <a:lstStyle/>
-              <a:p>
-                <a:r>
-                  <a:rPr lang="en-US" sz="892" dirty="0" smtClean="0"/>
-                  <a:t>  2</a:t>
-                </a:r>
-                <a:r>
-                  <a:rPr lang="en-US" sz="892" baseline="30000" dirty="0" smtClean="0"/>
-                  <a:t>nd</a:t>
-                </a:r>
-                <a:r>
-                  <a:rPr lang="en-US" sz="892" dirty="0" smtClean="0"/>
-                  <a:t> S.D. </a:t>
-                </a:r>
-                <a:r>
-                  <a:rPr lang="en-US" sz="892" dirty="0"/>
-                  <a:t>ellipse (without platform)</a:t>
-                </a:r>
-              </a:p>
-              <a:p>
-                <a:endParaRPr lang="en-US" sz="892" dirty="0"/>
-              </a:p>
-              <a:p>
-                <a:endParaRPr lang="en-US" sz="892" dirty="0"/>
-              </a:p>
-            </p:txBody>
-          </p:sp>
-          <p:grpSp>
-            <p:nvGrpSpPr>
-              <p:cNvPr id="43" name="Group 42"/>
-              <p:cNvGrpSpPr/>
-              <p:nvPr/>
-            </p:nvGrpSpPr>
-            <p:grpSpPr>
-              <a:xfrm>
-                <a:off x="-191197" y="206896"/>
-                <a:ext cx="3571890" cy="374869"/>
-                <a:chOff x="-191197" y="206896"/>
-                <a:chExt cx="3571890" cy="374869"/>
-              </a:xfrm>
-            </p:grpSpPr>
-            <p:cxnSp>
-              <p:nvCxnSpPr>
-                <p:cNvPr id="5" name="Straight Connector 4"/>
-                <p:cNvCxnSpPr/>
-                <p:nvPr/>
-              </p:nvCxnSpPr>
-              <p:spPr>
-                <a:xfrm>
-                  <a:off x="-191197" y="430087"/>
-                  <a:ext cx="150687" cy="4073"/>
-                </a:xfrm>
-                <a:prstGeom prst="line">
-                  <a:avLst/>
-                </a:prstGeom>
-                <a:ln w="12700">
-                  <a:solidFill>
-                    <a:srgbClr val="990000"/>
-                  </a:solidFill>
-                </a:ln>
-              </p:spPr>
-              <p:style>
-                <a:lnRef idx="1">
-                  <a:schemeClr val="accent1"/>
-                </a:lnRef>
-                <a:fillRef idx="0">
-                  <a:schemeClr val="accent1"/>
-                </a:fillRef>
-                <a:effectRef idx="0">
-                  <a:schemeClr val="accent1"/>
-                </a:effectRef>
-                <a:fontRef idx="minor">
-                  <a:schemeClr val="tx1"/>
-                </a:fontRef>
-              </p:style>
-            </p:cxnSp>
-            <p:cxnSp>
-              <p:nvCxnSpPr>
-                <p:cNvPr id="8" name="Straight Connector 7"/>
-                <p:cNvCxnSpPr/>
-                <p:nvPr/>
-              </p:nvCxnSpPr>
-              <p:spPr>
-                <a:xfrm>
-                  <a:off x="1526827" y="430087"/>
-                  <a:ext cx="150687" cy="4073"/>
-                </a:xfrm>
-                <a:prstGeom prst="line">
-                  <a:avLst/>
-                </a:prstGeom>
-                <a:ln w="12700">
-                  <a:solidFill>
-                    <a:srgbClr val="0000FF"/>
-                  </a:solidFill>
-                </a:ln>
-              </p:spPr>
-              <p:style>
-                <a:lnRef idx="1">
-                  <a:schemeClr val="accent1"/>
-                </a:lnRef>
-                <a:fillRef idx="0">
-                  <a:schemeClr val="accent1"/>
-                </a:fillRef>
-                <a:effectRef idx="0">
-                  <a:schemeClr val="accent1"/>
-                </a:effectRef>
-                <a:fontRef idx="minor">
-                  <a:schemeClr val="tx1"/>
-                </a:fontRef>
-              </p:style>
-            </p:cxnSp>
-            <p:cxnSp>
-              <p:nvCxnSpPr>
-                <p:cNvPr id="9" name="Straight Connector 8"/>
-                <p:cNvCxnSpPr/>
-                <p:nvPr/>
-              </p:nvCxnSpPr>
-              <p:spPr>
-                <a:xfrm>
-                  <a:off x="-191197" y="319881"/>
-                  <a:ext cx="150687" cy="4073"/>
-                </a:xfrm>
-                <a:prstGeom prst="line">
-                  <a:avLst/>
-                </a:prstGeom>
-                <a:ln w="12700">
-                  <a:solidFill>
-                    <a:schemeClr val="tx1"/>
-                  </a:solidFill>
-                </a:ln>
-              </p:spPr>
-              <p:style>
-                <a:lnRef idx="1">
-                  <a:schemeClr val="accent1"/>
-                </a:lnRef>
-                <a:fillRef idx="0">
-                  <a:schemeClr val="accent1"/>
-                </a:fillRef>
-                <a:effectRef idx="0">
-                  <a:schemeClr val="accent1"/>
-                </a:effectRef>
-                <a:fontRef idx="minor">
-                  <a:schemeClr val="tx1"/>
-                </a:fontRef>
-              </p:style>
-            </p:cxnSp>
-            <p:cxnSp>
-              <p:nvCxnSpPr>
-                <p:cNvPr id="10" name="Straight Connector 9"/>
-                <p:cNvCxnSpPr/>
-                <p:nvPr/>
-              </p:nvCxnSpPr>
-              <p:spPr>
-                <a:xfrm>
-                  <a:off x="1530793" y="321474"/>
-                  <a:ext cx="150687" cy="4073"/>
-                </a:xfrm>
-                <a:prstGeom prst="line">
-                  <a:avLst/>
-                </a:prstGeom>
-                <a:ln w="12700">
-                  <a:solidFill>
-                    <a:srgbClr val="FF00FF"/>
-                  </a:solidFill>
-                </a:ln>
-              </p:spPr>
-              <p:style>
-                <a:lnRef idx="1">
-                  <a:schemeClr val="accent1"/>
-                </a:lnRef>
-                <a:fillRef idx="0">
-                  <a:schemeClr val="accent1"/>
-                </a:fillRef>
-                <a:effectRef idx="0">
-                  <a:schemeClr val="accent1"/>
-                </a:effectRef>
-                <a:fontRef idx="minor">
-                  <a:schemeClr val="tx1"/>
-                </a:fontRef>
-              </p:style>
-            </p:cxnSp>
-            <p:sp>
-              <p:nvSpPr>
-                <p:cNvPr id="41" name="TextBox 40"/>
-                <p:cNvSpPr txBox="1"/>
-                <p:nvPr/>
-              </p:nvSpPr>
-              <p:spPr>
-                <a:xfrm>
-                  <a:off x="-99400" y="214870"/>
-                  <a:ext cx="1718660" cy="366895"/>
-                </a:xfrm>
-                <a:prstGeom prst="rect">
-                  <a:avLst/>
-                </a:prstGeom>
-                <a:noFill/>
-              </p:spPr>
-              <p:txBody>
-                <a:bodyPr wrap="square" rtlCol="0">
-                  <a:spAutoFit/>
-                </a:bodyPr>
-                <a:lstStyle/>
-                <a:p>
-                  <a:r>
-                    <a:rPr lang="en-US" sz="892" dirty="0"/>
-                    <a:t>1</a:t>
-                  </a:r>
-                  <a:r>
-                    <a:rPr lang="en-US" sz="892" baseline="30000" dirty="0"/>
-                    <a:t>st</a:t>
-                  </a:r>
-                  <a:r>
-                    <a:rPr lang="en-US" sz="892" dirty="0"/>
-                    <a:t> </a:t>
-                  </a:r>
-                  <a:r>
-                    <a:rPr lang="en-US" sz="892" dirty="0" smtClean="0"/>
-                    <a:t>S.D. </a:t>
-                  </a:r>
-                  <a:r>
-                    <a:rPr lang="en-US" sz="892" dirty="0"/>
-                    <a:t>ellipse (with platform)</a:t>
-                  </a:r>
-                </a:p>
-                <a:p>
-                  <a:endParaRPr lang="en-US" sz="892" dirty="0"/>
-                </a:p>
-              </p:txBody>
-            </p:sp>
-            <p:sp>
-              <p:nvSpPr>
-                <p:cNvPr id="42" name="TextBox 41"/>
-                <p:cNvSpPr txBox="1"/>
-                <p:nvPr/>
-              </p:nvSpPr>
-              <p:spPr>
-                <a:xfrm>
-                  <a:off x="1638842" y="206896"/>
-                  <a:ext cx="1741851" cy="366895"/>
-                </a:xfrm>
-                <a:prstGeom prst="rect">
-                  <a:avLst/>
-                </a:prstGeom>
-                <a:noFill/>
-              </p:spPr>
-              <p:txBody>
-                <a:bodyPr wrap="square" rtlCol="0">
-                  <a:spAutoFit/>
-                </a:bodyPr>
-                <a:lstStyle/>
-                <a:p>
-                  <a:r>
-                    <a:rPr lang="en-US" sz="892" dirty="0"/>
-                    <a:t>2</a:t>
-                  </a:r>
-                  <a:r>
-                    <a:rPr lang="en-US" sz="892" baseline="30000" dirty="0"/>
-                    <a:t>nd</a:t>
-                  </a:r>
-                  <a:r>
-                    <a:rPr lang="en-US" sz="892" dirty="0"/>
-                    <a:t> </a:t>
-                  </a:r>
-                  <a:r>
-                    <a:rPr lang="en-US" sz="892" dirty="0" smtClean="0"/>
-                    <a:t>S.D. </a:t>
-                  </a:r>
-                  <a:r>
-                    <a:rPr lang="en-US" sz="892" dirty="0"/>
-                    <a:t>ellipse (</a:t>
-                  </a:r>
-                  <a:r>
-                    <a:rPr lang="en-US" sz="892" dirty="0" smtClean="0"/>
-                    <a:t>with platform)</a:t>
-                  </a:r>
-                </a:p>
-                <a:p>
-                  <a:endParaRPr lang="en-US" sz="892" dirty="0"/>
-                </a:p>
-              </p:txBody>
-            </p:sp>
-          </p:grpSp>
-        </p:grpSp>
-        <p:sp>
-          <p:nvSpPr>
-            <p:cNvPr id="47" name="TextBox 46"/>
-            <p:cNvSpPr txBox="1"/>
-            <p:nvPr/>
-          </p:nvSpPr>
-          <p:spPr>
-            <a:xfrm>
-              <a:off x="1466712" y="2927937"/>
-              <a:ext cx="1326165" cy="307777"/>
-            </a:xfrm>
-            <a:prstGeom prst="rect">
-              <a:avLst/>
-            </a:prstGeom>
-            <a:noFill/>
-          </p:spPr>
-          <p:txBody>
-            <a:bodyPr wrap="square" rtlCol="0">
-              <a:spAutoFit/>
-            </a:bodyPr>
-            <a:lstStyle/>
-            <a:p>
-              <a:r>
-                <a:rPr lang="en-US" sz="1400" dirty="0"/>
-                <a:t>X-distance (cm)</a:t>
-              </a:r>
-            </a:p>
-          </p:txBody>
-        </p:sp>
-        <p:grpSp>
-          <p:nvGrpSpPr>
-            <p:cNvPr id="7" name="Group 6"/>
-            <p:cNvGrpSpPr/>
-            <p:nvPr/>
-          </p:nvGrpSpPr>
-          <p:grpSpPr>
-            <a:xfrm>
-              <a:off x="-52804" y="991791"/>
-              <a:ext cx="307777" cy="1326165"/>
-              <a:chOff x="-120977" y="801053"/>
-              <a:chExt cx="307777" cy="1326165"/>
-            </a:xfrm>
-          </p:grpSpPr>
-          <p:sp>
-            <p:nvSpPr>
-              <p:cNvPr id="49" name="Rectangle 48"/>
-              <p:cNvSpPr/>
-              <p:nvPr/>
-            </p:nvSpPr>
-            <p:spPr>
-              <a:xfrm rot="16200000">
-                <a:off x="-608485" y="1370554"/>
-                <a:ext cx="1280729" cy="193431"/>
-              </a:xfrm>
-              <a:prstGeom prst="rect">
-                <a:avLst/>
-              </a:prstGeom>
-              <a:solidFill>
-                <a:schemeClr val="bg1"/>
-              </a:solidFill>
-              <a:ln>
-                <a:solidFill>
-                  <a:schemeClr val="bg1"/>
-                </a:solidFill>
-              </a:ln>
-            </p:spPr>
-            <p:style>
-              <a:lnRef idx="2">
-                <a:schemeClr val="accent1">
-                  <a:shade val="50000"/>
-                </a:schemeClr>
-              </a:lnRef>
-              <a:fillRef idx="1">
-                <a:schemeClr val="accent1"/>
-              </a:fillRef>
-              <a:effectRef idx="0">
-                <a:schemeClr val="accent1"/>
-              </a:effectRef>
-              <a:fontRef idx="minor">
-                <a:schemeClr val="lt1"/>
-              </a:fontRef>
-            </p:style>
-            <p:txBody>
-              <a:bodyPr rtlCol="0" anchor="ctr"/>
-              <a:lstStyle/>
-              <a:p>
-                <a:pPr algn="ctr"/>
-                <a:endParaRPr lang="en-US"/>
-              </a:p>
-            </p:txBody>
-          </p:sp>
-          <p:sp>
-            <p:nvSpPr>
-              <p:cNvPr id="52" name="TextBox 51"/>
-              <p:cNvSpPr txBox="1"/>
-              <p:nvPr/>
-            </p:nvSpPr>
-            <p:spPr>
-              <a:xfrm rot="16200000">
-                <a:off x="-630171" y="1310247"/>
-                <a:ext cx="1326165" cy="307777"/>
-              </a:xfrm>
-              <a:prstGeom prst="rect">
-                <a:avLst/>
-              </a:prstGeom>
-              <a:noFill/>
-            </p:spPr>
-            <p:txBody>
-              <a:bodyPr wrap="square" rtlCol="0">
-                <a:spAutoFit/>
-              </a:bodyPr>
-              <a:lstStyle/>
-              <a:p>
-                <a:r>
-                  <a:rPr lang="en-US" sz="1400" dirty="0"/>
-                  <a:t>Y-distance (cm)</a:t>
-                </a:r>
-              </a:p>
-            </p:txBody>
-          </p:sp>
-        </p:grpSp>
-        <p:sp>
-          <p:nvSpPr>
-            <p:cNvPr id="17" name="Rounded Rectangle 16"/>
-            <p:cNvSpPr/>
-            <p:nvPr/>
-          </p:nvSpPr>
-          <p:spPr>
-            <a:xfrm>
-              <a:off x="1979965" y="1554009"/>
-              <a:ext cx="79866" cy="76880"/>
-            </a:xfrm>
-            <a:prstGeom prst="roundRect">
-              <a:avLst/>
-            </a:prstGeom>
-            <a:solidFill>
-              <a:srgbClr val="FFFF00"/>
-            </a:solidFill>
-            <a:ln w="6350">
-              <a:solidFill>
-                <a:schemeClr val="tx1"/>
-              </a:solidFill>
-            </a:ln>
-          </p:spPr>
-          <p:style>
-            <a:lnRef idx="2">
-              <a:schemeClr val="accent1">
-                <a:shade val="50000"/>
-              </a:schemeClr>
-            </a:lnRef>
-            <a:fillRef idx="1">
-              <a:schemeClr val="accent1"/>
-            </a:fillRef>
-            <a:effectRef idx="0">
-              <a:schemeClr val="accent1"/>
-            </a:effectRef>
-            <a:fontRef idx="minor">
-              <a:schemeClr val="lt1"/>
-            </a:fontRef>
-          </p:style>
-          <p:txBody>
-            <a:bodyPr rtlCol="0" anchor="ctr"/>
-            <a:lstStyle/>
-            <a:p>
-              <a:pPr algn="ctr"/>
-              <a:endParaRPr lang="en-US"/>
-            </a:p>
-          </p:txBody>
-        </p:sp>
-      </p:grpSp>
+          <a:prstGeom prst="rect">
+            <a:avLst/>
+          </a:prstGeom>
+        </p:spPr>
+      </p:pic>
     </p:spTree>
     <p:extLst>
       <p:ext uri="{BB962C8B-B14F-4D97-AF65-F5344CB8AC3E}">
